--- a/T1S Autoconfig - Tooling.pptx
+++ b/T1S Autoconfig - Tooling.pptx
@@ -5,29 +5,31 @@
     <p:sldMasterId id="2147483648" r:id="rId5"/>
   </p:sldMasterIdLst>
   <p:notesMasterIdLst>
-    <p:notesMasterId r:id="rId23"/>
+    <p:notesMasterId r:id="rId25"/>
   </p:notesMasterIdLst>
   <p:handoutMasterIdLst>
-    <p:handoutMasterId r:id="rId24"/>
+    <p:handoutMasterId r:id="rId26"/>
   </p:handoutMasterIdLst>
   <p:sldIdLst>
     <p:sldId id="1954" r:id="rId6"/>
     <p:sldId id="2020" r:id="rId7"/>
-    <p:sldId id="2004" r:id="rId8"/>
-    <p:sldId id="2009" r:id="rId9"/>
-    <p:sldId id="2011" r:id="rId10"/>
-    <p:sldId id="2012" r:id="rId11"/>
-    <p:sldId id="2010" r:id="rId12"/>
-    <p:sldId id="2005" r:id="rId13"/>
-    <p:sldId id="2021" r:id="rId14"/>
-    <p:sldId id="2014" r:id="rId15"/>
-    <p:sldId id="2015" r:id="rId16"/>
-    <p:sldId id="2016" r:id="rId17"/>
-    <p:sldId id="2019" r:id="rId18"/>
-    <p:sldId id="2006" r:id="rId19"/>
-    <p:sldId id="2007" r:id="rId20"/>
-    <p:sldId id="2017" r:id="rId21"/>
-    <p:sldId id="2018" r:id="rId22"/>
+    <p:sldId id="1959" r:id="rId8"/>
+    <p:sldId id="2022" r:id="rId9"/>
+    <p:sldId id="2004" r:id="rId10"/>
+    <p:sldId id="2009" r:id="rId11"/>
+    <p:sldId id="2011" r:id="rId12"/>
+    <p:sldId id="2012" r:id="rId13"/>
+    <p:sldId id="2010" r:id="rId14"/>
+    <p:sldId id="2005" r:id="rId15"/>
+    <p:sldId id="2021" r:id="rId16"/>
+    <p:sldId id="2014" r:id="rId17"/>
+    <p:sldId id="2015" r:id="rId18"/>
+    <p:sldId id="2016" r:id="rId19"/>
+    <p:sldId id="2019" r:id="rId20"/>
+    <p:sldId id="2006" r:id="rId21"/>
+    <p:sldId id="2007" r:id="rId22"/>
+    <p:sldId id="2017" r:id="rId23"/>
+    <p:sldId id="2018" r:id="rId24"/>
   </p:sldIdLst>
   <p:sldSz cx="12188825" cy="6858000"/>
   <p:notesSz cx="6858000" cy="9144000"/>
@@ -916,7 +918,7 @@
           <a:p>
             <a:fld id="{98615C2D-FB91-8740-95C2-23C11A10F2F2}" type="datetimeFigureOut">
               <a:rPr lang="en-US" smtClean="0"/>
-              <a:t>10/9/2023</a:t>
+              <a:t>10/12/2023</a:t>
             </a:fld>
             <a:endParaRPr lang="en-US"/>
           </a:p>
@@ -1094,7 +1096,7 @@
           <a:p>
             <a:fld id="{F154E49F-5C3A-ED4E-A68A-CCB3AA3B5D59}" type="datetimeFigureOut">
               <a:rPr lang="en-US" smtClean="0"/>
-              <a:t>10/9/2023</a:t>
+              <a:t>10/12/2023</a:t>
             </a:fld>
             <a:endParaRPr lang="en-US"/>
           </a:p>
@@ -5371,12 +5373,52 @@
           <a:chExt cx="0" cy="0"/>
         </a:xfrm>
       </p:grpSpPr>
+      <p:sp>
+        <p:nvSpPr>
+          <p:cNvPr id="10" name="Title 1">
+            <a:extLst>
+              <a:ext uri="{FF2B5EF4-FFF2-40B4-BE49-F238E27FC236}">
+                <a16:creationId xmlns:a16="http://schemas.microsoft.com/office/drawing/2014/main" id="{0B683DAE-43AE-C3E0-1BAA-37E74A9E165D}"/>
+              </a:ext>
+            </a:extLst>
+          </p:cNvPr>
+          <p:cNvSpPr>
+            <a:spLocks noGrp="1"/>
+          </p:cNvSpPr>
+          <p:nvPr>
+            <p:ph type="title"/>
+          </p:nvPr>
+        </p:nvSpPr>
+        <p:spPr>
+          <a:xfrm>
+            <a:off x="355509" y="96296"/>
+            <a:ext cx="11400661" cy="777240"/>
+          </a:xfrm>
+        </p:spPr>
+        <p:txBody>
+          <a:bodyPr anchor="t">
+            <a:normAutofit/>
+          </a:bodyPr>
+          <a:lstStyle/>
+          <a:p>
+            <a:pPr>
+              <a:lnSpc>
+                <a:spcPct val="90000"/>
+              </a:lnSpc>
+            </a:pPr>
+            <a:r>
+              <a:rPr lang="en-US" dirty="0"/>
+              <a:t>Python GUI for parallel Programming with MDB</a:t>
+            </a:r>
+          </a:p>
+        </p:txBody>
+      </p:sp>
       <p:pic>
         <p:nvPicPr>
-          <p:cNvPr id="5" name="Picture 4">
-            <a:extLst>
-              <a:ext uri="{FF2B5EF4-FFF2-40B4-BE49-F238E27FC236}">
-                <a16:creationId xmlns:a16="http://schemas.microsoft.com/office/drawing/2014/main" id="{2A502E1D-115B-11A9-B819-E448E21C4B7F}"/>
+          <p:cNvPr id="7" name="Picture 6" descr="A screenshot of a computer&#10;&#10;Description automatically generated">
+            <a:extLst>
+              <a:ext uri="{FF2B5EF4-FFF2-40B4-BE49-F238E27FC236}">
+                <a16:creationId xmlns:a16="http://schemas.microsoft.com/office/drawing/2014/main" id="{C61F2B99-B43E-B0AA-F16D-AF62391FD30F}"/>
               </a:ext>
             </a:extLst>
           </p:cNvPr>
@@ -5402,93 +5444,49 @@
           <a:noFill/>
         </p:spPr>
       </p:pic>
-      <p:cxnSp>
-        <p:nvCxnSpPr>
-          <p:cNvPr id="6" name="Straight Arrow Connector 5">
-            <a:extLst>
-              <a:ext uri="{FF2B5EF4-FFF2-40B4-BE49-F238E27FC236}">
-                <a16:creationId xmlns:a16="http://schemas.microsoft.com/office/drawing/2014/main" id="{198C32A5-EF7B-1987-B5BB-EB59B41F8CDB}"/>
-              </a:ext>
-            </a:extLst>
-          </p:cNvPr>
-          <p:cNvCxnSpPr>
-            <a:cxnSpLocks/>
-          </p:cNvCxnSpPr>
+      <p:pic>
+        <p:nvPicPr>
+          <p:cNvPr id="12" name="Picture 11">
+            <a:extLst>
+              <a:ext uri="{FF2B5EF4-FFF2-40B4-BE49-F238E27FC236}">
+                <a16:creationId xmlns:a16="http://schemas.microsoft.com/office/drawing/2014/main" id="{C0555B2C-198E-0120-B25C-EFF5BEEE8408}"/>
+              </a:ext>
+            </a:extLst>
+          </p:cNvPr>
+          <p:cNvPicPr>
+            <a:picLocks noChangeAspect="1"/>
+          </p:cNvPicPr>
           <p:nvPr/>
-        </p:nvCxnSpPr>
-        <p:spPr>
-          <a:xfrm flipV="1">
-            <a:off x="5099901" y="2413262"/>
-            <a:ext cx="414779" cy="641023"/>
-          </a:xfrm>
-          <a:prstGeom prst="straightConnector1">
+        </p:nvPicPr>
+        <p:blipFill>
+          <a:blip r:embed="rId3"/>
+          <a:stretch>
+            <a:fillRect/>
+          </a:stretch>
+        </p:blipFill>
+        <p:spPr>
+          <a:xfrm>
+            <a:off x="2223117" y="876079"/>
+            <a:ext cx="7742591" cy="5105842"/>
+          </a:xfrm>
+          <a:prstGeom prst="rect">
             <a:avLst/>
           </a:prstGeom>
-          <a:ln>
-            <a:tailEnd type="triangle"/>
-          </a:ln>
-        </p:spPr>
-        <p:style>
-          <a:lnRef idx="3">
-            <a:schemeClr val="accent2"/>
-          </a:lnRef>
-          <a:fillRef idx="0">
-            <a:schemeClr val="accent2"/>
-          </a:fillRef>
-          <a:effectRef idx="2">
-            <a:schemeClr val="accent2"/>
-          </a:effectRef>
-          <a:fontRef idx="minor">
-            <a:schemeClr val="tx1"/>
-          </a:fontRef>
-        </p:style>
-      </p:cxnSp>
+          <a:effectLst>
+            <a:outerShdw blurRad="50800" dist="38100" dir="2700000" algn="tl" rotWithShape="0">
+              <a:prstClr val="black">
+                <a:alpha val="40000"/>
+              </a:prstClr>
+            </a:outerShdw>
+          </a:effectLst>
+        </p:spPr>
+      </p:pic>
       <p:sp>
         <p:nvSpPr>
-          <p:cNvPr id="7" name="Title 1">
-            <a:extLst>
-              <a:ext uri="{FF2B5EF4-FFF2-40B4-BE49-F238E27FC236}">
-                <a16:creationId xmlns:a16="http://schemas.microsoft.com/office/drawing/2014/main" id="{3E29B74F-3D90-2926-E81A-4FACC7241782}"/>
-              </a:ext>
-            </a:extLst>
-          </p:cNvPr>
-          <p:cNvSpPr>
-            <a:spLocks noGrp="1"/>
-          </p:cNvSpPr>
-          <p:nvPr>
-            <p:ph type="title"/>
-          </p:nvPr>
-        </p:nvSpPr>
-        <p:spPr>
-          <a:xfrm>
-            <a:off x="355509" y="96296"/>
-            <a:ext cx="11400661" cy="777240"/>
-          </a:xfrm>
-        </p:spPr>
-        <p:txBody>
-          <a:bodyPr anchor="t">
-            <a:normAutofit/>
-          </a:bodyPr>
-          <a:lstStyle/>
-          <a:p>
-            <a:pPr>
-              <a:lnSpc>
-                <a:spcPct val="90000"/>
-              </a:lnSpc>
-            </a:pPr>
-            <a:r>
-              <a:rPr lang="en-US" dirty="0"/>
-              <a:t>Python GUI for parallel Programming with MDB</a:t>
-            </a:r>
-          </a:p>
-        </p:txBody>
-      </p:sp>
-      <p:sp>
-        <p:nvSpPr>
-          <p:cNvPr id="8" name="Rectangle 7">
-            <a:extLst>
-              <a:ext uri="{FF2B5EF4-FFF2-40B4-BE49-F238E27FC236}">
-                <a16:creationId xmlns:a16="http://schemas.microsoft.com/office/drawing/2014/main" id="{B9027933-08EE-F096-0A65-805BBB653868}"/>
+          <p:cNvPr id="2" name="Rectangle 1">
+            <a:extLst>
+              <a:ext uri="{FF2B5EF4-FFF2-40B4-BE49-F238E27FC236}">
+                <a16:creationId xmlns:a16="http://schemas.microsoft.com/office/drawing/2014/main" id="{5011185F-E99F-ECBC-9DF3-0F90E4561E0A}"/>
               </a:ext>
             </a:extLst>
           </p:cNvPr>
@@ -5497,8 +5495,8 @@
         </p:nvSpPr>
         <p:spPr>
           <a:xfrm>
-            <a:off x="2875280" y="3429000"/>
-            <a:ext cx="6438265" cy="1808480"/>
+            <a:off x="3693905" y="3415383"/>
+            <a:ext cx="7117237" cy="1140644"/>
           </a:xfrm>
           <a:prstGeom prst="rect">
             <a:avLst/>
@@ -5528,10 +5526,878 @@
           </a:bodyPr>
           <a:lstStyle/>
           <a:p>
+            <a:r>
+              <a:rPr lang="de-DE" dirty="0"/>
+              <a:t>More Information about the MDB and how to use it at: </a:t>
+            </a:r>
+            <a:r>
+              <a:rPr lang="de-DE" dirty="0">
+                <a:hlinkClick r:id="rId4"/>
+              </a:rPr>
+              <a:t>https://microchipdeveloper.com/mplabx:mdb</a:t>
+            </a:r>
+            <a:endParaRPr lang="de-DE" dirty="0"/>
+          </a:p>
+        </p:txBody>
+      </p:sp>
+      <p:sp>
+        <p:nvSpPr>
+          <p:cNvPr id="3" name="Rectangle 2">
+            <a:extLst>
+              <a:ext uri="{FF2B5EF4-FFF2-40B4-BE49-F238E27FC236}">
+                <a16:creationId xmlns:a16="http://schemas.microsoft.com/office/drawing/2014/main" id="{353DFC50-4666-31E1-AA34-644BDF329C83}"/>
+              </a:ext>
+            </a:extLst>
+          </p:cNvPr>
+          <p:cNvSpPr/>
+          <p:nvPr/>
+        </p:nvSpPr>
+        <p:spPr>
+          <a:xfrm>
+            <a:off x="3693904" y="2063986"/>
+            <a:ext cx="7117237" cy="1140644"/>
+          </a:xfrm>
+          <a:prstGeom prst="rect">
+            <a:avLst/>
+          </a:prstGeom>
+          <a:ln/>
+        </p:spPr>
+        <p:style>
+          <a:lnRef idx="2">
+            <a:schemeClr val="accent2"/>
+          </a:lnRef>
+          <a:fillRef idx="1">
+            <a:schemeClr val="lt1"/>
+          </a:fillRef>
+          <a:effectRef idx="0">
+            <a:schemeClr val="accent2"/>
+          </a:effectRef>
+          <a:fontRef idx="minor">
+            <a:schemeClr val="dk1"/>
+          </a:fontRef>
+        </p:style>
+        <p:txBody>
+          <a:bodyPr rot="0" spcFirstLastPara="0" vertOverflow="overflow" horzOverflow="overflow" vert="horz" wrap="square" lIns="91440" tIns="45720" rIns="91440" bIns="45720" numCol="1" spcCol="0" rtlCol="0" fromWordArt="0" anchor="ctr" anchorCtr="0" forceAA="0" compatLnSpc="1">
+            <a:prstTxWarp prst="textNoShape">
+              <a:avLst/>
+            </a:prstTxWarp>
+            <a:noAutofit/>
+          </a:bodyPr>
+          <a:lstStyle/>
+          <a:p>
+            <a:r>
+              <a:rPr lang="de-DE" dirty="0"/>
+              <a:t>The Pyhton Script starts MDB.bat as a Sub-Process and controlls the input and output. This allows a „remote control“ of the MDB.bat</a:t>
+            </a:r>
+          </a:p>
+        </p:txBody>
+      </p:sp>
+    </p:spTree>
+    <p:extLst>
+      <p:ext uri="{BB962C8B-B14F-4D97-AF65-F5344CB8AC3E}">
+        <p14:creationId xmlns:p14="http://schemas.microsoft.com/office/powerpoint/2010/main" val="3340314853"/>
+      </p:ext>
+    </p:extLst>
+  </p:cSld>
+  <p:clrMapOvr>
+    <a:masterClrMapping/>
+  </p:clrMapOvr>
+  <p:timing>
+    <p:tnLst>
+      <p:par>
+        <p:cTn id="1" dur="indefinite" restart="never" nodeType="tmRoot">
+          <p:childTnLst>
+            <p:seq concurrent="1" nextAc="seek">
+              <p:cTn id="2" dur="indefinite" nodeType="mainSeq">
+                <p:childTnLst>
+                  <p:par>
+                    <p:cTn id="3" fill="hold">
+                      <p:stCondLst>
+                        <p:cond delay="indefinite"/>
+                      </p:stCondLst>
+                      <p:childTnLst>
+                        <p:par>
+                          <p:cTn id="4" fill="hold">
+                            <p:stCondLst>
+                              <p:cond delay="0"/>
+                            </p:stCondLst>
+                            <p:childTnLst>
+                              <p:par>
+                                <p:cTn id="5" presetID="1" presetClass="entr" presetSubtype="0" fill="hold" nodeType="clickEffect">
+                                  <p:stCondLst>
+                                    <p:cond delay="0"/>
+                                  </p:stCondLst>
+                                  <p:childTnLst>
+                                    <p:set>
+                                      <p:cBhvr>
+                                        <p:cTn id="6" dur="1" fill="hold">
+                                          <p:stCondLst>
+                                            <p:cond delay="0"/>
+                                          </p:stCondLst>
+                                        </p:cTn>
+                                        <p:tgtEl>
+                                          <p:spTgt spid="12"/>
+                                        </p:tgtEl>
+                                        <p:attrNameLst>
+                                          <p:attrName>style.visibility</p:attrName>
+                                        </p:attrNameLst>
+                                      </p:cBhvr>
+                                      <p:to>
+                                        <p:strVal val="visible"/>
+                                      </p:to>
+                                    </p:set>
+                                  </p:childTnLst>
+                                </p:cTn>
+                              </p:par>
+                            </p:childTnLst>
+                          </p:cTn>
+                        </p:par>
+                      </p:childTnLst>
+                    </p:cTn>
+                  </p:par>
+                  <p:par>
+                    <p:cTn id="7" fill="hold">
+                      <p:stCondLst>
+                        <p:cond delay="indefinite"/>
+                      </p:stCondLst>
+                      <p:childTnLst>
+                        <p:par>
+                          <p:cTn id="8" fill="hold">
+                            <p:stCondLst>
+                              <p:cond delay="0"/>
+                            </p:stCondLst>
+                            <p:childTnLst>
+                              <p:par>
+                                <p:cTn id="9" presetID="1" presetClass="entr" presetSubtype="0" fill="hold" grpId="0" nodeType="clickEffect">
+                                  <p:stCondLst>
+                                    <p:cond delay="0"/>
+                                  </p:stCondLst>
+                                  <p:childTnLst>
+                                    <p:set>
+                                      <p:cBhvr>
+                                        <p:cTn id="10" dur="1" fill="hold">
+                                          <p:stCondLst>
+                                            <p:cond delay="0"/>
+                                          </p:stCondLst>
+                                        </p:cTn>
+                                        <p:tgtEl>
+                                          <p:spTgt spid="3"/>
+                                        </p:tgtEl>
+                                        <p:attrNameLst>
+                                          <p:attrName>style.visibility</p:attrName>
+                                        </p:attrNameLst>
+                                      </p:cBhvr>
+                                      <p:to>
+                                        <p:strVal val="visible"/>
+                                      </p:to>
+                                    </p:set>
+                                  </p:childTnLst>
+                                </p:cTn>
+                              </p:par>
+                            </p:childTnLst>
+                          </p:cTn>
+                        </p:par>
+                      </p:childTnLst>
+                    </p:cTn>
+                  </p:par>
+                  <p:par>
+                    <p:cTn id="11" fill="hold">
+                      <p:stCondLst>
+                        <p:cond delay="indefinite"/>
+                      </p:stCondLst>
+                      <p:childTnLst>
+                        <p:par>
+                          <p:cTn id="12" fill="hold">
+                            <p:stCondLst>
+                              <p:cond delay="0"/>
+                            </p:stCondLst>
+                            <p:childTnLst>
+                              <p:par>
+                                <p:cTn id="13" presetID="1" presetClass="entr" presetSubtype="0" fill="hold" grpId="0" nodeType="clickEffect">
+                                  <p:stCondLst>
+                                    <p:cond delay="0"/>
+                                  </p:stCondLst>
+                                  <p:childTnLst>
+                                    <p:set>
+                                      <p:cBhvr>
+                                        <p:cTn id="14" dur="1" fill="hold">
+                                          <p:stCondLst>
+                                            <p:cond delay="0"/>
+                                          </p:stCondLst>
+                                        </p:cTn>
+                                        <p:tgtEl>
+                                          <p:spTgt spid="2"/>
+                                        </p:tgtEl>
+                                        <p:attrNameLst>
+                                          <p:attrName>style.visibility</p:attrName>
+                                        </p:attrNameLst>
+                                      </p:cBhvr>
+                                      <p:to>
+                                        <p:strVal val="visible"/>
+                                      </p:to>
+                                    </p:set>
+                                  </p:childTnLst>
+                                </p:cTn>
+                              </p:par>
+                            </p:childTnLst>
+                          </p:cTn>
+                        </p:par>
+                      </p:childTnLst>
+                    </p:cTn>
+                  </p:par>
+                </p:childTnLst>
+              </p:cTn>
+              <p:prevCondLst>
+                <p:cond evt="onPrev" delay="0">
+                  <p:tgtEl>
+                    <p:sldTgt/>
+                  </p:tgtEl>
+                </p:cond>
+              </p:prevCondLst>
+              <p:nextCondLst>
+                <p:cond evt="onNext" delay="0">
+                  <p:tgtEl>
+                    <p:sldTgt/>
+                  </p:tgtEl>
+                </p:cond>
+              </p:nextCondLst>
+            </p:seq>
+          </p:childTnLst>
+        </p:cTn>
+      </p:par>
+    </p:tnLst>
+    <p:bldLst>
+      <p:bldP spid="2" grpId="0" animBg="1"/>
+      <p:bldP spid="3" grpId="0" animBg="1"/>
+    </p:bldLst>
+  </p:timing>
+</p:sld>
+</file>
+
+<file path=ppt/slides/slide11.xml><?xml version="1.0" encoding="utf-8"?>
+<p:sld xmlns:a="http://schemas.openxmlformats.org/drawingml/2006/main" xmlns:r="http://schemas.openxmlformats.org/officeDocument/2006/relationships" xmlns:p="http://schemas.openxmlformats.org/presentationml/2006/main">
+  <p:cSld>
+    <p:spTree>
+      <p:nvGrpSpPr>
+        <p:cNvPr id="1" name=""/>
+        <p:cNvGrpSpPr/>
+        <p:nvPr/>
+      </p:nvGrpSpPr>
+      <p:grpSpPr>
+        <a:xfrm>
+          <a:off x="0" y="0"/>
+          <a:ext cx="0" cy="0"/>
+          <a:chOff x="0" y="0"/>
+          <a:chExt cx="0" cy="0"/>
+        </a:xfrm>
+      </p:grpSpPr>
+      <p:pic>
+        <p:nvPicPr>
+          <p:cNvPr id="5" name="Picture 4" descr="A screenshot of a computer&#10;&#10;Description automatically generated">
+            <a:extLst>
+              <a:ext uri="{FF2B5EF4-FFF2-40B4-BE49-F238E27FC236}">
+                <a16:creationId xmlns:a16="http://schemas.microsoft.com/office/drawing/2014/main" id="{F3CD5EC5-A04F-CAB2-8310-C53E869BA826}"/>
+              </a:ext>
+            </a:extLst>
+          </p:cNvPr>
+          <p:cNvPicPr>
+            <a:picLocks noChangeAspect="1"/>
+          </p:cNvPicPr>
+          <p:nvPr/>
+        </p:nvPicPr>
+        <p:blipFill>
+          <a:blip r:embed="rId2"/>
+          <a:stretch>
+            <a:fillRect/>
+          </a:stretch>
+        </p:blipFill>
+        <p:spPr>
+          <a:xfrm>
+            <a:off x="354778" y="1050906"/>
+            <a:ext cx="11400660" cy="5130297"/>
+          </a:xfrm>
+          <a:prstGeom prst="rect">
+            <a:avLst/>
+          </a:prstGeom>
+          <a:noFill/>
+        </p:spPr>
+      </p:pic>
+      <p:cxnSp>
+        <p:nvCxnSpPr>
+          <p:cNvPr id="7" name="Straight Arrow Connector 6">
+            <a:extLst>
+              <a:ext uri="{FF2B5EF4-FFF2-40B4-BE49-F238E27FC236}">
+                <a16:creationId xmlns:a16="http://schemas.microsoft.com/office/drawing/2014/main" id="{183F948A-AB04-0FDE-F4F2-5B8553B6383F}"/>
+              </a:ext>
+            </a:extLst>
+          </p:cNvPr>
+          <p:cNvCxnSpPr>
+            <a:cxnSpLocks/>
+          </p:cNvCxnSpPr>
+          <p:nvPr/>
+        </p:nvCxnSpPr>
+        <p:spPr>
+          <a:xfrm flipV="1">
+            <a:off x="6325386" y="2413262"/>
+            <a:ext cx="414779" cy="641023"/>
+          </a:xfrm>
+          <a:prstGeom prst="straightConnector1">
+            <a:avLst/>
+          </a:prstGeom>
+          <a:ln>
+            <a:tailEnd type="triangle"/>
+          </a:ln>
+        </p:spPr>
+        <p:style>
+          <a:lnRef idx="3">
+            <a:schemeClr val="accent2"/>
+          </a:lnRef>
+          <a:fillRef idx="0">
+            <a:schemeClr val="accent2"/>
+          </a:fillRef>
+          <a:effectRef idx="2">
+            <a:schemeClr val="accent2"/>
+          </a:effectRef>
+          <a:fontRef idx="minor">
+            <a:schemeClr val="tx1"/>
+          </a:fontRef>
+        </p:style>
+      </p:cxnSp>
+      <p:cxnSp>
+        <p:nvCxnSpPr>
+          <p:cNvPr id="8" name="Straight Arrow Connector 7">
+            <a:extLst>
+              <a:ext uri="{FF2B5EF4-FFF2-40B4-BE49-F238E27FC236}">
+                <a16:creationId xmlns:a16="http://schemas.microsoft.com/office/drawing/2014/main" id="{579E6A6F-AF21-F853-9D5C-03AABDDF8A87}"/>
+              </a:ext>
+            </a:extLst>
+          </p:cNvPr>
+          <p:cNvCxnSpPr>
+            <a:cxnSpLocks/>
+          </p:cNvCxnSpPr>
+          <p:nvPr/>
+        </p:nvCxnSpPr>
+        <p:spPr>
+          <a:xfrm flipV="1">
+            <a:off x="6975835" y="2055043"/>
+            <a:ext cx="3035431" cy="265690"/>
+          </a:xfrm>
+          <a:prstGeom prst="straightConnector1">
+            <a:avLst/>
+          </a:prstGeom>
+          <a:ln>
+            <a:tailEnd type="triangle"/>
+          </a:ln>
+        </p:spPr>
+        <p:style>
+          <a:lnRef idx="3">
+            <a:schemeClr val="accent2"/>
+          </a:lnRef>
+          <a:fillRef idx="0">
+            <a:schemeClr val="accent2"/>
+          </a:fillRef>
+          <a:effectRef idx="2">
+            <a:schemeClr val="accent2"/>
+          </a:effectRef>
+          <a:fontRef idx="minor">
+            <a:schemeClr val="tx1"/>
+          </a:fontRef>
+        </p:style>
+      </p:cxnSp>
+      <p:sp>
+        <p:nvSpPr>
+          <p:cNvPr id="14" name="Title 1">
+            <a:extLst>
+              <a:ext uri="{FF2B5EF4-FFF2-40B4-BE49-F238E27FC236}">
+                <a16:creationId xmlns:a16="http://schemas.microsoft.com/office/drawing/2014/main" id="{1AB9B658-86CB-4ECA-B766-B2515BC3BA1E}"/>
+              </a:ext>
+            </a:extLst>
+          </p:cNvPr>
+          <p:cNvSpPr>
+            <a:spLocks noGrp="1"/>
+          </p:cNvSpPr>
+          <p:nvPr>
+            <p:ph type="title"/>
+          </p:nvPr>
+        </p:nvSpPr>
+        <p:spPr>
+          <a:xfrm>
+            <a:off x="355509" y="96296"/>
+            <a:ext cx="11400661" cy="777240"/>
+          </a:xfrm>
+        </p:spPr>
+        <p:txBody>
+          <a:bodyPr anchor="t">
+            <a:normAutofit/>
+          </a:bodyPr>
+          <a:lstStyle/>
+          <a:p>
+            <a:pPr>
+              <a:lnSpc>
+                <a:spcPct val="90000"/>
+              </a:lnSpc>
+            </a:pPr>
+            <a:r>
+              <a:rPr lang="en-US" dirty="0"/>
+              <a:t>Python GUI for parallel Programming with MDB</a:t>
+            </a:r>
+          </a:p>
+        </p:txBody>
+      </p:sp>
+      <p:sp>
+        <p:nvSpPr>
+          <p:cNvPr id="2" name="Rectangle 1">
+            <a:extLst>
+              <a:ext uri="{FF2B5EF4-FFF2-40B4-BE49-F238E27FC236}">
+                <a16:creationId xmlns:a16="http://schemas.microsoft.com/office/drawing/2014/main" id="{AA913258-4663-03B0-B841-524F65A13357}"/>
+              </a:ext>
+            </a:extLst>
+          </p:cNvPr>
+          <p:cNvSpPr/>
+          <p:nvPr/>
+        </p:nvSpPr>
+        <p:spPr>
+          <a:xfrm>
+            <a:off x="2875280" y="3429000"/>
+            <a:ext cx="6438265" cy="1808480"/>
+          </a:xfrm>
+          <a:prstGeom prst="rect">
+            <a:avLst/>
+          </a:prstGeom>
+          <a:ln/>
+        </p:spPr>
+        <p:style>
+          <a:lnRef idx="2">
+            <a:schemeClr val="accent2"/>
+          </a:lnRef>
+          <a:fillRef idx="1">
+            <a:schemeClr val="lt1"/>
+          </a:fillRef>
+          <a:effectRef idx="0">
+            <a:schemeClr val="accent2"/>
+          </a:effectRef>
+          <a:fontRef idx="minor">
+            <a:schemeClr val="dk1"/>
+          </a:fontRef>
+        </p:style>
+        <p:txBody>
+          <a:bodyPr rot="0" spcFirstLastPara="0" vertOverflow="overflow" horzOverflow="overflow" vert="horz" wrap="square" lIns="91440" tIns="45720" rIns="91440" bIns="45720" numCol="1" spcCol="0" rtlCol="0" fromWordArt="0" anchor="ctr" anchorCtr="0" forceAA="0" compatLnSpc="1">
+            <a:prstTxWarp prst="textNoShape">
+              <a:avLst/>
+            </a:prstTxWarp>
+            <a:noAutofit/>
+          </a:bodyPr>
+          <a:lstStyle/>
+          <a:p>
+            <a:pPr algn="ctr"/>
+            <a:r>
+              <a:rPr lang="de-DE" dirty="0"/>
+              <a:t>„hwtool“ is a MDB command that lists all available debuggers and assigns them an index number. This index number is used to select the debugger</a:t>
+            </a:r>
+          </a:p>
+        </p:txBody>
+      </p:sp>
+      <p:sp>
+        <p:nvSpPr>
+          <p:cNvPr id="3" name="Rectangle 2">
+            <a:extLst>
+              <a:ext uri="{FF2B5EF4-FFF2-40B4-BE49-F238E27FC236}">
+                <a16:creationId xmlns:a16="http://schemas.microsoft.com/office/drawing/2014/main" id="{14046023-2BA3-8D9B-CD82-9D270594386D}"/>
+              </a:ext>
+            </a:extLst>
+          </p:cNvPr>
+          <p:cNvSpPr/>
+          <p:nvPr/>
+        </p:nvSpPr>
+        <p:spPr>
+          <a:xfrm>
+            <a:off x="405579" y="2644857"/>
+            <a:ext cx="590102" cy="214074"/>
+          </a:xfrm>
+          <a:prstGeom prst="rect">
+            <a:avLst/>
+          </a:prstGeom>
+          <a:noFill/>
+          <a:ln/>
+        </p:spPr>
+        <p:style>
+          <a:lnRef idx="2">
+            <a:schemeClr val="accent2"/>
+          </a:lnRef>
+          <a:fillRef idx="1">
+            <a:schemeClr val="lt1"/>
+          </a:fillRef>
+          <a:effectRef idx="0">
+            <a:schemeClr val="accent2"/>
+          </a:effectRef>
+          <a:fontRef idx="minor">
+            <a:schemeClr val="dk1"/>
+          </a:fontRef>
+        </p:style>
+        <p:txBody>
+          <a:bodyPr rot="0" spcFirstLastPara="0" vertOverflow="overflow" horzOverflow="overflow" vert="horz" wrap="square" lIns="91440" tIns="45720" rIns="91440" bIns="45720" numCol="1" spcCol="0" rtlCol="0" fromWordArt="0" anchor="ctr" anchorCtr="0" forceAA="0" compatLnSpc="1">
+            <a:prstTxWarp prst="textNoShape">
+              <a:avLst/>
+            </a:prstTxWarp>
+            <a:noAutofit/>
+          </a:bodyPr>
+          <a:lstStyle/>
+          <a:p>
+            <a:pPr algn="ctr"/>
+            <a:endParaRPr lang="de-DE"/>
+          </a:p>
+        </p:txBody>
+      </p:sp>
+    </p:spTree>
+    <p:extLst>
+      <p:ext uri="{BB962C8B-B14F-4D97-AF65-F5344CB8AC3E}">
+        <p14:creationId xmlns:p14="http://schemas.microsoft.com/office/powerpoint/2010/main" val="974011422"/>
+      </p:ext>
+    </p:extLst>
+  </p:cSld>
+  <p:clrMapOvr>
+    <a:masterClrMapping/>
+  </p:clrMapOvr>
+  <p:timing>
+    <p:tnLst>
+      <p:par>
+        <p:cTn id="1" dur="indefinite" restart="never" nodeType="tmRoot">
+          <p:childTnLst>
+            <p:seq concurrent="1" nextAc="seek">
+              <p:cTn id="2" dur="indefinite" nodeType="mainSeq">
+                <p:childTnLst>
+                  <p:par>
+                    <p:cTn id="3" fill="hold">
+                      <p:stCondLst>
+                        <p:cond delay="indefinite"/>
+                      </p:stCondLst>
+                      <p:childTnLst>
+                        <p:par>
+                          <p:cTn id="4" fill="hold">
+                            <p:stCondLst>
+                              <p:cond delay="0"/>
+                            </p:stCondLst>
+                            <p:childTnLst>
+                              <p:par>
+                                <p:cTn id="5" presetID="1" presetClass="entr" presetSubtype="0" fill="hold" grpId="0" nodeType="clickEffect">
+                                  <p:stCondLst>
+                                    <p:cond delay="0"/>
+                                  </p:stCondLst>
+                                  <p:childTnLst>
+                                    <p:set>
+                                      <p:cBhvr>
+                                        <p:cTn id="6" dur="1" fill="hold">
+                                          <p:stCondLst>
+                                            <p:cond delay="0"/>
+                                          </p:stCondLst>
+                                        </p:cTn>
+                                        <p:tgtEl>
+                                          <p:spTgt spid="2"/>
+                                        </p:tgtEl>
+                                        <p:attrNameLst>
+                                          <p:attrName>style.visibility</p:attrName>
+                                        </p:attrNameLst>
+                                      </p:cBhvr>
+                                      <p:to>
+                                        <p:strVal val="visible"/>
+                                      </p:to>
+                                    </p:set>
+                                  </p:childTnLst>
+                                </p:cTn>
+                              </p:par>
+                              <p:par>
+                                <p:cTn id="7" presetID="1" presetClass="entr" presetSubtype="0" fill="hold" grpId="0" nodeType="withEffect">
+                                  <p:stCondLst>
+                                    <p:cond delay="0"/>
+                                  </p:stCondLst>
+                                  <p:childTnLst>
+                                    <p:set>
+                                      <p:cBhvr>
+                                        <p:cTn id="8" dur="1" fill="hold">
+                                          <p:stCondLst>
+                                            <p:cond delay="0"/>
+                                          </p:stCondLst>
+                                        </p:cTn>
+                                        <p:tgtEl>
+                                          <p:spTgt spid="3"/>
+                                        </p:tgtEl>
+                                        <p:attrNameLst>
+                                          <p:attrName>style.visibility</p:attrName>
+                                        </p:attrNameLst>
+                                      </p:cBhvr>
+                                      <p:to>
+                                        <p:strVal val="visible"/>
+                                      </p:to>
+                                    </p:set>
+                                  </p:childTnLst>
+                                </p:cTn>
+                              </p:par>
+                            </p:childTnLst>
+                          </p:cTn>
+                        </p:par>
+                      </p:childTnLst>
+                    </p:cTn>
+                  </p:par>
+                </p:childTnLst>
+              </p:cTn>
+              <p:prevCondLst>
+                <p:cond evt="onPrev" delay="0">
+                  <p:tgtEl>
+                    <p:sldTgt/>
+                  </p:tgtEl>
+                </p:cond>
+              </p:prevCondLst>
+              <p:nextCondLst>
+                <p:cond evt="onNext" delay="0">
+                  <p:tgtEl>
+                    <p:sldTgt/>
+                  </p:tgtEl>
+                </p:cond>
+              </p:nextCondLst>
+            </p:seq>
+          </p:childTnLst>
+        </p:cTn>
+      </p:par>
+    </p:tnLst>
+    <p:bldLst>
+      <p:bldP spid="2" grpId="0" animBg="1"/>
+      <p:bldP spid="3" grpId="0" animBg="1"/>
+    </p:bldLst>
+  </p:timing>
+</p:sld>
+</file>
+
+<file path=ppt/slides/slide12.xml><?xml version="1.0" encoding="utf-8"?>
+<p:sld xmlns:a="http://schemas.openxmlformats.org/drawingml/2006/main" xmlns:r="http://schemas.openxmlformats.org/officeDocument/2006/relationships" xmlns:p="http://schemas.openxmlformats.org/presentationml/2006/main">
+  <p:cSld>
+    <p:spTree>
+      <p:nvGrpSpPr>
+        <p:cNvPr id="1" name=""/>
+        <p:cNvGrpSpPr/>
+        <p:nvPr/>
+      </p:nvGrpSpPr>
+      <p:grpSpPr>
+        <a:xfrm>
+          <a:off x="0" y="0"/>
+          <a:ext cx="0" cy="0"/>
+          <a:chOff x="0" y="0"/>
+          <a:chExt cx="0" cy="0"/>
+        </a:xfrm>
+      </p:grpSpPr>
+      <p:pic>
+        <p:nvPicPr>
+          <p:cNvPr id="5" name="Picture 4">
+            <a:extLst>
+              <a:ext uri="{FF2B5EF4-FFF2-40B4-BE49-F238E27FC236}">
+                <a16:creationId xmlns:a16="http://schemas.microsoft.com/office/drawing/2014/main" id="{2A502E1D-115B-11A9-B819-E448E21C4B7F}"/>
+              </a:ext>
+            </a:extLst>
+          </p:cNvPr>
+          <p:cNvPicPr>
+            <a:picLocks noChangeAspect="1"/>
+          </p:cNvPicPr>
+          <p:nvPr/>
+        </p:nvPicPr>
+        <p:blipFill>
+          <a:blip r:embed="rId2"/>
+          <a:stretch>
+            <a:fillRect/>
+          </a:stretch>
+        </p:blipFill>
+        <p:spPr>
+          <a:xfrm>
+            <a:off x="354778" y="1050906"/>
+            <a:ext cx="11400660" cy="5130297"/>
+          </a:xfrm>
+          <a:prstGeom prst="rect">
+            <a:avLst/>
+          </a:prstGeom>
+          <a:noFill/>
+        </p:spPr>
+      </p:pic>
+      <p:cxnSp>
+        <p:nvCxnSpPr>
+          <p:cNvPr id="6" name="Straight Arrow Connector 5">
+            <a:extLst>
+              <a:ext uri="{FF2B5EF4-FFF2-40B4-BE49-F238E27FC236}">
+                <a16:creationId xmlns:a16="http://schemas.microsoft.com/office/drawing/2014/main" id="{198C32A5-EF7B-1987-B5BB-EB59B41F8CDB}"/>
+              </a:ext>
+            </a:extLst>
+          </p:cNvPr>
+          <p:cNvCxnSpPr>
+            <a:cxnSpLocks/>
+          </p:cNvCxnSpPr>
+          <p:nvPr/>
+        </p:nvCxnSpPr>
+        <p:spPr>
+          <a:xfrm flipV="1">
+            <a:off x="5099901" y="2413262"/>
+            <a:ext cx="414779" cy="641023"/>
+          </a:xfrm>
+          <a:prstGeom prst="straightConnector1">
+            <a:avLst/>
+          </a:prstGeom>
+          <a:ln>
+            <a:tailEnd type="triangle"/>
+          </a:ln>
+        </p:spPr>
+        <p:style>
+          <a:lnRef idx="3">
+            <a:schemeClr val="accent2"/>
+          </a:lnRef>
+          <a:fillRef idx="0">
+            <a:schemeClr val="accent2"/>
+          </a:fillRef>
+          <a:effectRef idx="2">
+            <a:schemeClr val="accent2"/>
+          </a:effectRef>
+          <a:fontRef idx="minor">
+            <a:schemeClr val="tx1"/>
+          </a:fontRef>
+        </p:style>
+      </p:cxnSp>
+      <p:sp>
+        <p:nvSpPr>
+          <p:cNvPr id="7" name="Title 1">
+            <a:extLst>
+              <a:ext uri="{FF2B5EF4-FFF2-40B4-BE49-F238E27FC236}">
+                <a16:creationId xmlns:a16="http://schemas.microsoft.com/office/drawing/2014/main" id="{3E29B74F-3D90-2926-E81A-4FACC7241782}"/>
+              </a:ext>
+            </a:extLst>
+          </p:cNvPr>
+          <p:cNvSpPr>
+            <a:spLocks noGrp="1"/>
+          </p:cNvSpPr>
+          <p:nvPr>
+            <p:ph type="title"/>
+          </p:nvPr>
+        </p:nvSpPr>
+        <p:spPr>
+          <a:xfrm>
+            <a:off x="355509" y="96296"/>
+            <a:ext cx="11400661" cy="777240"/>
+          </a:xfrm>
+        </p:spPr>
+        <p:txBody>
+          <a:bodyPr anchor="t">
+            <a:normAutofit/>
+          </a:bodyPr>
+          <a:lstStyle/>
+          <a:p>
+            <a:pPr>
+              <a:lnSpc>
+                <a:spcPct val="90000"/>
+              </a:lnSpc>
+            </a:pPr>
+            <a:r>
+              <a:rPr lang="en-US" dirty="0"/>
+              <a:t>Python GUI for parallel Programming with MDB</a:t>
+            </a:r>
+          </a:p>
+        </p:txBody>
+      </p:sp>
+      <p:sp>
+        <p:nvSpPr>
+          <p:cNvPr id="8" name="Rectangle 7">
+            <a:extLst>
+              <a:ext uri="{FF2B5EF4-FFF2-40B4-BE49-F238E27FC236}">
+                <a16:creationId xmlns:a16="http://schemas.microsoft.com/office/drawing/2014/main" id="{B9027933-08EE-F096-0A65-805BBB653868}"/>
+              </a:ext>
+            </a:extLst>
+          </p:cNvPr>
+          <p:cNvSpPr/>
+          <p:nvPr/>
+        </p:nvSpPr>
+        <p:spPr>
+          <a:xfrm>
+            <a:off x="2972556" y="1921213"/>
+            <a:ext cx="6438265" cy="1808480"/>
+          </a:xfrm>
+          <a:prstGeom prst="rect">
+            <a:avLst/>
+          </a:prstGeom>
+          <a:ln/>
+        </p:spPr>
+        <p:style>
+          <a:lnRef idx="2">
+            <a:schemeClr val="accent2"/>
+          </a:lnRef>
+          <a:fillRef idx="1">
+            <a:schemeClr val="lt1"/>
+          </a:fillRef>
+          <a:effectRef idx="0">
+            <a:schemeClr val="accent2"/>
+          </a:effectRef>
+          <a:fontRef idx="minor">
+            <a:schemeClr val="dk1"/>
+          </a:fontRef>
+        </p:style>
+        <p:txBody>
+          <a:bodyPr rot="0" spcFirstLastPara="0" vertOverflow="overflow" horzOverflow="overflow" vert="horz" wrap="square" lIns="91440" tIns="45720" rIns="91440" bIns="45720" numCol="1" spcCol="0" rtlCol="0" fromWordArt="0" anchor="ctr" anchorCtr="0" forceAA="0" compatLnSpc="1">
+            <a:prstTxWarp prst="textNoShape">
+              <a:avLst/>
+            </a:prstTxWarp>
+            <a:noAutofit/>
+          </a:bodyPr>
+          <a:lstStyle/>
+          <a:p>
             <a:pPr algn="ctr"/>
             <a:r>
               <a:rPr lang="de-DE" dirty="0"/>
               <a:t>With clicking on „Connect MDB“, all setup is done for EDGB, Speed 6Mbit, SWD Interface and selecting the debuggers. This takes some time until it‘s connected</a:t>
+            </a:r>
+          </a:p>
+        </p:txBody>
+      </p:sp>
+      <p:sp>
+        <p:nvSpPr>
+          <p:cNvPr id="2" name="Rectangle 1">
+            <a:extLst>
+              <a:ext uri="{FF2B5EF4-FFF2-40B4-BE49-F238E27FC236}">
+                <a16:creationId xmlns:a16="http://schemas.microsoft.com/office/drawing/2014/main" id="{87FDFD74-B7BE-F509-665C-DDDEE73EA0D7}"/>
+              </a:ext>
+            </a:extLst>
+          </p:cNvPr>
+          <p:cNvSpPr/>
+          <p:nvPr/>
+        </p:nvSpPr>
+        <p:spPr>
+          <a:xfrm>
+            <a:off x="2972556" y="3878637"/>
+            <a:ext cx="6438265" cy="1808480"/>
+          </a:xfrm>
+          <a:prstGeom prst="rect">
+            <a:avLst/>
+          </a:prstGeom>
+          <a:ln/>
+        </p:spPr>
+        <p:style>
+          <a:lnRef idx="2">
+            <a:schemeClr val="accent2"/>
+          </a:lnRef>
+          <a:fillRef idx="1">
+            <a:schemeClr val="lt1"/>
+          </a:fillRef>
+          <a:effectRef idx="0">
+            <a:schemeClr val="accent2"/>
+          </a:effectRef>
+          <a:fontRef idx="minor">
+            <a:schemeClr val="dk1"/>
+          </a:fontRef>
+        </p:style>
+        <p:txBody>
+          <a:bodyPr rot="0" spcFirstLastPara="0" vertOverflow="overflow" horzOverflow="overflow" vert="horz" wrap="square" lIns="91440" tIns="45720" rIns="91440" bIns="45720" numCol="1" spcCol="0" rtlCol="0" fromWordArt="0" anchor="ctr" anchorCtr="0" forceAA="0" compatLnSpc="1">
+            <a:prstTxWarp prst="textNoShape">
+              <a:avLst/>
+            </a:prstTxWarp>
+            <a:noAutofit/>
+          </a:bodyPr>
+          <a:lstStyle/>
+          <a:p>
+            <a:pPr algn="ctr"/>
+            <a:r>
+              <a:rPr lang="de-DE" dirty="0"/>
+              <a:t>Keep in  mind that every mdb.bat process do need about 2 Gbyte of RAM. All four instancess are around 8 Gbyte of RAM</a:t>
             </a:r>
           </a:p>
         </p:txBody>
@@ -5599,6 +6465,51 @@
                       </p:childTnLst>
                     </p:cTn>
                   </p:par>
+                  <p:par>
+                    <p:cTn id="7" fill="hold">
+                      <p:stCondLst>
+                        <p:cond delay="indefinite"/>
+                      </p:stCondLst>
+                      <p:childTnLst>
+                        <p:par>
+                          <p:cTn id="8" fill="hold">
+                            <p:stCondLst>
+                              <p:cond delay="0"/>
+                            </p:stCondLst>
+                            <p:childTnLst>
+                              <p:par>
+                                <p:cTn id="9" presetID="1" presetClass="entr" presetSubtype="0" fill="hold" grpId="0" nodeType="clickEffect">
+                                  <p:stCondLst>
+                                    <p:cond delay="0"/>
+                                  </p:stCondLst>
+                                  <p:childTnLst>
+                                    <p:set>
+                                      <p:cBhvr>
+                                        <p:cTn id="10" dur="1" fill="hold">
+                                          <p:stCondLst>
+                                            <p:cond delay="0"/>
+                                          </p:stCondLst>
+                                        </p:cTn>
+                                        <p:tgtEl>
+                                          <p:spTgt spid="2"/>
+                                        </p:tgtEl>
+                                        <p:attrNameLst>
+                                          <p:attrName>style.visibility</p:attrName>
+                                        </p:attrNameLst>
+                                      </p:cBhvr>
+                                      <p:to>
+                                        <p:strVal val="visible"/>
+                                      </p:to>
+                                    </p:set>
+                                  </p:childTnLst>
+                                </p:cTn>
+                              </p:par>
+                            </p:childTnLst>
+                          </p:cTn>
+                        </p:par>
+                      </p:childTnLst>
+                    </p:cTn>
+                  </p:par>
                 </p:childTnLst>
               </p:cTn>
               <p:prevCondLst>
@@ -5622,12 +6533,13 @@
     </p:tnLst>
     <p:bldLst>
       <p:bldP spid="8" grpId="0" animBg="1"/>
+      <p:bldP spid="2" grpId="0" animBg="1"/>
     </p:bldLst>
   </p:timing>
 </p:sld>
 </file>
 
-<file path=ppt/slides/slide11.xml><?xml version="1.0" encoding="utf-8"?>
+<file path=ppt/slides/slide13.xml><?xml version="1.0" encoding="utf-8"?>
 <p:sld xmlns:a="http://schemas.openxmlformats.org/drawingml/2006/main" xmlns:r="http://schemas.openxmlformats.org/officeDocument/2006/relationships" xmlns:p="http://schemas.openxmlformats.org/presentationml/2006/main">
   <p:cSld>
     <p:spTree>
@@ -5804,7 +6716,7 @@
             <a:pPr algn="ctr"/>
             <a:r>
               <a:rPr lang="en-US" dirty="0"/>
-              <a:t>“Prog Boards” programs all Hex files.</a:t>
+              <a:t>“Prog Boards” programs all Hex files in parallel.</a:t>
             </a:r>
             <a:br>
               <a:rPr lang="en-US" dirty="0"/>
@@ -5908,7 +6820,7 @@
 </p:sld>
 </file>
 
-<file path=ppt/slides/slide12.xml><?xml version="1.0" encoding="utf-8"?>
+<file path=ppt/slides/slide14.xml><?xml version="1.0" encoding="utf-8"?>
 <p:sld xmlns:a="http://schemas.openxmlformats.org/drawingml/2006/main" xmlns:r="http://schemas.openxmlformats.org/officeDocument/2006/relationships" xmlns:p="http://schemas.openxmlformats.org/presentationml/2006/main">
   <p:cSld>
     <p:spTree>
@@ -6148,7 +7060,7 @@
 </p:sld>
 </file>
 
-<file path=ppt/slides/slide13.xml><?xml version="1.0" encoding="utf-8"?>
+<file path=ppt/slides/slide15.xml><?xml version="1.0" encoding="utf-8"?>
 <p:sld xmlns:a="http://schemas.openxmlformats.org/drawingml/2006/main" xmlns:r="http://schemas.openxmlformats.org/officeDocument/2006/relationships" xmlns:p="http://schemas.openxmlformats.org/presentationml/2006/main">
   <p:cSld>
     <p:spTree>
@@ -7311,7 +8223,7 @@
 </p:sld>
 </file>
 
-<file path=ppt/slides/slide14.xml><?xml version="1.0" encoding="utf-8"?>
+<file path=ppt/slides/slide16.xml><?xml version="1.0" encoding="utf-8"?>
 <p:sld xmlns:a="http://schemas.openxmlformats.org/drawingml/2006/main" xmlns:r="http://schemas.openxmlformats.org/officeDocument/2006/relationships" xmlns:p="http://schemas.openxmlformats.org/presentationml/2006/main">
   <p:cSld>
     <p:spTree>
@@ -7584,7 +8496,7 @@
 </p:sld>
 </file>
 
-<file path=ppt/slides/slide15.xml><?xml version="1.0" encoding="utf-8"?>
+<file path=ppt/slides/slide17.xml><?xml version="1.0" encoding="utf-8"?>
 <p:sld xmlns:a="http://schemas.openxmlformats.org/drawingml/2006/main" xmlns:r="http://schemas.openxmlformats.org/officeDocument/2006/relationships" xmlns:p="http://schemas.openxmlformats.org/presentationml/2006/main">
   <p:cSld>
     <p:spTree>
@@ -7869,7 +8781,7 @@
 </p:sld>
 </file>
 
-<file path=ppt/slides/slide16.xml><?xml version="1.0" encoding="utf-8"?>
+<file path=ppt/slides/slide18.xml><?xml version="1.0" encoding="utf-8"?>
 <p:sld xmlns:a="http://schemas.openxmlformats.org/drawingml/2006/main" xmlns:r="http://schemas.openxmlformats.org/officeDocument/2006/relationships" xmlns:p="http://schemas.openxmlformats.org/presentationml/2006/main">
   <p:cSld>
     <p:spTree>
@@ -8154,7 +9066,7 @@
 </p:sld>
 </file>
 
-<file path=ppt/slides/slide17.xml><?xml version="1.0" encoding="utf-8"?>
+<file path=ppt/slides/slide19.xml><?xml version="1.0" encoding="utf-8"?>
 <p:sld xmlns:a="http://schemas.openxmlformats.org/drawingml/2006/main" xmlns:r="http://schemas.openxmlformats.org/officeDocument/2006/relationships" xmlns:p="http://schemas.openxmlformats.org/presentationml/2006/main">
   <p:cSld>
     <p:spTree>
@@ -8308,8 +9220,8 @@
         </p:nvSpPr>
         <p:spPr>
           <a:xfrm>
-            <a:off x="2835974" y="2930717"/>
-            <a:ext cx="6438265" cy="2505927"/>
+            <a:off x="1617437" y="1270447"/>
+            <a:ext cx="8953949" cy="1976719"/>
           </a:xfrm>
           <a:prstGeom prst="rect">
             <a:avLst/>
@@ -8342,11 +9254,7 @@
             <a:pPr algn="ctr"/>
             <a:r>
               <a:rPr lang="en-US" dirty="0"/>
-              <a:t>When it comes to test communication protocols, the 4 terminals make it much more convenient to debug the firmware by locking into the output of the </a:t>
-            </a:r>
-            <a:r>
-              <a:rPr lang="en-US" dirty="0" err="1"/>
-              <a:t>boardsboa</a:t>
+              <a:t>When it comes to test communication protocols, the 4 terminals make it much more convenient to debug the firmware by locking into the output of the boards</a:t>
             </a:r>
             <a:endParaRPr lang="de-DE" dirty="0"/>
           </a:p>
@@ -8366,8 +9274,8 @@
         </p:nvSpPr>
         <p:spPr>
           <a:xfrm>
-            <a:off x="2988374" y="3063239"/>
-            <a:ext cx="6438265" cy="2505927"/>
+            <a:off x="1617437" y="3532706"/>
+            <a:ext cx="8953949" cy="2257322"/>
           </a:xfrm>
           <a:prstGeom prst="rect">
             <a:avLst/>
@@ -8400,42 +9308,14 @@
             <a:pPr algn="ctr"/>
             <a:r>
               <a:rPr lang="en-US" dirty="0"/>
-              <a:t>This firmware starts with “run” the sending of an UDP Broadcast packet. If until 5 secs there was no </a:t>
-            </a:r>
-            <a:r>
-              <a:rPr lang="en-US" dirty="0" err="1"/>
-              <a:t>answere</a:t>
-            </a:r>
-            <a:r>
-              <a:rPr lang="en-US" dirty="0"/>
-              <a:t>, the </a:t>
-            </a:r>
-            <a:r>
-              <a:rPr lang="en-US" dirty="0" err="1"/>
-              <a:t>fm</a:t>
-            </a:r>
-            <a:r>
-              <a:rPr lang="en-US" dirty="0"/>
-              <a:t> decides to be the “COORDINATOR” which answers to such packets. </a:t>
+              <a:t>This firmware starts with the command “run”, the sending of an UDP Broadcast packet. If until 5 secs there was no answer, the firmware decides to be the “COORDINATOR” which answers to such packets. </a:t>
             </a:r>
             <a:br>
               <a:rPr lang="en-US" dirty="0"/>
             </a:br>
             <a:r>
               <a:rPr lang="en-US" dirty="0"/>
-              <a:t>Inside this UDP packets, a timestamp is also exchanged so that </a:t>
-            </a:r>
-            <a:r>
-              <a:rPr lang="en-US"/>
-              <a:t>all Boards </a:t>
-            </a:r>
-            <a:r>
-              <a:rPr lang="en-US" dirty="0"/>
-              <a:t>LED’s can blink </a:t>
-            </a:r>
-            <a:r>
-              <a:rPr lang="en-US"/>
-              <a:t>synchronously every 2 secs</a:t>
+              <a:t>Inside this UDP packets, a timestamp is also exchanged so that all Boards LED’s can blink synchronously every 2 secs</a:t>
             </a:r>
             <a:endParaRPr lang="de-DE" dirty="0"/>
           </a:p>
@@ -8797,42 +9677,12 @@
           <a:chExt cx="0" cy="0"/>
         </a:xfrm>
       </p:grpSpPr>
-      <p:pic>
-        <p:nvPicPr>
-          <p:cNvPr id="23" name="Picture 22">
-            <a:extLst>
-              <a:ext uri="{FF2B5EF4-FFF2-40B4-BE49-F238E27FC236}">
-                <a16:creationId xmlns:a16="http://schemas.microsoft.com/office/drawing/2014/main" id="{BA2BC6F4-F6E3-C42C-1164-6CC22556C557}"/>
-              </a:ext>
-            </a:extLst>
-          </p:cNvPr>
-          <p:cNvPicPr>
-            <a:picLocks noChangeAspect="1"/>
-          </p:cNvPicPr>
-          <p:nvPr/>
-        </p:nvPicPr>
-        <p:blipFill>
-          <a:blip r:embed="rId2"/>
-          <a:stretch>
-            <a:fillRect/>
-          </a:stretch>
-        </p:blipFill>
-        <p:spPr>
-          <a:xfrm>
-            <a:off x="3185549" y="1926106"/>
-            <a:ext cx="3035477" cy="4010375"/>
-          </a:xfrm>
-          <a:prstGeom prst="rect">
-            <a:avLst/>
-          </a:prstGeom>
-        </p:spPr>
-      </p:pic>
       <p:sp>
         <p:nvSpPr>
           <p:cNvPr id="2" name="Title 1">
             <a:extLst>
               <a:ext uri="{FF2B5EF4-FFF2-40B4-BE49-F238E27FC236}">
-                <a16:creationId xmlns:a16="http://schemas.microsoft.com/office/drawing/2014/main" id="{DDFA33AF-EF16-A9A1-1FDA-0BA58D176E2A}"/>
+                <a16:creationId xmlns:a16="http://schemas.microsoft.com/office/drawing/2014/main" id="{95AC07ED-0E8F-3341-BD66-CC6F287C0B94}"/>
               </a:ext>
             </a:extLst>
           </p:cNvPr>
@@ -8843,24 +9693,40 @@
             <p:ph type="title"/>
           </p:nvPr>
         </p:nvSpPr>
-        <p:spPr/>
+        <p:spPr>
+          <a:xfrm>
+            <a:off x="355509" y="96297"/>
+            <a:ext cx="11400661" cy="777240"/>
+          </a:xfrm>
+        </p:spPr>
         <p:txBody>
-          <a:bodyPr/>
+          <a:bodyPr anchor="t">
+            <a:normAutofit fontScale="90000"/>
+          </a:bodyPr>
           <a:lstStyle/>
           <a:p>
-            <a:r>
-              <a:rPr lang="de-DE" dirty="0"/>
-              <a:t>Github Project</a:t>
-            </a:r>
+            <a:pPr>
+              <a:lnSpc>
+                <a:spcPct val="90000"/>
+              </a:lnSpc>
+            </a:pPr>
+            <a:r>
+              <a:rPr lang="en-US" dirty="0"/>
+              <a:t>T1S auto config test assembly</a:t>
+            </a:r>
+            <a:br>
+              <a:rPr lang="en-US" dirty="0"/>
+            </a:br>
+            <a:endParaRPr lang="en-US" dirty="0"/>
           </a:p>
         </p:txBody>
       </p:sp>
       <p:pic>
         <p:nvPicPr>
-          <p:cNvPr id="5" name="Picture 4">
-            <a:extLst>
-              <a:ext uri="{FF2B5EF4-FFF2-40B4-BE49-F238E27FC236}">
-                <a16:creationId xmlns:a16="http://schemas.microsoft.com/office/drawing/2014/main" id="{0B513042-A54B-3A27-E0C4-D3E93BE6ABB4}"/>
+          <p:cNvPr id="4" name="Picture 3" descr="A picture containing text, electronics&#10;&#10;Description automatically generated">
+            <a:extLst>
+              <a:ext uri="{FF2B5EF4-FFF2-40B4-BE49-F238E27FC236}">
+                <a16:creationId xmlns:a16="http://schemas.microsoft.com/office/drawing/2014/main" id="{F24A3FF5-63E2-EA02-DC04-DFD77B682DBC}"/>
               </a:ext>
             </a:extLst>
           </p:cNvPr>
@@ -8869,207 +9735,1297 @@
           </p:cNvPicPr>
           <p:nvPr/>
         </p:nvPicPr>
-        <p:blipFill>
-          <a:blip r:embed="rId3"/>
-          <a:stretch>
-            <a:fillRect/>
-          </a:stretch>
+        <p:blipFill rotWithShape="1">
+          <a:blip r:embed="rId2">
+            <a:extLst>
+              <a:ext uri="{28A0092B-C50C-407E-A947-70E740481C1C}">
+                <a14:useLocalDpi xmlns:a14="http://schemas.microsoft.com/office/drawing/2010/main" val="0"/>
+              </a:ext>
+            </a:extLst>
+          </a:blip>
+          <a:srcRect r="49548" b="14003"/>
+          <a:stretch/>
         </p:blipFill>
         <p:spPr>
           <a:xfrm>
-            <a:off x="764437" y="2623055"/>
-            <a:ext cx="1896230" cy="2079736"/>
-          </a:xfrm>
-          <a:prstGeom prst="rect">
-            <a:avLst/>
-          </a:prstGeom>
-        </p:spPr>
-      </p:pic>
-      <p:sp>
-        <p:nvSpPr>
-          <p:cNvPr id="9" name="Rectangle 8">
-            <a:extLst>
-              <a:ext uri="{FF2B5EF4-FFF2-40B4-BE49-F238E27FC236}">
-                <a16:creationId xmlns:a16="http://schemas.microsoft.com/office/drawing/2014/main" id="{99D2AAEB-550E-CD78-4D50-EB22BB93B423}"/>
-              </a:ext>
-            </a:extLst>
-          </p:cNvPr>
-          <p:cNvSpPr/>
-          <p:nvPr/>
-        </p:nvSpPr>
-        <p:spPr>
-          <a:xfrm>
-            <a:off x="3067737" y="1900232"/>
-            <a:ext cx="3271101" cy="239654"/>
+            <a:off x="355509" y="977109"/>
+            <a:ext cx="5505846" cy="5278998"/>
           </a:xfrm>
           <a:prstGeom prst="rect">
             <a:avLst/>
           </a:prstGeom>
           <a:noFill/>
-          <a:ln/>
-        </p:spPr>
-        <p:style>
-          <a:lnRef idx="2">
-            <a:schemeClr val="accent2"/>
-          </a:lnRef>
-          <a:fillRef idx="1">
-            <a:schemeClr val="lt1"/>
-          </a:fillRef>
-          <a:effectRef idx="0">
-            <a:schemeClr val="accent2"/>
-          </a:effectRef>
-          <a:fontRef idx="minor">
-            <a:schemeClr val="dk1"/>
-          </a:fontRef>
-        </p:style>
+        </p:spPr>
+      </p:pic>
+      <p:sp>
+        <p:nvSpPr>
+          <p:cNvPr id="9" name="Content Placeholder 3">
+            <a:extLst>
+              <a:ext uri="{FF2B5EF4-FFF2-40B4-BE49-F238E27FC236}">
+                <a16:creationId xmlns:a16="http://schemas.microsoft.com/office/drawing/2014/main" id="{7F747D62-B7D9-135D-73C5-0ECEA493F0A8}"/>
+              </a:ext>
+            </a:extLst>
+          </p:cNvPr>
+          <p:cNvSpPr>
+            <a:spLocks noGrp="1"/>
+          </p:cNvSpPr>
+          <p:nvPr>
+            <p:ph sz="quarter" idx="16"/>
+          </p:nvPr>
+        </p:nvSpPr>
+        <p:spPr>
+          <a:xfrm>
+            <a:off x="6250324" y="929270"/>
+            <a:ext cx="5505846" cy="5374678"/>
+          </a:xfrm>
+        </p:spPr>
         <p:txBody>
-          <a:bodyPr rot="0" spcFirstLastPara="0" vertOverflow="overflow" horzOverflow="overflow" vert="horz" wrap="square" lIns="91440" tIns="45720" rIns="91440" bIns="45720" numCol="1" spcCol="0" rtlCol="0" fromWordArt="0" anchor="ctr" anchorCtr="0" forceAA="0" compatLnSpc="1">
-            <a:prstTxWarp prst="textNoShape">
-              <a:avLst/>
-            </a:prstTxWarp>
-            <a:noAutofit/>
-          </a:bodyPr>
+          <a:bodyPr/>
           <a:lstStyle/>
           <a:p>
-            <a:pPr algn="ctr"/>
-            <a:endParaRPr lang="de-DE"/>
+            <a:r>
+              <a:rPr lang="en-US" dirty="0"/>
+              <a:t>SAME54 Curiosity </a:t>
+            </a:r>
+          </a:p>
+          <a:p>
+            <a:r>
+              <a:rPr lang="en-US" dirty="0"/>
+              <a:t>T1S PHY Daughter Board</a:t>
+            </a:r>
+          </a:p>
+          <a:p>
+            <a:r>
+              <a:rPr lang="en-US" dirty="0"/>
+              <a:t>OLED1 </a:t>
+            </a:r>
+            <a:r>
+              <a:rPr lang="en-US" dirty="0" err="1"/>
+              <a:t>Xplained</a:t>
+            </a:r>
+            <a:r>
+              <a:rPr lang="en-US" dirty="0"/>
+              <a:t> Extension</a:t>
+            </a:r>
           </a:p>
         </p:txBody>
       </p:sp>
-      <p:cxnSp>
-        <p:nvCxnSpPr>
-          <p:cNvPr id="11" name="Straight Arrow Connector 10">
-            <a:extLst>
-              <a:ext uri="{FF2B5EF4-FFF2-40B4-BE49-F238E27FC236}">
-                <a16:creationId xmlns:a16="http://schemas.microsoft.com/office/drawing/2014/main" id="{0ECA2A8C-7DC4-7BAC-78B8-9F758566B913}"/>
-              </a:ext>
-            </a:extLst>
-          </p:cNvPr>
-          <p:cNvCxnSpPr>
-            <a:cxnSpLocks/>
-          </p:cNvCxnSpPr>
+      <p:grpSp>
+        <p:nvGrpSpPr>
+          <p:cNvPr id="5" name="Group 4">
+            <a:extLst>
+              <a:ext uri="{FF2B5EF4-FFF2-40B4-BE49-F238E27FC236}">
+                <a16:creationId xmlns:a16="http://schemas.microsoft.com/office/drawing/2014/main" id="{A146F68F-29B2-FEC8-CBCA-61007D1278C7}"/>
+              </a:ext>
+            </a:extLst>
+          </p:cNvPr>
+          <p:cNvGrpSpPr/>
           <p:nvPr/>
-        </p:nvCxnSpPr>
-        <p:spPr>
-          <a:xfrm flipH="1">
-            <a:off x="1712552" y="2070704"/>
-            <a:ext cx="1355185" cy="681923"/>
-          </a:xfrm>
-          <a:prstGeom prst="straightConnector1">
-            <a:avLst/>
-          </a:prstGeom>
-          <a:ln>
-            <a:tailEnd type="triangle"/>
-          </a:ln>
-          <a:effectLst/>
-        </p:spPr>
-        <p:style>
-          <a:lnRef idx="2">
-            <a:schemeClr val="accent1"/>
-          </a:lnRef>
-          <a:fillRef idx="0">
-            <a:schemeClr val="accent1"/>
-          </a:fillRef>
-          <a:effectRef idx="1">
-            <a:schemeClr val="accent1"/>
-          </a:effectRef>
-          <a:fontRef idx="minor">
-            <a:schemeClr val="tx1"/>
-          </a:fontRef>
-        </p:style>
-      </p:cxnSp>
-      <p:sp>
-        <p:nvSpPr>
-          <p:cNvPr id="17" name="TextBox 16">
-            <a:extLst>
-              <a:ext uri="{FF2B5EF4-FFF2-40B4-BE49-F238E27FC236}">
-                <a16:creationId xmlns:a16="http://schemas.microsoft.com/office/drawing/2014/main" id="{B535091C-88EB-9173-F05B-9F0627A2F16B}"/>
-              </a:ext>
-            </a:extLst>
-          </p:cNvPr>
-          <p:cNvSpPr txBox="1"/>
-          <p:nvPr/>
-        </p:nvSpPr>
-        <p:spPr>
-          <a:xfrm>
-            <a:off x="7032395" y="2070704"/>
-            <a:ext cx="4119513" cy="4154984"/>
-          </a:xfrm>
-          <a:prstGeom prst="rect">
-            <a:avLst/>
-          </a:prstGeom>
-          <a:noFill/>
-        </p:spPr>
-        <p:txBody>
-          <a:bodyPr wrap="square" rtlCol="0">
-            <a:spAutoFit/>
-          </a:bodyPr>
-          <a:lstStyle/>
-          <a:p>
-            <a:r>
-              <a:rPr lang="de-DE" dirty="0"/>
-              <a:t>The script clones all neccessary Harmony repositories in the directory H3 (one directory level higher). </a:t>
-            </a:r>
-          </a:p>
-          <a:p>
-            <a:endParaRPr lang="de-DE" dirty="0"/>
-          </a:p>
-          <a:p>
-            <a:r>
-              <a:rPr lang="de-DE" dirty="0"/>
-              <a:t>For beeing able to generate and and modify the T1S applications of version v1.3.0 with the MCC.</a:t>
-            </a:r>
-          </a:p>
-          <a:p>
-            <a:endParaRPr lang="de-DE" dirty="0"/>
-          </a:p>
-          <a:p>
-            <a:r>
-              <a:rPr lang="de-DE" dirty="0"/>
-              <a:t>Call it from /tools </a:t>
-            </a:r>
-          </a:p>
-        </p:txBody>
-      </p:sp>
-      <p:sp>
-        <p:nvSpPr>
-          <p:cNvPr id="21" name="TextBox 20">
-            <a:extLst>
-              <a:ext uri="{FF2B5EF4-FFF2-40B4-BE49-F238E27FC236}">
-                <a16:creationId xmlns:a16="http://schemas.microsoft.com/office/drawing/2014/main" id="{3C9B0678-6CDF-9ED5-9AAD-5DE1B7D098E5}"/>
-              </a:ext>
-            </a:extLst>
-          </p:cNvPr>
-          <p:cNvSpPr txBox="1"/>
-          <p:nvPr/>
-        </p:nvSpPr>
-        <p:spPr>
-          <a:xfrm>
-            <a:off x="1105293" y="1060482"/>
-            <a:ext cx="7746476" cy="461665"/>
-          </a:xfrm>
-          <a:prstGeom prst="rect">
-            <a:avLst/>
-          </a:prstGeom>
-          <a:noFill/>
-        </p:spPr>
-        <p:txBody>
-          <a:bodyPr wrap="square">
-            <a:spAutoFit/>
-          </a:bodyPr>
-          <a:lstStyle/>
-          <a:p>
-            <a:r>
-              <a:rPr lang="de-DE" dirty="0"/>
-              <a:t>git clone https://github.com/Bolderain/T1S_Autoconf</a:t>
-            </a:r>
-          </a:p>
-        </p:txBody>
-      </p:sp>
+        </p:nvGrpSpPr>
+        <p:grpSpPr>
+          <a:xfrm>
+            <a:off x="6221521" y="2900218"/>
+            <a:ext cx="5745971" cy="3284868"/>
+            <a:chOff x="1077640" y="931245"/>
+            <a:chExt cx="10167820" cy="5926755"/>
+          </a:xfrm>
+        </p:grpSpPr>
+        <p:sp>
+          <p:nvSpPr>
+            <p:cNvPr id="6" name="Rectangle 5">
+              <a:extLst>
+                <a:ext uri="{FF2B5EF4-FFF2-40B4-BE49-F238E27FC236}">
+                  <a16:creationId xmlns:a16="http://schemas.microsoft.com/office/drawing/2014/main" id="{5D72D972-BB96-0C77-807B-2D4225ED0DC7}"/>
+                </a:ext>
+              </a:extLst>
+            </p:cNvPr>
+            <p:cNvSpPr/>
+            <p:nvPr/>
+          </p:nvSpPr>
+          <p:spPr>
+            <a:xfrm>
+              <a:off x="7817730" y="931245"/>
+              <a:ext cx="3378468" cy="1876926"/>
+            </a:xfrm>
+            <a:prstGeom prst="rect">
+              <a:avLst/>
+            </a:prstGeom>
+            <a:solidFill>
+              <a:schemeClr val="accent1">
+                <a:lumMod val="60000"/>
+                <a:lumOff val="40000"/>
+              </a:schemeClr>
+            </a:solidFill>
+          </p:spPr>
+          <p:style>
+            <a:lnRef idx="2">
+              <a:schemeClr val="accent1">
+                <a:shade val="50000"/>
+              </a:schemeClr>
+            </a:lnRef>
+            <a:fillRef idx="1">
+              <a:schemeClr val="accent1"/>
+            </a:fillRef>
+            <a:effectRef idx="0">
+              <a:schemeClr val="accent1"/>
+            </a:effectRef>
+            <a:fontRef idx="minor">
+              <a:schemeClr val="lt1"/>
+            </a:fontRef>
+          </p:style>
+          <p:txBody>
+            <a:bodyPr rtlCol="0" anchor="ctr"/>
+            <a:lstStyle/>
+            <a:p>
+              <a:pPr algn="ctr"/>
+              <a:endParaRPr lang="en-US">
+                <a:latin typeface="+mj-lt"/>
+              </a:endParaRPr>
+            </a:p>
+          </p:txBody>
+        </p:sp>
+        <p:sp>
+          <p:nvSpPr>
+            <p:cNvPr id="7" name="Rectangle 6">
+              <a:extLst>
+                <a:ext uri="{FF2B5EF4-FFF2-40B4-BE49-F238E27FC236}">
+                  <a16:creationId xmlns:a16="http://schemas.microsoft.com/office/drawing/2014/main" id="{4656AB6B-388F-29FA-3F01-2E07AC822011}"/>
+                </a:ext>
+              </a:extLst>
+            </p:cNvPr>
+            <p:cNvSpPr/>
+            <p:nvPr/>
+          </p:nvSpPr>
+          <p:spPr>
+            <a:xfrm>
+              <a:off x="7817730" y="931245"/>
+              <a:ext cx="1232034" cy="750771"/>
+            </a:xfrm>
+            <a:prstGeom prst="rect">
+              <a:avLst/>
+            </a:prstGeom>
+            <a:solidFill>
+              <a:schemeClr val="accent4">
+                <a:lumMod val="60000"/>
+                <a:lumOff val="40000"/>
+              </a:schemeClr>
+            </a:solidFill>
+          </p:spPr>
+          <p:style>
+            <a:lnRef idx="2">
+              <a:schemeClr val="accent1">
+                <a:shade val="50000"/>
+              </a:schemeClr>
+            </a:lnRef>
+            <a:fillRef idx="1">
+              <a:schemeClr val="accent1"/>
+            </a:fillRef>
+            <a:effectRef idx="0">
+              <a:schemeClr val="accent1"/>
+            </a:effectRef>
+            <a:fontRef idx="minor">
+              <a:schemeClr val="lt1"/>
+            </a:fontRef>
+          </p:style>
+          <p:txBody>
+            <a:bodyPr rtlCol="0" anchor="ctr"/>
+            <a:lstStyle/>
+            <a:p>
+              <a:pPr algn="ctr"/>
+              <a:r>
+                <a:rPr lang="en-US" sz="1600" dirty="0">
+                  <a:solidFill>
+                    <a:schemeClr val="tx1"/>
+                  </a:solidFill>
+                  <a:latin typeface="+mj-lt"/>
+                </a:rPr>
+                <a:t>PHY 8670</a:t>
+              </a:r>
+            </a:p>
+          </p:txBody>
+        </p:sp>
+        <p:sp>
+          <p:nvSpPr>
+            <p:cNvPr id="8" name="Rectangle 7">
+              <a:extLst>
+                <a:ext uri="{FF2B5EF4-FFF2-40B4-BE49-F238E27FC236}">
+                  <a16:creationId xmlns:a16="http://schemas.microsoft.com/office/drawing/2014/main" id="{9D81572F-E9B0-151A-4F30-AA52DA151687}"/>
+                </a:ext>
+              </a:extLst>
+            </p:cNvPr>
+            <p:cNvSpPr/>
+            <p:nvPr/>
+          </p:nvSpPr>
+          <p:spPr>
+            <a:xfrm>
+              <a:off x="9752408" y="2808171"/>
+              <a:ext cx="1443790" cy="791678"/>
+            </a:xfrm>
+            <a:prstGeom prst="rect">
+              <a:avLst/>
+            </a:prstGeom>
+            <a:solidFill>
+              <a:schemeClr val="accent6">
+                <a:lumMod val="60000"/>
+                <a:lumOff val="40000"/>
+              </a:schemeClr>
+            </a:solidFill>
+          </p:spPr>
+          <p:style>
+            <a:lnRef idx="2">
+              <a:schemeClr val="accent1">
+                <a:shade val="50000"/>
+              </a:schemeClr>
+            </a:lnRef>
+            <a:fillRef idx="1">
+              <a:schemeClr val="accent1"/>
+            </a:fillRef>
+            <a:effectRef idx="0">
+              <a:schemeClr val="accent1"/>
+            </a:effectRef>
+            <a:fontRef idx="minor">
+              <a:schemeClr val="lt1"/>
+            </a:fontRef>
+          </p:style>
+          <p:txBody>
+            <a:bodyPr rtlCol="0" anchor="ctr"/>
+            <a:lstStyle/>
+            <a:p>
+              <a:pPr algn="ctr"/>
+              <a:endParaRPr lang="en-US">
+                <a:latin typeface="+mj-lt"/>
+              </a:endParaRPr>
+            </a:p>
+          </p:txBody>
+        </p:sp>
+        <p:sp>
+          <p:nvSpPr>
+            <p:cNvPr id="10" name="TextBox 9">
+              <a:extLst>
+                <a:ext uri="{FF2B5EF4-FFF2-40B4-BE49-F238E27FC236}">
+                  <a16:creationId xmlns:a16="http://schemas.microsoft.com/office/drawing/2014/main" id="{EED764D0-CF34-0067-3202-9F60F8FD49AE}"/>
+                </a:ext>
+              </a:extLst>
+            </p:cNvPr>
+            <p:cNvSpPr txBox="1"/>
+            <p:nvPr/>
+          </p:nvSpPr>
+          <p:spPr>
+            <a:xfrm>
+              <a:off x="8984791" y="1602935"/>
+              <a:ext cx="1600730" cy="610839"/>
+            </a:xfrm>
+            <a:prstGeom prst="rect">
+              <a:avLst/>
+            </a:prstGeom>
+            <a:noFill/>
+          </p:spPr>
+          <p:txBody>
+            <a:bodyPr wrap="square" rtlCol="0">
+              <a:spAutoFit/>
+            </a:bodyPr>
+            <a:lstStyle/>
+            <a:p>
+              <a:r>
+                <a:rPr lang="en-US" sz="1600" dirty="0">
+                  <a:latin typeface="+mj-lt"/>
+                </a:rPr>
+                <a:t>Same54</a:t>
+              </a:r>
+            </a:p>
+          </p:txBody>
+        </p:sp>
+        <p:sp>
+          <p:nvSpPr>
+            <p:cNvPr id="11" name="TextBox 10">
+              <a:extLst>
+                <a:ext uri="{FF2B5EF4-FFF2-40B4-BE49-F238E27FC236}">
+                  <a16:creationId xmlns:a16="http://schemas.microsoft.com/office/drawing/2014/main" id="{63C29048-8FF9-22AB-AEB2-F40CC8AFE54C}"/>
+                </a:ext>
+              </a:extLst>
+            </p:cNvPr>
+            <p:cNvSpPr txBox="1"/>
+            <p:nvPr/>
+          </p:nvSpPr>
+          <p:spPr>
+            <a:xfrm>
+              <a:off x="9858286" y="3019345"/>
+              <a:ext cx="1232034" cy="497282"/>
+            </a:xfrm>
+            <a:prstGeom prst="rect">
+              <a:avLst/>
+            </a:prstGeom>
+            <a:noFill/>
+          </p:spPr>
+          <p:txBody>
+            <a:bodyPr wrap="square" rtlCol="0">
+              <a:spAutoFit/>
+            </a:bodyPr>
+            <a:lstStyle/>
+            <a:p>
+              <a:r>
+                <a:rPr lang="en-US" sz="1600" dirty="0">
+                  <a:latin typeface="+mj-lt"/>
+                </a:rPr>
+                <a:t>OLED</a:t>
+              </a:r>
+            </a:p>
+          </p:txBody>
+        </p:sp>
+        <p:sp>
+          <p:nvSpPr>
+            <p:cNvPr id="12" name="Rectangle 11">
+              <a:extLst>
+                <a:ext uri="{FF2B5EF4-FFF2-40B4-BE49-F238E27FC236}">
+                  <a16:creationId xmlns:a16="http://schemas.microsoft.com/office/drawing/2014/main" id="{F6E378BA-8A17-6477-83AC-631434B460FA}"/>
+                </a:ext>
+              </a:extLst>
+            </p:cNvPr>
+            <p:cNvSpPr/>
+            <p:nvPr/>
+          </p:nvSpPr>
+          <p:spPr>
+            <a:xfrm>
+              <a:off x="1077640" y="931245"/>
+              <a:ext cx="3378468" cy="1876926"/>
+            </a:xfrm>
+            <a:prstGeom prst="rect">
+              <a:avLst/>
+            </a:prstGeom>
+            <a:solidFill>
+              <a:schemeClr val="accent1">
+                <a:lumMod val="60000"/>
+                <a:lumOff val="40000"/>
+              </a:schemeClr>
+            </a:solidFill>
+          </p:spPr>
+          <p:style>
+            <a:lnRef idx="2">
+              <a:schemeClr val="accent1">
+                <a:shade val="50000"/>
+              </a:schemeClr>
+            </a:lnRef>
+            <a:fillRef idx="1">
+              <a:schemeClr val="accent1"/>
+            </a:fillRef>
+            <a:effectRef idx="0">
+              <a:schemeClr val="accent1"/>
+            </a:effectRef>
+            <a:fontRef idx="minor">
+              <a:schemeClr val="lt1"/>
+            </a:fontRef>
+          </p:style>
+          <p:txBody>
+            <a:bodyPr rtlCol="0" anchor="ctr"/>
+            <a:lstStyle/>
+            <a:p>
+              <a:pPr algn="ctr"/>
+              <a:endParaRPr lang="en-US">
+                <a:latin typeface="+mj-lt"/>
+              </a:endParaRPr>
+            </a:p>
+          </p:txBody>
+        </p:sp>
+        <p:sp>
+          <p:nvSpPr>
+            <p:cNvPr id="13" name="Rectangle 12">
+              <a:extLst>
+                <a:ext uri="{FF2B5EF4-FFF2-40B4-BE49-F238E27FC236}">
+                  <a16:creationId xmlns:a16="http://schemas.microsoft.com/office/drawing/2014/main" id="{DE4F30AA-E94A-6E88-1347-62D89FA220B0}"/>
+                </a:ext>
+              </a:extLst>
+            </p:cNvPr>
+            <p:cNvSpPr/>
+            <p:nvPr/>
+          </p:nvSpPr>
+          <p:spPr>
+            <a:xfrm>
+              <a:off x="1077640" y="931245"/>
+              <a:ext cx="1232034" cy="750771"/>
+            </a:xfrm>
+            <a:prstGeom prst="rect">
+              <a:avLst/>
+            </a:prstGeom>
+            <a:solidFill>
+              <a:schemeClr val="accent4">
+                <a:lumMod val="60000"/>
+                <a:lumOff val="40000"/>
+              </a:schemeClr>
+            </a:solidFill>
+          </p:spPr>
+          <p:style>
+            <a:lnRef idx="2">
+              <a:schemeClr val="accent1">
+                <a:shade val="50000"/>
+              </a:schemeClr>
+            </a:lnRef>
+            <a:fillRef idx="1">
+              <a:schemeClr val="accent1"/>
+            </a:fillRef>
+            <a:effectRef idx="0">
+              <a:schemeClr val="accent1"/>
+            </a:effectRef>
+            <a:fontRef idx="minor">
+              <a:schemeClr val="lt1"/>
+            </a:fontRef>
+          </p:style>
+          <p:txBody>
+            <a:bodyPr rtlCol="0" anchor="ctr"/>
+            <a:lstStyle/>
+            <a:p>
+              <a:pPr algn="ctr"/>
+              <a:r>
+                <a:rPr lang="en-US" sz="1600" dirty="0">
+                  <a:solidFill>
+                    <a:schemeClr val="tx1"/>
+                  </a:solidFill>
+                  <a:latin typeface="+mj-lt"/>
+                </a:rPr>
+                <a:t>PHY 8670</a:t>
+              </a:r>
+            </a:p>
+          </p:txBody>
+        </p:sp>
+        <p:sp>
+          <p:nvSpPr>
+            <p:cNvPr id="14" name="Rectangle 13">
+              <a:extLst>
+                <a:ext uri="{FF2B5EF4-FFF2-40B4-BE49-F238E27FC236}">
+                  <a16:creationId xmlns:a16="http://schemas.microsoft.com/office/drawing/2014/main" id="{084D89C3-4518-E11D-9E66-1CA038DA98F9}"/>
+                </a:ext>
+              </a:extLst>
+            </p:cNvPr>
+            <p:cNvSpPr/>
+            <p:nvPr/>
+          </p:nvSpPr>
+          <p:spPr>
+            <a:xfrm>
+              <a:off x="3012318" y="2808171"/>
+              <a:ext cx="1443790" cy="791678"/>
+            </a:xfrm>
+            <a:prstGeom prst="rect">
+              <a:avLst/>
+            </a:prstGeom>
+            <a:solidFill>
+              <a:schemeClr val="accent6">
+                <a:lumMod val="60000"/>
+                <a:lumOff val="40000"/>
+              </a:schemeClr>
+            </a:solidFill>
+          </p:spPr>
+          <p:style>
+            <a:lnRef idx="2">
+              <a:schemeClr val="accent1">
+                <a:shade val="50000"/>
+              </a:schemeClr>
+            </a:lnRef>
+            <a:fillRef idx="1">
+              <a:schemeClr val="accent1"/>
+            </a:fillRef>
+            <a:effectRef idx="0">
+              <a:schemeClr val="accent1"/>
+            </a:effectRef>
+            <a:fontRef idx="minor">
+              <a:schemeClr val="lt1"/>
+            </a:fontRef>
+          </p:style>
+          <p:txBody>
+            <a:bodyPr rtlCol="0" anchor="ctr"/>
+            <a:lstStyle/>
+            <a:p>
+              <a:pPr algn="ctr"/>
+              <a:endParaRPr lang="en-US">
+                <a:latin typeface="+mj-lt"/>
+              </a:endParaRPr>
+            </a:p>
+          </p:txBody>
+        </p:sp>
+        <p:sp>
+          <p:nvSpPr>
+            <p:cNvPr id="15" name="TextBox 14">
+              <a:extLst>
+                <a:ext uri="{FF2B5EF4-FFF2-40B4-BE49-F238E27FC236}">
+                  <a16:creationId xmlns:a16="http://schemas.microsoft.com/office/drawing/2014/main" id="{E0F00196-83EF-F706-61C3-7D207CFD46DD}"/>
+                </a:ext>
+              </a:extLst>
+            </p:cNvPr>
+            <p:cNvSpPr txBox="1"/>
+            <p:nvPr/>
+          </p:nvSpPr>
+          <p:spPr>
+            <a:xfrm>
+              <a:off x="2244703" y="1602937"/>
+              <a:ext cx="1551806" cy="497282"/>
+            </a:xfrm>
+            <a:prstGeom prst="rect">
+              <a:avLst/>
+            </a:prstGeom>
+            <a:noFill/>
+          </p:spPr>
+          <p:txBody>
+            <a:bodyPr wrap="square" rtlCol="0">
+              <a:spAutoFit/>
+            </a:bodyPr>
+            <a:lstStyle/>
+            <a:p>
+              <a:r>
+                <a:rPr lang="en-US" sz="1600" dirty="0">
+                  <a:latin typeface="+mj-lt"/>
+                </a:rPr>
+                <a:t>Same54</a:t>
+              </a:r>
+            </a:p>
+          </p:txBody>
+        </p:sp>
+        <p:sp>
+          <p:nvSpPr>
+            <p:cNvPr id="16" name="TextBox 15">
+              <a:extLst>
+                <a:ext uri="{FF2B5EF4-FFF2-40B4-BE49-F238E27FC236}">
+                  <a16:creationId xmlns:a16="http://schemas.microsoft.com/office/drawing/2014/main" id="{22D93BD2-6A96-F102-9861-7EFB6FB4FE65}"/>
+                </a:ext>
+              </a:extLst>
+            </p:cNvPr>
+            <p:cNvSpPr txBox="1"/>
+            <p:nvPr/>
+          </p:nvSpPr>
+          <p:spPr>
+            <a:xfrm>
+              <a:off x="3118196" y="3019346"/>
+              <a:ext cx="1232034" cy="530908"/>
+            </a:xfrm>
+            <a:prstGeom prst="rect">
+              <a:avLst/>
+            </a:prstGeom>
+            <a:noFill/>
+          </p:spPr>
+          <p:txBody>
+            <a:bodyPr wrap="square" rtlCol="0">
+              <a:spAutoFit/>
+            </a:bodyPr>
+            <a:lstStyle/>
+            <a:p>
+              <a:r>
+                <a:rPr lang="en-US" sz="1600" dirty="0">
+                  <a:latin typeface="+mj-lt"/>
+                </a:rPr>
+                <a:t>OLED</a:t>
+              </a:r>
+            </a:p>
+          </p:txBody>
+        </p:sp>
+        <p:sp>
+          <p:nvSpPr>
+            <p:cNvPr id="17" name="Rectangle 16">
+              <a:extLst>
+                <a:ext uri="{FF2B5EF4-FFF2-40B4-BE49-F238E27FC236}">
+                  <a16:creationId xmlns:a16="http://schemas.microsoft.com/office/drawing/2014/main" id="{533AAD87-28A6-78F0-0946-C786CAA4A294}"/>
+                </a:ext>
+              </a:extLst>
+            </p:cNvPr>
+            <p:cNvSpPr/>
+            <p:nvPr/>
+          </p:nvSpPr>
+          <p:spPr>
+            <a:xfrm>
+              <a:off x="1083255" y="4189396"/>
+              <a:ext cx="3378468" cy="1876926"/>
+            </a:xfrm>
+            <a:prstGeom prst="rect">
+              <a:avLst/>
+            </a:prstGeom>
+            <a:solidFill>
+              <a:schemeClr val="accent1">
+                <a:lumMod val="60000"/>
+                <a:lumOff val="40000"/>
+              </a:schemeClr>
+            </a:solidFill>
+          </p:spPr>
+          <p:style>
+            <a:lnRef idx="2">
+              <a:schemeClr val="accent1">
+                <a:shade val="50000"/>
+              </a:schemeClr>
+            </a:lnRef>
+            <a:fillRef idx="1">
+              <a:schemeClr val="accent1"/>
+            </a:fillRef>
+            <a:effectRef idx="0">
+              <a:schemeClr val="accent1"/>
+            </a:effectRef>
+            <a:fontRef idx="minor">
+              <a:schemeClr val="lt1"/>
+            </a:fontRef>
+          </p:style>
+          <p:txBody>
+            <a:bodyPr rtlCol="0" anchor="ctr"/>
+            <a:lstStyle/>
+            <a:p>
+              <a:pPr algn="ctr"/>
+              <a:endParaRPr lang="en-US">
+                <a:latin typeface="+mj-lt"/>
+              </a:endParaRPr>
+            </a:p>
+          </p:txBody>
+        </p:sp>
+        <p:sp>
+          <p:nvSpPr>
+            <p:cNvPr id="18" name="Rectangle 17">
+              <a:extLst>
+                <a:ext uri="{FF2B5EF4-FFF2-40B4-BE49-F238E27FC236}">
+                  <a16:creationId xmlns:a16="http://schemas.microsoft.com/office/drawing/2014/main" id="{FFBC9CD9-97A0-F183-B916-0529038C821F}"/>
+                </a:ext>
+              </a:extLst>
+            </p:cNvPr>
+            <p:cNvSpPr/>
+            <p:nvPr/>
+          </p:nvSpPr>
+          <p:spPr>
+            <a:xfrm>
+              <a:off x="1083255" y="4189396"/>
+              <a:ext cx="1232034" cy="750771"/>
+            </a:xfrm>
+            <a:prstGeom prst="rect">
+              <a:avLst/>
+            </a:prstGeom>
+            <a:solidFill>
+              <a:schemeClr val="accent4">
+                <a:lumMod val="60000"/>
+                <a:lumOff val="40000"/>
+              </a:schemeClr>
+            </a:solidFill>
+          </p:spPr>
+          <p:style>
+            <a:lnRef idx="2">
+              <a:schemeClr val="accent1">
+                <a:shade val="50000"/>
+              </a:schemeClr>
+            </a:lnRef>
+            <a:fillRef idx="1">
+              <a:schemeClr val="accent1"/>
+            </a:fillRef>
+            <a:effectRef idx="0">
+              <a:schemeClr val="accent1"/>
+            </a:effectRef>
+            <a:fontRef idx="minor">
+              <a:schemeClr val="lt1"/>
+            </a:fontRef>
+          </p:style>
+          <p:txBody>
+            <a:bodyPr rtlCol="0" anchor="ctr"/>
+            <a:lstStyle/>
+            <a:p>
+              <a:pPr algn="ctr"/>
+              <a:r>
+                <a:rPr lang="en-US" sz="1600" dirty="0">
+                  <a:solidFill>
+                    <a:schemeClr val="tx1"/>
+                  </a:solidFill>
+                  <a:latin typeface="+mj-lt"/>
+                </a:rPr>
+                <a:t>PHY 8670</a:t>
+              </a:r>
+            </a:p>
+          </p:txBody>
+        </p:sp>
+        <p:sp>
+          <p:nvSpPr>
+            <p:cNvPr id="19" name="Rectangle 18">
+              <a:extLst>
+                <a:ext uri="{FF2B5EF4-FFF2-40B4-BE49-F238E27FC236}">
+                  <a16:creationId xmlns:a16="http://schemas.microsoft.com/office/drawing/2014/main" id="{A72DF2A5-D301-E83F-1974-2C480212423C}"/>
+                </a:ext>
+              </a:extLst>
+            </p:cNvPr>
+            <p:cNvSpPr/>
+            <p:nvPr/>
+          </p:nvSpPr>
+          <p:spPr>
+            <a:xfrm>
+              <a:off x="3017933" y="6066322"/>
+              <a:ext cx="1443790" cy="791678"/>
+            </a:xfrm>
+            <a:prstGeom prst="rect">
+              <a:avLst/>
+            </a:prstGeom>
+            <a:solidFill>
+              <a:schemeClr val="accent6">
+                <a:lumMod val="60000"/>
+                <a:lumOff val="40000"/>
+              </a:schemeClr>
+            </a:solidFill>
+          </p:spPr>
+          <p:style>
+            <a:lnRef idx="2">
+              <a:schemeClr val="accent1">
+                <a:shade val="50000"/>
+              </a:schemeClr>
+            </a:lnRef>
+            <a:fillRef idx="1">
+              <a:schemeClr val="accent1"/>
+            </a:fillRef>
+            <a:effectRef idx="0">
+              <a:schemeClr val="accent1"/>
+            </a:effectRef>
+            <a:fontRef idx="minor">
+              <a:schemeClr val="lt1"/>
+            </a:fontRef>
+          </p:style>
+          <p:txBody>
+            <a:bodyPr rtlCol="0" anchor="ctr"/>
+            <a:lstStyle/>
+            <a:p>
+              <a:pPr algn="ctr"/>
+              <a:endParaRPr lang="en-US">
+                <a:latin typeface="+mj-lt"/>
+              </a:endParaRPr>
+            </a:p>
+          </p:txBody>
+        </p:sp>
+        <p:sp>
+          <p:nvSpPr>
+            <p:cNvPr id="20" name="TextBox 19">
+              <a:extLst>
+                <a:ext uri="{FF2B5EF4-FFF2-40B4-BE49-F238E27FC236}">
+                  <a16:creationId xmlns:a16="http://schemas.microsoft.com/office/drawing/2014/main" id="{E26D0AA6-4B47-1A69-936D-1AD795E1550C}"/>
+                </a:ext>
+              </a:extLst>
+            </p:cNvPr>
+            <p:cNvSpPr txBox="1"/>
+            <p:nvPr/>
+          </p:nvSpPr>
+          <p:spPr>
+            <a:xfrm>
+              <a:off x="2250317" y="4861088"/>
+              <a:ext cx="1546191" cy="530908"/>
+            </a:xfrm>
+            <a:prstGeom prst="rect">
+              <a:avLst/>
+            </a:prstGeom>
+            <a:noFill/>
+          </p:spPr>
+          <p:txBody>
+            <a:bodyPr wrap="square" rtlCol="0">
+              <a:spAutoFit/>
+            </a:bodyPr>
+            <a:lstStyle/>
+            <a:p>
+              <a:r>
+                <a:rPr lang="en-US" sz="1600" dirty="0">
+                  <a:latin typeface="+mj-lt"/>
+                </a:rPr>
+                <a:t>Same54</a:t>
+              </a:r>
+            </a:p>
+          </p:txBody>
+        </p:sp>
+        <p:sp>
+          <p:nvSpPr>
+            <p:cNvPr id="21" name="TextBox 20">
+              <a:extLst>
+                <a:ext uri="{FF2B5EF4-FFF2-40B4-BE49-F238E27FC236}">
+                  <a16:creationId xmlns:a16="http://schemas.microsoft.com/office/drawing/2014/main" id="{C5709BAA-2D25-1DC5-B741-837226F0DE6C}"/>
+                </a:ext>
+              </a:extLst>
+            </p:cNvPr>
+            <p:cNvSpPr txBox="1"/>
+            <p:nvPr/>
+          </p:nvSpPr>
+          <p:spPr>
+            <a:xfrm>
+              <a:off x="3123811" y="6277496"/>
+              <a:ext cx="1232034" cy="530908"/>
+            </a:xfrm>
+            <a:prstGeom prst="rect">
+              <a:avLst/>
+            </a:prstGeom>
+            <a:noFill/>
+          </p:spPr>
+          <p:txBody>
+            <a:bodyPr wrap="square" rtlCol="0">
+              <a:spAutoFit/>
+            </a:bodyPr>
+            <a:lstStyle/>
+            <a:p>
+              <a:r>
+                <a:rPr lang="en-US" sz="1600" dirty="0">
+                  <a:latin typeface="+mj-lt"/>
+                </a:rPr>
+                <a:t>OLED</a:t>
+              </a:r>
+            </a:p>
+          </p:txBody>
+        </p:sp>
+        <p:sp>
+          <p:nvSpPr>
+            <p:cNvPr id="22" name="Rectangle 21">
+              <a:extLst>
+                <a:ext uri="{FF2B5EF4-FFF2-40B4-BE49-F238E27FC236}">
+                  <a16:creationId xmlns:a16="http://schemas.microsoft.com/office/drawing/2014/main" id="{8D99A288-049A-6DF0-89B0-A89513EC4793}"/>
+                </a:ext>
+              </a:extLst>
+            </p:cNvPr>
+            <p:cNvSpPr/>
+            <p:nvPr/>
+          </p:nvSpPr>
+          <p:spPr>
+            <a:xfrm>
+              <a:off x="7866992" y="4220090"/>
+              <a:ext cx="3378468" cy="1876926"/>
+            </a:xfrm>
+            <a:prstGeom prst="rect">
+              <a:avLst/>
+            </a:prstGeom>
+            <a:solidFill>
+              <a:schemeClr val="accent1">
+                <a:lumMod val="60000"/>
+                <a:lumOff val="40000"/>
+              </a:schemeClr>
+            </a:solidFill>
+          </p:spPr>
+          <p:style>
+            <a:lnRef idx="2">
+              <a:schemeClr val="accent1">
+                <a:shade val="50000"/>
+              </a:schemeClr>
+            </a:lnRef>
+            <a:fillRef idx="1">
+              <a:schemeClr val="accent1"/>
+            </a:fillRef>
+            <a:effectRef idx="0">
+              <a:schemeClr val="accent1"/>
+            </a:effectRef>
+            <a:fontRef idx="minor">
+              <a:schemeClr val="lt1"/>
+            </a:fontRef>
+          </p:style>
+          <p:txBody>
+            <a:bodyPr rtlCol="0" anchor="ctr"/>
+            <a:lstStyle/>
+            <a:p>
+              <a:pPr algn="ctr"/>
+              <a:endParaRPr lang="en-US">
+                <a:latin typeface="+mj-lt"/>
+              </a:endParaRPr>
+            </a:p>
+          </p:txBody>
+        </p:sp>
+        <p:sp>
+          <p:nvSpPr>
+            <p:cNvPr id="23" name="Rectangle 22">
+              <a:extLst>
+                <a:ext uri="{FF2B5EF4-FFF2-40B4-BE49-F238E27FC236}">
+                  <a16:creationId xmlns:a16="http://schemas.microsoft.com/office/drawing/2014/main" id="{B1BB44C9-4014-529F-5FD0-289BC72AE6F3}"/>
+                </a:ext>
+              </a:extLst>
+            </p:cNvPr>
+            <p:cNvSpPr/>
+            <p:nvPr/>
+          </p:nvSpPr>
+          <p:spPr>
+            <a:xfrm>
+              <a:off x="7817730" y="4189396"/>
+              <a:ext cx="1232034" cy="750771"/>
+            </a:xfrm>
+            <a:prstGeom prst="rect">
+              <a:avLst/>
+            </a:prstGeom>
+            <a:solidFill>
+              <a:schemeClr val="accent4">
+                <a:lumMod val="60000"/>
+                <a:lumOff val="40000"/>
+              </a:schemeClr>
+            </a:solidFill>
+          </p:spPr>
+          <p:style>
+            <a:lnRef idx="2">
+              <a:schemeClr val="accent1">
+                <a:shade val="50000"/>
+              </a:schemeClr>
+            </a:lnRef>
+            <a:fillRef idx="1">
+              <a:schemeClr val="accent1"/>
+            </a:fillRef>
+            <a:effectRef idx="0">
+              <a:schemeClr val="accent1"/>
+            </a:effectRef>
+            <a:fontRef idx="minor">
+              <a:schemeClr val="lt1"/>
+            </a:fontRef>
+          </p:style>
+          <p:txBody>
+            <a:bodyPr rtlCol="0" anchor="ctr"/>
+            <a:lstStyle/>
+            <a:p>
+              <a:pPr algn="ctr"/>
+              <a:r>
+                <a:rPr lang="en-US" sz="1600" dirty="0">
+                  <a:solidFill>
+                    <a:schemeClr val="tx1"/>
+                  </a:solidFill>
+                  <a:latin typeface="+mj-lt"/>
+                </a:rPr>
+                <a:t>PHY 8670</a:t>
+              </a:r>
+            </a:p>
+          </p:txBody>
+        </p:sp>
+        <p:sp>
+          <p:nvSpPr>
+            <p:cNvPr id="24" name="Rectangle 23">
+              <a:extLst>
+                <a:ext uri="{FF2B5EF4-FFF2-40B4-BE49-F238E27FC236}">
+                  <a16:creationId xmlns:a16="http://schemas.microsoft.com/office/drawing/2014/main" id="{0A22FD9F-8032-6143-8383-17FE91A9583E}"/>
+                </a:ext>
+              </a:extLst>
+            </p:cNvPr>
+            <p:cNvSpPr/>
+            <p:nvPr/>
+          </p:nvSpPr>
+          <p:spPr>
+            <a:xfrm>
+              <a:off x="9752408" y="6066322"/>
+              <a:ext cx="1443790" cy="791678"/>
+            </a:xfrm>
+            <a:prstGeom prst="rect">
+              <a:avLst/>
+            </a:prstGeom>
+            <a:solidFill>
+              <a:schemeClr val="accent6">
+                <a:lumMod val="60000"/>
+                <a:lumOff val="40000"/>
+              </a:schemeClr>
+            </a:solidFill>
+          </p:spPr>
+          <p:style>
+            <a:lnRef idx="2">
+              <a:schemeClr val="accent1">
+                <a:shade val="50000"/>
+              </a:schemeClr>
+            </a:lnRef>
+            <a:fillRef idx="1">
+              <a:schemeClr val="accent1"/>
+            </a:fillRef>
+            <a:effectRef idx="0">
+              <a:schemeClr val="accent1"/>
+            </a:effectRef>
+            <a:fontRef idx="minor">
+              <a:schemeClr val="lt1"/>
+            </a:fontRef>
+          </p:style>
+          <p:txBody>
+            <a:bodyPr rtlCol="0" anchor="ctr"/>
+            <a:lstStyle/>
+            <a:p>
+              <a:pPr algn="ctr"/>
+              <a:endParaRPr lang="en-US">
+                <a:latin typeface="+mj-lt"/>
+              </a:endParaRPr>
+            </a:p>
+          </p:txBody>
+        </p:sp>
+        <p:sp>
+          <p:nvSpPr>
+            <p:cNvPr id="25" name="TextBox 24">
+              <a:extLst>
+                <a:ext uri="{FF2B5EF4-FFF2-40B4-BE49-F238E27FC236}">
+                  <a16:creationId xmlns:a16="http://schemas.microsoft.com/office/drawing/2014/main" id="{BA5936D4-8CDC-6573-A31A-4A70C2561098}"/>
+                </a:ext>
+              </a:extLst>
+            </p:cNvPr>
+            <p:cNvSpPr txBox="1"/>
+            <p:nvPr/>
+          </p:nvSpPr>
+          <p:spPr>
+            <a:xfrm>
+              <a:off x="8984791" y="4861089"/>
+              <a:ext cx="1732966" cy="610839"/>
+            </a:xfrm>
+            <a:prstGeom prst="rect">
+              <a:avLst/>
+            </a:prstGeom>
+            <a:noFill/>
+          </p:spPr>
+          <p:txBody>
+            <a:bodyPr wrap="square" rtlCol="0">
+              <a:spAutoFit/>
+            </a:bodyPr>
+            <a:lstStyle/>
+            <a:p>
+              <a:r>
+                <a:rPr lang="en-US" sz="1600" dirty="0">
+                  <a:latin typeface="+mj-lt"/>
+                </a:rPr>
+                <a:t>Same54</a:t>
+              </a:r>
+            </a:p>
+          </p:txBody>
+        </p:sp>
+        <p:sp>
+          <p:nvSpPr>
+            <p:cNvPr id="26" name="TextBox 25">
+              <a:extLst>
+                <a:ext uri="{FF2B5EF4-FFF2-40B4-BE49-F238E27FC236}">
+                  <a16:creationId xmlns:a16="http://schemas.microsoft.com/office/drawing/2014/main" id="{211DF7CB-6D1E-5F18-8757-6D912AA3C6C0}"/>
+                </a:ext>
+              </a:extLst>
+            </p:cNvPr>
+            <p:cNvSpPr txBox="1"/>
+            <p:nvPr/>
+          </p:nvSpPr>
+          <p:spPr>
+            <a:xfrm>
+              <a:off x="9858285" y="6277496"/>
+              <a:ext cx="1232034" cy="530908"/>
+            </a:xfrm>
+            <a:prstGeom prst="rect">
+              <a:avLst/>
+            </a:prstGeom>
+            <a:noFill/>
+          </p:spPr>
+          <p:txBody>
+            <a:bodyPr wrap="square" rtlCol="0">
+              <a:spAutoFit/>
+            </a:bodyPr>
+            <a:lstStyle/>
+            <a:p>
+              <a:r>
+                <a:rPr lang="en-US" sz="1600" dirty="0">
+                  <a:latin typeface="+mj-lt"/>
+                </a:rPr>
+                <a:t>OLED</a:t>
+              </a:r>
+            </a:p>
+          </p:txBody>
+        </p:sp>
+        <p:cxnSp>
+          <p:nvCxnSpPr>
+            <p:cNvPr id="27" name="Connector: Elbow 26">
+              <a:extLst>
+                <a:ext uri="{FF2B5EF4-FFF2-40B4-BE49-F238E27FC236}">
+                  <a16:creationId xmlns:a16="http://schemas.microsoft.com/office/drawing/2014/main" id="{03C2A45D-A154-63E8-E1EB-C6A0B9F9617A}"/>
+                </a:ext>
+              </a:extLst>
+            </p:cNvPr>
+            <p:cNvCxnSpPr>
+              <a:stCxn id="13" idx="1"/>
+              <a:endCxn id="7" idx="1"/>
+            </p:cNvCxnSpPr>
+            <p:nvPr/>
+          </p:nvCxnSpPr>
+          <p:spPr>
+            <a:xfrm rot="10800000" flipH="1" flipV="1">
+              <a:off x="1077640" y="1306630"/>
+              <a:ext cx="6740090" cy="4811"/>
+            </a:xfrm>
+            <a:prstGeom prst="bentConnector5">
+              <a:avLst>
+                <a:gd name="adj1" fmla="val -3392"/>
+                <a:gd name="adj2" fmla="val -12554271"/>
+                <a:gd name="adj3" fmla="val 59140"/>
+              </a:avLst>
+            </a:prstGeom>
+            <a:ln>
+              <a:solidFill>
+                <a:srgbClr val="FF0000"/>
+              </a:solidFill>
+            </a:ln>
+          </p:spPr>
+          <p:style>
+            <a:lnRef idx="1">
+              <a:schemeClr val="accent1"/>
+            </a:lnRef>
+            <a:fillRef idx="0">
+              <a:schemeClr val="accent1"/>
+            </a:fillRef>
+            <a:effectRef idx="0">
+              <a:schemeClr val="accent1"/>
+            </a:effectRef>
+            <a:fontRef idx="minor">
+              <a:schemeClr val="tx1"/>
+            </a:fontRef>
+          </p:style>
+        </p:cxnSp>
+        <p:cxnSp>
+          <p:nvCxnSpPr>
+            <p:cNvPr id="28" name="Connector: Elbow 27">
+              <a:extLst>
+                <a:ext uri="{FF2B5EF4-FFF2-40B4-BE49-F238E27FC236}">
+                  <a16:creationId xmlns:a16="http://schemas.microsoft.com/office/drawing/2014/main" id="{56567630-D482-ED85-40AA-5F3DA9705960}"/>
+                </a:ext>
+              </a:extLst>
+            </p:cNvPr>
+            <p:cNvCxnSpPr>
+              <a:cxnSpLocks/>
+              <a:stCxn id="7" idx="1"/>
+              <a:endCxn id="23" idx="1"/>
+            </p:cNvCxnSpPr>
+            <p:nvPr/>
+          </p:nvCxnSpPr>
+          <p:spPr>
+            <a:xfrm rot="10800000" flipV="1">
+              <a:off x="7817730" y="1306630"/>
+              <a:ext cx="12700" cy="3258151"/>
+            </a:xfrm>
+            <a:prstGeom prst="bentConnector3">
+              <a:avLst>
+                <a:gd name="adj1" fmla="val 1800000"/>
+              </a:avLst>
+            </a:prstGeom>
+            <a:ln>
+              <a:solidFill>
+                <a:srgbClr val="FF0000"/>
+              </a:solidFill>
+            </a:ln>
+          </p:spPr>
+          <p:style>
+            <a:lnRef idx="1">
+              <a:schemeClr val="accent1"/>
+            </a:lnRef>
+            <a:fillRef idx="0">
+              <a:schemeClr val="accent1"/>
+            </a:fillRef>
+            <a:effectRef idx="0">
+              <a:schemeClr val="accent1"/>
+            </a:effectRef>
+            <a:fontRef idx="minor">
+              <a:schemeClr val="tx1"/>
+            </a:fontRef>
+          </p:style>
+        </p:cxnSp>
+        <p:cxnSp>
+          <p:nvCxnSpPr>
+            <p:cNvPr id="29" name="Connector: Elbow 28">
+              <a:extLst>
+                <a:ext uri="{FF2B5EF4-FFF2-40B4-BE49-F238E27FC236}">
+                  <a16:creationId xmlns:a16="http://schemas.microsoft.com/office/drawing/2014/main" id="{E58B2877-128A-B319-0C8C-331CEB118CF4}"/>
+                </a:ext>
+              </a:extLst>
+            </p:cNvPr>
+            <p:cNvCxnSpPr>
+              <a:cxnSpLocks/>
+              <a:stCxn id="23" idx="1"/>
+              <a:endCxn id="18" idx="1"/>
+            </p:cNvCxnSpPr>
+            <p:nvPr/>
+          </p:nvCxnSpPr>
+          <p:spPr>
+            <a:xfrm rot="10800000">
+              <a:off x="1083256" y="4564782"/>
+              <a:ext cx="6734475" cy="12700"/>
+            </a:xfrm>
+            <a:prstGeom prst="bentConnector5">
+              <a:avLst>
+                <a:gd name="adj1" fmla="val 40853"/>
+                <a:gd name="adj2" fmla="val 4755787"/>
+                <a:gd name="adj3" fmla="val 103394"/>
+              </a:avLst>
+            </a:prstGeom>
+            <a:ln>
+              <a:solidFill>
+                <a:srgbClr val="FF0000"/>
+              </a:solidFill>
+            </a:ln>
+          </p:spPr>
+          <p:style>
+            <a:lnRef idx="1">
+              <a:schemeClr val="accent1"/>
+            </a:lnRef>
+            <a:fillRef idx="0">
+              <a:schemeClr val="accent1"/>
+            </a:fillRef>
+            <a:effectRef idx="0">
+              <a:schemeClr val="accent1"/>
+            </a:effectRef>
+            <a:fontRef idx="minor">
+              <a:schemeClr val="tx1"/>
+            </a:fontRef>
+          </p:style>
+        </p:cxnSp>
+        <p:sp>
+          <p:nvSpPr>
+            <p:cNvPr id="30" name="TextBox 29">
+              <a:extLst>
+                <a:ext uri="{FF2B5EF4-FFF2-40B4-BE49-F238E27FC236}">
+                  <a16:creationId xmlns:a16="http://schemas.microsoft.com/office/drawing/2014/main" id="{67B64B66-3505-CB80-90DC-7DDB455C123B}"/>
+                </a:ext>
+              </a:extLst>
+            </p:cNvPr>
+            <p:cNvSpPr txBox="1"/>
+            <p:nvPr/>
+          </p:nvSpPr>
+          <p:spPr>
+            <a:xfrm>
+              <a:off x="5432269" y="1546542"/>
+              <a:ext cx="1797247" cy="1582262"/>
+            </a:xfrm>
+            <a:prstGeom prst="rect">
+              <a:avLst/>
+            </a:prstGeom>
+            <a:noFill/>
+          </p:spPr>
+          <p:txBody>
+            <a:bodyPr wrap="square" rtlCol="0">
+              <a:spAutoFit/>
+            </a:bodyPr>
+            <a:lstStyle/>
+            <a:p>
+              <a:r>
+                <a:rPr lang="en-US" sz="1600" dirty="0">
+                  <a:latin typeface="+mj-lt"/>
+                </a:rPr>
+                <a:t>STP Cable for T1S Communication</a:t>
+              </a:r>
+            </a:p>
+          </p:txBody>
+        </p:sp>
+        <p:cxnSp>
+          <p:nvCxnSpPr>
+            <p:cNvPr id="31" name="Straight Arrow Connector 30">
+              <a:extLst>
+                <a:ext uri="{FF2B5EF4-FFF2-40B4-BE49-F238E27FC236}">
+                  <a16:creationId xmlns:a16="http://schemas.microsoft.com/office/drawing/2014/main" id="{804A5436-5ACC-0E20-CDBA-5F85CE797C37}"/>
+                </a:ext>
+              </a:extLst>
+            </p:cNvPr>
+            <p:cNvCxnSpPr>
+              <a:cxnSpLocks/>
+              <a:stCxn id="30" idx="0"/>
+            </p:cNvCxnSpPr>
+            <p:nvPr/>
+          </p:nvCxnSpPr>
+          <p:spPr>
+            <a:xfrm flipV="1">
+              <a:off x="6330893" y="1306628"/>
+              <a:ext cx="0" cy="239915"/>
+            </a:xfrm>
+            <a:prstGeom prst="straightConnector1">
+              <a:avLst/>
+            </a:prstGeom>
+            <a:ln>
+              <a:tailEnd type="triangle"/>
+            </a:ln>
+          </p:spPr>
+          <p:style>
+            <a:lnRef idx="1">
+              <a:schemeClr val="accent1"/>
+            </a:lnRef>
+            <a:fillRef idx="0">
+              <a:schemeClr val="accent1"/>
+            </a:fillRef>
+            <a:effectRef idx="0">
+              <a:schemeClr val="accent1"/>
+            </a:effectRef>
+            <a:fontRef idx="minor">
+              <a:schemeClr val="tx1"/>
+            </a:fontRef>
+          </p:style>
+        </p:cxnSp>
+      </p:grpSp>
     </p:spTree>
     <p:extLst>
       <p:ext uri="{BB962C8B-B14F-4D97-AF65-F5344CB8AC3E}">
-        <p14:creationId xmlns:p14="http://schemas.microsoft.com/office/powerpoint/2010/main" val="2760098067"/>
+        <p14:creationId xmlns:p14="http://schemas.microsoft.com/office/powerpoint/2010/main" val="2967256940"/>
       </p:ext>
     </p:extLst>
   </p:cSld>
@@ -9098,10 +11054,10 @@
       </p:grpSpPr>
       <p:sp>
         <p:nvSpPr>
-          <p:cNvPr id="10" name="Title 1">
-            <a:extLst>
-              <a:ext uri="{FF2B5EF4-FFF2-40B4-BE49-F238E27FC236}">
-                <a16:creationId xmlns:a16="http://schemas.microsoft.com/office/drawing/2014/main" id="{168A8912-4709-A296-D1B8-A5E4AFF8D2D2}"/>
+          <p:cNvPr id="2" name="Title 1">
+            <a:extLst>
+              <a:ext uri="{FF2B5EF4-FFF2-40B4-BE49-F238E27FC236}">
+                <a16:creationId xmlns:a16="http://schemas.microsoft.com/office/drawing/2014/main" id="{4AA33942-852B-E475-399A-829A3998827B}"/>
               </a:ext>
             </a:extLst>
           </p:cNvPr>
@@ -9112,30 +11068,25 @@
             <p:ph type="title"/>
           </p:nvPr>
         </p:nvSpPr>
-        <p:spPr>
-          <a:xfrm>
-            <a:off x="355509" y="96296"/>
-            <a:ext cx="11400661" cy="942795"/>
-          </a:xfrm>
-        </p:spPr>
+        <p:spPr/>
         <p:txBody>
           <a:bodyPr/>
           <a:lstStyle/>
           <a:p>
             <a:r>
-              <a:rPr lang="fr-FR" dirty="0"/>
-              <a:t>git_clone_t1s_h3.bat</a:t>
-            </a:r>
-            <a:endParaRPr lang="en-US" dirty="0"/>
+              <a:rPr lang="en-US" sz="3600" dirty="0"/>
+              <a:t>Conditional Compilation through Predefined Symbols</a:t>
+            </a:r>
+            <a:endParaRPr lang="de-DE" sz="3600" dirty="0"/>
           </a:p>
         </p:txBody>
       </p:sp>
       <p:pic>
         <p:nvPicPr>
-          <p:cNvPr id="5" name="Picture 4" descr="A close up of a computer screen&#10;&#10;Description automatically generated">
-            <a:extLst>
-              <a:ext uri="{FF2B5EF4-FFF2-40B4-BE49-F238E27FC236}">
-                <a16:creationId xmlns:a16="http://schemas.microsoft.com/office/drawing/2014/main" id="{60FCBBA1-49E8-B544-32AB-6ADC41B5F252}"/>
+          <p:cNvPr id="12" name="Picture 11">
+            <a:extLst>
+              <a:ext uri="{FF2B5EF4-FFF2-40B4-BE49-F238E27FC236}">
+                <a16:creationId xmlns:a16="http://schemas.microsoft.com/office/drawing/2014/main" id="{4B438261-58E0-49FE-B4D3-DDEFF82C05FD}"/>
               </a:ext>
             </a:extLst>
           </p:cNvPr>
@@ -9152,144 +11103,20 @@
         </p:blipFill>
         <p:spPr>
           <a:xfrm>
-            <a:off x="355509" y="2434170"/>
-            <a:ext cx="11400661" cy="2622153"/>
+            <a:off x="2186887" y="945156"/>
+            <a:ext cx="7737904" cy="2507026"/>
           </a:xfrm>
           <a:prstGeom prst="rect">
             <a:avLst/>
           </a:prstGeom>
-          <a:noFill/>
         </p:spPr>
       </p:pic>
-      <p:sp>
-        <p:nvSpPr>
-          <p:cNvPr id="6" name="TextBox 5">
-            <a:extLst>
-              <a:ext uri="{FF2B5EF4-FFF2-40B4-BE49-F238E27FC236}">
-                <a16:creationId xmlns:a16="http://schemas.microsoft.com/office/drawing/2014/main" id="{9F71F904-3432-7A23-BC8A-FA2B124E12E3}"/>
-              </a:ext>
-            </a:extLst>
-          </p:cNvPr>
-          <p:cNvSpPr txBox="1"/>
-          <p:nvPr/>
-        </p:nvSpPr>
-        <p:spPr>
-          <a:xfrm flipH="1">
-            <a:off x="688155" y="1387155"/>
-            <a:ext cx="10982228" cy="461665"/>
-          </a:xfrm>
-          <a:prstGeom prst="rect">
-            <a:avLst/>
-          </a:prstGeom>
-          <a:noFill/>
-        </p:spPr>
-        <p:txBody>
-          <a:bodyPr wrap="square" rtlCol="0">
-            <a:spAutoFit/>
-          </a:bodyPr>
-          <a:lstStyle/>
-          <a:p>
-            <a:r>
-              <a:rPr lang="de-DE" dirty="0"/>
-              <a:t>This script clones several Harmony Repositories and checkout the needed versions  </a:t>
-            </a:r>
-          </a:p>
-        </p:txBody>
-      </p:sp>
-    </p:spTree>
-    <p:extLst>
-      <p:ext uri="{BB962C8B-B14F-4D97-AF65-F5344CB8AC3E}">
-        <p14:creationId xmlns:p14="http://schemas.microsoft.com/office/powerpoint/2010/main" val="22303934"/>
-      </p:ext>
-    </p:extLst>
-  </p:cSld>
-  <p:clrMapOvr>
-    <a:masterClrMapping/>
-  </p:clrMapOvr>
-</p:sld>
-</file>
-
-<file path=ppt/slides/slide5.xml><?xml version="1.0" encoding="utf-8"?>
-<p:sld xmlns:a="http://schemas.openxmlformats.org/drawingml/2006/main" xmlns:r="http://schemas.openxmlformats.org/officeDocument/2006/relationships" xmlns:p="http://schemas.openxmlformats.org/presentationml/2006/main">
-  <p:cSld>
-    <p:spTree>
-      <p:nvGrpSpPr>
-        <p:cNvPr id="1" name=""/>
-        <p:cNvGrpSpPr/>
-        <p:nvPr/>
-      </p:nvGrpSpPr>
-      <p:grpSpPr>
-        <a:xfrm>
-          <a:off x="0" y="0"/>
-          <a:ext cx="0" cy="0"/>
-          <a:chOff x="0" y="0"/>
-          <a:chExt cx="0" cy="0"/>
-        </a:xfrm>
-      </p:grpSpPr>
       <p:pic>
         <p:nvPicPr>
-          <p:cNvPr id="3" name="Picture 2">
-            <a:extLst>
-              <a:ext uri="{FF2B5EF4-FFF2-40B4-BE49-F238E27FC236}">
-                <a16:creationId xmlns:a16="http://schemas.microsoft.com/office/drawing/2014/main" id="{492953FD-C4A6-945C-CFBE-23CE8BD23EC6}"/>
-              </a:ext>
-            </a:extLst>
-          </p:cNvPr>
-          <p:cNvPicPr>
-            <a:picLocks noChangeAspect="1"/>
-          </p:cNvPicPr>
-          <p:nvPr/>
-        </p:nvPicPr>
-        <p:blipFill>
-          <a:blip r:embed="rId2"/>
-          <a:stretch>
-            <a:fillRect/>
-          </a:stretch>
-        </p:blipFill>
-        <p:spPr>
-          <a:xfrm>
-            <a:off x="3185549" y="1926106"/>
-            <a:ext cx="3035477" cy="4010375"/>
-          </a:xfrm>
-          <a:prstGeom prst="rect">
-            <a:avLst/>
-          </a:prstGeom>
-        </p:spPr>
-      </p:pic>
-      <p:sp>
-        <p:nvSpPr>
-          <p:cNvPr id="2" name="Title 1">
-            <a:extLst>
-              <a:ext uri="{FF2B5EF4-FFF2-40B4-BE49-F238E27FC236}">
-                <a16:creationId xmlns:a16="http://schemas.microsoft.com/office/drawing/2014/main" id="{DDFA33AF-EF16-A9A1-1FDA-0BA58D176E2A}"/>
-              </a:ext>
-            </a:extLst>
-          </p:cNvPr>
-          <p:cNvSpPr>
-            <a:spLocks noGrp="1"/>
-          </p:cNvSpPr>
-          <p:nvPr>
-            <p:ph type="title"/>
-          </p:nvPr>
-        </p:nvSpPr>
-        <p:spPr/>
-        <p:txBody>
-          <a:bodyPr/>
-          <a:lstStyle/>
-          <a:p>
-            <a:r>
-              <a:rPr lang="de-DE" dirty="0"/>
-              <a:t>Github Project</a:t>
-            </a:r>
-          </a:p>
-        </p:txBody>
-      </p:sp>
-      <p:pic>
-        <p:nvPicPr>
-          <p:cNvPr id="5" name="Picture 4">
-            <a:extLst>
-              <a:ext uri="{FF2B5EF4-FFF2-40B4-BE49-F238E27FC236}">
-                <a16:creationId xmlns:a16="http://schemas.microsoft.com/office/drawing/2014/main" id="{0B513042-A54B-3A27-E0C4-D3E93BE6ABB4}"/>
+          <p:cNvPr id="10" name="Picture 9">
+            <a:extLst>
+              <a:ext uri="{FF2B5EF4-FFF2-40B4-BE49-F238E27FC236}">
+                <a16:creationId xmlns:a16="http://schemas.microsoft.com/office/drawing/2014/main" id="{FF32B73F-DE64-FD74-422C-A593EE4B4B8B}"/>
               </a:ext>
             </a:extLst>
           </p:cNvPr>
@@ -9306,20 +11133,110 @@
         </p:blipFill>
         <p:spPr>
           <a:xfrm>
-            <a:off x="764437" y="2623055"/>
-            <a:ext cx="1896230" cy="2079736"/>
+            <a:off x="3196653" y="3784795"/>
+            <a:ext cx="4624082" cy="2721142"/>
           </a:xfrm>
           <a:prstGeom prst="rect">
             <a:avLst/>
           </a:prstGeom>
         </p:spPr>
       </p:pic>
+      <p:cxnSp>
+        <p:nvCxnSpPr>
+          <p:cNvPr id="13" name="Straight Arrow Connector 12">
+            <a:extLst>
+              <a:ext uri="{FF2B5EF4-FFF2-40B4-BE49-F238E27FC236}">
+                <a16:creationId xmlns:a16="http://schemas.microsoft.com/office/drawing/2014/main" id="{DC5A9AEA-1759-3A4C-E4BB-95EFE152B498}"/>
+              </a:ext>
+            </a:extLst>
+          </p:cNvPr>
+          <p:cNvCxnSpPr>
+            <a:cxnSpLocks/>
+          </p:cNvCxnSpPr>
+          <p:nvPr/>
+        </p:nvCxnSpPr>
+        <p:spPr>
+          <a:xfrm flipH="1">
+            <a:off x="5508694" y="3073205"/>
+            <a:ext cx="1028740" cy="2072161"/>
+          </a:xfrm>
+          <a:prstGeom prst="straightConnector1">
+            <a:avLst/>
+          </a:prstGeom>
+          <a:ln>
+            <a:solidFill>
+              <a:srgbClr val="FD7F20"/>
+            </a:solidFill>
+            <a:tailEnd type="triangle"/>
+          </a:ln>
+          <a:effectLst/>
+        </p:spPr>
+        <p:style>
+          <a:lnRef idx="2">
+            <a:schemeClr val="accent1"/>
+          </a:lnRef>
+          <a:fillRef idx="0">
+            <a:schemeClr val="accent1"/>
+          </a:fillRef>
+          <a:effectRef idx="1">
+            <a:schemeClr val="accent1"/>
+          </a:effectRef>
+          <a:fontRef idx="minor">
+            <a:schemeClr val="tx1"/>
+          </a:fontRef>
+        </p:style>
+      </p:cxnSp>
+      <p:cxnSp>
+        <p:nvCxnSpPr>
+          <p:cNvPr id="17" name="Straight Arrow Connector 16">
+            <a:extLst>
+              <a:ext uri="{FF2B5EF4-FFF2-40B4-BE49-F238E27FC236}">
+                <a16:creationId xmlns:a16="http://schemas.microsoft.com/office/drawing/2014/main" id="{373C37D1-C700-05A7-D9D4-FA0E32E4A9E5}"/>
+              </a:ext>
+            </a:extLst>
+          </p:cNvPr>
+          <p:cNvCxnSpPr>
+            <a:cxnSpLocks/>
+          </p:cNvCxnSpPr>
+          <p:nvPr/>
+        </p:nvCxnSpPr>
+        <p:spPr>
+          <a:xfrm>
+            <a:off x="2596055" y="2911366"/>
+            <a:ext cx="683173" cy="1271751"/>
+          </a:xfrm>
+          <a:prstGeom prst="straightConnector1">
+            <a:avLst/>
+          </a:prstGeom>
+          <a:ln>
+            <a:solidFill>
+              <a:srgbClr val="FD7F20"/>
+            </a:solidFill>
+            <a:tailEnd type="triangle"/>
+          </a:ln>
+          <a:effectLst/>
+        </p:spPr>
+        <p:style>
+          <a:lnRef idx="2">
+            <a:schemeClr val="accent1"/>
+          </a:lnRef>
+          <a:fillRef idx="0">
+            <a:schemeClr val="accent1"/>
+          </a:fillRef>
+          <a:effectRef idx="1">
+            <a:schemeClr val="accent1"/>
+          </a:effectRef>
+          <a:fontRef idx="minor">
+            <a:schemeClr val="tx1"/>
+          </a:fontRef>
+        </p:style>
+      </p:cxnSp>
       <p:sp>
         <p:nvSpPr>
-          <p:cNvPr id="9" name="Rectangle 8">
-            <a:extLst>
-              <a:ext uri="{FF2B5EF4-FFF2-40B4-BE49-F238E27FC236}">
-                <a16:creationId xmlns:a16="http://schemas.microsoft.com/office/drawing/2014/main" id="{99D2AAEB-550E-CD78-4D50-EB22BB93B423}"/>
+          <p:cNvPr id="28" name="Rectangle 27">
+            <a:extLst>
+              <a:ext uri="{FF2B5EF4-FFF2-40B4-BE49-F238E27FC236}">
+                <a16:creationId xmlns:a16="http://schemas.microsoft.com/office/drawing/2014/main" id="{6C86D661-A1DB-EE56-65DB-420ED50C4648}"/>
               </a:ext>
             </a:extLst>
           </p:cNvPr>
@@ -9328,13 +11245,12 @@
         </p:nvSpPr>
         <p:spPr>
           <a:xfrm>
-            <a:off x="3067736" y="3047600"/>
-            <a:ext cx="3271101" cy="312663"/>
+            <a:off x="2375137" y="2714249"/>
+            <a:ext cx="7361403" cy="1808480"/>
           </a:xfrm>
           <a:prstGeom prst="rect">
             <a:avLst/>
           </a:prstGeom>
-          <a:noFill/>
           <a:ln/>
         </p:spPr>
         <p:style>
@@ -9361,527 +11277,16 @@
           <a:lstStyle/>
           <a:p>
             <a:pPr algn="ctr"/>
-            <a:endParaRPr lang="de-DE"/>
-          </a:p>
-        </p:txBody>
-      </p:sp>
-      <p:sp>
-        <p:nvSpPr>
-          <p:cNvPr id="17" name="TextBox 16">
-            <a:extLst>
-              <a:ext uri="{FF2B5EF4-FFF2-40B4-BE49-F238E27FC236}">
-                <a16:creationId xmlns:a16="http://schemas.microsoft.com/office/drawing/2014/main" id="{B535091C-88EB-9173-F05B-9F0627A2F16B}"/>
-              </a:ext>
-            </a:extLst>
-          </p:cNvPr>
-          <p:cNvSpPr txBox="1"/>
-          <p:nvPr/>
-        </p:nvSpPr>
-        <p:spPr>
-          <a:xfrm>
-            <a:off x="6745907" y="348792"/>
-            <a:ext cx="4406002" cy="3046988"/>
-          </a:xfrm>
-          <a:prstGeom prst="rect">
-            <a:avLst/>
-          </a:prstGeom>
-          <a:noFill/>
-        </p:spPr>
-        <p:txBody>
-          <a:bodyPr wrap="square" rtlCol="0">
-            <a:spAutoFit/>
-          </a:bodyPr>
-          <a:lstStyle/>
-          <a:p>
             <a:r>
               <a:rPr lang="de-DE" dirty="0"/>
-              <a:t>The script setup.bat calls the „prjMakefilesGenerator.bat“</a:t>
-            </a:r>
-          </a:p>
-          <a:p>
-            <a:endParaRPr lang="de-DE" dirty="0"/>
-          </a:p>
-          <a:p>
+              <a:t>This allows to have one project for 4 different boards. </a:t>
+            </a:r>
+          </a:p>
+          <a:p>
+            <a:pPr algn="ctr"/>
             <a:r>
               <a:rPr lang="de-DE" dirty="0"/>
-              <a:t>i.e. It creates all Makefiles. This is normally done by MPLABX when the project is opened. And allows to build the projects without using MPLABX</a:t>
-            </a:r>
-          </a:p>
-        </p:txBody>
-      </p:sp>
-      <p:pic>
-        <p:nvPicPr>
-          <p:cNvPr id="6" name="Picture 5">
-            <a:extLst>
-              <a:ext uri="{FF2B5EF4-FFF2-40B4-BE49-F238E27FC236}">
-                <a16:creationId xmlns:a16="http://schemas.microsoft.com/office/drawing/2014/main" id="{7BA6A497-C67D-DFCD-5F92-FEAED324A85C}"/>
-              </a:ext>
-            </a:extLst>
-          </p:cNvPr>
-          <p:cNvPicPr>
-            <a:picLocks noChangeAspect="1"/>
-          </p:cNvPicPr>
-          <p:nvPr/>
-        </p:nvPicPr>
-        <p:blipFill>
-          <a:blip r:embed="rId4"/>
-          <a:stretch>
-            <a:fillRect/>
-          </a:stretch>
-        </p:blipFill>
-        <p:spPr>
-          <a:xfrm>
-            <a:off x="6637416" y="3725599"/>
-            <a:ext cx="5118754" cy="2210882"/>
-          </a:xfrm>
-          <a:prstGeom prst="rect">
-            <a:avLst/>
-          </a:prstGeom>
-        </p:spPr>
-      </p:pic>
-    </p:spTree>
-    <p:extLst>
-      <p:ext uri="{BB962C8B-B14F-4D97-AF65-F5344CB8AC3E}">
-        <p14:creationId xmlns:p14="http://schemas.microsoft.com/office/powerpoint/2010/main" val="2483439385"/>
-      </p:ext>
-    </p:extLst>
-  </p:cSld>
-  <p:clrMapOvr>
-    <a:masterClrMapping/>
-  </p:clrMapOvr>
-</p:sld>
-</file>
-
-<file path=ppt/slides/slide6.xml><?xml version="1.0" encoding="utf-8"?>
-<p:sld xmlns:a="http://schemas.openxmlformats.org/drawingml/2006/main" xmlns:r="http://schemas.openxmlformats.org/officeDocument/2006/relationships" xmlns:p="http://schemas.openxmlformats.org/presentationml/2006/main">
-  <p:cSld>
-    <p:spTree>
-      <p:nvGrpSpPr>
-        <p:cNvPr id="1" name=""/>
-        <p:cNvGrpSpPr/>
-        <p:nvPr/>
-      </p:nvGrpSpPr>
-      <p:grpSpPr>
-        <a:xfrm>
-          <a:off x="0" y="0"/>
-          <a:ext cx="0" cy="0"/>
-          <a:chOff x="0" y="0"/>
-          <a:chExt cx="0" cy="0"/>
-        </a:xfrm>
-      </p:grpSpPr>
-      <p:pic>
-        <p:nvPicPr>
-          <p:cNvPr id="3" name="Picture 2">
-            <a:extLst>
-              <a:ext uri="{FF2B5EF4-FFF2-40B4-BE49-F238E27FC236}">
-                <a16:creationId xmlns:a16="http://schemas.microsoft.com/office/drawing/2014/main" id="{492953FD-C4A6-945C-CFBE-23CE8BD23EC6}"/>
-              </a:ext>
-            </a:extLst>
-          </p:cNvPr>
-          <p:cNvPicPr>
-            <a:picLocks noChangeAspect="1"/>
-          </p:cNvPicPr>
-          <p:nvPr/>
-        </p:nvPicPr>
-        <p:blipFill>
-          <a:blip r:embed="rId2"/>
-          <a:stretch>
-            <a:fillRect/>
-          </a:stretch>
-        </p:blipFill>
-        <p:spPr>
-          <a:xfrm>
-            <a:off x="3185549" y="1926106"/>
-            <a:ext cx="3035477" cy="4010375"/>
-          </a:xfrm>
-          <a:prstGeom prst="rect">
-            <a:avLst/>
-          </a:prstGeom>
-        </p:spPr>
-      </p:pic>
-      <p:sp>
-        <p:nvSpPr>
-          <p:cNvPr id="2" name="Title 1">
-            <a:extLst>
-              <a:ext uri="{FF2B5EF4-FFF2-40B4-BE49-F238E27FC236}">
-                <a16:creationId xmlns:a16="http://schemas.microsoft.com/office/drawing/2014/main" id="{DDFA33AF-EF16-A9A1-1FDA-0BA58D176E2A}"/>
-              </a:ext>
-            </a:extLst>
-          </p:cNvPr>
-          <p:cNvSpPr>
-            <a:spLocks noGrp="1"/>
-          </p:cNvSpPr>
-          <p:nvPr>
-            <p:ph type="title"/>
-          </p:nvPr>
-        </p:nvSpPr>
-        <p:spPr/>
-        <p:txBody>
-          <a:bodyPr/>
-          <a:lstStyle/>
-          <a:p>
-            <a:r>
-              <a:rPr lang="de-DE" dirty="0"/>
-              <a:t>Github Project</a:t>
-            </a:r>
-          </a:p>
-        </p:txBody>
-      </p:sp>
-      <p:pic>
-        <p:nvPicPr>
-          <p:cNvPr id="5" name="Picture 4">
-            <a:extLst>
-              <a:ext uri="{FF2B5EF4-FFF2-40B4-BE49-F238E27FC236}">
-                <a16:creationId xmlns:a16="http://schemas.microsoft.com/office/drawing/2014/main" id="{0B513042-A54B-3A27-E0C4-D3E93BE6ABB4}"/>
-              </a:ext>
-            </a:extLst>
-          </p:cNvPr>
-          <p:cNvPicPr>
-            <a:picLocks noChangeAspect="1"/>
-          </p:cNvPicPr>
-          <p:nvPr/>
-        </p:nvPicPr>
-        <p:blipFill>
-          <a:blip r:embed="rId3"/>
-          <a:stretch>
-            <a:fillRect/>
-          </a:stretch>
-        </p:blipFill>
-        <p:spPr>
-          <a:xfrm>
-            <a:off x="764437" y="2623055"/>
-            <a:ext cx="1896230" cy="2079736"/>
-          </a:xfrm>
-          <a:prstGeom prst="rect">
-            <a:avLst/>
-          </a:prstGeom>
-        </p:spPr>
-      </p:pic>
-      <p:sp>
-        <p:nvSpPr>
-          <p:cNvPr id="9" name="Rectangle 8">
-            <a:extLst>
-              <a:ext uri="{FF2B5EF4-FFF2-40B4-BE49-F238E27FC236}">
-                <a16:creationId xmlns:a16="http://schemas.microsoft.com/office/drawing/2014/main" id="{99D2AAEB-550E-CD78-4D50-EB22BB93B423}"/>
-              </a:ext>
-            </a:extLst>
-          </p:cNvPr>
-          <p:cNvSpPr/>
-          <p:nvPr/>
-        </p:nvSpPr>
-        <p:spPr>
-          <a:xfrm>
-            <a:off x="3067736" y="2340590"/>
-            <a:ext cx="3271101" cy="312663"/>
-          </a:xfrm>
-          <a:prstGeom prst="rect">
-            <a:avLst/>
-          </a:prstGeom>
-          <a:noFill/>
-          <a:ln/>
-        </p:spPr>
-        <p:style>
-          <a:lnRef idx="2">
-            <a:schemeClr val="accent2"/>
-          </a:lnRef>
-          <a:fillRef idx="1">
-            <a:schemeClr val="lt1"/>
-          </a:fillRef>
-          <a:effectRef idx="0">
-            <a:schemeClr val="accent2"/>
-          </a:effectRef>
-          <a:fontRef idx="minor">
-            <a:schemeClr val="dk1"/>
-          </a:fontRef>
-        </p:style>
-        <p:txBody>
-          <a:bodyPr rot="0" spcFirstLastPara="0" vertOverflow="overflow" horzOverflow="overflow" vert="horz" wrap="square" lIns="91440" tIns="45720" rIns="91440" bIns="45720" numCol="1" spcCol="0" rtlCol="0" fromWordArt="0" anchor="ctr" anchorCtr="0" forceAA="0" compatLnSpc="1">
-            <a:prstTxWarp prst="textNoShape">
-              <a:avLst/>
-            </a:prstTxWarp>
-            <a:noAutofit/>
-          </a:bodyPr>
-          <a:lstStyle/>
-          <a:p>
-            <a:pPr algn="ctr"/>
-            <a:endParaRPr lang="de-DE"/>
-          </a:p>
-        </p:txBody>
-      </p:sp>
-      <p:sp>
-        <p:nvSpPr>
-          <p:cNvPr id="17" name="TextBox 16">
-            <a:extLst>
-              <a:ext uri="{FF2B5EF4-FFF2-40B4-BE49-F238E27FC236}">
-                <a16:creationId xmlns:a16="http://schemas.microsoft.com/office/drawing/2014/main" id="{B535091C-88EB-9173-F05B-9F0627A2F16B}"/>
-              </a:ext>
-            </a:extLst>
-          </p:cNvPr>
-          <p:cNvSpPr txBox="1"/>
-          <p:nvPr/>
-        </p:nvSpPr>
-        <p:spPr>
-          <a:xfrm>
-            <a:off x="7032395" y="2070704"/>
-            <a:ext cx="4119513" cy="1569660"/>
-          </a:xfrm>
-          <a:prstGeom prst="rect">
-            <a:avLst/>
-          </a:prstGeom>
-          <a:noFill/>
-        </p:spPr>
-        <p:txBody>
-          <a:bodyPr wrap="square" rtlCol="0">
-            <a:spAutoFit/>
-          </a:bodyPr>
-          <a:lstStyle/>
-          <a:p>
-            <a:r>
-              <a:rPr lang="de-DE" dirty="0"/>
-              <a:t>The script „makeit.bat“ call the make utility to build all configuration on the command line</a:t>
-            </a:r>
-          </a:p>
-        </p:txBody>
-      </p:sp>
-      <p:pic>
-        <p:nvPicPr>
-          <p:cNvPr id="8" name="Picture 7">
-            <a:extLst>
-              <a:ext uri="{FF2B5EF4-FFF2-40B4-BE49-F238E27FC236}">
-                <a16:creationId xmlns:a16="http://schemas.microsoft.com/office/drawing/2014/main" id="{AC84C692-3815-6F16-1944-C7B3D5D41AB4}"/>
-              </a:ext>
-            </a:extLst>
-          </p:cNvPr>
-          <p:cNvPicPr>
-            <a:picLocks noChangeAspect="1"/>
-          </p:cNvPicPr>
-          <p:nvPr/>
-        </p:nvPicPr>
-        <p:blipFill>
-          <a:blip r:embed="rId4"/>
-          <a:stretch>
-            <a:fillRect/>
-          </a:stretch>
-        </p:blipFill>
-        <p:spPr>
-          <a:xfrm>
-            <a:off x="6394136" y="3990044"/>
-            <a:ext cx="5794689" cy="1425493"/>
-          </a:xfrm>
-          <a:prstGeom prst="rect">
-            <a:avLst/>
-          </a:prstGeom>
-        </p:spPr>
-      </p:pic>
-    </p:spTree>
-    <p:extLst>
-      <p:ext uri="{BB962C8B-B14F-4D97-AF65-F5344CB8AC3E}">
-        <p14:creationId xmlns:p14="http://schemas.microsoft.com/office/powerpoint/2010/main" val="4271646428"/>
-      </p:ext>
-    </p:extLst>
-  </p:cSld>
-  <p:clrMapOvr>
-    <a:masterClrMapping/>
-  </p:clrMapOvr>
-</p:sld>
-</file>
-
-<file path=ppt/slides/slide7.xml><?xml version="1.0" encoding="utf-8"?>
-<p:sld xmlns:a="http://schemas.openxmlformats.org/drawingml/2006/main" xmlns:r="http://schemas.openxmlformats.org/officeDocument/2006/relationships" xmlns:p="http://schemas.openxmlformats.org/presentationml/2006/main">
-  <p:cSld>
-    <p:spTree>
-      <p:nvGrpSpPr>
-        <p:cNvPr id="1" name=""/>
-        <p:cNvGrpSpPr/>
-        <p:nvPr/>
-      </p:nvGrpSpPr>
-      <p:grpSpPr>
-        <a:xfrm>
-          <a:off x="0" y="0"/>
-          <a:ext cx="0" cy="0"/>
-          <a:chOff x="0" y="0"/>
-          <a:chExt cx="0" cy="0"/>
-        </a:xfrm>
-      </p:grpSpPr>
-      <p:pic>
-        <p:nvPicPr>
-          <p:cNvPr id="3" name="Picture 2">
-            <a:extLst>
-              <a:ext uri="{FF2B5EF4-FFF2-40B4-BE49-F238E27FC236}">
-                <a16:creationId xmlns:a16="http://schemas.microsoft.com/office/drawing/2014/main" id="{492953FD-C4A6-945C-CFBE-23CE8BD23EC6}"/>
-              </a:ext>
-            </a:extLst>
-          </p:cNvPr>
-          <p:cNvPicPr>
-            <a:picLocks noChangeAspect="1"/>
-          </p:cNvPicPr>
-          <p:nvPr/>
-        </p:nvPicPr>
-        <p:blipFill>
-          <a:blip r:embed="rId2"/>
-          <a:stretch>
-            <a:fillRect/>
-          </a:stretch>
-        </p:blipFill>
-        <p:spPr>
-          <a:xfrm>
-            <a:off x="3185549" y="1926106"/>
-            <a:ext cx="3035477" cy="4010375"/>
-          </a:xfrm>
-          <a:prstGeom prst="rect">
-            <a:avLst/>
-          </a:prstGeom>
-        </p:spPr>
-      </p:pic>
-      <p:sp>
-        <p:nvSpPr>
-          <p:cNvPr id="2" name="Title 1">
-            <a:extLst>
-              <a:ext uri="{FF2B5EF4-FFF2-40B4-BE49-F238E27FC236}">
-                <a16:creationId xmlns:a16="http://schemas.microsoft.com/office/drawing/2014/main" id="{DDFA33AF-EF16-A9A1-1FDA-0BA58D176E2A}"/>
-              </a:ext>
-            </a:extLst>
-          </p:cNvPr>
-          <p:cNvSpPr>
-            <a:spLocks noGrp="1"/>
-          </p:cNvSpPr>
-          <p:nvPr>
-            <p:ph type="title"/>
-          </p:nvPr>
-        </p:nvSpPr>
-        <p:spPr/>
-        <p:txBody>
-          <a:bodyPr/>
-          <a:lstStyle/>
-          <a:p>
-            <a:r>
-              <a:rPr lang="de-DE" dirty="0"/>
-              <a:t>Github Project</a:t>
-            </a:r>
-          </a:p>
-        </p:txBody>
-      </p:sp>
-      <p:pic>
-        <p:nvPicPr>
-          <p:cNvPr id="5" name="Picture 4">
-            <a:extLst>
-              <a:ext uri="{FF2B5EF4-FFF2-40B4-BE49-F238E27FC236}">
-                <a16:creationId xmlns:a16="http://schemas.microsoft.com/office/drawing/2014/main" id="{0B513042-A54B-3A27-E0C4-D3E93BE6ABB4}"/>
-              </a:ext>
-            </a:extLst>
-          </p:cNvPr>
-          <p:cNvPicPr>
-            <a:picLocks noChangeAspect="1"/>
-          </p:cNvPicPr>
-          <p:nvPr/>
-        </p:nvPicPr>
-        <p:blipFill>
-          <a:blip r:embed="rId3"/>
-          <a:stretch>
-            <a:fillRect/>
-          </a:stretch>
-        </p:blipFill>
-        <p:spPr>
-          <a:xfrm>
-            <a:off x="764437" y="2623055"/>
-            <a:ext cx="1896230" cy="2079736"/>
-          </a:xfrm>
-          <a:prstGeom prst="rect">
-            <a:avLst/>
-          </a:prstGeom>
-        </p:spPr>
-      </p:pic>
-      <p:sp>
-        <p:nvSpPr>
-          <p:cNvPr id="9" name="Rectangle 8">
-            <a:extLst>
-              <a:ext uri="{FF2B5EF4-FFF2-40B4-BE49-F238E27FC236}">
-                <a16:creationId xmlns:a16="http://schemas.microsoft.com/office/drawing/2014/main" id="{99D2AAEB-550E-CD78-4D50-EB22BB93B423}"/>
-              </a:ext>
-            </a:extLst>
-          </p:cNvPr>
-          <p:cNvSpPr/>
-          <p:nvPr/>
-        </p:nvSpPr>
-        <p:spPr>
-          <a:xfrm>
-            <a:off x="3143153" y="4678437"/>
-            <a:ext cx="3271101" cy="312663"/>
-          </a:xfrm>
-          <a:prstGeom prst="rect">
-            <a:avLst/>
-          </a:prstGeom>
-          <a:noFill/>
-          <a:ln/>
-        </p:spPr>
-        <p:style>
-          <a:lnRef idx="2">
-            <a:schemeClr val="accent2"/>
-          </a:lnRef>
-          <a:fillRef idx="1">
-            <a:schemeClr val="lt1"/>
-          </a:fillRef>
-          <a:effectRef idx="0">
-            <a:schemeClr val="accent2"/>
-          </a:effectRef>
-          <a:fontRef idx="minor">
-            <a:schemeClr val="dk1"/>
-          </a:fontRef>
-        </p:style>
-        <p:txBody>
-          <a:bodyPr rot="0" spcFirstLastPara="0" vertOverflow="overflow" horzOverflow="overflow" vert="horz" wrap="square" lIns="91440" tIns="45720" rIns="91440" bIns="45720" numCol="1" spcCol="0" rtlCol="0" fromWordArt="0" anchor="ctr" anchorCtr="0" forceAA="0" compatLnSpc="1">
-            <a:prstTxWarp prst="textNoShape">
-              <a:avLst/>
-            </a:prstTxWarp>
-            <a:noAutofit/>
-          </a:bodyPr>
-          <a:lstStyle/>
-          <a:p>
-            <a:pPr algn="ctr"/>
-            <a:endParaRPr lang="de-DE"/>
-          </a:p>
-        </p:txBody>
-      </p:sp>
-      <p:sp>
-        <p:nvSpPr>
-          <p:cNvPr id="17" name="TextBox 16">
-            <a:extLst>
-              <a:ext uri="{FF2B5EF4-FFF2-40B4-BE49-F238E27FC236}">
-                <a16:creationId xmlns:a16="http://schemas.microsoft.com/office/drawing/2014/main" id="{B535091C-88EB-9173-F05B-9F0627A2F16B}"/>
-              </a:ext>
-            </a:extLst>
-          </p:cNvPr>
-          <p:cNvSpPr txBox="1"/>
-          <p:nvPr/>
-        </p:nvSpPr>
-        <p:spPr>
-          <a:xfrm>
-            <a:off x="7032395" y="2070704"/>
-            <a:ext cx="4119513" cy="3785652"/>
-          </a:xfrm>
-          <a:prstGeom prst="rect">
-            <a:avLst/>
-          </a:prstGeom>
-          <a:noFill/>
-        </p:spPr>
-        <p:txBody>
-          <a:bodyPr wrap="square" rtlCol="0">
-            <a:spAutoFit/>
-          </a:bodyPr>
-          <a:lstStyle/>
-          <a:p>
-            <a:r>
-              <a:rPr lang="de-DE" dirty="0"/>
-              <a:t>The Tool „multi_progger.pyw“ is a Python Tkinter GUI that controlls 4 instances of the MDB Core simultary. </a:t>
-            </a:r>
-          </a:p>
-          <a:p>
-            <a:endParaRPr lang="de-DE" dirty="0"/>
-          </a:p>
-          <a:p>
-            <a:r>
-              <a:rPr lang="de-DE" dirty="0"/>
-              <a:t>This allows to keep the connection to four MDB‘s instances and programming four controller at the same time. </a:t>
+              <a:t>Every board do need a different MAC, IP, NodeID</a:t>
             </a:r>
           </a:p>
         </p:txBody>
@@ -9889,507 +11294,7 @@
     </p:spTree>
     <p:extLst>
       <p:ext uri="{BB962C8B-B14F-4D97-AF65-F5344CB8AC3E}">
-        <p14:creationId xmlns:p14="http://schemas.microsoft.com/office/powerpoint/2010/main" val="1766328611"/>
-      </p:ext>
-    </p:extLst>
-  </p:cSld>
-  <p:clrMapOvr>
-    <a:masterClrMapping/>
-  </p:clrMapOvr>
-</p:sld>
-</file>
-
-<file path=ppt/slides/slide8.xml><?xml version="1.0" encoding="utf-8"?>
-<p:sld xmlns:a="http://schemas.openxmlformats.org/drawingml/2006/main" xmlns:r="http://schemas.openxmlformats.org/officeDocument/2006/relationships" xmlns:p="http://schemas.openxmlformats.org/presentationml/2006/main">
-  <p:cSld>
-    <p:spTree>
-      <p:nvGrpSpPr>
-        <p:cNvPr id="1" name=""/>
-        <p:cNvGrpSpPr/>
-        <p:nvPr/>
-      </p:nvGrpSpPr>
-      <p:grpSpPr>
-        <a:xfrm>
-          <a:off x="0" y="0"/>
-          <a:ext cx="0" cy="0"/>
-          <a:chOff x="0" y="0"/>
-          <a:chExt cx="0" cy="0"/>
-        </a:xfrm>
-      </p:grpSpPr>
-      <p:sp>
-        <p:nvSpPr>
-          <p:cNvPr id="10" name="Title 1">
-            <a:extLst>
-              <a:ext uri="{FF2B5EF4-FFF2-40B4-BE49-F238E27FC236}">
-                <a16:creationId xmlns:a16="http://schemas.microsoft.com/office/drawing/2014/main" id="{0B683DAE-43AE-C3E0-1BAA-37E74A9E165D}"/>
-              </a:ext>
-            </a:extLst>
-          </p:cNvPr>
-          <p:cNvSpPr>
-            <a:spLocks noGrp="1"/>
-          </p:cNvSpPr>
-          <p:nvPr>
-            <p:ph type="title"/>
-          </p:nvPr>
-        </p:nvSpPr>
-        <p:spPr>
-          <a:xfrm>
-            <a:off x="355509" y="96296"/>
-            <a:ext cx="11400661" cy="777240"/>
-          </a:xfrm>
-        </p:spPr>
-        <p:txBody>
-          <a:bodyPr anchor="t">
-            <a:normAutofit/>
-          </a:bodyPr>
-          <a:lstStyle/>
-          <a:p>
-            <a:pPr>
-              <a:lnSpc>
-                <a:spcPct val="90000"/>
-              </a:lnSpc>
-            </a:pPr>
-            <a:r>
-              <a:rPr lang="en-US" dirty="0"/>
-              <a:t>Python GUI for parallel Programming with MDB</a:t>
-            </a:r>
-          </a:p>
-        </p:txBody>
-      </p:sp>
-      <p:pic>
-        <p:nvPicPr>
-          <p:cNvPr id="7" name="Picture 6" descr="A screenshot of a computer&#10;&#10;Description automatically generated">
-            <a:extLst>
-              <a:ext uri="{FF2B5EF4-FFF2-40B4-BE49-F238E27FC236}">
-                <a16:creationId xmlns:a16="http://schemas.microsoft.com/office/drawing/2014/main" id="{C61F2B99-B43E-B0AA-F16D-AF62391FD30F}"/>
-              </a:ext>
-            </a:extLst>
-          </p:cNvPr>
-          <p:cNvPicPr>
-            <a:picLocks noChangeAspect="1"/>
-          </p:cNvPicPr>
-          <p:nvPr/>
-        </p:nvPicPr>
-        <p:blipFill>
-          <a:blip r:embed="rId2"/>
-          <a:stretch>
-            <a:fillRect/>
-          </a:stretch>
-        </p:blipFill>
-        <p:spPr>
-          <a:xfrm>
-            <a:off x="354778" y="1050906"/>
-            <a:ext cx="11400660" cy="5130297"/>
-          </a:xfrm>
-          <a:prstGeom prst="rect">
-            <a:avLst/>
-          </a:prstGeom>
-          <a:noFill/>
-        </p:spPr>
-      </p:pic>
-      <p:pic>
-        <p:nvPicPr>
-          <p:cNvPr id="12" name="Picture 11">
-            <a:extLst>
-              <a:ext uri="{FF2B5EF4-FFF2-40B4-BE49-F238E27FC236}">
-                <a16:creationId xmlns:a16="http://schemas.microsoft.com/office/drawing/2014/main" id="{C0555B2C-198E-0120-B25C-EFF5BEEE8408}"/>
-              </a:ext>
-            </a:extLst>
-          </p:cNvPr>
-          <p:cNvPicPr>
-            <a:picLocks noChangeAspect="1"/>
-          </p:cNvPicPr>
-          <p:nvPr/>
-        </p:nvPicPr>
-        <p:blipFill>
-          <a:blip r:embed="rId3"/>
-          <a:stretch>
-            <a:fillRect/>
-          </a:stretch>
-        </p:blipFill>
-        <p:spPr>
-          <a:xfrm>
-            <a:off x="2223117" y="876079"/>
-            <a:ext cx="7742591" cy="5105842"/>
-          </a:xfrm>
-          <a:prstGeom prst="rect">
-            <a:avLst/>
-          </a:prstGeom>
-          <a:effectLst>
-            <a:outerShdw blurRad="50800" dist="38100" dir="2700000" algn="tl" rotWithShape="0">
-              <a:prstClr val="black">
-                <a:alpha val="40000"/>
-              </a:prstClr>
-            </a:outerShdw>
-          </a:effectLst>
-        </p:spPr>
-      </p:pic>
-    </p:spTree>
-    <p:extLst>
-      <p:ext uri="{BB962C8B-B14F-4D97-AF65-F5344CB8AC3E}">
-        <p14:creationId xmlns:p14="http://schemas.microsoft.com/office/powerpoint/2010/main" val="3340314853"/>
-      </p:ext>
-    </p:extLst>
-  </p:cSld>
-  <p:clrMapOvr>
-    <a:masterClrMapping/>
-  </p:clrMapOvr>
-  <p:timing>
-    <p:tnLst>
-      <p:par>
-        <p:cTn id="1" dur="indefinite" restart="never" nodeType="tmRoot">
-          <p:childTnLst>
-            <p:seq concurrent="1" nextAc="seek">
-              <p:cTn id="2" dur="indefinite" nodeType="mainSeq">
-                <p:childTnLst>
-                  <p:par>
-                    <p:cTn id="3" fill="hold">
-                      <p:stCondLst>
-                        <p:cond delay="indefinite"/>
-                      </p:stCondLst>
-                      <p:childTnLst>
-                        <p:par>
-                          <p:cTn id="4" fill="hold">
-                            <p:stCondLst>
-                              <p:cond delay="0"/>
-                            </p:stCondLst>
-                            <p:childTnLst>
-                              <p:par>
-                                <p:cTn id="5" presetID="1" presetClass="entr" presetSubtype="0" fill="hold" nodeType="clickEffect">
-                                  <p:stCondLst>
-                                    <p:cond delay="0"/>
-                                  </p:stCondLst>
-                                  <p:childTnLst>
-                                    <p:set>
-                                      <p:cBhvr>
-                                        <p:cTn id="6" dur="1" fill="hold">
-                                          <p:stCondLst>
-                                            <p:cond delay="0"/>
-                                          </p:stCondLst>
-                                        </p:cTn>
-                                        <p:tgtEl>
-                                          <p:spTgt spid="12"/>
-                                        </p:tgtEl>
-                                        <p:attrNameLst>
-                                          <p:attrName>style.visibility</p:attrName>
-                                        </p:attrNameLst>
-                                      </p:cBhvr>
-                                      <p:to>
-                                        <p:strVal val="visible"/>
-                                      </p:to>
-                                    </p:set>
-                                  </p:childTnLst>
-                                </p:cTn>
-                              </p:par>
-                            </p:childTnLst>
-                          </p:cTn>
-                        </p:par>
-                      </p:childTnLst>
-                    </p:cTn>
-                  </p:par>
-                </p:childTnLst>
-              </p:cTn>
-              <p:prevCondLst>
-                <p:cond evt="onPrev" delay="0">
-                  <p:tgtEl>
-                    <p:sldTgt/>
-                  </p:tgtEl>
-                </p:cond>
-              </p:prevCondLst>
-              <p:nextCondLst>
-                <p:cond evt="onNext" delay="0">
-                  <p:tgtEl>
-                    <p:sldTgt/>
-                  </p:tgtEl>
-                </p:cond>
-              </p:nextCondLst>
-            </p:seq>
-          </p:childTnLst>
-        </p:cTn>
-      </p:par>
-    </p:tnLst>
-  </p:timing>
-</p:sld>
-</file>
-
-<file path=ppt/slides/slide9.xml><?xml version="1.0" encoding="utf-8"?>
-<p:sld xmlns:a="http://schemas.openxmlformats.org/drawingml/2006/main" xmlns:r="http://schemas.openxmlformats.org/officeDocument/2006/relationships" xmlns:p="http://schemas.openxmlformats.org/presentationml/2006/main">
-  <p:cSld>
-    <p:spTree>
-      <p:nvGrpSpPr>
-        <p:cNvPr id="1" name=""/>
-        <p:cNvGrpSpPr/>
-        <p:nvPr/>
-      </p:nvGrpSpPr>
-      <p:grpSpPr>
-        <a:xfrm>
-          <a:off x="0" y="0"/>
-          <a:ext cx="0" cy="0"/>
-          <a:chOff x="0" y="0"/>
-          <a:chExt cx="0" cy="0"/>
-        </a:xfrm>
-      </p:grpSpPr>
-      <p:pic>
-        <p:nvPicPr>
-          <p:cNvPr id="5" name="Picture 4" descr="A screenshot of a computer&#10;&#10;Description automatically generated">
-            <a:extLst>
-              <a:ext uri="{FF2B5EF4-FFF2-40B4-BE49-F238E27FC236}">
-                <a16:creationId xmlns:a16="http://schemas.microsoft.com/office/drawing/2014/main" id="{F3CD5EC5-A04F-CAB2-8310-C53E869BA826}"/>
-              </a:ext>
-            </a:extLst>
-          </p:cNvPr>
-          <p:cNvPicPr>
-            <a:picLocks noChangeAspect="1"/>
-          </p:cNvPicPr>
-          <p:nvPr/>
-        </p:nvPicPr>
-        <p:blipFill>
-          <a:blip r:embed="rId2"/>
-          <a:stretch>
-            <a:fillRect/>
-          </a:stretch>
-        </p:blipFill>
-        <p:spPr>
-          <a:xfrm>
-            <a:off x="354778" y="1050906"/>
-            <a:ext cx="11400660" cy="5130297"/>
-          </a:xfrm>
-          <a:prstGeom prst="rect">
-            <a:avLst/>
-          </a:prstGeom>
-          <a:noFill/>
-        </p:spPr>
-      </p:pic>
-      <p:cxnSp>
-        <p:nvCxnSpPr>
-          <p:cNvPr id="7" name="Straight Arrow Connector 6">
-            <a:extLst>
-              <a:ext uri="{FF2B5EF4-FFF2-40B4-BE49-F238E27FC236}">
-                <a16:creationId xmlns:a16="http://schemas.microsoft.com/office/drawing/2014/main" id="{183F948A-AB04-0FDE-F4F2-5B8553B6383F}"/>
-              </a:ext>
-            </a:extLst>
-          </p:cNvPr>
-          <p:cNvCxnSpPr>
-            <a:cxnSpLocks/>
-          </p:cNvCxnSpPr>
-          <p:nvPr/>
-        </p:nvCxnSpPr>
-        <p:spPr>
-          <a:xfrm flipV="1">
-            <a:off x="6325386" y="2413262"/>
-            <a:ext cx="414779" cy="641023"/>
-          </a:xfrm>
-          <a:prstGeom prst="straightConnector1">
-            <a:avLst/>
-          </a:prstGeom>
-          <a:ln>
-            <a:tailEnd type="triangle"/>
-          </a:ln>
-        </p:spPr>
-        <p:style>
-          <a:lnRef idx="3">
-            <a:schemeClr val="accent2"/>
-          </a:lnRef>
-          <a:fillRef idx="0">
-            <a:schemeClr val="accent2"/>
-          </a:fillRef>
-          <a:effectRef idx="2">
-            <a:schemeClr val="accent2"/>
-          </a:effectRef>
-          <a:fontRef idx="minor">
-            <a:schemeClr val="tx1"/>
-          </a:fontRef>
-        </p:style>
-      </p:cxnSp>
-      <p:cxnSp>
-        <p:nvCxnSpPr>
-          <p:cNvPr id="8" name="Straight Arrow Connector 7">
-            <a:extLst>
-              <a:ext uri="{FF2B5EF4-FFF2-40B4-BE49-F238E27FC236}">
-                <a16:creationId xmlns:a16="http://schemas.microsoft.com/office/drawing/2014/main" id="{579E6A6F-AF21-F853-9D5C-03AABDDF8A87}"/>
-              </a:ext>
-            </a:extLst>
-          </p:cNvPr>
-          <p:cNvCxnSpPr>
-            <a:cxnSpLocks/>
-          </p:cNvCxnSpPr>
-          <p:nvPr/>
-        </p:nvCxnSpPr>
-        <p:spPr>
-          <a:xfrm flipV="1">
-            <a:off x="6975835" y="2055043"/>
-            <a:ext cx="3035431" cy="265690"/>
-          </a:xfrm>
-          <a:prstGeom prst="straightConnector1">
-            <a:avLst/>
-          </a:prstGeom>
-          <a:ln>
-            <a:tailEnd type="triangle"/>
-          </a:ln>
-        </p:spPr>
-        <p:style>
-          <a:lnRef idx="3">
-            <a:schemeClr val="accent2"/>
-          </a:lnRef>
-          <a:fillRef idx="0">
-            <a:schemeClr val="accent2"/>
-          </a:fillRef>
-          <a:effectRef idx="2">
-            <a:schemeClr val="accent2"/>
-          </a:effectRef>
-          <a:fontRef idx="minor">
-            <a:schemeClr val="tx1"/>
-          </a:fontRef>
-        </p:style>
-      </p:cxnSp>
-      <p:sp>
-        <p:nvSpPr>
-          <p:cNvPr id="14" name="Title 1">
-            <a:extLst>
-              <a:ext uri="{FF2B5EF4-FFF2-40B4-BE49-F238E27FC236}">
-                <a16:creationId xmlns:a16="http://schemas.microsoft.com/office/drawing/2014/main" id="{1AB9B658-86CB-4ECA-B766-B2515BC3BA1E}"/>
-              </a:ext>
-            </a:extLst>
-          </p:cNvPr>
-          <p:cNvSpPr>
-            <a:spLocks noGrp="1"/>
-          </p:cNvSpPr>
-          <p:nvPr>
-            <p:ph type="title"/>
-          </p:nvPr>
-        </p:nvSpPr>
-        <p:spPr>
-          <a:xfrm>
-            <a:off x="355509" y="96296"/>
-            <a:ext cx="11400661" cy="777240"/>
-          </a:xfrm>
-        </p:spPr>
-        <p:txBody>
-          <a:bodyPr anchor="t">
-            <a:normAutofit/>
-          </a:bodyPr>
-          <a:lstStyle/>
-          <a:p>
-            <a:pPr>
-              <a:lnSpc>
-                <a:spcPct val="90000"/>
-              </a:lnSpc>
-            </a:pPr>
-            <a:r>
-              <a:rPr lang="en-US" dirty="0"/>
-              <a:t>Python GUI for parallel Programming with MDB</a:t>
-            </a:r>
-          </a:p>
-        </p:txBody>
-      </p:sp>
-      <p:sp>
-        <p:nvSpPr>
-          <p:cNvPr id="2" name="Rectangle 1">
-            <a:extLst>
-              <a:ext uri="{FF2B5EF4-FFF2-40B4-BE49-F238E27FC236}">
-                <a16:creationId xmlns:a16="http://schemas.microsoft.com/office/drawing/2014/main" id="{AA913258-4663-03B0-B841-524F65A13357}"/>
-              </a:ext>
-            </a:extLst>
-          </p:cNvPr>
-          <p:cNvSpPr/>
-          <p:nvPr/>
-        </p:nvSpPr>
-        <p:spPr>
-          <a:xfrm>
-            <a:off x="2875280" y="3429000"/>
-            <a:ext cx="6438265" cy="1808480"/>
-          </a:xfrm>
-          <a:prstGeom prst="rect">
-            <a:avLst/>
-          </a:prstGeom>
-          <a:ln/>
-        </p:spPr>
-        <p:style>
-          <a:lnRef idx="2">
-            <a:schemeClr val="accent2"/>
-          </a:lnRef>
-          <a:fillRef idx="1">
-            <a:schemeClr val="lt1"/>
-          </a:fillRef>
-          <a:effectRef idx="0">
-            <a:schemeClr val="accent2"/>
-          </a:effectRef>
-          <a:fontRef idx="minor">
-            <a:schemeClr val="dk1"/>
-          </a:fontRef>
-        </p:style>
-        <p:txBody>
-          <a:bodyPr rot="0" spcFirstLastPara="0" vertOverflow="overflow" horzOverflow="overflow" vert="horz" wrap="square" lIns="91440" tIns="45720" rIns="91440" bIns="45720" numCol="1" spcCol="0" rtlCol="0" fromWordArt="0" anchor="ctr" anchorCtr="0" forceAA="0" compatLnSpc="1">
-            <a:prstTxWarp prst="textNoShape">
-              <a:avLst/>
-            </a:prstTxWarp>
-            <a:noAutofit/>
-          </a:bodyPr>
-          <a:lstStyle/>
-          <a:p>
-            <a:pPr algn="ctr"/>
-            <a:r>
-              <a:rPr lang="de-DE" dirty="0"/>
-              <a:t>„hwtool“ is a MDB command that lists all available debuggers and assigns them an index number. This index number is used to select the debugger</a:t>
-            </a:r>
-          </a:p>
-        </p:txBody>
-      </p:sp>
-      <p:sp>
-        <p:nvSpPr>
-          <p:cNvPr id="3" name="Rectangle 2">
-            <a:extLst>
-              <a:ext uri="{FF2B5EF4-FFF2-40B4-BE49-F238E27FC236}">
-                <a16:creationId xmlns:a16="http://schemas.microsoft.com/office/drawing/2014/main" id="{14046023-2BA3-8D9B-CD82-9D270594386D}"/>
-              </a:ext>
-            </a:extLst>
-          </p:cNvPr>
-          <p:cNvSpPr/>
-          <p:nvPr/>
-        </p:nvSpPr>
-        <p:spPr>
-          <a:xfrm>
-            <a:off x="405579" y="2644857"/>
-            <a:ext cx="590102" cy="214074"/>
-          </a:xfrm>
-          <a:prstGeom prst="rect">
-            <a:avLst/>
-          </a:prstGeom>
-          <a:noFill/>
-          <a:ln/>
-        </p:spPr>
-        <p:style>
-          <a:lnRef idx="2">
-            <a:schemeClr val="accent2"/>
-          </a:lnRef>
-          <a:fillRef idx="1">
-            <a:schemeClr val="lt1"/>
-          </a:fillRef>
-          <a:effectRef idx="0">
-            <a:schemeClr val="accent2"/>
-          </a:effectRef>
-          <a:fontRef idx="minor">
-            <a:schemeClr val="dk1"/>
-          </a:fontRef>
-        </p:style>
-        <p:txBody>
-          <a:bodyPr rot="0" spcFirstLastPara="0" vertOverflow="overflow" horzOverflow="overflow" vert="horz" wrap="square" lIns="91440" tIns="45720" rIns="91440" bIns="45720" numCol="1" spcCol="0" rtlCol="0" fromWordArt="0" anchor="ctr" anchorCtr="0" forceAA="0" compatLnSpc="1">
-            <a:prstTxWarp prst="textNoShape">
-              <a:avLst/>
-            </a:prstTxWarp>
-            <a:noAutofit/>
-          </a:bodyPr>
-          <a:lstStyle/>
-          <a:p>
-            <a:pPr algn="ctr"/>
-            <a:endParaRPr lang="de-DE"/>
-          </a:p>
-        </p:txBody>
-      </p:sp>
-    </p:spTree>
-    <p:extLst>
-      <p:ext uri="{BB962C8B-B14F-4D97-AF65-F5344CB8AC3E}">
-        <p14:creationId xmlns:p14="http://schemas.microsoft.com/office/powerpoint/2010/main" val="974011422"/>
+        <p14:creationId xmlns:p14="http://schemas.microsoft.com/office/powerpoint/2010/main" val="1284329541"/>
       </p:ext>
     </p:extLst>
   </p:cSld>
@@ -10430,34 +11335,7 @@
                                           </p:stCondLst>
                                         </p:cTn>
                                         <p:tgtEl>
-                                          <p:spTgt spid="2"/>
-                                        </p:tgtEl>
-                                        <p:attrNameLst>
-                                          <p:attrName>style.visibility</p:attrName>
-                                        </p:attrNameLst>
-                                      </p:cBhvr>
-                                      <p:to>
-                                        <p:strVal val="visible"/>
-                                      </p:to>
-                                    </p:set>
-                                  </p:childTnLst>
-                                </p:cTn>
-                              </p:par>
-                              <p:par>
-                                <p:cTn id="7" presetID="1" presetClass="entr" presetSubtype="0" fill="hold" grpId="0" nodeType="withEffect">
-                                  <p:stCondLst>
-                                    <p:cond delay="0"/>
-                                  </p:stCondLst>
-                                  <p:childTnLst>
-                                    <p:set>
-                                      <p:cBhvr>
-                                        <p:cTn id="8" dur="1" fill="hold">
-                                          <p:stCondLst>
-                                            <p:cond delay="0"/>
-                                          </p:stCondLst>
-                                        </p:cTn>
-                                        <p:tgtEl>
-                                          <p:spTgt spid="3"/>
+                                          <p:spTgt spid="28"/>
                                         </p:tgtEl>
                                         <p:attrNameLst>
                                           <p:attrName>style.visibility</p:attrName>
@@ -10498,10 +11376,1330 @@
       </p:par>
     </p:tnLst>
     <p:bldLst>
-      <p:bldP spid="2" grpId="0" animBg="1"/>
-      <p:bldP spid="3" grpId="0" animBg="1"/>
+      <p:bldP spid="28" grpId="0" animBg="1"/>
     </p:bldLst>
   </p:timing>
+</p:sld>
+</file>
+
+<file path=ppt/slides/slide5.xml><?xml version="1.0" encoding="utf-8"?>
+<p:sld xmlns:a="http://schemas.openxmlformats.org/drawingml/2006/main" xmlns:r="http://schemas.openxmlformats.org/officeDocument/2006/relationships" xmlns:p="http://schemas.openxmlformats.org/presentationml/2006/main">
+  <p:cSld>
+    <p:spTree>
+      <p:nvGrpSpPr>
+        <p:cNvPr id="1" name=""/>
+        <p:cNvGrpSpPr/>
+        <p:nvPr/>
+      </p:nvGrpSpPr>
+      <p:grpSpPr>
+        <a:xfrm>
+          <a:off x="0" y="0"/>
+          <a:ext cx="0" cy="0"/>
+          <a:chOff x="0" y="0"/>
+          <a:chExt cx="0" cy="0"/>
+        </a:xfrm>
+      </p:grpSpPr>
+      <p:pic>
+        <p:nvPicPr>
+          <p:cNvPr id="23" name="Picture 22">
+            <a:extLst>
+              <a:ext uri="{FF2B5EF4-FFF2-40B4-BE49-F238E27FC236}">
+                <a16:creationId xmlns:a16="http://schemas.microsoft.com/office/drawing/2014/main" id="{BA2BC6F4-F6E3-C42C-1164-6CC22556C557}"/>
+              </a:ext>
+            </a:extLst>
+          </p:cNvPr>
+          <p:cNvPicPr>
+            <a:picLocks noChangeAspect="1"/>
+          </p:cNvPicPr>
+          <p:nvPr/>
+        </p:nvPicPr>
+        <p:blipFill>
+          <a:blip r:embed="rId2"/>
+          <a:stretch>
+            <a:fillRect/>
+          </a:stretch>
+        </p:blipFill>
+        <p:spPr>
+          <a:xfrm>
+            <a:off x="3185549" y="1926106"/>
+            <a:ext cx="3035477" cy="4010375"/>
+          </a:xfrm>
+          <a:prstGeom prst="rect">
+            <a:avLst/>
+          </a:prstGeom>
+        </p:spPr>
+      </p:pic>
+      <p:sp>
+        <p:nvSpPr>
+          <p:cNvPr id="2" name="Title 1">
+            <a:extLst>
+              <a:ext uri="{FF2B5EF4-FFF2-40B4-BE49-F238E27FC236}">
+                <a16:creationId xmlns:a16="http://schemas.microsoft.com/office/drawing/2014/main" id="{DDFA33AF-EF16-A9A1-1FDA-0BA58D176E2A}"/>
+              </a:ext>
+            </a:extLst>
+          </p:cNvPr>
+          <p:cNvSpPr>
+            <a:spLocks noGrp="1"/>
+          </p:cNvSpPr>
+          <p:nvPr>
+            <p:ph type="title"/>
+          </p:nvPr>
+        </p:nvSpPr>
+        <p:spPr/>
+        <p:txBody>
+          <a:bodyPr/>
+          <a:lstStyle/>
+          <a:p>
+            <a:r>
+              <a:rPr lang="de-DE" dirty="0"/>
+              <a:t>Github Project</a:t>
+            </a:r>
+          </a:p>
+        </p:txBody>
+      </p:sp>
+      <p:pic>
+        <p:nvPicPr>
+          <p:cNvPr id="5" name="Picture 4">
+            <a:extLst>
+              <a:ext uri="{FF2B5EF4-FFF2-40B4-BE49-F238E27FC236}">
+                <a16:creationId xmlns:a16="http://schemas.microsoft.com/office/drawing/2014/main" id="{0B513042-A54B-3A27-E0C4-D3E93BE6ABB4}"/>
+              </a:ext>
+            </a:extLst>
+          </p:cNvPr>
+          <p:cNvPicPr>
+            <a:picLocks noChangeAspect="1"/>
+          </p:cNvPicPr>
+          <p:nvPr/>
+        </p:nvPicPr>
+        <p:blipFill>
+          <a:blip r:embed="rId3"/>
+          <a:stretch>
+            <a:fillRect/>
+          </a:stretch>
+        </p:blipFill>
+        <p:spPr>
+          <a:xfrm>
+            <a:off x="764437" y="2623055"/>
+            <a:ext cx="1896230" cy="2079736"/>
+          </a:xfrm>
+          <a:prstGeom prst="rect">
+            <a:avLst/>
+          </a:prstGeom>
+        </p:spPr>
+      </p:pic>
+      <p:sp>
+        <p:nvSpPr>
+          <p:cNvPr id="9" name="Rectangle 8">
+            <a:extLst>
+              <a:ext uri="{FF2B5EF4-FFF2-40B4-BE49-F238E27FC236}">
+                <a16:creationId xmlns:a16="http://schemas.microsoft.com/office/drawing/2014/main" id="{99D2AAEB-550E-CD78-4D50-EB22BB93B423}"/>
+              </a:ext>
+            </a:extLst>
+          </p:cNvPr>
+          <p:cNvSpPr/>
+          <p:nvPr/>
+        </p:nvSpPr>
+        <p:spPr>
+          <a:xfrm>
+            <a:off x="3067737" y="1900232"/>
+            <a:ext cx="3271101" cy="239654"/>
+          </a:xfrm>
+          <a:prstGeom prst="rect">
+            <a:avLst/>
+          </a:prstGeom>
+          <a:noFill/>
+          <a:ln/>
+        </p:spPr>
+        <p:style>
+          <a:lnRef idx="2">
+            <a:schemeClr val="accent2"/>
+          </a:lnRef>
+          <a:fillRef idx="1">
+            <a:schemeClr val="lt1"/>
+          </a:fillRef>
+          <a:effectRef idx="0">
+            <a:schemeClr val="accent2"/>
+          </a:effectRef>
+          <a:fontRef idx="minor">
+            <a:schemeClr val="dk1"/>
+          </a:fontRef>
+        </p:style>
+        <p:txBody>
+          <a:bodyPr rot="0" spcFirstLastPara="0" vertOverflow="overflow" horzOverflow="overflow" vert="horz" wrap="square" lIns="91440" tIns="45720" rIns="91440" bIns="45720" numCol="1" spcCol="0" rtlCol="0" fromWordArt="0" anchor="ctr" anchorCtr="0" forceAA="0" compatLnSpc="1">
+            <a:prstTxWarp prst="textNoShape">
+              <a:avLst/>
+            </a:prstTxWarp>
+            <a:noAutofit/>
+          </a:bodyPr>
+          <a:lstStyle/>
+          <a:p>
+            <a:pPr algn="ctr"/>
+            <a:endParaRPr lang="de-DE"/>
+          </a:p>
+        </p:txBody>
+      </p:sp>
+      <p:cxnSp>
+        <p:nvCxnSpPr>
+          <p:cNvPr id="11" name="Straight Arrow Connector 10">
+            <a:extLst>
+              <a:ext uri="{FF2B5EF4-FFF2-40B4-BE49-F238E27FC236}">
+                <a16:creationId xmlns:a16="http://schemas.microsoft.com/office/drawing/2014/main" id="{0ECA2A8C-7DC4-7BAC-78B8-9F758566B913}"/>
+              </a:ext>
+            </a:extLst>
+          </p:cNvPr>
+          <p:cNvCxnSpPr>
+            <a:cxnSpLocks/>
+          </p:cNvCxnSpPr>
+          <p:nvPr/>
+        </p:nvCxnSpPr>
+        <p:spPr>
+          <a:xfrm flipH="1">
+            <a:off x="1712552" y="2070704"/>
+            <a:ext cx="1355185" cy="681923"/>
+          </a:xfrm>
+          <a:prstGeom prst="straightConnector1">
+            <a:avLst/>
+          </a:prstGeom>
+          <a:ln>
+            <a:tailEnd type="triangle"/>
+          </a:ln>
+          <a:effectLst/>
+        </p:spPr>
+        <p:style>
+          <a:lnRef idx="2">
+            <a:schemeClr val="accent1"/>
+          </a:lnRef>
+          <a:fillRef idx="0">
+            <a:schemeClr val="accent1"/>
+          </a:fillRef>
+          <a:effectRef idx="1">
+            <a:schemeClr val="accent1"/>
+          </a:effectRef>
+          <a:fontRef idx="minor">
+            <a:schemeClr val="tx1"/>
+          </a:fontRef>
+        </p:style>
+      </p:cxnSp>
+      <p:sp>
+        <p:nvSpPr>
+          <p:cNvPr id="17" name="TextBox 16">
+            <a:extLst>
+              <a:ext uri="{FF2B5EF4-FFF2-40B4-BE49-F238E27FC236}">
+                <a16:creationId xmlns:a16="http://schemas.microsoft.com/office/drawing/2014/main" id="{B535091C-88EB-9173-F05B-9F0627A2F16B}"/>
+              </a:ext>
+            </a:extLst>
+          </p:cNvPr>
+          <p:cNvSpPr txBox="1"/>
+          <p:nvPr/>
+        </p:nvSpPr>
+        <p:spPr>
+          <a:xfrm>
+            <a:off x="6608189" y="1629535"/>
+            <a:ext cx="5241303" cy="3785652"/>
+          </a:xfrm>
+          <a:prstGeom prst="rect">
+            <a:avLst/>
+          </a:prstGeom>
+          <a:noFill/>
+        </p:spPr>
+        <p:txBody>
+          <a:bodyPr wrap="square" rtlCol="0">
+            <a:spAutoFit/>
+          </a:bodyPr>
+          <a:lstStyle/>
+          <a:p>
+            <a:r>
+              <a:rPr lang="de-DE" sz="2000" dirty="0"/>
+              <a:t>The script </a:t>
+            </a:r>
+            <a:r>
+              <a:rPr lang="fr-FR" sz="2000" b="1" dirty="0"/>
+              <a:t>git_clone_t1s_h3.bat</a:t>
+            </a:r>
+            <a:r>
+              <a:rPr lang="de-DE" sz="2000" dirty="0"/>
+              <a:t> clones all neccessary Harmony repositories in the directory H3 (one directory level higher)</a:t>
+            </a:r>
+          </a:p>
+          <a:p>
+            <a:endParaRPr lang="de-DE" sz="2000" dirty="0"/>
+          </a:p>
+          <a:p>
+            <a:r>
+              <a:rPr lang="de-DE" sz="2000" dirty="0"/>
+              <a:t>You can adjust the Framework Installation path in the In the script with</a:t>
+            </a:r>
+          </a:p>
+          <a:p>
+            <a:r>
+              <a:rPr lang="de-DE" sz="2000" b="1" dirty="0">
+                <a:latin typeface="Courier New" panose="02070309020205020404" pitchFamily="49" charset="0"/>
+                <a:cs typeface="Courier New" panose="02070309020205020404" pitchFamily="49" charset="0"/>
+              </a:rPr>
+              <a:t>set H3_INSTALL="../../H3"</a:t>
+            </a:r>
+          </a:p>
+          <a:p>
+            <a:endParaRPr lang="de-DE" sz="2000" dirty="0"/>
+          </a:p>
+          <a:p>
+            <a:r>
+              <a:rPr lang="de-DE" sz="2000" dirty="0"/>
+              <a:t>For beeing able to generate and and modify the T1S applications of version v1.3.0 with the MCC.</a:t>
+            </a:r>
+          </a:p>
+          <a:p>
+            <a:endParaRPr lang="de-DE" sz="2000" dirty="0"/>
+          </a:p>
+          <a:p>
+            <a:r>
+              <a:rPr lang="de-DE" sz="2000" dirty="0"/>
+              <a:t>Call it from /tools </a:t>
+            </a:r>
+          </a:p>
+        </p:txBody>
+      </p:sp>
+      <p:sp>
+        <p:nvSpPr>
+          <p:cNvPr id="21" name="TextBox 20">
+            <a:extLst>
+              <a:ext uri="{FF2B5EF4-FFF2-40B4-BE49-F238E27FC236}">
+                <a16:creationId xmlns:a16="http://schemas.microsoft.com/office/drawing/2014/main" id="{3C9B0678-6CDF-9ED5-9AAD-5DE1B7D098E5}"/>
+              </a:ext>
+            </a:extLst>
+          </p:cNvPr>
+          <p:cNvSpPr txBox="1"/>
+          <p:nvPr/>
+        </p:nvSpPr>
+        <p:spPr>
+          <a:xfrm>
+            <a:off x="1802877" y="1070816"/>
+            <a:ext cx="7746476" cy="461665"/>
+          </a:xfrm>
+          <a:prstGeom prst="rect">
+            <a:avLst/>
+          </a:prstGeom>
+          <a:noFill/>
+        </p:spPr>
+        <p:txBody>
+          <a:bodyPr wrap="square">
+            <a:spAutoFit/>
+          </a:bodyPr>
+          <a:lstStyle/>
+          <a:p>
+            <a:r>
+              <a:rPr lang="de-DE" dirty="0"/>
+              <a:t>git clone https://github.com/Bolderain/T1S_Autoconf</a:t>
+            </a:r>
+          </a:p>
+        </p:txBody>
+      </p:sp>
+    </p:spTree>
+    <p:extLst>
+      <p:ext uri="{BB962C8B-B14F-4D97-AF65-F5344CB8AC3E}">
+        <p14:creationId xmlns:p14="http://schemas.microsoft.com/office/powerpoint/2010/main" val="2760098067"/>
+      </p:ext>
+    </p:extLst>
+  </p:cSld>
+  <p:clrMapOvr>
+    <a:masterClrMapping/>
+  </p:clrMapOvr>
+</p:sld>
+</file>
+
+<file path=ppt/slides/slide6.xml><?xml version="1.0" encoding="utf-8"?>
+<p:sld xmlns:a="http://schemas.openxmlformats.org/drawingml/2006/main" xmlns:r="http://schemas.openxmlformats.org/officeDocument/2006/relationships" xmlns:p="http://schemas.openxmlformats.org/presentationml/2006/main">
+  <p:cSld>
+    <p:spTree>
+      <p:nvGrpSpPr>
+        <p:cNvPr id="1" name=""/>
+        <p:cNvGrpSpPr/>
+        <p:nvPr/>
+      </p:nvGrpSpPr>
+      <p:grpSpPr>
+        <a:xfrm>
+          <a:off x="0" y="0"/>
+          <a:ext cx="0" cy="0"/>
+          <a:chOff x="0" y="0"/>
+          <a:chExt cx="0" cy="0"/>
+        </a:xfrm>
+      </p:grpSpPr>
+      <p:sp>
+        <p:nvSpPr>
+          <p:cNvPr id="10" name="Title 1">
+            <a:extLst>
+              <a:ext uri="{FF2B5EF4-FFF2-40B4-BE49-F238E27FC236}">
+                <a16:creationId xmlns:a16="http://schemas.microsoft.com/office/drawing/2014/main" id="{168A8912-4709-A296-D1B8-A5E4AFF8D2D2}"/>
+              </a:ext>
+            </a:extLst>
+          </p:cNvPr>
+          <p:cNvSpPr>
+            <a:spLocks noGrp="1"/>
+          </p:cNvSpPr>
+          <p:nvPr>
+            <p:ph type="title"/>
+          </p:nvPr>
+        </p:nvSpPr>
+        <p:spPr>
+          <a:xfrm>
+            <a:off x="355509" y="96296"/>
+            <a:ext cx="11400661" cy="942795"/>
+          </a:xfrm>
+        </p:spPr>
+        <p:txBody>
+          <a:bodyPr/>
+          <a:lstStyle/>
+          <a:p>
+            <a:r>
+              <a:rPr lang="fr-FR" dirty="0"/>
+              <a:t>git_clone_t1s_h3.bat</a:t>
+            </a:r>
+            <a:endParaRPr lang="en-US" dirty="0"/>
+          </a:p>
+        </p:txBody>
+      </p:sp>
+      <p:sp>
+        <p:nvSpPr>
+          <p:cNvPr id="6" name="TextBox 5">
+            <a:extLst>
+              <a:ext uri="{FF2B5EF4-FFF2-40B4-BE49-F238E27FC236}">
+                <a16:creationId xmlns:a16="http://schemas.microsoft.com/office/drawing/2014/main" id="{9F71F904-3432-7A23-BC8A-FA2B124E12E3}"/>
+              </a:ext>
+            </a:extLst>
+          </p:cNvPr>
+          <p:cNvSpPr txBox="1"/>
+          <p:nvPr/>
+        </p:nvSpPr>
+        <p:spPr>
+          <a:xfrm flipH="1">
+            <a:off x="688155" y="1387155"/>
+            <a:ext cx="10982228" cy="830997"/>
+          </a:xfrm>
+          <a:prstGeom prst="rect">
+            <a:avLst/>
+          </a:prstGeom>
+          <a:noFill/>
+        </p:spPr>
+        <p:txBody>
+          <a:bodyPr wrap="square" rtlCol="0">
+            <a:spAutoFit/>
+          </a:bodyPr>
+          <a:lstStyle/>
+          <a:p>
+            <a:r>
+              <a:rPr lang="de-DE" dirty="0"/>
+              <a:t>This </a:t>
+            </a:r>
+            <a:r>
+              <a:rPr lang="fr-FR" sz="2400" b="1" dirty="0"/>
+              <a:t>git_clone_t1s_h3.bat</a:t>
+            </a:r>
+            <a:r>
+              <a:rPr lang="de-DE" dirty="0"/>
+              <a:t> clones several Harmony Repositories and checkout the needed versions  </a:t>
+            </a:r>
+          </a:p>
+        </p:txBody>
+      </p:sp>
+      <p:sp>
+        <p:nvSpPr>
+          <p:cNvPr id="3" name="Rectangle 2">
+            <a:extLst>
+              <a:ext uri="{FF2B5EF4-FFF2-40B4-BE49-F238E27FC236}">
+                <a16:creationId xmlns:a16="http://schemas.microsoft.com/office/drawing/2014/main" id="{05FBA46C-8B51-9A96-F9DF-061DB1BDF56E}"/>
+              </a:ext>
+            </a:extLst>
+          </p:cNvPr>
+          <p:cNvSpPr/>
+          <p:nvPr/>
+        </p:nvSpPr>
+        <p:spPr>
+          <a:xfrm>
+            <a:off x="772997" y="2499964"/>
+            <a:ext cx="10812544" cy="3572759"/>
+          </a:xfrm>
+          <a:prstGeom prst="rect">
+            <a:avLst/>
+          </a:prstGeom>
+          <a:ln/>
+        </p:spPr>
+        <p:style>
+          <a:lnRef idx="2">
+            <a:schemeClr val="accent3"/>
+          </a:lnRef>
+          <a:fillRef idx="1">
+            <a:schemeClr val="lt1"/>
+          </a:fillRef>
+          <a:effectRef idx="0">
+            <a:schemeClr val="accent3"/>
+          </a:effectRef>
+          <a:fontRef idx="minor">
+            <a:schemeClr val="dk1"/>
+          </a:fontRef>
+        </p:style>
+        <p:txBody>
+          <a:bodyPr rot="0" spcFirstLastPara="0" vertOverflow="overflow" horzOverflow="overflow" vert="horz" wrap="square" lIns="91440" tIns="45720" rIns="91440" bIns="45720" numCol="1" spcCol="0" rtlCol="0" fromWordArt="0" anchor="ctr" anchorCtr="0" forceAA="0" compatLnSpc="1">
+            <a:prstTxWarp prst="textNoShape">
+              <a:avLst/>
+            </a:prstTxWarp>
+            <a:noAutofit/>
+          </a:bodyPr>
+          <a:lstStyle/>
+          <a:p>
+            <a:r>
+              <a:rPr lang="de-DE" sz="1200" dirty="0">
+                <a:latin typeface="Courier New" panose="02070309020205020404" pitchFamily="49" charset="0"/>
+                <a:cs typeface="Courier New" panose="02070309020205020404" pitchFamily="49" charset="0"/>
+              </a:rPr>
+              <a:t>@ECHO OFF</a:t>
+            </a:r>
+          </a:p>
+          <a:p>
+            <a:endParaRPr lang="de-DE" sz="1200" dirty="0">
+              <a:latin typeface="Courier New" panose="02070309020205020404" pitchFamily="49" charset="0"/>
+              <a:cs typeface="Courier New" panose="02070309020205020404" pitchFamily="49" charset="0"/>
+            </a:endParaRPr>
+          </a:p>
+          <a:p>
+            <a:r>
+              <a:rPr lang="de-DE" sz="1200" dirty="0">
+                <a:latin typeface="Courier New" panose="02070309020205020404" pitchFamily="49" charset="0"/>
+                <a:cs typeface="Courier New" panose="02070309020205020404" pitchFamily="49" charset="0"/>
+              </a:rPr>
+              <a:t>set H3_GITHUB="https://github.com/Microchip-MPLAB-Harmony"</a:t>
+            </a:r>
+          </a:p>
+          <a:p>
+            <a:r>
+              <a:rPr lang="de-DE" sz="1200" dirty="0">
+                <a:latin typeface="Courier New" panose="02070309020205020404" pitchFamily="49" charset="0"/>
+                <a:cs typeface="Courier New" panose="02070309020205020404" pitchFamily="49" charset="0"/>
+              </a:rPr>
+              <a:t>set H3_INSTALL="../../H3"</a:t>
+            </a:r>
+          </a:p>
+          <a:p>
+            <a:endParaRPr lang="de-DE" sz="1200" dirty="0">
+              <a:latin typeface="Courier New" panose="02070309020205020404" pitchFamily="49" charset="0"/>
+              <a:cs typeface="Courier New" panose="02070309020205020404" pitchFamily="49" charset="0"/>
+            </a:endParaRPr>
+          </a:p>
+          <a:p>
+            <a:r>
+              <a:rPr lang="de-DE" sz="1200" dirty="0">
+                <a:latin typeface="Courier New" panose="02070309020205020404" pitchFamily="49" charset="0"/>
+                <a:cs typeface="Courier New" panose="02070309020205020404" pitchFamily="49" charset="0"/>
+              </a:rPr>
+              <a:t>git clone -b "v10.5.1"              https://github.com/ARM-software/CMSIS-FreeRTOS.git  %H3_INSTALL%/CMSIS-FreeRTOS</a:t>
+            </a:r>
+          </a:p>
+          <a:p>
+            <a:r>
+              <a:rPr lang="de-DE" sz="1200" dirty="0">
+                <a:latin typeface="Courier New" panose="02070309020205020404" pitchFamily="49" charset="0"/>
+                <a:cs typeface="Courier New" panose="02070309020205020404" pitchFamily="49" charset="0"/>
+              </a:rPr>
+              <a:t>git clone -b "v3.17.0"              %H3_GITHUB%/csp.git  %H3_INSTALL%/csp   </a:t>
+            </a:r>
+          </a:p>
+          <a:p>
+            <a:r>
+              <a:rPr lang="de-DE" sz="1200" dirty="0">
+                <a:latin typeface="Courier New" panose="02070309020205020404" pitchFamily="49" charset="0"/>
+                <a:cs typeface="Courier New" panose="02070309020205020404" pitchFamily="49" charset="0"/>
+              </a:rPr>
+              <a:t>git clone -b "v3.13.0"              %H3_GITHUB%/core.git %H3_INSTALL%/core    </a:t>
+            </a:r>
+          </a:p>
+          <a:p>
+            <a:r>
+              <a:rPr lang="de-DE" sz="1200" dirty="0">
+                <a:latin typeface="Courier New" panose="02070309020205020404" pitchFamily="49" charset="0"/>
+                <a:cs typeface="Courier New" panose="02070309020205020404" pitchFamily="49" charset="0"/>
+              </a:rPr>
+              <a:t>git clone -b "v3.17.0"              %H3_GITHUB%/dev_packs.git %H3_INSTALL%/dev_packs    </a:t>
+            </a:r>
+          </a:p>
+          <a:p>
+            <a:r>
+              <a:rPr lang="de-DE" sz="1200" dirty="0">
+                <a:latin typeface="Courier New" panose="02070309020205020404" pitchFamily="49" charset="0"/>
+                <a:cs typeface="Courier New" panose="02070309020205020404" pitchFamily="49" charset="0"/>
+              </a:rPr>
+              <a:t>git clone -b "v5.4.0"               %H3_GITHUB%/wolfssl.git %H3_INSTALL%/wolfssl</a:t>
+            </a:r>
+          </a:p>
+          <a:p>
+            <a:r>
+              <a:rPr lang="de-DE" sz="1200" dirty="0">
+                <a:latin typeface="Courier New" panose="02070309020205020404" pitchFamily="49" charset="0"/>
+                <a:cs typeface="Courier New" panose="02070309020205020404" pitchFamily="49" charset="0"/>
+              </a:rPr>
+              <a:t>git clone -b "v3.9.2"               %H3_GITHUB%/net.git %H3_INSTALL%/net</a:t>
+            </a:r>
+          </a:p>
+          <a:p>
+            <a:r>
+              <a:rPr lang="de-DE" sz="1200" dirty="0">
+                <a:latin typeface="Courier New" panose="02070309020205020404" pitchFamily="49" charset="0"/>
+                <a:cs typeface="Courier New" panose="02070309020205020404" pitchFamily="49" charset="0"/>
+              </a:rPr>
+              <a:t>git clone -b "v3.8.0"               %H3_GITHUB%/crypto.git %H3_INSTALL%/crypto     </a:t>
+            </a:r>
+          </a:p>
+          <a:p>
+            <a:r>
+              <a:rPr lang="de-DE" sz="1200" dirty="0">
+                <a:latin typeface="Courier New" panose="02070309020205020404" pitchFamily="49" charset="0"/>
+                <a:cs typeface="Courier New" panose="02070309020205020404" pitchFamily="49" charset="0"/>
+              </a:rPr>
+              <a:t>git clone -b "v1.1.0"               %H3_GITHUB%/devices.git %H3_INSTALL%/Devices</a:t>
+            </a:r>
+          </a:p>
+          <a:p>
+            <a:r>
+              <a:rPr lang="de-DE" sz="1200" dirty="0">
+                <a:latin typeface="Courier New" panose="02070309020205020404" pitchFamily="49" charset="0"/>
+                <a:cs typeface="Courier New" panose="02070309020205020404" pitchFamily="49" charset="0"/>
+              </a:rPr>
+              <a:t>git clone -b "v1.3.0"               %H3_GITHUB%/net_10base_t1s.git  %H3_INSTALL%/net_10base_t1s  </a:t>
+            </a:r>
+          </a:p>
+          <a:p>
+            <a:r>
+              <a:rPr lang="de-DE" sz="1200" dirty="0">
+                <a:latin typeface="Courier New" panose="02070309020205020404" pitchFamily="49" charset="0"/>
+                <a:cs typeface="Courier New" panose="02070309020205020404" pitchFamily="49" charset="0"/>
+              </a:rPr>
+              <a:t>git clone                           %H3_GITHUB%/devices.git %H3_INSTALL%/devices</a:t>
+            </a:r>
+          </a:p>
+          <a:p>
+            <a:endParaRPr lang="de-DE" sz="1200" dirty="0">
+              <a:latin typeface="Courier New" panose="02070309020205020404" pitchFamily="49" charset="0"/>
+              <a:cs typeface="Courier New" panose="02070309020205020404" pitchFamily="49" charset="0"/>
+            </a:endParaRPr>
+          </a:p>
+          <a:p>
+            <a:r>
+              <a:rPr lang="de-DE" sz="1200" dirty="0">
+                <a:latin typeface="Courier New" panose="02070309020205020404" pitchFamily="49" charset="0"/>
+                <a:cs typeface="Courier New" panose="02070309020205020404" pitchFamily="49" charset="0"/>
+              </a:rPr>
+              <a:t>pause</a:t>
+            </a:r>
+          </a:p>
+          <a:p>
+            <a:r>
+              <a:rPr lang="de-DE" sz="1200" dirty="0">
+                <a:latin typeface="Courier New" panose="02070309020205020404" pitchFamily="49" charset="0"/>
+                <a:cs typeface="Courier New" panose="02070309020205020404" pitchFamily="49" charset="0"/>
+              </a:rPr>
+              <a:t>@ECHO ON</a:t>
+            </a:r>
+          </a:p>
+        </p:txBody>
+      </p:sp>
+    </p:spTree>
+    <p:extLst>
+      <p:ext uri="{BB962C8B-B14F-4D97-AF65-F5344CB8AC3E}">
+        <p14:creationId xmlns:p14="http://schemas.microsoft.com/office/powerpoint/2010/main" val="22303934"/>
+      </p:ext>
+    </p:extLst>
+  </p:cSld>
+  <p:clrMapOvr>
+    <a:masterClrMapping/>
+  </p:clrMapOvr>
+</p:sld>
+</file>
+
+<file path=ppt/slides/slide7.xml><?xml version="1.0" encoding="utf-8"?>
+<p:sld xmlns:a="http://schemas.openxmlformats.org/drawingml/2006/main" xmlns:r="http://schemas.openxmlformats.org/officeDocument/2006/relationships" xmlns:p="http://schemas.openxmlformats.org/presentationml/2006/main">
+  <p:cSld>
+    <p:spTree>
+      <p:nvGrpSpPr>
+        <p:cNvPr id="1" name=""/>
+        <p:cNvGrpSpPr/>
+        <p:nvPr/>
+      </p:nvGrpSpPr>
+      <p:grpSpPr>
+        <a:xfrm>
+          <a:off x="0" y="0"/>
+          <a:ext cx="0" cy="0"/>
+          <a:chOff x="0" y="0"/>
+          <a:chExt cx="0" cy="0"/>
+        </a:xfrm>
+      </p:grpSpPr>
+      <p:pic>
+        <p:nvPicPr>
+          <p:cNvPr id="3" name="Picture 2">
+            <a:extLst>
+              <a:ext uri="{FF2B5EF4-FFF2-40B4-BE49-F238E27FC236}">
+                <a16:creationId xmlns:a16="http://schemas.microsoft.com/office/drawing/2014/main" id="{492953FD-C4A6-945C-CFBE-23CE8BD23EC6}"/>
+              </a:ext>
+            </a:extLst>
+          </p:cNvPr>
+          <p:cNvPicPr>
+            <a:picLocks noChangeAspect="1"/>
+          </p:cNvPicPr>
+          <p:nvPr/>
+        </p:nvPicPr>
+        <p:blipFill>
+          <a:blip r:embed="rId2"/>
+          <a:stretch>
+            <a:fillRect/>
+          </a:stretch>
+        </p:blipFill>
+        <p:spPr>
+          <a:xfrm>
+            <a:off x="3185549" y="1926106"/>
+            <a:ext cx="3035477" cy="4010375"/>
+          </a:xfrm>
+          <a:prstGeom prst="rect">
+            <a:avLst/>
+          </a:prstGeom>
+        </p:spPr>
+      </p:pic>
+      <p:sp>
+        <p:nvSpPr>
+          <p:cNvPr id="2" name="Title 1">
+            <a:extLst>
+              <a:ext uri="{FF2B5EF4-FFF2-40B4-BE49-F238E27FC236}">
+                <a16:creationId xmlns:a16="http://schemas.microsoft.com/office/drawing/2014/main" id="{DDFA33AF-EF16-A9A1-1FDA-0BA58D176E2A}"/>
+              </a:ext>
+            </a:extLst>
+          </p:cNvPr>
+          <p:cNvSpPr>
+            <a:spLocks noGrp="1"/>
+          </p:cNvSpPr>
+          <p:nvPr>
+            <p:ph type="title"/>
+          </p:nvPr>
+        </p:nvSpPr>
+        <p:spPr/>
+        <p:txBody>
+          <a:bodyPr/>
+          <a:lstStyle/>
+          <a:p>
+            <a:r>
+              <a:rPr lang="de-DE" dirty="0"/>
+              <a:t>Generate Makefiles</a:t>
+            </a:r>
+          </a:p>
+        </p:txBody>
+      </p:sp>
+      <p:pic>
+        <p:nvPicPr>
+          <p:cNvPr id="5" name="Picture 4">
+            <a:extLst>
+              <a:ext uri="{FF2B5EF4-FFF2-40B4-BE49-F238E27FC236}">
+                <a16:creationId xmlns:a16="http://schemas.microsoft.com/office/drawing/2014/main" id="{0B513042-A54B-3A27-E0C4-D3E93BE6ABB4}"/>
+              </a:ext>
+            </a:extLst>
+          </p:cNvPr>
+          <p:cNvPicPr>
+            <a:picLocks noChangeAspect="1"/>
+          </p:cNvPicPr>
+          <p:nvPr/>
+        </p:nvPicPr>
+        <p:blipFill>
+          <a:blip r:embed="rId3"/>
+          <a:stretch>
+            <a:fillRect/>
+          </a:stretch>
+        </p:blipFill>
+        <p:spPr>
+          <a:xfrm>
+            <a:off x="764437" y="2623055"/>
+            <a:ext cx="1896230" cy="2079736"/>
+          </a:xfrm>
+          <a:prstGeom prst="rect">
+            <a:avLst/>
+          </a:prstGeom>
+        </p:spPr>
+      </p:pic>
+      <p:sp>
+        <p:nvSpPr>
+          <p:cNvPr id="9" name="Rectangle 8">
+            <a:extLst>
+              <a:ext uri="{FF2B5EF4-FFF2-40B4-BE49-F238E27FC236}">
+                <a16:creationId xmlns:a16="http://schemas.microsoft.com/office/drawing/2014/main" id="{99D2AAEB-550E-CD78-4D50-EB22BB93B423}"/>
+              </a:ext>
+            </a:extLst>
+          </p:cNvPr>
+          <p:cNvSpPr/>
+          <p:nvPr/>
+        </p:nvSpPr>
+        <p:spPr>
+          <a:xfrm>
+            <a:off x="3067736" y="3047600"/>
+            <a:ext cx="3271101" cy="312663"/>
+          </a:xfrm>
+          <a:prstGeom prst="rect">
+            <a:avLst/>
+          </a:prstGeom>
+          <a:noFill/>
+          <a:ln/>
+        </p:spPr>
+        <p:style>
+          <a:lnRef idx="2">
+            <a:schemeClr val="accent2"/>
+          </a:lnRef>
+          <a:fillRef idx="1">
+            <a:schemeClr val="lt1"/>
+          </a:fillRef>
+          <a:effectRef idx="0">
+            <a:schemeClr val="accent2"/>
+          </a:effectRef>
+          <a:fontRef idx="minor">
+            <a:schemeClr val="dk1"/>
+          </a:fontRef>
+        </p:style>
+        <p:txBody>
+          <a:bodyPr rot="0" spcFirstLastPara="0" vertOverflow="overflow" horzOverflow="overflow" vert="horz" wrap="square" lIns="91440" tIns="45720" rIns="91440" bIns="45720" numCol="1" spcCol="0" rtlCol="0" fromWordArt="0" anchor="ctr" anchorCtr="0" forceAA="0" compatLnSpc="1">
+            <a:prstTxWarp prst="textNoShape">
+              <a:avLst/>
+            </a:prstTxWarp>
+            <a:noAutofit/>
+          </a:bodyPr>
+          <a:lstStyle/>
+          <a:p>
+            <a:pPr algn="ctr"/>
+            <a:endParaRPr lang="de-DE"/>
+          </a:p>
+        </p:txBody>
+      </p:sp>
+      <p:sp>
+        <p:nvSpPr>
+          <p:cNvPr id="17" name="TextBox 16">
+            <a:extLst>
+              <a:ext uri="{FF2B5EF4-FFF2-40B4-BE49-F238E27FC236}">
+                <a16:creationId xmlns:a16="http://schemas.microsoft.com/office/drawing/2014/main" id="{B535091C-88EB-9173-F05B-9F0627A2F16B}"/>
+              </a:ext>
+            </a:extLst>
+          </p:cNvPr>
+          <p:cNvSpPr txBox="1"/>
+          <p:nvPr/>
+        </p:nvSpPr>
+        <p:spPr>
+          <a:xfrm>
+            <a:off x="6745907" y="348792"/>
+            <a:ext cx="4406002" cy="3046988"/>
+          </a:xfrm>
+          <a:prstGeom prst="rect">
+            <a:avLst/>
+          </a:prstGeom>
+          <a:noFill/>
+        </p:spPr>
+        <p:txBody>
+          <a:bodyPr wrap="square" rtlCol="0">
+            <a:spAutoFit/>
+          </a:bodyPr>
+          <a:lstStyle/>
+          <a:p>
+            <a:r>
+              <a:rPr lang="de-DE" dirty="0"/>
+              <a:t>The script setup.bat calls the „prjMakefilesGenerator.bat“</a:t>
+            </a:r>
+          </a:p>
+          <a:p>
+            <a:endParaRPr lang="de-DE" dirty="0"/>
+          </a:p>
+          <a:p>
+            <a:r>
+              <a:rPr lang="de-DE" dirty="0"/>
+              <a:t>i.e. It creates all Makefiles. This is normally done by MPLABX when the project is opened. And allows to build the projects without using MPLABX</a:t>
+            </a:r>
+          </a:p>
+        </p:txBody>
+      </p:sp>
+      <p:pic>
+        <p:nvPicPr>
+          <p:cNvPr id="6" name="Picture 5">
+            <a:extLst>
+              <a:ext uri="{FF2B5EF4-FFF2-40B4-BE49-F238E27FC236}">
+                <a16:creationId xmlns:a16="http://schemas.microsoft.com/office/drawing/2014/main" id="{7BA6A497-C67D-DFCD-5F92-FEAED324A85C}"/>
+              </a:ext>
+            </a:extLst>
+          </p:cNvPr>
+          <p:cNvPicPr>
+            <a:picLocks noChangeAspect="1"/>
+          </p:cNvPicPr>
+          <p:nvPr/>
+        </p:nvPicPr>
+        <p:blipFill>
+          <a:blip r:embed="rId4"/>
+          <a:stretch>
+            <a:fillRect/>
+          </a:stretch>
+        </p:blipFill>
+        <p:spPr>
+          <a:xfrm>
+            <a:off x="6637416" y="3725599"/>
+            <a:ext cx="5118754" cy="2210882"/>
+          </a:xfrm>
+          <a:prstGeom prst="rect">
+            <a:avLst/>
+          </a:prstGeom>
+        </p:spPr>
+      </p:pic>
+    </p:spTree>
+    <p:extLst>
+      <p:ext uri="{BB962C8B-B14F-4D97-AF65-F5344CB8AC3E}">
+        <p14:creationId xmlns:p14="http://schemas.microsoft.com/office/powerpoint/2010/main" val="2483439385"/>
+      </p:ext>
+    </p:extLst>
+  </p:cSld>
+  <p:clrMapOvr>
+    <a:masterClrMapping/>
+  </p:clrMapOvr>
+</p:sld>
+</file>
+
+<file path=ppt/slides/slide8.xml><?xml version="1.0" encoding="utf-8"?>
+<p:sld xmlns:a="http://schemas.openxmlformats.org/drawingml/2006/main" xmlns:r="http://schemas.openxmlformats.org/officeDocument/2006/relationships" xmlns:p="http://schemas.openxmlformats.org/presentationml/2006/main">
+  <p:cSld>
+    <p:spTree>
+      <p:nvGrpSpPr>
+        <p:cNvPr id="1" name=""/>
+        <p:cNvGrpSpPr/>
+        <p:nvPr/>
+      </p:nvGrpSpPr>
+      <p:grpSpPr>
+        <a:xfrm>
+          <a:off x="0" y="0"/>
+          <a:ext cx="0" cy="0"/>
+          <a:chOff x="0" y="0"/>
+          <a:chExt cx="0" cy="0"/>
+        </a:xfrm>
+      </p:grpSpPr>
+      <p:pic>
+        <p:nvPicPr>
+          <p:cNvPr id="3" name="Picture 2">
+            <a:extLst>
+              <a:ext uri="{FF2B5EF4-FFF2-40B4-BE49-F238E27FC236}">
+                <a16:creationId xmlns:a16="http://schemas.microsoft.com/office/drawing/2014/main" id="{492953FD-C4A6-945C-CFBE-23CE8BD23EC6}"/>
+              </a:ext>
+            </a:extLst>
+          </p:cNvPr>
+          <p:cNvPicPr>
+            <a:picLocks noChangeAspect="1"/>
+          </p:cNvPicPr>
+          <p:nvPr/>
+        </p:nvPicPr>
+        <p:blipFill>
+          <a:blip r:embed="rId2"/>
+          <a:stretch>
+            <a:fillRect/>
+          </a:stretch>
+        </p:blipFill>
+        <p:spPr>
+          <a:xfrm>
+            <a:off x="3185549" y="1926106"/>
+            <a:ext cx="3035477" cy="4010375"/>
+          </a:xfrm>
+          <a:prstGeom prst="rect">
+            <a:avLst/>
+          </a:prstGeom>
+        </p:spPr>
+      </p:pic>
+      <p:sp>
+        <p:nvSpPr>
+          <p:cNvPr id="2" name="Title 1">
+            <a:extLst>
+              <a:ext uri="{FF2B5EF4-FFF2-40B4-BE49-F238E27FC236}">
+                <a16:creationId xmlns:a16="http://schemas.microsoft.com/office/drawing/2014/main" id="{DDFA33AF-EF16-A9A1-1FDA-0BA58D176E2A}"/>
+              </a:ext>
+            </a:extLst>
+          </p:cNvPr>
+          <p:cNvSpPr>
+            <a:spLocks noGrp="1"/>
+          </p:cNvSpPr>
+          <p:nvPr>
+            <p:ph type="title"/>
+          </p:nvPr>
+        </p:nvSpPr>
+        <p:spPr/>
+        <p:txBody>
+          <a:bodyPr/>
+          <a:lstStyle/>
+          <a:p>
+            <a:r>
+              <a:rPr lang="de-DE" dirty="0"/>
+              <a:t>Build all configurations</a:t>
+            </a:r>
+          </a:p>
+        </p:txBody>
+      </p:sp>
+      <p:pic>
+        <p:nvPicPr>
+          <p:cNvPr id="5" name="Picture 4">
+            <a:extLst>
+              <a:ext uri="{FF2B5EF4-FFF2-40B4-BE49-F238E27FC236}">
+                <a16:creationId xmlns:a16="http://schemas.microsoft.com/office/drawing/2014/main" id="{0B513042-A54B-3A27-E0C4-D3E93BE6ABB4}"/>
+              </a:ext>
+            </a:extLst>
+          </p:cNvPr>
+          <p:cNvPicPr>
+            <a:picLocks noChangeAspect="1"/>
+          </p:cNvPicPr>
+          <p:nvPr/>
+        </p:nvPicPr>
+        <p:blipFill>
+          <a:blip r:embed="rId3"/>
+          <a:stretch>
+            <a:fillRect/>
+          </a:stretch>
+        </p:blipFill>
+        <p:spPr>
+          <a:xfrm>
+            <a:off x="764437" y="2623055"/>
+            <a:ext cx="1896230" cy="2079736"/>
+          </a:xfrm>
+          <a:prstGeom prst="rect">
+            <a:avLst/>
+          </a:prstGeom>
+        </p:spPr>
+      </p:pic>
+      <p:sp>
+        <p:nvSpPr>
+          <p:cNvPr id="9" name="Rectangle 8">
+            <a:extLst>
+              <a:ext uri="{FF2B5EF4-FFF2-40B4-BE49-F238E27FC236}">
+                <a16:creationId xmlns:a16="http://schemas.microsoft.com/office/drawing/2014/main" id="{99D2AAEB-550E-CD78-4D50-EB22BB93B423}"/>
+              </a:ext>
+            </a:extLst>
+          </p:cNvPr>
+          <p:cNvSpPr/>
+          <p:nvPr/>
+        </p:nvSpPr>
+        <p:spPr>
+          <a:xfrm>
+            <a:off x="3067736" y="2340590"/>
+            <a:ext cx="3271101" cy="312663"/>
+          </a:xfrm>
+          <a:prstGeom prst="rect">
+            <a:avLst/>
+          </a:prstGeom>
+          <a:noFill/>
+          <a:ln/>
+        </p:spPr>
+        <p:style>
+          <a:lnRef idx="2">
+            <a:schemeClr val="accent2"/>
+          </a:lnRef>
+          <a:fillRef idx="1">
+            <a:schemeClr val="lt1"/>
+          </a:fillRef>
+          <a:effectRef idx="0">
+            <a:schemeClr val="accent2"/>
+          </a:effectRef>
+          <a:fontRef idx="minor">
+            <a:schemeClr val="dk1"/>
+          </a:fontRef>
+        </p:style>
+        <p:txBody>
+          <a:bodyPr rot="0" spcFirstLastPara="0" vertOverflow="overflow" horzOverflow="overflow" vert="horz" wrap="square" lIns="91440" tIns="45720" rIns="91440" bIns="45720" numCol="1" spcCol="0" rtlCol="0" fromWordArt="0" anchor="ctr" anchorCtr="0" forceAA="0" compatLnSpc="1">
+            <a:prstTxWarp prst="textNoShape">
+              <a:avLst/>
+            </a:prstTxWarp>
+            <a:noAutofit/>
+          </a:bodyPr>
+          <a:lstStyle/>
+          <a:p>
+            <a:pPr algn="ctr"/>
+            <a:endParaRPr lang="de-DE"/>
+          </a:p>
+        </p:txBody>
+      </p:sp>
+      <p:sp>
+        <p:nvSpPr>
+          <p:cNvPr id="17" name="TextBox 16">
+            <a:extLst>
+              <a:ext uri="{FF2B5EF4-FFF2-40B4-BE49-F238E27FC236}">
+                <a16:creationId xmlns:a16="http://schemas.microsoft.com/office/drawing/2014/main" id="{B535091C-88EB-9173-F05B-9F0627A2F16B}"/>
+              </a:ext>
+            </a:extLst>
+          </p:cNvPr>
+          <p:cNvSpPr txBox="1"/>
+          <p:nvPr/>
+        </p:nvSpPr>
+        <p:spPr>
+          <a:xfrm>
+            <a:off x="7032395" y="2070704"/>
+            <a:ext cx="4723775" cy="1200329"/>
+          </a:xfrm>
+          <a:prstGeom prst="rect">
+            <a:avLst/>
+          </a:prstGeom>
+          <a:noFill/>
+        </p:spPr>
+        <p:txBody>
+          <a:bodyPr wrap="square" rtlCol="0">
+            <a:spAutoFit/>
+          </a:bodyPr>
+          <a:lstStyle/>
+          <a:p>
+            <a:r>
+              <a:rPr lang="de-DE" dirty="0"/>
+              <a:t>The script „makeit.bat“ call the make utility to build all configuration on the command line</a:t>
+            </a:r>
+          </a:p>
+        </p:txBody>
+      </p:sp>
+      <p:pic>
+        <p:nvPicPr>
+          <p:cNvPr id="8" name="Picture 7">
+            <a:extLst>
+              <a:ext uri="{FF2B5EF4-FFF2-40B4-BE49-F238E27FC236}">
+                <a16:creationId xmlns:a16="http://schemas.microsoft.com/office/drawing/2014/main" id="{AC84C692-3815-6F16-1944-C7B3D5D41AB4}"/>
+              </a:ext>
+            </a:extLst>
+          </p:cNvPr>
+          <p:cNvPicPr>
+            <a:picLocks noChangeAspect="1"/>
+          </p:cNvPicPr>
+          <p:nvPr/>
+        </p:nvPicPr>
+        <p:blipFill>
+          <a:blip r:embed="rId4"/>
+          <a:stretch>
+            <a:fillRect/>
+          </a:stretch>
+        </p:blipFill>
+        <p:spPr>
+          <a:xfrm>
+            <a:off x="6394136" y="3990044"/>
+            <a:ext cx="5794689" cy="1425493"/>
+          </a:xfrm>
+          <a:prstGeom prst="rect">
+            <a:avLst/>
+          </a:prstGeom>
+        </p:spPr>
+      </p:pic>
+    </p:spTree>
+    <p:extLst>
+      <p:ext uri="{BB962C8B-B14F-4D97-AF65-F5344CB8AC3E}">
+        <p14:creationId xmlns:p14="http://schemas.microsoft.com/office/powerpoint/2010/main" val="4271646428"/>
+      </p:ext>
+    </p:extLst>
+  </p:cSld>
+  <p:clrMapOvr>
+    <a:masterClrMapping/>
+  </p:clrMapOvr>
+</p:sld>
+</file>
+
+<file path=ppt/slides/slide9.xml><?xml version="1.0" encoding="utf-8"?>
+<p:sld xmlns:a="http://schemas.openxmlformats.org/drawingml/2006/main" xmlns:r="http://schemas.openxmlformats.org/officeDocument/2006/relationships" xmlns:p="http://schemas.openxmlformats.org/presentationml/2006/main">
+  <p:cSld>
+    <p:spTree>
+      <p:nvGrpSpPr>
+        <p:cNvPr id="1" name=""/>
+        <p:cNvGrpSpPr/>
+        <p:nvPr/>
+      </p:nvGrpSpPr>
+      <p:grpSpPr>
+        <a:xfrm>
+          <a:off x="0" y="0"/>
+          <a:ext cx="0" cy="0"/>
+          <a:chOff x="0" y="0"/>
+          <a:chExt cx="0" cy="0"/>
+        </a:xfrm>
+      </p:grpSpPr>
+      <p:pic>
+        <p:nvPicPr>
+          <p:cNvPr id="3" name="Picture 2">
+            <a:extLst>
+              <a:ext uri="{FF2B5EF4-FFF2-40B4-BE49-F238E27FC236}">
+                <a16:creationId xmlns:a16="http://schemas.microsoft.com/office/drawing/2014/main" id="{492953FD-C4A6-945C-CFBE-23CE8BD23EC6}"/>
+              </a:ext>
+            </a:extLst>
+          </p:cNvPr>
+          <p:cNvPicPr>
+            <a:picLocks noChangeAspect="1"/>
+          </p:cNvPicPr>
+          <p:nvPr/>
+        </p:nvPicPr>
+        <p:blipFill>
+          <a:blip r:embed="rId2"/>
+          <a:stretch>
+            <a:fillRect/>
+          </a:stretch>
+        </p:blipFill>
+        <p:spPr>
+          <a:xfrm>
+            <a:off x="3185549" y="1926106"/>
+            <a:ext cx="3035477" cy="4010375"/>
+          </a:xfrm>
+          <a:prstGeom prst="rect">
+            <a:avLst/>
+          </a:prstGeom>
+        </p:spPr>
+      </p:pic>
+      <p:sp>
+        <p:nvSpPr>
+          <p:cNvPr id="2" name="Title 1">
+            <a:extLst>
+              <a:ext uri="{FF2B5EF4-FFF2-40B4-BE49-F238E27FC236}">
+                <a16:creationId xmlns:a16="http://schemas.microsoft.com/office/drawing/2014/main" id="{DDFA33AF-EF16-A9A1-1FDA-0BA58D176E2A}"/>
+              </a:ext>
+            </a:extLst>
+          </p:cNvPr>
+          <p:cNvSpPr>
+            <a:spLocks noGrp="1"/>
+          </p:cNvSpPr>
+          <p:nvPr>
+            <p:ph type="title"/>
+          </p:nvPr>
+        </p:nvSpPr>
+        <p:spPr/>
+        <p:txBody>
+          <a:bodyPr/>
+          <a:lstStyle/>
+          <a:p>
+            <a:r>
+              <a:rPr lang="de-DE" dirty="0"/>
+              <a:t>Programming 4 Boards at the same time</a:t>
+            </a:r>
+          </a:p>
+        </p:txBody>
+      </p:sp>
+      <p:pic>
+        <p:nvPicPr>
+          <p:cNvPr id="5" name="Picture 4">
+            <a:extLst>
+              <a:ext uri="{FF2B5EF4-FFF2-40B4-BE49-F238E27FC236}">
+                <a16:creationId xmlns:a16="http://schemas.microsoft.com/office/drawing/2014/main" id="{0B513042-A54B-3A27-E0C4-D3E93BE6ABB4}"/>
+              </a:ext>
+            </a:extLst>
+          </p:cNvPr>
+          <p:cNvPicPr>
+            <a:picLocks noChangeAspect="1"/>
+          </p:cNvPicPr>
+          <p:nvPr/>
+        </p:nvPicPr>
+        <p:blipFill>
+          <a:blip r:embed="rId3"/>
+          <a:stretch>
+            <a:fillRect/>
+          </a:stretch>
+        </p:blipFill>
+        <p:spPr>
+          <a:xfrm>
+            <a:off x="764437" y="2623055"/>
+            <a:ext cx="1896230" cy="2079736"/>
+          </a:xfrm>
+          <a:prstGeom prst="rect">
+            <a:avLst/>
+          </a:prstGeom>
+        </p:spPr>
+      </p:pic>
+      <p:sp>
+        <p:nvSpPr>
+          <p:cNvPr id="9" name="Rectangle 8">
+            <a:extLst>
+              <a:ext uri="{FF2B5EF4-FFF2-40B4-BE49-F238E27FC236}">
+                <a16:creationId xmlns:a16="http://schemas.microsoft.com/office/drawing/2014/main" id="{99D2AAEB-550E-CD78-4D50-EB22BB93B423}"/>
+              </a:ext>
+            </a:extLst>
+          </p:cNvPr>
+          <p:cNvSpPr/>
+          <p:nvPr/>
+        </p:nvSpPr>
+        <p:spPr>
+          <a:xfrm>
+            <a:off x="3143153" y="4678437"/>
+            <a:ext cx="3271101" cy="312663"/>
+          </a:xfrm>
+          <a:prstGeom prst="rect">
+            <a:avLst/>
+          </a:prstGeom>
+          <a:noFill/>
+          <a:ln/>
+        </p:spPr>
+        <p:style>
+          <a:lnRef idx="2">
+            <a:schemeClr val="accent2"/>
+          </a:lnRef>
+          <a:fillRef idx="1">
+            <a:schemeClr val="lt1"/>
+          </a:fillRef>
+          <a:effectRef idx="0">
+            <a:schemeClr val="accent2"/>
+          </a:effectRef>
+          <a:fontRef idx="minor">
+            <a:schemeClr val="dk1"/>
+          </a:fontRef>
+        </p:style>
+        <p:txBody>
+          <a:bodyPr rot="0" spcFirstLastPara="0" vertOverflow="overflow" horzOverflow="overflow" vert="horz" wrap="square" lIns="91440" tIns="45720" rIns="91440" bIns="45720" numCol="1" spcCol="0" rtlCol="0" fromWordArt="0" anchor="ctr" anchorCtr="0" forceAA="0" compatLnSpc="1">
+            <a:prstTxWarp prst="textNoShape">
+              <a:avLst/>
+            </a:prstTxWarp>
+            <a:noAutofit/>
+          </a:bodyPr>
+          <a:lstStyle/>
+          <a:p>
+            <a:pPr algn="ctr"/>
+            <a:endParaRPr lang="de-DE"/>
+          </a:p>
+        </p:txBody>
+      </p:sp>
+      <p:sp>
+        <p:nvSpPr>
+          <p:cNvPr id="17" name="TextBox 16">
+            <a:extLst>
+              <a:ext uri="{FF2B5EF4-FFF2-40B4-BE49-F238E27FC236}">
+                <a16:creationId xmlns:a16="http://schemas.microsoft.com/office/drawing/2014/main" id="{B535091C-88EB-9173-F05B-9F0627A2F16B}"/>
+              </a:ext>
+            </a:extLst>
+          </p:cNvPr>
+          <p:cNvSpPr txBox="1"/>
+          <p:nvPr/>
+        </p:nvSpPr>
+        <p:spPr>
+          <a:xfrm>
+            <a:off x="7032395" y="2070704"/>
+            <a:ext cx="4119513" cy="3785652"/>
+          </a:xfrm>
+          <a:prstGeom prst="rect">
+            <a:avLst/>
+          </a:prstGeom>
+          <a:noFill/>
+        </p:spPr>
+        <p:txBody>
+          <a:bodyPr wrap="square" rtlCol="0">
+            <a:spAutoFit/>
+          </a:bodyPr>
+          <a:lstStyle/>
+          <a:p>
+            <a:r>
+              <a:rPr lang="de-DE" dirty="0"/>
+              <a:t>The Tool „multi_progger.pyw“ is a Python Tkinter GUI that controlls 4 instances of the MDB Core simultary. </a:t>
+            </a:r>
+          </a:p>
+          <a:p>
+            <a:endParaRPr lang="de-DE" dirty="0"/>
+          </a:p>
+          <a:p>
+            <a:r>
+              <a:rPr lang="de-DE" dirty="0"/>
+              <a:t>This allows to keep the connection to four MDB‘s instances and programming four controller at the same time. </a:t>
+            </a:r>
+          </a:p>
+        </p:txBody>
+      </p:sp>
+    </p:spTree>
+    <p:extLst>
+      <p:ext uri="{BB962C8B-B14F-4D97-AF65-F5344CB8AC3E}">
+        <p14:creationId xmlns:p14="http://schemas.microsoft.com/office/powerpoint/2010/main" val="1766328611"/>
+      </p:ext>
+    </p:extLst>
+  </p:cSld>
+  <p:clrMapOvr>
+    <a:masterClrMapping/>
+  </p:clrMapOvr>
 </p:sld>
 </file>
 

--- a/T1S Autoconfig - Tooling.pptx
+++ b/T1S Autoconfig - Tooling.pptx
@@ -5,31 +5,33 @@
     <p:sldMasterId id="2147483648" r:id="rId5"/>
   </p:sldMasterIdLst>
   <p:notesMasterIdLst>
-    <p:notesMasterId r:id="rId25"/>
+    <p:notesMasterId r:id="rId27"/>
   </p:notesMasterIdLst>
   <p:handoutMasterIdLst>
-    <p:handoutMasterId r:id="rId26"/>
+    <p:handoutMasterId r:id="rId28"/>
   </p:handoutMasterIdLst>
   <p:sldIdLst>
     <p:sldId id="1954" r:id="rId6"/>
-    <p:sldId id="2020" r:id="rId7"/>
-    <p:sldId id="1959" r:id="rId8"/>
-    <p:sldId id="2022" r:id="rId9"/>
+    <p:sldId id="1990" r:id="rId7"/>
+    <p:sldId id="2020" r:id="rId8"/>
+    <p:sldId id="1959" r:id="rId9"/>
     <p:sldId id="2004" r:id="rId10"/>
-    <p:sldId id="2009" r:id="rId11"/>
-    <p:sldId id="2011" r:id="rId12"/>
-    <p:sldId id="2012" r:id="rId13"/>
-    <p:sldId id="2010" r:id="rId14"/>
-    <p:sldId id="2005" r:id="rId15"/>
-    <p:sldId id="2021" r:id="rId16"/>
-    <p:sldId id="2014" r:id="rId17"/>
-    <p:sldId id="2015" r:id="rId18"/>
-    <p:sldId id="2016" r:id="rId19"/>
-    <p:sldId id="2019" r:id="rId20"/>
-    <p:sldId id="2006" r:id="rId21"/>
-    <p:sldId id="2007" r:id="rId22"/>
-    <p:sldId id="2017" r:id="rId23"/>
-    <p:sldId id="2018" r:id="rId24"/>
+    <p:sldId id="2023" r:id="rId11"/>
+    <p:sldId id="2009" r:id="rId12"/>
+    <p:sldId id="2022" r:id="rId13"/>
+    <p:sldId id="2011" r:id="rId14"/>
+    <p:sldId id="2012" r:id="rId15"/>
+    <p:sldId id="2010" r:id="rId16"/>
+    <p:sldId id="2005" r:id="rId17"/>
+    <p:sldId id="2021" r:id="rId18"/>
+    <p:sldId id="2014" r:id="rId19"/>
+    <p:sldId id="2015" r:id="rId20"/>
+    <p:sldId id="2016" r:id="rId21"/>
+    <p:sldId id="2019" r:id="rId22"/>
+    <p:sldId id="2006" r:id="rId23"/>
+    <p:sldId id="2007" r:id="rId24"/>
+    <p:sldId id="2017" r:id="rId25"/>
+    <p:sldId id="2018" r:id="rId26"/>
   </p:sldIdLst>
   <p:sldSz cx="12188825" cy="6858000"/>
   <p:notesSz cx="6858000" cy="9144000"/>
@@ -5373,6 +5375,453 @@
           <a:chExt cx="0" cy="0"/>
         </a:xfrm>
       </p:grpSpPr>
+      <p:pic>
+        <p:nvPicPr>
+          <p:cNvPr id="3" name="Picture 2">
+            <a:extLst>
+              <a:ext uri="{FF2B5EF4-FFF2-40B4-BE49-F238E27FC236}">
+                <a16:creationId xmlns:a16="http://schemas.microsoft.com/office/drawing/2014/main" id="{492953FD-C4A6-945C-CFBE-23CE8BD23EC6}"/>
+              </a:ext>
+            </a:extLst>
+          </p:cNvPr>
+          <p:cNvPicPr>
+            <a:picLocks noChangeAspect="1"/>
+          </p:cNvPicPr>
+          <p:nvPr/>
+        </p:nvPicPr>
+        <p:blipFill>
+          <a:blip r:embed="rId2"/>
+          <a:stretch>
+            <a:fillRect/>
+          </a:stretch>
+        </p:blipFill>
+        <p:spPr>
+          <a:xfrm>
+            <a:off x="3185549" y="1926106"/>
+            <a:ext cx="3035477" cy="4010375"/>
+          </a:xfrm>
+          <a:prstGeom prst="rect">
+            <a:avLst/>
+          </a:prstGeom>
+        </p:spPr>
+      </p:pic>
+      <p:sp>
+        <p:nvSpPr>
+          <p:cNvPr id="2" name="Title 1">
+            <a:extLst>
+              <a:ext uri="{FF2B5EF4-FFF2-40B4-BE49-F238E27FC236}">
+                <a16:creationId xmlns:a16="http://schemas.microsoft.com/office/drawing/2014/main" id="{DDFA33AF-EF16-A9A1-1FDA-0BA58D176E2A}"/>
+              </a:ext>
+            </a:extLst>
+          </p:cNvPr>
+          <p:cNvSpPr>
+            <a:spLocks noGrp="1"/>
+          </p:cNvSpPr>
+          <p:nvPr>
+            <p:ph type="title"/>
+          </p:nvPr>
+        </p:nvSpPr>
+        <p:spPr/>
+        <p:txBody>
+          <a:bodyPr/>
+          <a:lstStyle/>
+          <a:p>
+            <a:r>
+              <a:rPr lang="de-DE" dirty="0"/>
+              <a:t>Build all configurations</a:t>
+            </a:r>
+          </a:p>
+        </p:txBody>
+      </p:sp>
+      <p:pic>
+        <p:nvPicPr>
+          <p:cNvPr id="5" name="Picture 4">
+            <a:extLst>
+              <a:ext uri="{FF2B5EF4-FFF2-40B4-BE49-F238E27FC236}">
+                <a16:creationId xmlns:a16="http://schemas.microsoft.com/office/drawing/2014/main" id="{0B513042-A54B-3A27-E0C4-D3E93BE6ABB4}"/>
+              </a:ext>
+            </a:extLst>
+          </p:cNvPr>
+          <p:cNvPicPr>
+            <a:picLocks noChangeAspect="1"/>
+          </p:cNvPicPr>
+          <p:nvPr/>
+        </p:nvPicPr>
+        <p:blipFill>
+          <a:blip r:embed="rId3"/>
+          <a:stretch>
+            <a:fillRect/>
+          </a:stretch>
+        </p:blipFill>
+        <p:spPr>
+          <a:xfrm>
+            <a:off x="764437" y="2623055"/>
+            <a:ext cx="1896230" cy="2079736"/>
+          </a:xfrm>
+          <a:prstGeom prst="rect">
+            <a:avLst/>
+          </a:prstGeom>
+        </p:spPr>
+      </p:pic>
+      <p:sp>
+        <p:nvSpPr>
+          <p:cNvPr id="9" name="Rectangle 8">
+            <a:extLst>
+              <a:ext uri="{FF2B5EF4-FFF2-40B4-BE49-F238E27FC236}">
+                <a16:creationId xmlns:a16="http://schemas.microsoft.com/office/drawing/2014/main" id="{99D2AAEB-550E-CD78-4D50-EB22BB93B423}"/>
+              </a:ext>
+            </a:extLst>
+          </p:cNvPr>
+          <p:cNvSpPr/>
+          <p:nvPr/>
+        </p:nvSpPr>
+        <p:spPr>
+          <a:xfrm>
+            <a:off x="3067736" y="2340590"/>
+            <a:ext cx="3271101" cy="312663"/>
+          </a:xfrm>
+          <a:prstGeom prst="rect">
+            <a:avLst/>
+          </a:prstGeom>
+          <a:noFill/>
+          <a:ln/>
+        </p:spPr>
+        <p:style>
+          <a:lnRef idx="2">
+            <a:schemeClr val="accent2"/>
+          </a:lnRef>
+          <a:fillRef idx="1">
+            <a:schemeClr val="lt1"/>
+          </a:fillRef>
+          <a:effectRef idx="0">
+            <a:schemeClr val="accent2"/>
+          </a:effectRef>
+          <a:fontRef idx="minor">
+            <a:schemeClr val="dk1"/>
+          </a:fontRef>
+        </p:style>
+        <p:txBody>
+          <a:bodyPr rot="0" spcFirstLastPara="0" vertOverflow="overflow" horzOverflow="overflow" vert="horz" wrap="square" lIns="91440" tIns="45720" rIns="91440" bIns="45720" numCol="1" spcCol="0" rtlCol="0" fromWordArt="0" anchor="ctr" anchorCtr="0" forceAA="0" compatLnSpc="1">
+            <a:prstTxWarp prst="textNoShape">
+              <a:avLst/>
+            </a:prstTxWarp>
+            <a:noAutofit/>
+          </a:bodyPr>
+          <a:lstStyle/>
+          <a:p>
+            <a:pPr algn="ctr"/>
+            <a:endParaRPr lang="de-DE"/>
+          </a:p>
+        </p:txBody>
+      </p:sp>
+      <p:sp>
+        <p:nvSpPr>
+          <p:cNvPr id="17" name="TextBox 16">
+            <a:extLst>
+              <a:ext uri="{FF2B5EF4-FFF2-40B4-BE49-F238E27FC236}">
+                <a16:creationId xmlns:a16="http://schemas.microsoft.com/office/drawing/2014/main" id="{B535091C-88EB-9173-F05B-9F0627A2F16B}"/>
+              </a:ext>
+            </a:extLst>
+          </p:cNvPr>
+          <p:cNvSpPr txBox="1"/>
+          <p:nvPr/>
+        </p:nvSpPr>
+        <p:spPr>
+          <a:xfrm>
+            <a:off x="7032395" y="2070704"/>
+            <a:ext cx="4723775" cy="1200329"/>
+          </a:xfrm>
+          <a:prstGeom prst="rect">
+            <a:avLst/>
+          </a:prstGeom>
+          <a:noFill/>
+        </p:spPr>
+        <p:txBody>
+          <a:bodyPr wrap="square" rtlCol="0">
+            <a:spAutoFit/>
+          </a:bodyPr>
+          <a:lstStyle/>
+          <a:p>
+            <a:r>
+              <a:rPr lang="de-DE" dirty="0"/>
+              <a:t>The script „makeit.bat“ call the make utility to build all configuration on the command line</a:t>
+            </a:r>
+          </a:p>
+        </p:txBody>
+      </p:sp>
+      <p:pic>
+        <p:nvPicPr>
+          <p:cNvPr id="8" name="Picture 7">
+            <a:extLst>
+              <a:ext uri="{FF2B5EF4-FFF2-40B4-BE49-F238E27FC236}">
+                <a16:creationId xmlns:a16="http://schemas.microsoft.com/office/drawing/2014/main" id="{AC84C692-3815-6F16-1944-C7B3D5D41AB4}"/>
+              </a:ext>
+            </a:extLst>
+          </p:cNvPr>
+          <p:cNvPicPr>
+            <a:picLocks noChangeAspect="1"/>
+          </p:cNvPicPr>
+          <p:nvPr/>
+        </p:nvPicPr>
+        <p:blipFill>
+          <a:blip r:embed="rId4"/>
+          <a:stretch>
+            <a:fillRect/>
+          </a:stretch>
+        </p:blipFill>
+        <p:spPr>
+          <a:xfrm>
+            <a:off x="6394136" y="3990044"/>
+            <a:ext cx="5794689" cy="1425493"/>
+          </a:xfrm>
+          <a:prstGeom prst="rect">
+            <a:avLst/>
+          </a:prstGeom>
+        </p:spPr>
+      </p:pic>
+    </p:spTree>
+    <p:extLst>
+      <p:ext uri="{BB962C8B-B14F-4D97-AF65-F5344CB8AC3E}">
+        <p14:creationId xmlns:p14="http://schemas.microsoft.com/office/powerpoint/2010/main" val="4271646428"/>
+      </p:ext>
+    </p:extLst>
+  </p:cSld>
+  <p:clrMapOvr>
+    <a:masterClrMapping/>
+  </p:clrMapOvr>
+</p:sld>
+</file>
+
+<file path=ppt/slides/slide11.xml><?xml version="1.0" encoding="utf-8"?>
+<p:sld xmlns:a="http://schemas.openxmlformats.org/drawingml/2006/main" xmlns:r="http://schemas.openxmlformats.org/officeDocument/2006/relationships" xmlns:p="http://schemas.openxmlformats.org/presentationml/2006/main">
+  <p:cSld>
+    <p:spTree>
+      <p:nvGrpSpPr>
+        <p:cNvPr id="1" name=""/>
+        <p:cNvGrpSpPr/>
+        <p:nvPr/>
+      </p:nvGrpSpPr>
+      <p:grpSpPr>
+        <a:xfrm>
+          <a:off x="0" y="0"/>
+          <a:ext cx="0" cy="0"/>
+          <a:chOff x="0" y="0"/>
+          <a:chExt cx="0" cy="0"/>
+        </a:xfrm>
+      </p:grpSpPr>
+      <p:pic>
+        <p:nvPicPr>
+          <p:cNvPr id="3" name="Picture 2">
+            <a:extLst>
+              <a:ext uri="{FF2B5EF4-FFF2-40B4-BE49-F238E27FC236}">
+                <a16:creationId xmlns:a16="http://schemas.microsoft.com/office/drawing/2014/main" id="{492953FD-C4A6-945C-CFBE-23CE8BD23EC6}"/>
+              </a:ext>
+            </a:extLst>
+          </p:cNvPr>
+          <p:cNvPicPr>
+            <a:picLocks noChangeAspect="1"/>
+          </p:cNvPicPr>
+          <p:nvPr/>
+        </p:nvPicPr>
+        <p:blipFill>
+          <a:blip r:embed="rId2"/>
+          <a:stretch>
+            <a:fillRect/>
+          </a:stretch>
+        </p:blipFill>
+        <p:spPr>
+          <a:xfrm>
+            <a:off x="3185549" y="1926106"/>
+            <a:ext cx="3035477" cy="4010375"/>
+          </a:xfrm>
+          <a:prstGeom prst="rect">
+            <a:avLst/>
+          </a:prstGeom>
+        </p:spPr>
+      </p:pic>
+      <p:sp>
+        <p:nvSpPr>
+          <p:cNvPr id="2" name="Title 1">
+            <a:extLst>
+              <a:ext uri="{FF2B5EF4-FFF2-40B4-BE49-F238E27FC236}">
+                <a16:creationId xmlns:a16="http://schemas.microsoft.com/office/drawing/2014/main" id="{DDFA33AF-EF16-A9A1-1FDA-0BA58D176E2A}"/>
+              </a:ext>
+            </a:extLst>
+          </p:cNvPr>
+          <p:cNvSpPr>
+            <a:spLocks noGrp="1"/>
+          </p:cNvSpPr>
+          <p:nvPr>
+            <p:ph type="title"/>
+          </p:nvPr>
+        </p:nvSpPr>
+        <p:spPr/>
+        <p:txBody>
+          <a:bodyPr/>
+          <a:lstStyle/>
+          <a:p>
+            <a:r>
+              <a:rPr lang="de-DE" dirty="0"/>
+              <a:t>Programming 4 Boards at the same time</a:t>
+            </a:r>
+          </a:p>
+        </p:txBody>
+      </p:sp>
+      <p:pic>
+        <p:nvPicPr>
+          <p:cNvPr id="5" name="Picture 4">
+            <a:extLst>
+              <a:ext uri="{FF2B5EF4-FFF2-40B4-BE49-F238E27FC236}">
+                <a16:creationId xmlns:a16="http://schemas.microsoft.com/office/drawing/2014/main" id="{0B513042-A54B-3A27-E0C4-D3E93BE6ABB4}"/>
+              </a:ext>
+            </a:extLst>
+          </p:cNvPr>
+          <p:cNvPicPr>
+            <a:picLocks noChangeAspect="1"/>
+          </p:cNvPicPr>
+          <p:nvPr/>
+        </p:nvPicPr>
+        <p:blipFill>
+          <a:blip r:embed="rId3"/>
+          <a:stretch>
+            <a:fillRect/>
+          </a:stretch>
+        </p:blipFill>
+        <p:spPr>
+          <a:xfrm>
+            <a:off x="764437" y="2623055"/>
+            <a:ext cx="1896230" cy="2079736"/>
+          </a:xfrm>
+          <a:prstGeom prst="rect">
+            <a:avLst/>
+          </a:prstGeom>
+        </p:spPr>
+      </p:pic>
+      <p:sp>
+        <p:nvSpPr>
+          <p:cNvPr id="9" name="Rectangle 8">
+            <a:extLst>
+              <a:ext uri="{FF2B5EF4-FFF2-40B4-BE49-F238E27FC236}">
+                <a16:creationId xmlns:a16="http://schemas.microsoft.com/office/drawing/2014/main" id="{99D2AAEB-550E-CD78-4D50-EB22BB93B423}"/>
+              </a:ext>
+            </a:extLst>
+          </p:cNvPr>
+          <p:cNvSpPr/>
+          <p:nvPr/>
+        </p:nvSpPr>
+        <p:spPr>
+          <a:xfrm>
+            <a:off x="3143153" y="4678437"/>
+            <a:ext cx="3271101" cy="312663"/>
+          </a:xfrm>
+          <a:prstGeom prst="rect">
+            <a:avLst/>
+          </a:prstGeom>
+          <a:noFill/>
+          <a:ln/>
+        </p:spPr>
+        <p:style>
+          <a:lnRef idx="2">
+            <a:schemeClr val="accent2"/>
+          </a:lnRef>
+          <a:fillRef idx="1">
+            <a:schemeClr val="lt1"/>
+          </a:fillRef>
+          <a:effectRef idx="0">
+            <a:schemeClr val="accent2"/>
+          </a:effectRef>
+          <a:fontRef idx="minor">
+            <a:schemeClr val="dk1"/>
+          </a:fontRef>
+        </p:style>
+        <p:txBody>
+          <a:bodyPr rot="0" spcFirstLastPara="0" vertOverflow="overflow" horzOverflow="overflow" vert="horz" wrap="square" lIns="91440" tIns="45720" rIns="91440" bIns="45720" numCol="1" spcCol="0" rtlCol="0" fromWordArt="0" anchor="ctr" anchorCtr="0" forceAA="0" compatLnSpc="1">
+            <a:prstTxWarp prst="textNoShape">
+              <a:avLst/>
+            </a:prstTxWarp>
+            <a:noAutofit/>
+          </a:bodyPr>
+          <a:lstStyle/>
+          <a:p>
+            <a:pPr algn="ctr"/>
+            <a:endParaRPr lang="de-DE"/>
+          </a:p>
+        </p:txBody>
+      </p:sp>
+      <p:sp>
+        <p:nvSpPr>
+          <p:cNvPr id="17" name="TextBox 16">
+            <a:extLst>
+              <a:ext uri="{FF2B5EF4-FFF2-40B4-BE49-F238E27FC236}">
+                <a16:creationId xmlns:a16="http://schemas.microsoft.com/office/drawing/2014/main" id="{B535091C-88EB-9173-F05B-9F0627A2F16B}"/>
+              </a:ext>
+            </a:extLst>
+          </p:cNvPr>
+          <p:cNvSpPr txBox="1"/>
+          <p:nvPr/>
+        </p:nvSpPr>
+        <p:spPr>
+          <a:xfrm>
+            <a:off x="7032395" y="2070704"/>
+            <a:ext cx="4119513" cy="3785652"/>
+          </a:xfrm>
+          <a:prstGeom prst="rect">
+            <a:avLst/>
+          </a:prstGeom>
+          <a:noFill/>
+        </p:spPr>
+        <p:txBody>
+          <a:bodyPr wrap="square" rtlCol="0">
+            <a:spAutoFit/>
+          </a:bodyPr>
+          <a:lstStyle/>
+          <a:p>
+            <a:r>
+              <a:rPr lang="de-DE" dirty="0"/>
+              <a:t>The Tool „multi_progger.pyw“ is a Python Tkinter GUI that controlls 4 instances of the MDB Core simultary. </a:t>
+            </a:r>
+          </a:p>
+          <a:p>
+            <a:endParaRPr lang="de-DE" dirty="0"/>
+          </a:p>
+          <a:p>
+            <a:r>
+              <a:rPr lang="de-DE" dirty="0"/>
+              <a:t>This allows to keep the connection to four MDB‘s instances and programming four controller at the same time. </a:t>
+            </a:r>
+          </a:p>
+        </p:txBody>
+      </p:sp>
+    </p:spTree>
+    <p:extLst>
+      <p:ext uri="{BB962C8B-B14F-4D97-AF65-F5344CB8AC3E}">
+        <p14:creationId xmlns:p14="http://schemas.microsoft.com/office/powerpoint/2010/main" val="1766328611"/>
+      </p:ext>
+    </p:extLst>
+  </p:cSld>
+  <p:clrMapOvr>
+    <a:masterClrMapping/>
+  </p:clrMapOvr>
+</p:sld>
+</file>
+
+<file path=ppt/slides/slide12.xml><?xml version="1.0" encoding="utf-8"?>
+<p:sld xmlns:a="http://schemas.openxmlformats.org/drawingml/2006/main" xmlns:r="http://schemas.openxmlformats.org/officeDocument/2006/relationships" xmlns:p="http://schemas.openxmlformats.org/presentationml/2006/main">
+  <p:cSld>
+    <p:spTree>
+      <p:nvGrpSpPr>
+        <p:cNvPr id="1" name=""/>
+        <p:cNvGrpSpPr/>
+        <p:nvPr/>
+      </p:nvGrpSpPr>
+      <p:grpSpPr>
+        <a:xfrm>
+          <a:off x="0" y="0"/>
+          <a:ext cx="0" cy="0"/>
+          <a:chOff x="0" y="0"/>
+          <a:chExt cx="0" cy="0"/>
+        </a:xfrm>
+      </p:grpSpPr>
       <p:sp>
         <p:nvSpPr>
           <p:cNvPr id="10" name="Title 1">
@@ -5774,7 +6223,7 @@
 </p:sld>
 </file>
 
-<file path=ppt/slides/slide11.xml><?xml version="1.0" encoding="utf-8"?>
+<file path=ppt/slides/slide13.xml><?xml version="1.0" encoding="utf-8"?>
 <p:sld xmlns:a="http://schemas.openxmlformats.org/drawingml/2006/main" xmlns:r="http://schemas.openxmlformats.org/officeDocument/2006/relationships" xmlns:p="http://schemas.openxmlformats.org/presentationml/2006/main">
   <p:cSld>
     <p:spTree>
@@ -6167,7 +6616,7 @@
 </p:sld>
 </file>
 
-<file path=ppt/slides/slide12.xml><?xml version="1.0" encoding="utf-8"?>
+<file path=ppt/slides/slide14.xml><?xml version="1.0" encoding="utf-8"?>
 <p:sld xmlns:a="http://schemas.openxmlformats.org/drawingml/2006/main" xmlns:r="http://schemas.openxmlformats.org/officeDocument/2006/relationships" xmlns:p="http://schemas.openxmlformats.org/presentationml/2006/main">
   <p:cSld>
     <p:spTree>
@@ -6539,7 +6988,7 @@
 </p:sld>
 </file>
 
-<file path=ppt/slides/slide13.xml><?xml version="1.0" encoding="utf-8"?>
+<file path=ppt/slides/slide15.xml><?xml version="1.0" encoding="utf-8"?>
 <p:sld xmlns:a="http://schemas.openxmlformats.org/drawingml/2006/main" xmlns:r="http://schemas.openxmlformats.org/officeDocument/2006/relationships" xmlns:p="http://schemas.openxmlformats.org/presentationml/2006/main">
   <p:cSld>
     <p:spTree>
@@ -6820,7 +7269,7 @@
 </p:sld>
 </file>
 
-<file path=ppt/slides/slide14.xml><?xml version="1.0" encoding="utf-8"?>
+<file path=ppt/slides/slide16.xml><?xml version="1.0" encoding="utf-8"?>
 <p:sld xmlns:a="http://schemas.openxmlformats.org/drawingml/2006/main" xmlns:r="http://schemas.openxmlformats.org/officeDocument/2006/relationships" xmlns:p="http://schemas.openxmlformats.org/presentationml/2006/main">
   <p:cSld>
     <p:spTree>
@@ -7060,7 +7509,7 @@
 </p:sld>
 </file>
 
-<file path=ppt/slides/slide15.xml><?xml version="1.0" encoding="utf-8"?>
+<file path=ppt/slides/slide17.xml><?xml version="1.0" encoding="utf-8"?>
 <p:sld xmlns:a="http://schemas.openxmlformats.org/drawingml/2006/main" xmlns:r="http://schemas.openxmlformats.org/officeDocument/2006/relationships" xmlns:p="http://schemas.openxmlformats.org/presentationml/2006/main">
   <p:cSld>
     <p:spTree>
@@ -7767,6 +8216,210 @@
               <a:rPr lang="de-DE" dirty="0"/>
               <a:t>D</a:t>
             </a:r>
+          </a:p>
+        </p:txBody>
+      </p:sp>
+      <p:sp>
+        <p:nvSpPr>
+          <p:cNvPr id="2" name="Rectangle 1">
+            <a:extLst>
+              <a:ext uri="{FF2B5EF4-FFF2-40B4-BE49-F238E27FC236}">
+                <a16:creationId xmlns:a16="http://schemas.microsoft.com/office/drawing/2014/main" id="{40025046-D7B5-5DA7-082B-4C4B8493525B}"/>
+              </a:ext>
+            </a:extLst>
+          </p:cNvPr>
+          <p:cNvSpPr/>
+          <p:nvPr/>
+        </p:nvSpPr>
+        <p:spPr>
+          <a:xfrm>
+            <a:off x="6274308" y="1832464"/>
+            <a:ext cx="1613916" cy="174741"/>
+          </a:xfrm>
+          <a:prstGeom prst="rect">
+            <a:avLst/>
+          </a:prstGeom>
+          <a:noFill/>
+          <a:ln/>
+        </p:spPr>
+        <p:style>
+          <a:lnRef idx="2">
+            <a:schemeClr val="accent2"/>
+          </a:lnRef>
+          <a:fillRef idx="1">
+            <a:schemeClr val="lt1"/>
+          </a:fillRef>
+          <a:effectRef idx="0">
+            <a:schemeClr val="accent2"/>
+          </a:effectRef>
+          <a:fontRef idx="minor">
+            <a:schemeClr val="dk1"/>
+          </a:fontRef>
+        </p:style>
+        <p:txBody>
+          <a:bodyPr rot="0" spcFirstLastPara="0" vertOverflow="overflow" horzOverflow="overflow" vert="horz" wrap="square" lIns="91440" tIns="45720" rIns="91440" bIns="45720" numCol="1" spcCol="0" rtlCol="0" fromWordArt="0" anchor="ctr" anchorCtr="0" forceAA="0" compatLnSpc="1">
+            <a:prstTxWarp prst="textNoShape">
+              <a:avLst/>
+            </a:prstTxWarp>
+            <a:noAutofit/>
+          </a:bodyPr>
+          <a:lstStyle/>
+          <a:p>
+            <a:pPr algn="ctr"/>
+            <a:endParaRPr lang="de-DE"/>
+          </a:p>
+        </p:txBody>
+      </p:sp>
+      <p:sp>
+        <p:nvSpPr>
+          <p:cNvPr id="19" name="Rectangle 18">
+            <a:extLst>
+              <a:ext uri="{FF2B5EF4-FFF2-40B4-BE49-F238E27FC236}">
+                <a16:creationId xmlns:a16="http://schemas.microsoft.com/office/drawing/2014/main" id="{A6350734-24AE-A1E1-F83D-020F2FB277FA}"/>
+              </a:ext>
+            </a:extLst>
+          </p:cNvPr>
+          <p:cNvSpPr/>
+          <p:nvPr/>
+        </p:nvSpPr>
+        <p:spPr>
+          <a:xfrm>
+            <a:off x="6274308" y="3069850"/>
+            <a:ext cx="1613916" cy="174741"/>
+          </a:xfrm>
+          <a:prstGeom prst="rect">
+            <a:avLst/>
+          </a:prstGeom>
+          <a:noFill/>
+          <a:ln/>
+        </p:spPr>
+        <p:style>
+          <a:lnRef idx="2">
+            <a:schemeClr val="accent2"/>
+          </a:lnRef>
+          <a:fillRef idx="1">
+            <a:schemeClr val="lt1"/>
+          </a:fillRef>
+          <a:effectRef idx="0">
+            <a:schemeClr val="accent2"/>
+          </a:effectRef>
+          <a:fontRef idx="minor">
+            <a:schemeClr val="dk1"/>
+          </a:fontRef>
+        </p:style>
+        <p:txBody>
+          <a:bodyPr rot="0" spcFirstLastPara="0" vertOverflow="overflow" horzOverflow="overflow" vert="horz" wrap="square" lIns="91440" tIns="45720" rIns="91440" bIns="45720" numCol="1" spcCol="0" rtlCol="0" fromWordArt="0" anchor="ctr" anchorCtr="0" forceAA="0" compatLnSpc="1">
+            <a:prstTxWarp prst="textNoShape">
+              <a:avLst/>
+            </a:prstTxWarp>
+            <a:noAutofit/>
+          </a:bodyPr>
+          <a:lstStyle/>
+          <a:p>
+            <a:pPr algn="ctr"/>
+            <a:endParaRPr lang="de-DE"/>
+          </a:p>
+        </p:txBody>
+      </p:sp>
+      <p:sp>
+        <p:nvSpPr>
+          <p:cNvPr id="20" name="Rectangle 19">
+            <a:extLst>
+              <a:ext uri="{FF2B5EF4-FFF2-40B4-BE49-F238E27FC236}">
+                <a16:creationId xmlns:a16="http://schemas.microsoft.com/office/drawing/2014/main" id="{1D9D50C4-DAB6-EBA4-9502-6D60ED6026EB}"/>
+              </a:ext>
+            </a:extLst>
+          </p:cNvPr>
+          <p:cNvSpPr/>
+          <p:nvPr/>
+        </p:nvSpPr>
+        <p:spPr>
+          <a:xfrm>
+            <a:off x="6298692" y="4313434"/>
+            <a:ext cx="1613916" cy="174741"/>
+          </a:xfrm>
+          <a:prstGeom prst="rect">
+            <a:avLst/>
+          </a:prstGeom>
+          <a:noFill/>
+          <a:ln/>
+        </p:spPr>
+        <p:style>
+          <a:lnRef idx="2">
+            <a:schemeClr val="accent2"/>
+          </a:lnRef>
+          <a:fillRef idx="1">
+            <a:schemeClr val="lt1"/>
+          </a:fillRef>
+          <a:effectRef idx="0">
+            <a:schemeClr val="accent2"/>
+          </a:effectRef>
+          <a:fontRef idx="minor">
+            <a:schemeClr val="dk1"/>
+          </a:fontRef>
+        </p:style>
+        <p:txBody>
+          <a:bodyPr rot="0" spcFirstLastPara="0" vertOverflow="overflow" horzOverflow="overflow" vert="horz" wrap="square" lIns="91440" tIns="45720" rIns="91440" bIns="45720" numCol="1" spcCol="0" rtlCol="0" fromWordArt="0" anchor="ctr" anchorCtr="0" forceAA="0" compatLnSpc="1">
+            <a:prstTxWarp prst="textNoShape">
+              <a:avLst/>
+            </a:prstTxWarp>
+            <a:noAutofit/>
+          </a:bodyPr>
+          <a:lstStyle/>
+          <a:p>
+            <a:pPr algn="ctr"/>
+            <a:endParaRPr lang="de-DE"/>
+          </a:p>
+        </p:txBody>
+      </p:sp>
+      <p:sp>
+        <p:nvSpPr>
+          <p:cNvPr id="21" name="Rectangle 20">
+            <a:extLst>
+              <a:ext uri="{FF2B5EF4-FFF2-40B4-BE49-F238E27FC236}">
+                <a16:creationId xmlns:a16="http://schemas.microsoft.com/office/drawing/2014/main" id="{E45DF563-8F5B-F29D-FF58-D81E33F564BC}"/>
+              </a:ext>
+            </a:extLst>
+          </p:cNvPr>
+          <p:cNvSpPr/>
+          <p:nvPr/>
+        </p:nvSpPr>
+        <p:spPr>
+          <a:xfrm>
+            <a:off x="6298692" y="5566676"/>
+            <a:ext cx="1613916" cy="174741"/>
+          </a:xfrm>
+          <a:prstGeom prst="rect">
+            <a:avLst/>
+          </a:prstGeom>
+          <a:noFill/>
+          <a:ln/>
+        </p:spPr>
+        <p:style>
+          <a:lnRef idx="2">
+            <a:schemeClr val="accent2"/>
+          </a:lnRef>
+          <a:fillRef idx="1">
+            <a:schemeClr val="lt1"/>
+          </a:fillRef>
+          <a:effectRef idx="0">
+            <a:schemeClr val="accent2"/>
+          </a:effectRef>
+          <a:fontRef idx="minor">
+            <a:schemeClr val="dk1"/>
+          </a:fontRef>
+        </p:style>
+        <p:txBody>
+          <a:bodyPr rot="0" spcFirstLastPara="0" vertOverflow="overflow" horzOverflow="overflow" vert="horz" wrap="square" lIns="91440" tIns="45720" rIns="91440" bIns="45720" numCol="1" spcCol="0" rtlCol="0" fromWordArt="0" anchor="ctr" anchorCtr="0" forceAA="0" compatLnSpc="1">
+            <a:prstTxWarp prst="textNoShape">
+              <a:avLst/>
+            </a:prstTxWarp>
+            <a:noAutofit/>
+          </a:bodyPr>
+          <a:lstStyle/>
+          <a:p>
+            <a:pPr algn="ctr"/>
+            <a:endParaRPr lang="de-DE"/>
           </a:p>
         </p:txBody>
       </p:sp>
@@ -7881,39 +8534,21 @@
                                   </p:childTnLst>
                                 </p:cTn>
                               </p:par>
-                            </p:childTnLst>
-                          </p:cTn>
-                        </p:par>
-                      </p:childTnLst>
-                    </p:cTn>
-                  </p:par>
-                  <p:par>
-                    <p:cTn id="11" fill="hold">
-                      <p:stCondLst>
-                        <p:cond delay="indefinite"/>
-                      </p:stCondLst>
-                      <p:childTnLst>
-                        <p:par>
-                          <p:cTn id="12" fill="hold">
-                            <p:stCondLst>
-                              <p:cond delay="0"/>
-                            </p:stCondLst>
-                            <p:childTnLst>
                               <p:par>
-                                <p:cTn id="13" presetID="1" presetClass="entr" presetSubtype="0" fill="hold" grpId="0" nodeType="clickEffect">
+                                <p:cTn id="11" presetID="1" presetClass="entr" presetSubtype="0" fill="hold" grpId="0" nodeType="withEffect">
                                   <p:stCondLst>
                                     <p:cond delay="0"/>
                                   </p:stCondLst>
                                   <p:childTnLst>
                                     <p:set>
                                       <p:cBhvr>
-                                        <p:cTn id="14" dur="1" fill="hold">
+                                        <p:cTn id="12" dur="1" fill="hold">
                                           <p:stCondLst>
                                             <p:cond delay="0"/>
                                           </p:stCondLst>
                                         </p:cTn>
                                         <p:tgtEl>
-                                          <p:spTgt spid="8"/>
+                                          <p:spTgt spid="2"/>
                                         </p:tgtEl>
                                         <p:attrNameLst>
                                           <p:attrName>style.visibility</p:attrName>
@@ -7926,8 +8561,26 @@
                                   </p:childTnLst>
                                 </p:cTn>
                               </p:par>
+                            </p:childTnLst>
+                          </p:cTn>
+                        </p:par>
+                      </p:childTnLst>
+                    </p:cTn>
+                  </p:par>
+                  <p:par>
+                    <p:cTn id="13" fill="hold">
+                      <p:stCondLst>
+                        <p:cond delay="indefinite"/>
+                      </p:stCondLst>
+                      <p:childTnLst>
+                        <p:par>
+                          <p:cTn id="14" fill="hold">
+                            <p:stCondLst>
+                              <p:cond delay="0"/>
+                            </p:stCondLst>
+                            <p:childTnLst>
                               <p:par>
-                                <p:cTn id="15" presetID="1" presetClass="entr" presetSubtype="0" fill="hold" grpId="0" nodeType="withEffect">
+                                <p:cTn id="15" presetID="1" presetClass="entr" presetSubtype="0" fill="hold" grpId="0" nodeType="clickEffect">
                                   <p:stCondLst>
                                     <p:cond delay="0"/>
                                   </p:stCondLst>
@@ -7940,7 +8593,7 @@
                                           </p:stCondLst>
                                         </p:cTn>
                                         <p:tgtEl>
-                                          <p:spTgt spid="12"/>
+                                          <p:spTgt spid="8"/>
                                         </p:tgtEl>
                                         <p:attrNameLst>
                                           <p:attrName>style.visibility</p:attrName>
@@ -7967,7 +8620,61 @@
                                           </p:stCondLst>
                                         </p:cTn>
                                         <p:tgtEl>
+                                          <p:spTgt spid="12"/>
+                                        </p:tgtEl>
+                                        <p:attrNameLst>
+                                          <p:attrName>style.visibility</p:attrName>
+                                        </p:attrNameLst>
+                                      </p:cBhvr>
+                                      <p:to>
+                                        <p:strVal val="visible"/>
+                                      </p:to>
+                                    </p:set>
+                                  </p:childTnLst>
+                                </p:cTn>
+                              </p:par>
+                              <p:par>
+                                <p:cTn id="19" presetID="1" presetClass="entr" presetSubtype="0" fill="hold" grpId="0" nodeType="withEffect">
+                                  <p:stCondLst>
+                                    <p:cond delay="0"/>
+                                  </p:stCondLst>
+                                  <p:childTnLst>
+                                    <p:set>
+                                      <p:cBhvr>
+                                        <p:cTn id="20" dur="1" fill="hold">
+                                          <p:stCondLst>
+                                            <p:cond delay="0"/>
+                                          </p:stCondLst>
+                                        </p:cTn>
+                                        <p:tgtEl>
                                           <p:spTgt spid="16"/>
+                                        </p:tgtEl>
+                                        <p:attrNameLst>
+                                          <p:attrName>style.visibility</p:attrName>
+                                        </p:attrNameLst>
+                                      </p:cBhvr>
+                                      <p:to>
+                                        <p:strVal val="visible"/>
+                                      </p:to>
+                                    </p:set>
+                                  </p:childTnLst>
+                                </p:cTn>
+                              </p:par>
+                              <p:par>
+                                <p:cTn id="21" presetID="1" presetClass="entr" presetSubtype="0" fill="hold" grpId="0" nodeType="withEffect">
+                                  <p:stCondLst>
+                                    <p:cond delay="0"/>
+                                  </p:stCondLst>
+                                  <p:childTnLst>
+                                    <p:set>
+                                      <p:cBhvr>
+                                        <p:cTn id="22" dur="1" fill="hold">
+                                          <p:stCondLst>
+                                            <p:cond delay="0"/>
+                                          </p:stCondLst>
+                                        </p:cTn>
+                                        <p:tgtEl>
+                                          <p:spTgt spid="19"/>
                                         </p:tgtEl>
                                         <p:attrNameLst>
                                           <p:attrName>style.visibility</p:attrName>
@@ -7987,26 +8694,26 @@
                     </p:cTn>
                   </p:par>
                   <p:par>
-                    <p:cTn id="19" fill="hold">
+                    <p:cTn id="23" fill="hold">
                       <p:stCondLst>
                         <p:cond delay="indefinite"/>
                       </p:stCondLst>
                       <p:childTnLst>
                         <p:par>
-                          <p:cTn id="20" fill="hold">
+                          <p:cTn id="24" fill="hold">
                             <p:stCondLst>
                               <p:cond delay="0"/>
                             </p:stCondLst>
                             <p:childTnLst>
                               <p:par>
-                                <p:cTn id="21" presetID="1" presetClass="entr" presetSubtype="0" fill="hold" grpId="0" nodeType="clickEffect">
+                                <p:cTn id="25" presetID="1" presetClass="entr" presetSubtype="0" fill="hold" grpId="0" nodeType="clickEffect">
                                   <p:stCondLst>
                                     <p:cond delay="0"/>
                                   </p:stCondLst>
                                   <p:childTnLst>
                                     <p:set>
                                       <p:cBhvr>
-                                        <p:cTn id="22" dur="1" fill="hold">
+                                        <p:cTn id="26" dur="1" fill="hold">
                                           <p:stCondLst>
                                             <p:cond delay="0"/>
                                           </p:stCondLst>
@@ -8026,14 +8733,14 @@
                                 </p:cTn>
                               </p:par>
                               <p:par>
-                                <p:cTn id="23" presetID="1" presetClass="entr" presetSubtype="0" fill="hold" grpId="0" nodeType="withEffect">
+                                <p:cTn id="27" presetID="1" presetClass="entr" presetSubtype="0" fill="hold" grpId="0" nodeType="withEffect">
                                   <p:stCondLst>
                                     <p:cond delay="0"/>
                                   </p:stCondLst>
                                   <p:childTnLst>
                                     <p:set>
                                       <p:cBhvr>
-                                        <p:cTn id="24" dur="1" fill="hold">
+                                        <p:cTn id="28" dur="1" fill="hold">
                                           <p:stCondLst>
                                             <p:cond delay="0"/>
                                           </p:stCondLst>
@@ -8053,52 +8760,7 @@
                                 </p:cTn>
                               </p:par>
                               <p:par>
-                                <p:cTn id="25" presetID="1" presetClass="entr" presetSubtype="0" fill="hold" grpId="0" nodeType="withEffect">
-                                  <p:stCondLst>
-                                    <p:cond delay="0"/>
-                                  </p:stCondLst>
-                                  <p:childTnLst>
-                                    <p:set>
-                                      <p:cBhvr>
-                                        <p:cTn id="26" dur="1" fill="hold">
-                                          <p:stCondLst>
-                                            <p:cond delay="0"/>
-                                          </p:stCondLst>
-                                        </p:cTn>
-                                        <p:tgtEl>
-                                          <p:spTgt spid="17"/>
-                                        </p:tgtEl>
-                                        <p:attrNameLst>
-                                          <p:attrName>style.visibility</p:attrName>
-                                        </p:attrNameLst>
-                                      </p:cBhvr>
-                                      <p:to>
-                                        <p:strVal val="visible"/>
-                                      </p:to>
-                                    </p:set>
-                                  </p:childTnLst>
-                                </p:cTn>
-                              </p:par>
-                            </p:childTnLst>
-                          </p:cTn>
-                        </p:par>
-                      </p:childTnLst>
-                    </p:cTn>
-                  </p:par>
-                  <p:par>
-                    <p:cTn id="27" fill="hold">
-                      <p:stCondLst>
-                        <p:cond delay="indefinite"/>
-                      </p:stCondLst>
-                      <p:childTnLst>
-                        <p:par>
-                          <p:cTn id="28" fill="hold">
-                            <p:stCondLst>
-                              <p:cond delay="0"/>
-                            </p:stCondLst>
-                            <p:childTnLst>
-                              <p:par>
-                                <p:cTn id="29" presetID="1" presetClass="entr" presetSubtype="0" fill="hold" grpId="0" nodeType="clickEffect">
+                                <p:cTn id="29" presetID="1" presetClass="entr" presetSubtype="0" fill="hold" grpId="0" nodeType="withEffect">
                                   <p:stCondLst>
                                     <p:cond delay="0"/>
                                   </p:stCondLst>
@@ -8111,7 +8773,7 @@
                                           </p:stCondLst>
                                         </p:cTn>
                                         <p:tgtEl>
-                                          <p:spTgt spid="11"/>
+                                          <p:spTgt spid="17"/>
                                         </p:tgtEl>
                                         <p:attrNameLst>
                                           <p:attrName>style.visibility</p:attrName>
@@ -8138,6 +8800,78 @@
                                           </p:stCondLst>
                                         </p:cTn>
                                         <p:tgtEl>
+                                          <p:spTgt spid="20"/>
+                                        </p:tgtEl>
+                                        <p:attrNameLst>
+                                          <p:attrName>style.visibility</p:attrName>
+                                        </p:attrNameLst>
+                                      </p:cBhvr>
+                                      <p:to>
+                                        <p:strVal val="visible"/>
+                                      </p:to>
+                                    </p:set>
+                                  </p:childTnLst>
+                                </p:cTn>
+                              </p:par>
+                            </p:childTnLst>
+                          </p:cTn>
+                        </p:par>
+                      </p:childTnLst>
+                    </p:cTn>
+                  </p:par>
+                  <p:par>
+                    <p:cTn id="33" fill="hold">
+                      <p:stCondLst>
+                        <p:cond delay="indefinite"/>
+                      </p:stCondLst>
+                      <p:childTnLst>
+                        <p:par>
+                          <p:cTn id="34" fill="hold">
+                            <p:stCondLst>
+                              <p:cond delay="0"/>
+                            </p:stCondLst>
+                            <p:childTnLst>
+                              <p:par>
+                                <p:cTn id="35" presetID="1" presetClass="entr" presetSubtype="0" fill="hold" grpId="0" nodeType="clickEffect">
+                                  <p:stCondLst>
+                                    <p:cond delay="0"/>
+                                  </p:stCondLst>
+                                  <p:childTnLst>
+                                    <p:set>
+                                      <p:cBhvr>
+                                        <p:cTn id="36" dur="1" fill="hold">
+                                          <p:stCondLst>
+                                            <p:cond delay="0"/>
+                                          </p:stCondLst>
+                                        </p:cTn>
+                                        <p:tgtEl>
+                                          <p:spTgt spid="11"/>
+                                        </p:tgtEl>
+                                        <p:attrNameLst>
+                                          <p:attrName>style.visibility</p:attrName>
+                                        </p:attrNameLst>
+                                      </p:cBhvr>
+                                      <p:to>
+                                        <p:strVal val="visible"/>
+                                      </p:to>
+                                    </p:set>
+                                  </p:childTnLst>
+                                </p:cTn>
+                              </p:par>
+                              <p:par>
+                                <p:cTn id="37" presetID="1" presetClass="entr" presetSubtype="0" fill="hold" grpId="0" nodeType="withEffect">
+                                  <p:stCondLst>
+                                    <p:cond delay="0"/>
+                                  </p:stCondLst>
+                                  <p:childTnLst>
+                                    <p:set>
+                                      <p:cBhvr>
+                                        <p:cTn id="38" dur="1" fill="hold">
+                                          <p:stCondLst>
+                                            <p:cond delay="0"/>
+                                          </p:stCondLst>
+                                        </p:cTn>
+                                        <p:tgtEl>
                                           <p:spTgt spid="14"/>
                                         </p:tgtEl>
                                         <p:attrNameLst>
@@ -8152,20 +8886,47 @@
                                 </p:cTn>
                               </p:par>
                               <p:par>
-                                <p:cTn id="33" presetID="1" presetClass="entr" presetSubtype="0" fill="hold" grpId="0" nodeType="withEffect">
+                                <p:cTn id="39" presetID="1" presetClass="entr" presetSubtype="0" fill="hold" grpId="0" nodeType="withEffect">
                                   <p:stCondLst>
                                     <p:cond delay="0"/>
                                   </p:stCondLst>
                                   <p:childTnLst>
                                     <p:set>
                                       <p:cBhvr>
-                                        <p:cTn id="34" dur="1" fill="hold">
+                                        <p:cTn id="40" dur="1" fill="hold">
                                           <p:stCondLst>
                                             <p:cond delay="0"/>
                                           </p:stCondLst>
                                         </p:cTn>
                                         <p:tgtEl>
                                           <p:spTgt spid="18"/>
+                                        </p:tgtEl>
+                                        <p:attrNameLst>
+                                          <p:attrName>style.visibility</p:attrName>
+                                        </p:attrNameLst>
+                                      </p:cBhvr>
+                                      <p:to>
+                                        <p:strVal val="visible"/>
+                                      </p:to>
+                                    </p:set>
+                                  </p:childTnLst>
+                                </p:cTn>
+                              </p:par>
+                              <p:par>
+                                <p:cTn id="41" presetID="1" presetClass="entr" presetSubtype="0" fill="hold" grpId="0" nodeType="withEffect">
+                                  <p:stCondLst>
+                                    <p:cond delay="0"/>
+                                  </p:stCondLst>
+                                  <p:childTnLst>
+                                    <p:set>
+                                      <p:cBhvr>
+                                        <p:cTn id="42" dur="1" fill="hold">
+                                          <p:stCondLst>
+                                            <p:cond delay="0"/>
+                                          </p:stCondLst>
+                                        </p:cTn>
+                                        <p:tgtEl>
+                                          <p:spTgt spid="21"/>
                                         </p:tgtEl>
                                         <p:attrNameLst>
                                           <p:attrName>style.visibility</p:attrName>
@@ -8218,12 +8979,16 @@
       <p:bldP spid="16" grpId="0"/>
       <p:bldP spid="17" grpId="0"/>
       <p:bldP spid="18" grpId="0"/>
+      <p:bldP spid="2" grpId="0" animBg="1"/>
+      <p:bldP spid="19" grpId="0" animBg="1"/>
+      <p:bldP spid="20" grpId="0" animBg="1"/>
+      <p:bldP spid="21" grpId="0" animBg="1"/>
     </p:bldLst>
   </p:timing>
 </p:sld>
 </file>
 
-<file path=ppt/slides/slide16.xml><?xml version="1.0" encoding="utf-8"?>
+<file path=ppt/slides/slide18.xml><?xml version="1.0" encoding="utf-8"?>
 <p:sld xmlns:a="http://schemas.openxmlformats.org/drawingml/2006/main" xmlns:r="http://schemas.openxmlformats.org/officeDocument/2006/relationships" xmlns:p="http://schemas.openxmlformats.org/presentationml/2006/main">
   <p:cSld>
     <p:spTree>
@@ -8496,7 +9261,7 @@
 </p:sld>
 </file>
 
-<file path=ppt/slides/slide17.xml><?xml version="1.0" encoding="utf-8"?>
+<file path=ppt/slides/slide19.xml><?xml version="1.0" encoding="utf-8"?>
 <p:sld xmlns:a="http://schemas.openxmlformats.org/drawingml/2006/main" xmlns:r="http://schemas.openxmlformats.org/officeDocument/2006/relationships" xmlns:p="http://schemas.openxmlformats.org/presentationml/2006/main">
   <p:cSld>
     <p:spTree>
@@ -8781,7 +9546,184 @@
 </p:sld>
 </file>
 
-<file path=ppt/slides/slide18.xml><?xml version="1.0" encoding="utf-8"?>
+<file path=ppt/slides/slide2.xml><?xml version="1.0" encoding="utf-8"?>
+<p:sld xmlns:a="http://schemas.openxmlformats.org/drawingml/2006/main" xmlns:r="http://schemas.openxmlformats.org/officeDocument/2006/relationships" xmlns:p="http://schemas.openxmlformats.org/presentationml/2006/main">
+  <p:cSld>
+    <p:spTree>
+      <p:nvGrpSpPr>
+        <p:cNvPr id="1" name=""/>
+        <p:cNvGrpSpPr/>
+        <p:nvPr/>
+      </p:nvGrpSpPr>
+      <p:grpSpPr>
+        <a:xfrm>
+          <a:off x="0" y="0"/>
+          <a:ext cx="0" cy="0"/>
+          <a:chOff x="0" y="0"/>
+          <a:chExt cx="0" cy="0"/>
+        </a:xfrm>
+      </p:grpSpPr>
+      <p:sp>
+        <p:nvSpPr>
+          <p:cNvPr id="2" name="Title 1">
+            <a:extLst>
+              <a:ext uri="{FF2B5EF4-FFF2-40B4-BE49-F238E27FC236}">
+                <a16:creationId xmlns:a16="http://schemas.microsoft.com/office/drawing/2014/main" id="{91BC8492-FF9E-12C9-233D-FC871B6AED16}"/>
+              </a:ext>
+            </a:extLst>
+          </p:cNvPr>
+          <p:cNvSpPr>
+            <a:spLocks noGrp="1"/>
+          </p:cNvSpPr>
+          <p:nvPr>
+            <p:ph type="title"/>
+          </p:nvPr>
+        </p:nvSpPr>
+        <p:spPr/>
+        <p:txBody>
+          <a:bodyPr/>
+          <a:lstStyle/>
+          <a:p>
+            <a:r>
+              <a:rPr lang="de-DE" dirty="0"/>
+              <a:t>Motivation</a:t>
+            </a:r>
+          </a:p>
+        </p:txBody>
+      </p:sp>
+      <p:sp>
+        <p:nvSpPr>
+          <p:cNvPr id="3" name="Content Placeholder 2">
+            <a:extLst>
+              <a:ext uri="{FF2B5EF4-FFF2-40B4-BE49-F238E27FC236}">
+                <a16:creationId xmlns:a16="http://schemas.microsoft.com/office/drawing/2014/main" id="{6940DDCE-05C4-D14D-09D8-5C700B0FB6B3}"/>
+              </a:ext>
+            </a:extLst>
+          </p:cNvPr>
+          <p:cNvSpPr>
+            <a:spLocks noGrp="1"/>
+          </p:cNvSpPr>
+          <p:nvPr>
+            <p:ph sz="quarter" idx="13"/>
+          </p:nvPr>
+        </p:nvSpPr>
+        <p:spPr/>
+        <p:txBody>
+          <a:bodyPr>
+            <a:normAutofit fontScale="70000" lnSpcReduction="20000"/>
+          </a:bodyPr>
+          <a:lstStyle/>
+          <a:p>
+            <a:r>
+              <a:rPr lang="de-DE" dirty="0"/>
+              <a:t>To give us ESE a learning curve in</a:t>
+            </a:r>
+          </a:p>
+          <a:p>
+            <a:pPr lvl="1"/>
+            <a:r>
+              <a:rPr lang="de-DE" dirty="0"/>
+              <a:t>T1S Technology</a:t>
+            </a:r>
+          </a:p>
+          <a:p>
+            <a:pPr lvl="1"/>
+            <a:r>
+              <a:rPr lang="de-DE" dirty="0"/>
+              <a:t>C and Pyhton Coding</a:t>
+            </a:r>
+          </a:p>
+          <a:p>
+            <a:pPr lvl="1"/>
+            <a:r>
+              <a:rPr lang="de-DE" dirty="0"/>
+              <a:t>Project Working</a:t>
+            </a:r>
+          </a:p>
+          <a:p>
+            <a:pPr lvl="1"/>
+            <a:r>
+              <a:rPr lang="de-DE" dirty="0"/>
+              <a:t>git and Github</a:t>
+            </a:r>
+          </a:p>
+          <a:p>
+            <a:pPr lvl="1"/>
+            <a:r>
+              <a:rPr lang="de-DE" dirty="0"/>
+              <a:t>MDB Core</a:t>
+            </a:r>
+          </a:p>
+          <a:p>
+            <a:pPr lvl="1"/>
+            <a:r>
+              <a:rPr lang="de-DE" dirty="0"/>
+              <a:t>Soft- and Hardware Testing</a:t>
+            </a:r>
+          </a:p>
+          <a:p>
+            <a:pPr lvl="1"/>
+            <a:endParaRPr lang="de-DE" dirty="0"/>
+          </a:p>
+          <a:p>
+            <a:r>
+              <a:rPr lang="en-US" dirty="0"/>
+              <a:t>This project is not about to create a Software Engineering Company within the Microchip Sales Organization. It is about to learn the processes, structures and vocabulary that our customer are dealing with</a:t>
+            </a:r>
+            <a:br>
+              <a:rPr lang="en-US" dirty="0"/>
+            </a:br>
+            <a:endParaRPr lang="en-US" dirty="0"/>
+          </a:p>
+          <a:p>
+            <a:r>
+              <a:rPr lang="de-DE" dirty="0"/>
+              <a:t>All items in the list above could be used in total different customer support processes</a:t>
+            </a:r>
+            <a:br>
+              <a:rPr lang="de-DE" dirty="0"/>
+            </a:br>
+            <a:endParaRPr lang="de-DE" dirty="0"/>
+          </a:p>
+          <a:p>
+            <a:r>
+              <a:rPr lang="de-DE"/>
+              <a:t>And maybe another result could be a </a:t>
+            </a:r>
+            <a:r>
+              <a:rPr lang="de-DE" dirty="0"/>
+              <a:t>proof of concept </a:t>
+            </a:r>
+            <a:r>
+              <a:rPr lang="de-DE"/>
+              <a:t>for customers </a:t>
+            </a:r>
+            <a:r>
+              <a:rPr lang="de-DE" dirty="0"/>
+              <a:t>in the </a:t>
+            </a:r>
+            <a:r>
+              <a:rPr lang="de-DE"/>
+              <a:t>industrial area for an T1S autoconfiguration scenario</a:t>
+            </a:r>
+            <a:endParaRPr lang="de-DE" dirty="0"/>
+          </a:p>
+        </p:txBody>
+      </p:sp>
+    </p:spTree>
+    <p:extLst>
+      <p:ext uri="{BB962C8B-B14F-4D97-AF65-F5344CB8AC3E}">
+        <p14:creationId xmlns:p14="http://schemas.microsoft.com/office/powerpoint/2010/main" val="2240505436"/>
+      </p:ext>
+    </p:extLst>
+  </p:cSld>
+  <p:clrMapOvr>
+    <a:masterClrMapping/>
+  </p:clrMapOvr>
+</p:sld>
+</file>
+
+<file path=ppt/slides/slide20.xml><?xml version="1.0" encoding="utf-8"?>
 <p:sld xmlns:a="http://schemas.openxmlformats.org/drawingml/2006/main" xmlns:r="http://schemas.openxmlformats.org/officeDocument/2006/relationships" xmlns:p="http://schemas.openxmlformats.org/presentationml/2006/main">
   <p:cSld>
     <p:spTree>
@@ -9066,7 +10008,7 @@
 </p:sld>
 </file>
 
-<file path=ppt/slides/slide19.xml><?xml version="1.0" encoding="utf-8"?>
+<file path=ppt/slides/slide21.xml><?xml version="1.0" encoding="utf-8"?>
 <p:sld xmlns:a="http://schemas.openxmlformats.org/drawingml/2006/main" xmlns:r="http://schemas.openxmlformats.org/officeDocument/2006/relationships" xmlns:p="http://schemas.openxmlformats.org/presentationml/2006/main">
   <p:cSld>
     <p:spTree>
@@ -9458,7 +10400,7 @@
 </p:sld>
 </file>
 
-<file path=ppt/slides/slide2.xml><?xml version="1.0" encoding="utf-8"?>
+<file path=ppt/slides/slide3.xml><?xml version="1.0" encoding="utf-8"?>
 <p:sld xmlns:a="http://schemas.openxmlformats.org/drawingml/2006/main" xmlns:r="http://schemas.openxmlformats.org/officeDocument/2006/relationships" xmlns:p="http://schemas.openxmlformats.org/presentationml/2006/main">
   <p:cSld>
     <p:spTree>
@@ -9660,7 +10602,7 @@
 </p:sld>
 </file>
 
-<file path=ppt/slides/slide3.xml><?xml version="1.0" encoding="utf-8"?>
+<file path=ppt/slides/slide4.xml><?xml version="1.0" encoding="utf-8"?>
 <p:sld xmlns:a="http://schemas.openxmlformats.org/drawingml/2006/main" xmlns:r="http://schemas.openxmlformats.org/officeDocument/2006/relationships" xmlns:p="http://schemas.openxmlformats.org/presentationml/2006/main">
   <p:cSld>
     <p:spTree>
@@ -11035,7 +11977,900 @@
 </p:sld>
 </file>
 
-<file path=ppt/slides/slide4.xml><?xml version="1.0" encoding="utf-8"?>
+<file path=ppt/slides/slide5.xml><?xml version="1.0" encoding="utf-8"?>
+<p:sld xmlns:a="http://schemas.openxmlformats.org/drawingml/2006/main" xmlns:r="http://schemas.openxmlformats.org/officeDocument/2006/relationships" xmlns:p="http://schemas.openxmlformats.org/presentationml/2006/main">
+  <p:cSld>
+    <p:spTree>
+      <p:nvGrpSpPr>
+        <p:cNvPr id="1" name=""/>
+        <p:cNvGrpSpPr/>
+        <p:nvPr/>
+      </p:nvGrpSpPr>
+      <p:grpSpPr>
+        <a:xfrm>
+          <a:off x="0" y="0"/>
+          <a:ext cx="0" cy="0"/>
+          <a:chOff x="0" y="0"/>
+          <a:chExt cx="0" cy="0"/>
+        </a:xfrm>
+      </p:grpSpPr>
+      <p:sp>
+        <p:nvSpPr>
+          <p:cNvPr id="2" name="Title 1">
+            <a:extLst>
+              <a:ext uri="{FF2B5EF4-FFF2-40B4-BE49-F238E27FC236}">
+                <a16:creationId xmlns:a16="http://schemas.microsoft.com/office/drawing/2014/main" id="{DDFA33AF-EF16-A9A1-1FDA-0BA58D176E2A}"/>
+              </a:ext>
+            </a:extLst>
+          </p:cNvPr>
+          <p:cNvSpPr>
+            <a:spLocks noGrp="1"/>
+          </p:cNvSpPr>
+          <p:nvPr>
+            <p:ph type="title"/>
+          </p:nvPr>
+        </p:nvSpPr>
+        <p:spPr/>
+        <p:txBody>
+          <a:bodyPr/>
+          <a:lstStyle/>
+          <a:p>
+            <a:r>
+              <a:rPr lang="de-DE" dirty="0"/>
+              <a:t>Github Project</a:t>
+            </a:r>
+          </a:p>
+        </p:txBody>
+      </p:sp>
+      <p:sp>
+        <p:nvSpPr>
+          <p:cNvPr id="21" name="TextBox 20">
+            <a:extLst>
+              <a:ext uri="{FF2B5EF4-FFF2-40B4-BE49-F238E27FC236}">
+                <a16:creationId xmlns:a16="http://schemas.microsoft.com/office/drawing/2014/main" id="{3C9B0678-6CDF-9ED5-9AAD-5DE1B7D098E5}"/>
+              </a:ext>
+            </a:extLst>
+          </p:cNvPr>
+          <p:cNvSpPr txBox="1"/>
+          <p:nvPr/>
+        </p:nvSpPr>
+        <p:spPr>
+          <a:xfrm>
+            <a:off x="1060811" y="1578562"/>
+            <a:ext cx="10581292" cy="4524315"/>
+          </a:xfrm>
+          <a:prstGeom prst="rect">
+            <a:avLst/>
+          </a:prstGeom>
+          <a:noFill/>
+        </p:spPr>
+        <p:txBody>
+          <a:bodyPr wrap="square">
+            <a:spAutoFit/>
+          </a:bodyPr>
+          <a:lstStyle/>
+          <a:p>
+            <a:r>
+              <a:rPr lang="de-DE" dirty="0"/>
+              <a:t>The whole project inclusive all Pyhton Codes and the Presentation is hosted on github at</a:t>
+            </a:r>
+          </a:p>
+          <a:p>
+            <a:r>
+              <a:rPr lang="de-DE" dirty="0">
+                <a:hlinkClick r:id="rId2"/>
+              </a:rPr>
+              <a:t>https://github.com/Bolderain/T1S_Autoconf</a:t>
+            </a:r>
+            <a:endParaRPr lang="de-DE" dirty="0"/>
+          </a:p>
+          <a:p>
+            <a:endParaRPr lang="de-DE" dirty="0"/>
+          </a:p>
+          <a:p>
+            <a:r>
+              <a:rPr lang="de-DE" dirty="0"/>
+              <a:t>It is a Fork of </a:t>
+            </a:r>
+          </a:p>
+          <a:p>
+            <a:r>
+              <a:rPr lang="de-DE" dirty="0">
+                <a:hlinkClick r:id="rId3"/>
+              </a:rPr>
+              <a:t>https://github.com/Microchip-MPLAB-Harmony/net_10base_t1s.git</a:t>
+            </a:r>
+            <a:r>
+              <a:rPr lang="de-DE" dirty="0"/>
+              <a:t> </a:t>
+            </a:r>
+          </a:p>
+          <a:p>
+            <a:r>
+              <a:rPr lang="de-DE" dirty="0"/>
+              <a:t>from version v1.3.0</a:t>
+            </a:r>
+          </a:p>
+          <a:p>
+            <a:endParaRPr lang="de-DE" dirty="0"/>
+          </a:p>
+          <a:p>
+            <a:endParaRPr lang="de-DE" dirty="0"/>
+          </a:p>
+          <a:p>
+            <a:r>
+              <a:rPr lang="de-DE" dirty="0"/>
+              <a:t>The target is to make it official available at </a:t>
+            </a:r>
+            <a:r>
+              <a:rPr lang="de-DE" dirty="0">
+                <a:hlinkClick r:id="rId4"/>
+              </a:rPr>
+              <a:t>https://github.com/MicrochipTech</a:t>
+            </a:r>
+            <a:r>
+              <a:rPr lang="de-DE" dirty="0"/>
+              <a:t>  </a:t>
+            </a:r>
+          </a:p>
+          <a:p>
+            <a:endParaRPr lang="de-DE" dirty="0"/>
+          </a:p>
+          <a:p>
+            <a:endParaRPr lang="de-DE" dirty="0"/>
+          </a:p>
+        </p:txBody>
+      </p:sp>
+    </p:spTree>
+    <p:extLst>
+      <p:ext uri="{BB962C8B-B14F-4D97-AF65-F5344CB8AC3E}">
+        <p14:creationId xmlns:p14="http://schemas.microsoft.com/office/powerpoint/2010/main" val="2760098067"/>
+      </p:ext>
+    </p:extLst>
+  </p:cSld>
+  <p:clrMapOvr>
+    <a:masterClrMapping/>
+  </p:clrMapOvr>
+</p:sld>
+</file>
+
+<file path=ppt/slides/slide6.xml><?xml version="1.0" encoding="utf-8"?>
+<p:sld xmlns:a="http://schemas.openxmlformats.org/drawingml/2006/main" xmlns:r="http://schemas.openxmlformats.org/officeDocument/2006/relationships" xmlns:p="http://schemas.openxmlformats.org/presentationml/2006/main">
+  <p:cSld>
+    <p:spTree>
+      <p:nvGrpSpPr>
+        <p:cNvPr id="1" name=""/>
+        <p:cNvGrpSpPr/>
+        <p:nvPr/>
+      </p:nvGrpSpPr>
+      <p:grpSpPr>
+        <a:xfrm>
+          <a:off x="0" y="0"/>
+          <a:ext cx="0" cy="0"/>
+          <a:chOff x="0" y="0"/>
+          <a:chExt cx="0" cy="0"/>
+        </a:xfrm>
+      </p:grpSpPr>
+      <p:pic>
+        <p:nvPicPr>
+          <p:cNvPr id="23" name="Picture 22">
+            <a:extLst>
+              <a:ext uri="{FF2B5EF4-FFF2-40B4-BE49-F238E27FC236}">
+                <a16:creationId xmlns:a16="http://schemas.microsoft.com/office/drawing/2014/main" id="{BA2BC6F4-F6E3-C42C-1164-6CC22556C557}"/>
+              </a:ext>
+            </a:extLst>
+          </p:cNvPr>
+          <p:cNvPicPr>
+            <a:picLocks noChangeAspect="1"/>
+          </p:cNvPicPr>
+          <p:nvPr/>
+        </p:nvPicPr>
+        <p:blipFill>
+          <a:blip r:embed="rId2"/>
+          <a:stretch>
+            <a:fillRect/>
+          </a:stretch>
+        </p:blipFill>
+        <p:spPr>
+          <a:xfrm>
+            <a:off x="3185549" y="1926106"/>
+            <a:ext cx="3035477" cy="4010375"/>
+          </a:xfrm>
+          <a:prstGeom prst="rect">
+            <a:avLst/>
+          </a:prstGeom>
+        </p:spPr>
+      </p:pic>
+      <p:sp>
+        <p:nvSpPr>
+          <p:cNvPr id="2" name="Title 1">
+            <a:extLst>
+              <a:ext uri="{FF2B5EF4-FFF2-40B4-BE49-F238E27FC236}">
+                <a16:creationId xmlns:a16="http://schemas.microsoft.com/office/drawing/2014/main" id="{DDFA33AF-EF16-A9A1-1FDA-0BA58D176E2A}"/>
+              </a:ext>
+            </a:extLst>
+          </p:cNvPr>
+          <p:cNvSpPr>
+            <a:spLocks noGrp="1"/>
+          </p:cNvSpPr>
+          <p:nvPr>
+            <p:ph type="title"/>
+          </p:nvPr>
+        </p:nvSpPr>
+        <p:spPr/>
+        <p:txBody>
+          <a:bodyPr/>
+          <a:lstStyle/>
+          <a:p>
+            <a:r>
+              <a:rPr lang="fr-FR" sz="4400" dirty="0" err="1"/>
+              <a:t>Cloning</a:t>
+            </a:r>
+            <a:r>
+              <a:rPr lang="fr-FR" sz="4400" dirty="0"/>
+              <a:t> the Framework </a:t>
+            </a:r>
+            <a:r>
+              <a:rPr lang="fr-FR" sz="4400" dirty="0" err="1"/>
+              <a:t>with</a:t>
+            </a:r>
+            <a:r>
+              <a:rPr lang="fr-FR" sz="4400" dirty="0"/>
+              <a:t> «one click» </a:t>
+            </a:r>
+            <a:endParaRPr lang="de-DE" dirty="0"/>
+          </a:p>
+        </p:txBody>
+      </p:sp>
+      <p:pic>
+        <p:nvPicPr>
+          <p:cNvPr id="5" name="Picture 4">
+            <a:extLst>
+              <a:ext uri="{FF2B5EF4-FFF2-40B4-BE49-F238E27FC236}">
+                <a16:creationId xmlns:a16="http://schemas.microsoft.com/office/drawing/2014/main" id="{0B513042-A54B-3A27-E0C4-D3E93BE6ABB4}"/>
+              </a:ext>
+            </a:extLst>
+          </p:cNvPr>
+          <p:cNvPicPr>
+            <a:picLocks noChangeAspect="1"/>
+          </p:cNvPicPr>
+          <p:nvPr/>
+        </p:nvPicPr>
+        <p:blipFill>
+          <a:blip r:embed="rId3"/>
+          <a:stretch>
+            <a:fillRect/>
+          </a:stretch>
+        </p:blipFill>
+        <p:spPr>
+          <a:xfrm>
+            <a:off x="764437" y="2623055"/>
+            <a:ext cx="1896230" cy="2079736"/>
+          </a:xfrm>
+          <a:prstGeom prst="rect">
+            <a:avLst/>
+          </a:prstGeom>
+        </p:spPr>
+      </p:pic>
+      <p:sp>
+        <p:nvSpPr>
+          <p:cNvPr id="9" name="Rectangle 8">
+            <a:extLst>
+              <a:ext uri="{FF2B5EF4-FFF2-40B4-BE49-F238E27FC236}">
+                <a16:creationId xmlns:a16="http://schemas.microsoft.com/office/drawing/2014/main" id="{99D2AAEB-550E-CD78-4D50-EB22BB93B423}"/>
+              </a:ext>
+            </a:extLst>
+          </p:cNvPr>
+          <p:cNvSpPr/>
+          <p:nvPr/>
+        </p:nvSpPr>
+        <p:spPr>
+          <a:xfrm>
+            <a:off x="3067737" y="1900232"/>
+            <a:ext cx="3271101" cy="239654"/>
+          </a:xfrm>
+          <a:prstGeom prst="rect">
+            <a:avLst/>
+          </a:prstGeom>
+          <a:noFill/>
+          <a:ln/>
+        </p:spPr>
+        <p:style>
+          <a:lnRef idx="2">
+            <a:schemeClr val="accent2"/>
+          </a:lnRef>
+          <a:fillRef idx="1">
+            <a:schemeClr val="lt1"/>
+          </a:fillRef>
+          <a:effectRef idx="0">
+            <a:schemeClr val="accent2"/>
+          </a:effectRef>
+          <a:fontRef idx="minor">
+            <a:schemeClr val="dk1"/>
+          </a:fontRef>
+        </p:style>
+        <p:txBody>
+          <a:bodyPr rot="0" spcFirstLastPara="0" vertOverflow="overflow" horzOverflow="overflow" vert="horz" wrap="square" lIns="91440" tIns="45720" rIns="91440" bIns="45720" numCol="1" spcCol="0" rtlCol="0" fromWordArt="0" anchor="ctr" anchorCtr="0" forceAA="0" compatLnSpc="1">
+            <a:prstTxWarp prst="textNoShape">
+              <a:avLst/>
+            </a:prstTxWarp>
+            <a:noAutofit/>
+          </a:bodyPr>
+          <a:lstStyle/>
+          <a:p>
+            <a:pPr algn="ctr"/>
+            <a:endParaRPr lang="de-DE"/>
+          </a:p>
+        </p:txBody>
+      </p:sp>
+      <p:cxnSp>
+        <p:nvCxnSpPr>
+          <p:cNvPr id="11" name="Straight Arrow Connector 10">
+            <a:extLst>
+              <a:ext uri="{FF2B5EF4-FFF2-40B4-BE49-F238E27FC236}">
+                <a16:creationId xmlns:a16="http://schemas.microsoft.com/office/drawing/2014/main" id="{0ECA2A8C-7DC4-7BAC-78B8-9F758566B913}"/>
+              </a:ext>
+            </a:extLst>
+          </p:cNvPr>
+          <p:cNvCxnSpPr>
+            <a:cxnSpLocks/>
+          </p:cNvCxnSpPr>
+          <p:nvPr/>
+        </p:nvCxnSpPr>
+        <p:spPr>
+          <a:xfrm flipH="1">
+            <a:off x="1712552" y="2070704"/>
+            <a:ext cx="1355185" cy="681923"/>
+          </a:xfrm>
+          <a:prstGeom prst="straightConnector1">
+            <a:avLst/>
+          </a:prstGeom>
+          <a:ln>
+            <a:tailEnd type="triangle"/>
+          </a:ln>
+          <a:effectLst/>
+        </p:spPr>
+        <p:style>
+          <a:lnRef idx="2">
+            <a:schemeClr val="accent1"/>
+          </a:lnRef>
+          <a:fillRef idx="0">
+            <a:schemeClr val="accent1"/>
+          </a:fillRef>
+          <a:effectRef idx="1">
+            <a:schemeClr val="accent1"/>
+          </a:effectRef>
+          <a:fontRef idx="minor">
+            <a:schemeClr val="tx1"/>
+          </a:fontRef>
+        </p:style>
+      </p:cxnSp>
+      <p:sp>
+        <p:nvSpPr>
+          <p:cNvPr id="17" name="TextBox 16">
+            <a:extLst>
+              <a:ext uri="{FF2B5EF4-FFF2-40B4-BE49-F238E27FC236}">
+                <a16:creationId xmlns:a16="http://schemas.microsoft.com/office/drawing/2014/main" id="{B535091C-88EB-9173-F05B-9F0627A2F16B}"/>
+              </a:ext>
+            </a:extLst>
+          </p:cNvPr>
+          <p:cNvSpPr txBox="1"/>
+          <p:nvPr/>
+        </p:nvSpPr>
+        <p:spPr>
+          <a:xfrm>
+            <a:off x="6608189" y="1629535"/>
+            <a:ext cx="5241303" cy="3785652"/>
+          </a:xfrm>
+          <a:prstGeom prst="rect">
+            <a:avLst/>
+          </a:prstGeom>
+          <a:noFill/>
+        </p:spPr>
+        <p:txBody>
+          <a:bodyPr wrap="square" rtlCol="0">
+            <a:spAutoFit/>
+          </a:bodyPr>
+          <a:lstStyle/>
+          <a:p>
+            <a:r>
+              <a:rPr lang="de-DE" sz="2000" dirty="0"/>
+              <a:t>The script </a:t>
+            </a:r>
+            <a:r>
+              <a:rPr lang="fr-FR" sz="2000" b="1" dirty="0"/>
+              <a:t>git_clone_t1s_h3.bat</a:t>
+            </a:r>
+            <a:r>
+              <a:rPr lang="de-DE" sz="2000" dirty="0"/>
+              <a:t> clones all neccessary Harmony repositories in the directory H3 (one directory level higher)</a:t>
+            </a:r>
+          </a:p>
+          <a:p>
+            <a:endParaRPr lang="de-DE" sz="2000" dirty="0"/>
+          </a:p>
+          <a:p>
+            <a:r>
+              <a:rPr lang="de-DE" sz="2000" dirty="0"/>
+              <a:t>You can adjust the Framework Installation path in the In the script with</a:t>
+            </a:r>
+          </a:p>
+          <a:p>
+            <a:r>
+              <a:rPr lang="de-DE" sz="2000" b="1" dirty="0">
+                <a:latin typeface="Courier New" panose="02070309020205020404" pitchFamily="49" charset="0"/>
+                <a:cs typeface="Courier New" panose="02070309020205020404" pitchFamily="49" charset="0"/>
+              </a:rPr>
+              <a:t>set H3_INSTALL="../../H3"</a:t>
+            </a:r>
+          </a:p>
+          <a:p>
+            <a:endParaRPr lang="de-DE" sz="2000" dirty="0"/>
+          </a:p>
+          <a:p>
+            <a:r>
+              <a:rPr lang="de-DE" sz="2000" dirty="0"/>
+              <a:t>For beeing able to generate and and modify the T1S applications of version v1.3.0 with the MCC.</a:t>
+            </a:r>
+          </a:p>
+          <a:p>
+            <a:endParaRPr lang="de-DE" sz="2000" dirty="0"/>
+          </a:p>
+          <a:p>
+            <a:r>
+              <a:rPr lang="de-DE" sz="2000" dirty="0"/>
+              <a:t>Call it from /tools </a:t>
+            </a:r>
+          </a:p>
+        </p:txBody>
+      </p:sp>
+    </p:spTree>
+    <p:extLst>
+      <p:ext uri="{BB962C8B-B14F-4D97-AF65-F5344CB8AC3E}">
+        <p14:creationId xmlns:p14="http://schemas.microsoft.com/office/powerpoint/2010/main" val="4160109655"/>
+      </p:ext>
+    </p:extLst>
+  </p:cSld>
+  <p:clrMapOvr>
+    <a:masterClrMapping/>
+  </p:clrMapOvr>
+</p:sld>
+</file>
+
+<file path=ppt/slides/slide7.xml><?xml version="1.0" encoding="utf-8"?>
+<p:sld xmlns:a="http://schemas.openxmlformats.org/drawingml/2006/main" xmlns:r="http://schemas.openxmlformats.org/officeDocument/2006/relationships" xmlns:p="http://schemas.openxmlformats.org/presentationml/2006/main">
+  <p:cSld>
+    <p:spTree>
+      <p:nvGrpSpPr>
+        <p:cNvPr id="1" name=""/>
+        <p:cNvGrpSpPr/>
+        <p:nvPr/>
+      </p:nvGrpSpPr>
+      <p:grpSpPr>
+        <a:xfrm>
+          <a:off x="0" y="0"/>
+          <a:ext cx="0" cy="0"/>
+          <a:chOff x="0" y="0"/>
+          <a:chExt cx="0" cy="0"/>
+        </a:xfrm>
+      </p:grpSpPr>
+      <p:sp>
+        <p:nvSpPr>
+          <p:cNvPr id="10" name="Title 1">
+            <a:extLst>
+              <a:ext uri="{FF2B5EF4-FFF2-40B4-BE49-F238E27FC236}">
+                <a16:creationId xmlns:a16="http://schemas.microsoft.com/office/drawing/2014/main" id="{168A8912-4709-A296-D1B8-A5E4AFF8D2D2}"/>
+              </a:ext>
+            </a:extLst>
+          </p:cNvPr>
+          <p:cNvSpPr>
+            <a:spLocks noGrp="1"/>
+          </p:cNvSpPr>
+          <p:nvPr>
+            <p:ph type="title"/>
+          </p:nvPr>
+        </p:nvSpPr>
+        <p:spPr>
+          <a:xfrm>
+            <a:off x="355509" y="96296"/>
+            <a:ext cx="11400661" cy="942795"/>
+          </a:xfrm>
+        </p:spPr>
+        <p:txBody>
+          <a:bodyPr/>
+          <a:lstStyle/>
+          <a:p>
+            <a:r>
+              <a:rPr lang="fr-FR" sz="3600" dirty="0" err="1"/>
+              <a:t>Cloning</a:t>
+            </a:r>
+            <a:r>
+              <a:rPr lang="fr-FR" sz="3600" dirty="0"/>
+              <a:t> the Framework </a:t>
+            </a:r>
+            <a:r>
+              <a:rPr lang="fr-FR" sz="3600" dirty="0" err="1"/>
+              <a:t>with</a:t>
+            </a:r>
+            <a:r>
+              <a:rPr lang="fr-FR" sz="3600" dirty="0"/>
+              <a:t> «one click» </a:t>
+            </a:r>
+            <a:endParaRPr lang="en-US" sz="3600" dirty="0"/>
+          </a:p>
+        </p:txBody>
+      </p:sp>
+      <p:sp>
+        <p:nvSpPr>
+          <p:cNvPr id="6" name="TextBox 5">
+            <a:extLst>
+              <a:ext uri="{FF2B5EF4-FFF2-40B4-BE49-F238E27FC236}">
+                <a16:creationId xmlns:a16="http://schemas.microsoft.com/office/drawing/2014/main" id="{9F71F904-3432-7A23-BC8A-FA2B124E12E3}"/>
+              </a:ext>
+            </a:extLst>
+          </p:cNvPr>
+          <p:cNvSpPr txBox="1"/>
+          <p:nvPr/>
+        </p:nvSpPr>
+        <p:spPr>
+          <a:xfrm flipH="1">
+            <a:off x="688155" y="1387155"/>
+            <a:ext cx="10982228" cy="1569660"/>
+          </a:xfrm>
+          <a:prstGeom prst="rect">
+            <a:avLst/>
+          </a:prstGeom>
+          <a:noFill/>
+        </p:spPr>
+        <p:txBody>
+          <a:bodyPr wrap="square" rtlCol="0">
+            <a:spAutoFit/>
+          </a:bodyPr>
+          <a:lstStyle/>
+          <a:p>
+            <a:r>
+              <a:rPr lang="de-DE" dirty="0"/>
+              <a:t>This </a:t>
+            </a:r>
+            <a:r>
+              <a:rPr lang="fr-FR" sz="2400" b="1" dirty="0"/>
+              <a:t>git_clone_t1s_h3.bat</a:t>
+            </a:r>
+            <a:r>
+              <a:rPr lang="de-DE" dirty="0"/>
+              <a:t> clones several Harmony Repositories and checkout the needed versions. The neccessary Repositories and versions are derived from the projecta Manifest File „harmony-manifest-success.yml“</a:t>
+            </a:r>
+          </a:p>
+          <a:p>
+            <a:endParaRPr lang="de-DE" dirty="0"/>
+          </a:p>
+        </p:txBody>
+      </p:sp>
+      <p:sp>
+        <p:nvSpPr>
+          <p:cNvPr id="3" name="Rectangle 2">
+            <a:extLst>
+              <a:ext uri="{FF2B5EF4-FFF2-40B4-BE49-F238E27FC236}">
+                <a16:creationId xmlns:a16="http://schemas.microsoft.com/office/drawing/2014/main" id="{05FBA46C-8B51-9A96-F9DF-061DB1BDF56E}"/>
+              </a:ext>
+            </a:extLst>
+          </p:cNvPr>
+          <p:cNvSpPr/>
+          <p:nvPr/>
+        </p:nvSpPr>
+        <p:spPr>
+          <a:xfrm>
+            <a:off x="649567" y="2672684"/>
+            <a:ext cx="10812544" cy="3572759"/>
+          </a:xfrm>
+          <a:prstGeom prst="rect">
+            <a:avLst/>
+          </a:prstGeom>
+          <a:ln/>
+        </p:spPr>
+        <p:style>
+          <a:lnRef idx="2">
+            <a:schemeClr val="accent3"/>
+          </a:lnRef>
+          <a:fillRef idx="1">
+            <a:schemeClr val="lt1"/>
+          </a:fillRef>
+          <a:effectRef idx="0">
+            <a:schemeClr val="accent3"/>
+          </a:effectRef>
+          <a:fontRef idx="minor">
+            <a:schemeClr val="dk1"/>
+          </a:fontRef>
+        </p:style>
+        <p:txBody>
+          <a:bodyPr rot="0" spcFirstLastPara="0" vertOverflow="overflow" horzOverflow="overflow" vert="horz" wrap="square" lIns="91440" tIns="45720" rIns="91440" bIns="45720" numCol="1" spcCol="0" rtlCol="0" fromWordArt="0" anchor="ctr" anchorCtr="0" forceAA="0" compatLnSpc="1">
+            <a:prstTxWarp prst="textNoShape">
+              <a:avLst/>
+            </a:prstTxWarp>
+            <a:noAutofit/>
+          </a:bodyPr>
+          <a:lstStyle/>
+          <a:p>
+            <a:r>
+              <a:rPr lang="de-DE" sz="1200" dirty="0">
+                <a:latin typeface="Courier New" panose="02070309020205020404" pitchFamily="49" charset="0"/>
+                <a:cs typeface="Courier New" panose="02070309020205020404" pitchFamily="49" charset="0"/>
+              </a:rPr>
+              <a:t>@ECHO OFF</a:t>
+            </a:r>
+          </a:p>
+          <a:p>
+            <a:endParaRPr lang="de-DE" sz="1200" dirty="0">
+              <a:latin typeface="Courier New" panose="02070309020205020404" pitchFamily="49" charset="0"/>
+              <a:cs typeface="Courier New" panose="02070309020205020404" pitchFamily="49" charset="0"/>
+            </a:endParaRPr>
+          </a:p>
+          <a:p>
+            <a:r>
+              <a:rPr lang="de-DE" sz="1200" dirty="0">
+                <a:latin typeface="Courier New" panose="02070309020205020404" pitchFamily="49" charset="0"/>
+                <a:cs typeface="Courier New" panose="02070309020205020404" pitchFamily="49" charset="0"/>
+              </a:rPr>
+              <a:t>set H3_GITHUB="https://github.com/Microchip-MPLAB-Harmony"</a:t>
+            </a:r>
+          </a:p>
+          <a:p>
+            <a:r>
+              <a:rPr lang="de-DE" sz="1200" dirty="0">
+                <a:latin typeface="Courier New" panose="02070309020205020404" pitchFamily="49" charset="0"/>
+                <a:cs typeface="Courier New" panose="02070309020205020404" pitchFamily="49" charset="0"/>
+              </a:rPr>
+              <a:t>set H3_INSTALL="../../H3"</a:t>
+            </a:r>
+          </a:p>
+          <a:p>
+            <a:endParaRPr lang="de-DE" sz="1200" dirty="0">
+              <a:latin typeface="Courier New" panose="02070309020205020404" pitchFamily="49" charset="0"/>
+              <a:cs typeface="Courier New" panose="02070309020205020404" pitchFamily="49" charset="0"/>
+            </a:endParaRPr>
+          </a:p>
+          <a:p>
+            <a:r>
+              <a:rPr lang="de-DE" sz="1200" dirty="0">
+                <a:latin typeface="Courier New" panose="02070309020205020404" pitchFamily="49" charset="0"/>
+                <a:cs typeface="Courier New" panose="02070309020205020404" pitchFamily="49" charset="0"/>
+              </a:rPr>
+              <a:t>git clone -b "v10.5.1"              https://github.com/ARM-software/CMSIS-FreeRTOS.git  %H3_INSTALL%/CMSIS-FreeRTOS</a:t>
+            </a:r>
+          </a:p>
+          <a:p>
+            <a:r>
+              <a:rPr lang="de-DE" sz="1200" dirty="0">
+                <a:latin typeface="Courier New" panose="02070309020205020404" pitchFamily="49" charset="0"/>
+                <a:cs typeface="Courier New" panose="02070309020205020404" pitchFamily="49" charset="0"/>
+              </a:rPr>
+              <a:t>git clone -b "v3.17.0"              %H3_GITHUB%/csp.git  %H3_INSTALL%/csp   </a:t>
+            </a:r>
+          </a:p>
+          <a:p>
+            <a:r>
+              <a:rPr lang="de-DE" sz="1200" dirty="0">
+                <a:latin typeface="Courier New" panose="02070309020205020404" pitchFamily="49" charset="0"/>
+                <a:cs typeface="Courier New" panose="02070309020205020404" pitchFamily="49" charset="0"/>
+              </a:rPr>
+              <a:t>git clone -b "v3.13.0"              %H3_GITHUB%/core.git %H3_INSTALL%/core    </a:t>
+            </a:r>
+          </a:p>
+          <a:p>
+            <a:r>
+              <a:rPr lang="de-DE" sz="1200" dirty="0">
+                <a:latin typeface="Courier New" panose="02070309020205020404" pitchFamily="49" charset="0"/>
+                <a:cs typeface="Courier New" panose="02070309020205020404" pitchFamily="49" charset="0"/>
+              </a:rPr>
+              <a:t>git clone -b "v3.17.0"              %H3_GITHUB%/dev_packs.git %H3_INSTALL%/dev_packs    </a:t>
+            </a:r>
+          </a:p>
+          <a:p>
+            <a:r>
+              <a:rPr lang="de-DE" sz="1200" dirty="0">
+                <a:latin typeface="Courier New" panose="02070309020205020404" pitchFamily="49" charset="0"/>
+                <a:cs typeface="Courier New" panose="02070309020205020404" pitchFamily="49" charset="0"/>
+              </a:rPr>
+              <a:t>git clone -b "v5.4.0"               %H3_GITHUB%/wolfssl.git %H3_INSTALL%/wolfssl</a:t>
+            </a:r>
+          </a:p>
+          <a:p>
+            <a:r>
+              <a:rPr lang="de-DE" sz="1200" dirty="0">
+                <a:latin typeface="Courier New" panose="02070309020205020404" pitchFamily="49" charset="0"/>
+                <a:cs typeface="Courier New" panose="02070309020205020404" pitchFamily="49" charset="0"/>
+              </a:rPr>
+              <a:t>git clone -b "v3.9.2"               %H3_GITHUB%/net.git %H3_INSTALL%/net</a:t>
+            </a:r>
+          </a:p>
+          <a:p>
+            <a:r>
+              <a:rPr lang="de-DE" sz="1200" dirty="0">
+                <a:latin typeface="Courier New" panose="02070309020205020404" pitchFamily="49" charset="0"/>
+                <a:cs typeface="Courier New" panose="02070309020205020404" pitchFamily="49" charset="0"/>
+              </a:rPr>
+              <a:t>git clone -b "v3.8.0"               %H3_GITHUB%/crypto.git %H3_INSTALL%/crypto     </a:t>
+            </a:r>
+          </a:p>
+          <a:p>
+            <a:r>
+              <a:rPr lang="de-DE" sz="1200" dirty="0">
+                <a:latin typeface="Courier New" panose="02070309020205020404" pitchFamily="49" charset="0"/>
+                <a:cs typeface="Courier New" panose="02070309020205020404" pitchFamily="49" charset="0"/>
+              </a:rPr>
+              <a:t>git clone -b "v1.1.0"               %H3_GITHUB%/devices.git %H3_INSTALL%/Devices</a:t>
+            </a:r>
+          </a:p>
+          <a:p>
+            <a:r>
+              <a:rPr lang="de-DE" sz="1200" dirty="0">
+                <a:latin typeface="Courier New" panose="02070309020205020404" pitchFamily="49" charset="0"/>
+                <a:cs typeface="Courier New" panose="02070309020205020404" pitchFamily="49" charset="0"/>
+              </a:rPr>
+              <a:t>git clone -b "v1.3.0"               %H3_GITHUB%/net_10base_t1s.git  %H3_INSTALL%/net_10base_t1s  </a:t>
+            </a:r>
+          </a:p>
+          <a:p>
+            <a:r>
+              <a:rPr lang="de-DE" sz="1200" dirty="0">
+                <a:latin typeface="Courier New" panose="02070309020205020404" pitchFamily="49" charset="0"/>
+                <a:cs typeface="Courier New" panose="02070309020205020404" pitchFamily="49" charset="0"/>
+              </a:rPr>
+              <a:t>git clone                           %H3_GITHUB%/devices.git %H3_INSTALL%/devices</a:t>
+            </a:r>
+          </a:p>
+          <a:p>
+            <a:endParaRPr lang="de-DE" sz="1200" dirty="0">
+              <a:latin typeface="Courier New" panose="02070309020205020404" pitchFamily="49" charset="0"/>
+              <a:cs typeface="Courier New" panose="02070309020205020404" pitchFamily="49" charset="0"/>
+            </a:endParaRPr>
+          </a:p>
+          <a:p>
+            <a:r>
+              <a:rPr lang="de-DE" sz="1200" dirty="0">
+                <a:latin typeface="Courier New" panose="02070309020205020404" pitchFamily="49" charset="0"/>
+                <a:cs typeface="Courier New" panose="02070309020205020404" pitchFamily="49" charset="0"/>
+              </a:rPr>
+              <a:t>pause</a:t>
+            </a:r>
+          </a:p>
+          <a:p>
+            <a:r>
+              <a:rPr lang="de-DE" sz="1200" dirty="0">
+                <a:latin typeface="Courier New" panose="02070309020205020404" pitchFamily="49" charset="0"/>
+                <a:cs typeface="Courier New" panose="02070309020205020404" pitchFamily="49" charset="0"/>
+              </a:rPr>
+              <a:t>@ECHO ON</a:t>
+            </a:r>
+          </a:p>
+        </p:txBody>
+      </p:sp>
+      <p:pic>
+        <p:nvPicPr>
+          <p:cNvPr id="7" name="Picture 6">
+            <a:extLst>
+              <a:ext uri="{FF2B5EF4-FFF2-40B4-BE49-F238E27FC236}">
+                <a16:creationId xmlns:a16="http://schemas.microsoft.com/office/drawing/2014/main" id="{92CA1D7A-8C61-F2BE-CE90-1FB1DB95B8DD}"/>
+              </a:ext>
+            </a:extLst>
+          </p:cNvPr>
+          <p:cNvPicPr>
+            <a:picLocks noChangeAspect="1"/>
+          </p:cNvPicPr>
+          <p:nvPr/>
+        </p:nvPicPr>
+        <p:blipFill>
+          <a:blip r:embed="rId2"/>
+          <a:stretch>
+            <a:fillRect/>
+          </a:stretch>
+        </p:blipFill>
+        <p:spPr>
+          <a:xfrm>
+            <a:off x="6614159" y="3143545"/>
+            <a:ext cx="5332489" cy="2631036"/>
+          </a:xfrm>
+          <a:prstGeom prst="rect">
+            <a:avLst/>
+          </a:prstGeom>
+          <a:effectLst>
+            <a:outerShdw blurRad="50800" dist="38100" dir="2700000" algn="tl" rotWithShape="0">
+              <a:prstClr val="black">
+                <a:alpha val="40000"/>
+              </a:prstClr>
+            </a:outerShdw>
+          </a:effectLst>
+        </p:spPr>
+      </p:pic>
+    </p:spTree>
+    <p:extLst>
+      <p:ext uri="{BB962C8B-B14F-4D97-AF65-F5344CB8AC3E}">
+        <p14:creationId xmlns:p14="http://schemas.microsoft.com/office/powerpoint/2010/main" val="22303934"/>
+      </p:ext>
+    </p:extLst>
+  </p:cSld>
+  <p:clrMapOvr>
+    <a:masterClrMapping/>
+  </p:clrMapOvr>
+  <p:timing>
+    <p:tnLst>
+      <p:par>
+        <p:cTn id="1" dur="indefinite" restart="never" nodeType="tmRoot">
+          <p:childTnLst>
+            <p:seq concurrent="1" nextAc="seek">
+              <p:cTn id="2" dur="indefinite" nodeType="mainSeq">
+                <p:childTnLst>
+                  <p:par>
+                    <p:cTn id="3" fill="hold">
+                      <p:stCondLst>
+                        <p:cond delay="indefinite"/>
+                      </p:stCondLst>
+                      <p:childTnLst>
+                        <p:par>
+                          <p:cTn id="4" fill="hold">
+                            <p:stCondLst>
+                              <p:cond delay="0"/>
+                            </p:stCondLst>
+                            <p:childTnLst>
+                              <p:par>
+                                <p:cTn id="5" presetID="1" presetClass="entr" presetSubtype="0" fill="hold" nodeType="clickEffect">
+                                  <p:stCondLst>
+                                    <p:cond delay="0"/>
+                                  </p:stCondLst>
+                                  <p:childTnLst>
+                                    <p:set>
+                                      <p:cBhvr>
+                                        <p:cTn id="6" dur="1" fill="hold">
+                                          <p:stCondLst>
+                                            <p:cond delay="0"/>
+                                          </p:stCondLst>
+                                        </p:cTn>
+                                        <p:tgtEl>
+                                          <p:spTgt spid="7"/>
+                                        </p:tgtEl>
+                                        <p:attrNameLst>
+                                          <p:attrName>style.visibility</p:attrName>
+                                        </p:attrNameLst>
+                                      </p:cBhvr>
+                                      <p:to>
+                                        <p:strVal val="visible"/>
+                                      </p:to>
+                                    </p:set>
+                                  </p:childTnLst>
+                                </p:cTn>
+                              </p:par>
+                            </p:childTnLst>
+                          </p:cTn>
+                        </p:par>
+                      </p:childTnLst>
+                    </p:cTn>
+                  </p:par>
+                </p:childTnLst>
+              </p:cTn>
+              <p:prevCondLst>
+                <p:cond evt="onPrev" delay="0">
+                  <p:tgtEl>
+                    <p:sldTgt/>
+                  </p:tgtEl>
+                </p:cond>
+              </p:prevCondLst>
+              <p:nextCondLst>
+                <p:cond evt="onNext" delay="0">
+                  <p:tgtEl>
+                    <p:sldTgt/>
+                  </p:tgtEl>
+                </p:cond>
+              </p:nextCondLst>
+            </p:seq>
+          </p:childTnLst>
+        </p:cTn>
+      </p:par>
+    </p:tnLst>
+  </p:timing>
+</p:sld>
+</file>
+
+<file path=ppt/slides/slide8.xml><?xml version="1.0" encoding="utf-8"?>
 <p:sld xmlns:a="http://schemas.openxmlformats.org/drawingml/2006/main" xmlns:r="http://schemas.openxmlformats.org/officeDocument/2006/relationships" xmlns:p="http://schemas.openxmlformats.org/presentationml/2006/main">
   <p:cSld>
     <p:spTree>
@@ -11382,7 +13217,7 @@
 </p:sld>
 </file>
 
-<file path=ppt/slides/slide5.xml><?xml version="1.0" encoding="utf-8"?>
+<file path=ppt/slides/slide9.xml><?xml version="1.0" encoding="utf-8"?>
 <p:sld xmlns:a="http://schemas.openxmlformats.org/drawingml/2006/main" xmlns:r="http://schemas.openxmlformats.org/officeDocument/2006/relationships" xmlns:p="http://schemas.openxmlformats.org/presentationml/2006/main">
   <p:cSld>
     <p:spTree>
@@ -11401,10 +13236,10 @@
       </p:grpSpPr>
       <p:pic>
         <p:nvPicPr>
-          <p:cNvPr id="23" name="Picture 22">
-            <a:extLst>
-              <a:ext uri="{FF2B5EF4-FFF2-40B4-BE49-F238E27FC236}">
-                <a16:creationId xmlns:a16="http://schemas.microsoft.com/office/drawing/2014/main" id="{BA2BC6F4-F6E3-C42C-1164-6CC22556C557}"/>
+          <p:cNvPr id="3" name="Picture 2">
+            <a:extLst>
+              <a:ext uri="{FF2B5EF4-FFF2-40B4-BE49-F238E27FC236}">
+                <a16:creationId xmlns:a16="http://schemas.microsoft.com/office/drawing/2014/main" id="{492953FD-C4A6-945C-CFBE-23CE8BD23EC6}"/>
               </a:ext>
             </a:extLst>
           </p:cNvPr>
@@ -11452,7 +13287,7 @@
           <a:p>
             <a:r>
               <a:rPr lang="de-DE" dirty="0"/>
-              <a:t>Github Project</a:t>
+              <a:t>Generate Makefiles</a:t>
             </a:r>
           </a:p>
         </p:txBody>
@@ -11501,8 +13336,8 @@
         </p:nvSpPr>
         <p:spPr>
           <a:xfrm>
-            <a:off x="3067737" y="1900232"/>
-            <a:ext cx="3271101" cy="239654"/>
+            <a:off x="3067736" y="3047600"/>
+            <a:ext cx="3271101" cy="312663"/>
           </a:xfrm>
           <a:prstGeom prst="rect">
             <a:avLst/>
@@ -11538,48 +13373,6 @@
           </a:p>
         </p:txBody>
       </p:sp>
-      <p:cxnSp>
-        <p:nvCxnSpPr>
-          <p:cNvPr id="11" name="Straight Arrow Connector 10">
-            <a:extLst>
-              <a:ext uri="{FF2B5EF4-FFF2-40B4-BE49-F238E27FC236}">
-                <a16:creationId xmlns:a16="http://schemas.microsoft.com/office/drawing/2014/main" id="{0ECA2A8C-7DC4-7BAC-78B8-9F758566B913}"/>
-              </a:ext>
-            </a:extLst>
-          </p:cNvPr>
-          <p:cNvCxnSpPr>
-            <a:cxnSpLocks/>
-          </p:cNvCxnSpPr>
-          <p:nvPr/>
-        </p:nvCxnSpPr>
-        <p:spPr>
-          <a:xfrm flipH="1">
-            <a:off x="1712552" y="2070704"/>
-            <a:ext cx="1355185" cy="681923"/>
-          </a:xfrm>
-          <a:prstGeom prst="straightConnector1">
-            <a:avLst/>
-          </a:prstGeom>
-          <a:ln>
-            <a:tailEnd type="triangle"/>
-          </a:ln>
-          <a:effectLst/>
-        </p:spPr>
-        <p:style>
-          <a:lnRef idx="2">
-            <a:schemeClr val="accent1"/>
-          </a:lnRef>
-          <a:fillRef idx="0">
-            <a:schemeClr val="accent1"/>
-          </a:fillRef>
-          <a:effectRef idx="1">
-            <a:schemeClr val="accent1"/>
-          </a:effectRef>
-          <a:fontRef idx="minor">
-            <a:schemeClr val="tx1"/>
-          </a:fontRef>
-        </p:style>
-      </p:cxnSp>
       <p:sp>
         <p:nvSpPr>
           <p:cNvPr id="17" name="TextBox 16">
@@ -11594,8 +13387,8 @@
         </p:nvSpPr>
         <p:spPr>
           <a:xfrm>
-            <a:off x="6608189" y="1629535"/>
-            <a:ext cx="5241303" cy="3785652"/>
+            <a:off x="6745907" y="348792"/>
+            <a:ext cx="4406002" cy="3046988"/>
           </a:xfrm>
           <a:prstGeom prst="rect">
             <a:avLst/>
@@ -11609,433 +13402,27 @@
           <a:lstStyle/>
           <a:p>
             <a:r>
-              <a:rPr lang="de-DE" sz="2000" dirty="0"/>
-              <a:t>The script </a:t>
-            </a:r>
-            <a:r>
-              <a:rPr lang="fr-FR" sz="2000" b="1" dirty="0"/>
-              <a:t>git_clone_t1s_h3.bat</a:t>
-            </a:r>
-            <a:r>
-              <a:rPr lang="de-DE" sz="2000" dirty="0"/>
-              <a:t> clones all neccessary Harmony repositories in the directory H3 (one directory level higher)</a:t>
-            </a:r>
-          </a:p>
-          <a:p>
-            <a:endParaRPr lang="de-DE" sz="2000" dirty="0"/>
-          </a:p>
-          <a:p>
-            <a:r>
-              <a:rPr lang="de-DE" sz="2000" dirty="0"/>
-              <a:t>You can adjust the Framework Installation path in the In the script with</a:t>
-            </a:r>
-          </a:p>
-          <a:p>
-            <a:r>
-              <a:rPr lang="de-DE" sz="2000" b="1" dirty="0">
-                <a:latin typeface="Courier New" panose="02070309020205020404" pitchFamily="49" charset="0"/>
-                <a:cs typeface="Courier New" panose="02070309020205020404" pitchFamily="49" charset="0"/>
-              </a:rPr>
-              <a:t>set H3_INSTALL="../../H3"</a:t>
-            </a:r>
-          </a:p>
-          <a:p>
-            <a:endParaRPr lang="de-DE" sz="2000" dirty="0"/>
-          </a:p>
-          <a:p>
-            <a:r>
-              <a:rPr lang="de-DE" sz="2000" dirty="0"/>
-              <a:t>For beeing able to generate and and modify the T1S applications of version v1.3.0 with the MCC.</a:t>
-            </a:r>
-          </a:p>
-          <a:p>
-            <a:endParaRPr lang="de-DE" sz="2000" dirty="0"/>
-          </a:p>
-          <a:p>
-            <a:r>
-              <a:rPr lang="de-DE" sz="2000" dirty="0"/>
-              <a:t>Call it from /tools </a:t>
+              <a:rPr lang="de-DE" dirty="0"/>
+              <a:t>The script setup.bat calls the „prjMakefilesGenerator.bat“</a:t>
+            </a:r>
+          </a:p>
+          <a:p>
+            <a:endParaRPr lang="de-DE" dirty="0"/>
+          </a:p>
+          <a:p>
+            <a:r>
+              <a:rPr lang="de-DE" dirty="0"/>
+              <a:t>i.e. It creates all Makefiles. This is normally done by MPLABX when the project is opened. And allows to build the projects without using MPLABX</a:t>
             </a:r>
           </a:p>
         </p:txBody>
       </p:sp>
-      <p:sp>
-        <p:nvSpPr>
-          <p:cNvPr id="21" name="TextBox 20">
-            <a:extLst>
-              <a:ext uri="{FF2B5EF4-FFF2-40B4-BE49-F238E27FC236}">
-                <a16:creationId xmlns:a16="http://schemas.microsoft.com/office/drawing/2014/main" id="{3C9B0678-6CDF-9ED5-9AAD-5DE1B7D098E5}"/>
-              </a:ext>
-            </a:extLst>
-          </p:cNvPr>
-          <p:cNvSpPr txBox="1"/>
-          <p:nvPr/>
-        </p:nvSpPr>
-        <p:spPr>
-          <a:xfrm>
-            <a:off x="1802877" y="1070816"/>
-            <a:ext cx="7746476" cy="461665"/>
-          </a:xfrm>
-          <a:prstGeom prst="rect">
-            <a:avLst/>
-          </a:prstGeom>
-          <a:noFill/>
-        </p:spPr>
-        <p:txBody>
-          <a:bodyPr wrap="square">
-            <a:spAutoFit/>
-          </a:bodyPr>
-          <a:lstStyle/>
-          <a:p>
-            <a:r>
-              <a:rPr lang="de-DE" dirty="0"/>
-              <a:t>git clone https://github.com/Bolderain/T1S_Autoconf</a:t>
-            </a:r>
-          </a:p>
-        </p:txBody>
-      </p:sp>
-    </p:spTree>
-    <p:extLst>
-      <p:ext uri="{BB962C8B-B14F-4D97-AF65-F5344CB8AC3E}">
-        <p14:creationId xmlns:p14="http://schemas.microsoft.com/office/powerpoint/2010/main" val="2760098067"/>
-      </p:ext>
-    </p:extLst>
-  </p:cSld>
-  <p:clrMapOvr>
-    <a:masterClrMapping/>
-  </p:clrMapOvr>
-</p:sld>
-</file>
-
-<file path=ppt/slides/slide6.xml><?xml version="1.0" encoding="utf-8"?>
-<p:sld xmlns:a="http://schemas.openxmlformats.org/drawingml/2006/main" xmlns:r="http://schemas.openxmlformats.org/officeDocument/2006/relationships" xmlns:p="http://schemas.openxmlformats.org/presentationml/2006/main">
-  <p:cSld>
-    <p:spTree>
-      <p:nvGrpSpPr>
-        <p:cNvPr id="1" name=""/>
-        <p:cNvGrpSpPr/>
-        <p:nvPr/>
-      </p:nvGrpSpPr>
-      <p:grpSpPr>
-        <a:xfrm>
-          <a:off x="0" y="0"/>
-          <a:ext cx="0" cy="0"/>
-          <a:chOff x="0" y="0"/>
-          <a:chExt cx="0" cy="0"/>
-        </a:xfrm>
-      </p:grpSpPr>
-      <p:sp>
-        <p:nvSpPr>
-          <p:cNvPr id="10" name="Title 1">
-            <a:extLst>
-              <a:ext uri="{FF2B5EF4-FFF2-40B4-BE49-F238E27FC236}">
-                <a16:creationId xmlns:a16="http://schemas.microsoft.com/office/drawing/2014/main" id="{168A8912-4709-A296-D1B8-A5E4AFF8D2D2}"/>
-              </a:ext>
-            </a:extLst>
-          </p:cNvPr>
-          <p:cNvSpPr>
-            <a:spLocks noGrp="1"/>
-          </p:cNvSpPr>
-          <p:nvPr>
-            <p:ph type="title"/>
-          </p:nvPr>
-        </p:nvSpPr>
-        <p:spPr>
-          <a:xfrm>
-            <a:off x="355509" y="96296"/>
-            <a:ext cx="11400661" cy="942795"/>
-          </a:xfrm>
-        </p:spPr>
-        <p:txBody>
-          <a:bodyPr/>
-          <a:lstStyle/>
-          <a:p>
-            <a:r>
-              <a:rPr lang="fr-FR" dirty="0"/>
-              <a:t>git_clone_t1s_h3.bat</a:t>
-            </a:r>
-            <a:endParaRPr lang="en-US" dirty="0"/>
-          </a:p>
-        </p:txBody>
-      </p:sp>
-      <p:sp>
-        <p:nvSpPr>
-          <p:cNvPr id="6" name="TextBox 5">
-            <a:extLst>
-              <a:ext uri="{FF2B5EF4-FFF2-40B4-BE49-F238E27FC236}">
-                <a16:creationId xmlns:a16="http://schemas.microsoft.com/office/drawing/2014/main" id="{9F71F904-3432-7A23-BC8A-FA2B124E12E3}"/>
-              </a:ext>
-            </a:extLst>
-          </p:cNvPr>
-          <p:cNvSpPr txBox="1"/>
-          <p:nvPr/>
-        </p:nvSpPr>
-        <p:spPr>
-          <a:xfrm flipH="1">
-            <a:off x="688155" y="1387155"/>
-            <a:ext cx="10982228" cy="830997"/>
-          </a:xfrm>
-          <a:prstGeom prst="rect">
-            <a:avLst/>
-          </a:prstGeom>
-          <a:noFill/>
-        </p:spPr>
-        <p:txBody>
-          <a:bodyPr wrap="square" rtlCol="0">
-            <a:spAutoFit/>
-          </a:bodyPr>
-          <a:lstStyle/>
-          <a:p>
-            <a:r>
-              <a:rPr lang="de-DE" dirty="0"/>
-              <a:t>This </a:t>
-            </a:r>
-            <a:r>
-              <a:rPr lang="fr-FR" sz="2400" b="1" dirty="0"/>
-              <a:t>git_clone_t1s_h3.bat</a:t>
-            </a:r>
-            <a:r>
-              <a:rPr lang="de-DE" dirty="0"/>
-              <a:t> clones several Harmony Repositories and checkout the needed versions  </a:t>
-            </a:r>
-          </a:p>
-        </p:txBody>
-      </p:sp>
-      <p:sp>
-        <p:nvSpPr>
-          <p:cNvPr id="3" name="Rectangle 2">
-            <a:extLst>
-              <a:ext uri="{FF2B5EF4-FFF2-40B4-BE49-F238E27FC236}">
-                <a16:creationId xmlns:a16="http://schemas.microsoft.com/office/drawing/2014/main" id="{05FBA46C-8B51-9A96-F9DF-061DB1BDF56E}"/>
-              </a:ext>
-            </a:extLst>
-          </p:cNvPr>
-          <p:cNvSpPr/>
-          <p:nvPr/>
-        </p:nvSpPr>
-        <p:spPr>
-          <a:xfrm>
-            <a:off x="772997" y="2499964"/>
-            <a:ext cx="10812544" cy="3572759"/>
-          </a:xfrm>
-          <a:prstGeom prst="rect">
-            <a:avLst/>
-          </a:prstGeom>
-          <a:ln/>
-        </p:spPr>
-        <p:style>
-          <a:lnRef idx="2">
-            <a:schemeClr val="accent3"/>
-          </a:lnRef>
-          <a:fillRef idx="1">
-            <a:schemeClr val="lt1"/>
-          </a:fillRef>
-          <a:effectRef idx="0">
-            <a:schemeClr val="accent3"/>
-          </a:effectRef>
-          <a:fontRef idx="minor">
-            <a:schemeClr val="dk1"/>
-          </a:fontRef>
-        </p:style>
-        <p:txBody>
-          <a:bodyPr rot="0" spcFirstLastPara="0" vertOverflow="overflow" horzOverflow="overflow" vert="horz" wrap="square" lIns="91440" tIns="45720" rIns="91440" bIns="45720" numCol="1" spcCol="0" rtlCol="0" fromWordArt="0" anchor="ctr" anchorCtr="0" forceAA="0" compatLnSpc="1">
-            <a:prstTxWarp prst="textNoShape">
-              <a:avLst/>
-            </a:prstTxWarp>
-            <a:noAutofit/>
-          </a:bodyPr>
-          <a:lstStyle/>
-          <a:p>
-            <a:r>
-              <a:rPr lang="de-DE" sz="1200" dirty="0">
-                <a:latin typeface="Courier New" panose="02070309020205020404" pitchFamily="49" charset="0"/>
-                <a:cs typeface="Courier New" panose="02070309020205020404" pitchFamily="49" charset="0"/>
-              </a:rPr>
-              <a:t>@ECHO OFF</a:t>
-            </a:r>
-          </a:p>
-          <a:p>
-            <a:endParaRPr lang="de-DE" sz="1200" dirty="0">
-              <a:latin typeface="Courier New" panose="02070309020205020404" pitchFamily="49" charset="0"/>
-              <a:cs typeface="Courier New" panose="02070309020205020404" pitchFamily="49" charset="0"/>
-            </a:endParaRPr>
-          </a:p>
-          <a:p>
-            <a:r>
-              <a:rPr lang="de-DE" sz="1200" dirty="0">
-                <a:latin typeface="Courier New" panose="02070309020205020404" pitchFamily="49" charset="0"/>
-                <a:cs typeface="Courier New" panose="02070309020205020404" pitchFamily="49" charset="0"/>
-              </a:rPr>
-              <a:t>set H3_GITHUB="https://github.com/Microchip-MPLAB-Harmony"</a:t>
-            </a:r>
-          </a:p>
-          <a:p>
-            <a:r>
-              <a:rPr lang="de-DE" sz="1200" dirty="0">
-                <a:latin typeface="Courier New" panose="02070309020205020404" pitchFamily="49" charset="0"/>
-                <a:cs typeface="Courier New" panose="02070309020205020404" pitchFamily="49" charset="0"/>
-              </a:rPr>
-              <a:t>set H3_INSTALL="../../H3"</a:t>
-            </a:r>
-          </a:p>
-          <a:p>
-            <a:endParaRPr lang="de-DE" sz="1200" dirty="0">
-              <a:latin typeface="Courier New" panose="02070309020205020404" pitchFamily="49" charset="0"/>
-              <a:cs typeface="Courier New" panose="02070309020205020404" pitchFamily="49" charset="0"/>
-            </a:endParaRPr>
-          </a:p>
-          <a:p>
-            <a:r>
-              <a:rPr lang="de-DE" sz="1200" dirty="0">
-                <a:latin typeface="Courier New" panose="02070309020205020404" pitchFamily="49" charset="0"/>
-                <a:cs typeface="Courier New" panose="02070309020205020404" pitchFamily="49" charset="0"/>
-              </a:rPr>
-              <a:t>git clone -b "v10.5.1"              https://github.com/ARM-software/CMSIS-FreeRTOS.git  %H3_INSTALL%/CMSIS-FreeRTOS</a:t>
-            </a:r>
-          </a:p>
-          <a:p>
-            <a:r>
-              <a:rPr lang="de-DE" sz="1200" dirty="0">
-                <a:latin typeface="Courier New" panose="02070309020205020404" pitchFamily="49" charset="0"/>
-                <a:cs typeface="Courier New" panose="02070309020205020404" pitchFamily="49" charset="0"/>
-              </a:rPr>
-              <a:t>git clone -b "v3.17.0"              %H3_GITHUB%/csp.git  %H3_INSTALL%/csp   </a:t>
-            </a:r>
-          </a:p>
-          <a:p>
-            <a:r>
-              <a:rPr lang="de-DE" sz="1200" dirty="0">
-                <a:latin typeface="Courier New" panose="02070309020205020404" pitchFamily="49" charset="0"/>
-                <a:cs typeface="Courier New" panose="02070309020205020404" pitchFamily="49" charset="0"/>
-              </a:rPr>
-              <a:t>git clone -b "v3.13.0"              %H3_GITHUB%/core.git %H3_INSTALL%/core    </a:t>
-            </a:r>
-          </a:p>
-          <a:p>
-            <a:r>
-              <a:rPr lang="de-DE" sz="1200" dirty="0">
-                <a:latin typeface="Courier New" panose="02070309020205020404" pitchFamily="49" charset="0"/>
-                <a:cs typeface="Courier New" panose="02070309020205020404" pitchFamily="49" charset="0"/>
-              </a:rPr>
-              <a:t>git clone -b "v3.17.0"              %H3_GITHUB%/dev_packs.git %H3_INSTALL%/dev_packs    </a:t>
-            </a:r>
-          </a:p>
-          <a:p>
-            <a:r>
-              <a:rPr lang="de-DE" sz="1200" dirty="0">
-                <a:latin typeface="Courier New" panose="02070309020205020404" pitchFamily="49" charset="0"/>
-                <a:cs typeface="Courier New" panose="02070309020205020404" pitchFamily="49" charset="0"/>
-              </a:rPr>
-              <a:t>git clone -b "v5.4.0"               %H3_GITHUB%/wolfssl.git %H3_INSTALL%/wolfssl</a:t>
-            </a:r>
-          </a:p>
-          <a:p>
-            <a:r>
-              <a:rPr lang="de-DE" sz="1200" dirty="0">
-                <a:latin typeface="Courier New" panose="02070309020205020404" pitchFamily="49" charset="0"/>
-                <a:cs typeface="Courier New" panose="02070309020205020404" pitchFamily="49" charset="0"/>
-              </a:rPr>
-              <a:t>git clone -b "v3.9.2"               %H3_GITHUB%/net.git %H3_INSTALL%/net</a:t>
-            </a:r>
-          </a:p>
-          <a:p>
-            <a:r>
-              <a:rPr lang="de-DE" sz="1200" dirty="0">
-                <a:latin typeface="Courier New" panose="02070309020205020404" pitchFamily="49" charset="0"/>
-                <a:cs typeface="Courier New" panose="02070309020205020404" pitchFamily="49" charset="0"/>
-              </a:rPr>
-              <a:t>git clone -b "v3.8.0"               %H3_GITHUB%/crypto.git %H3_INSTALL%/crypto     </a:t>
-            </a:r>
-          </a:p>
-          <a:p>
-            <a:r>
-              <a:rPr lang="de-DE" sz="1200" dirty="0">
-                <a:latin typeface="Courier New" panose="02070309020205020404" pitchFamily="49" charset="0"/>
-                <a:cs typeface="Courier New" panose="02070309020205020404" pitchFamily="49" charset="0"/>
-              </a:rPr>
-              <a:t>git clone -b "v1.1.0"               %H3_GITHUB%/devices.git %H3_INSTALL%/Devices</a:t>
-            </a:r>
-          </a:p>
-          <a:p>
-            <a:r>
-              <a:rPr lang="de-DE" sz="1200" dirty="0">
-                <a:latin typeface="Courier New" panose="02070309020205020404" pitchFamily="49" charset="0"/>
-                <a:cs typeface="Courier New" panose="02070309020205020404" pitchFamily="49" charset="0"/>
-              </a:rPr>
-              <a:t>git clone -b "v1.3.0"               %H3_GITHUB%/net_10base_t1s.git  %H3_INSTALL%/net_10base_t1s  </a:t>
-            </a:r>
-          </a:p>
-          <a:p>
-            <a:r>
-              <a:rPr lang="de-DE" sz="1200" dirty="0">
-                <a:latin typeface="Courier New" panose="02070309020205020404" pitchFamily="49" charset="0"/>
-                <a:cs typeface="Courier New" panose="02070309020205020404" pitchFamily="49" charset="0"/>
-              </a:rPr>
-              <a:t>git clone                           %H3_GITHUB%/devices.git %H3_INSTALL%/devices</a:t>
-            </a:r>
-          </a:p>
-          <a:p>
-            <a:endParaRPr lang="de-DE" sz="1200" dirty="0">
-              <a:latin typeface="Courier New" panose="02070309020205020404" pitchFamily="49" charset="0"/>
-              <a:cs typeface="Courier New" panose="02070309020205020404" pitchFamily="49" charset="0"/>
-            </a:endParaRPr>
-          </a:p>
-          <a:p>
-            <a:r>
-              <a:rPr lang="de-DE" sz="1200" dirty="0">
-                <a:latin typeface="Courier New" panose="02070309020205020404" pitchFamily="49" charset="0"/>
-                <a:cs typeface="Courier New" panose="02070309020205020404" pitchFamily="49" charset="0"/>
-              </a:rPr>
-              <a:t>pause</a:t>
-            </a:r>
-          </a:p>
-          <a:p>
-            <a:r>
-              <a:rPr lang="de-DE" sz="1200" dirty="0">
-                <a:latin typeface="Courier New" panose="02070309020205020404" pitchFamily="49" charset="0"/>
-                <a:cs typeface="Courier New" panose="02070309020205020404" pitchFamily="49" charset="0"/>
-              </a:rPr>
-              <a:t>@ECHO ON</a:t>
-            </a:r>
-          </a:p>
-        </p:txBody>
-      </p:sp>
-    </p:spTree>
-    <p:extLst>
-      <p:ext uri="{BB962C8B-B14F-4D97-AF65-F5344CB8AC3E}">
-        <p14:creationId xmlns:p14="http://schemas.microsoft.com/office/powerpoint/2010/main" val="22303934"/>
-      </p:ext>
-    </p:extLst>
-  </p:cSld>
-  <p:clrMapOvr>
-    <a:masterClrMapping/>
-  </p:clrMapOvr>
-</p:sld>
-</file>
-
-<file path=ppt/slides/slide7.xml><?xml version="1.0" encoding="utf-8"?>
-<p:sld xmlns:a="http://schemas.openxmlformats.org/drawingml/2006/main" xmlns:r="http://schemas.openxmlformats.org/officeDocument/2006/relationships" xmlns:p="http://schemas.openxmlformats.org/presentationml/2006/main">
-  <p:cSld>
-    <p:spTree>
-      <p:nvGrpSpPr>
-        <p:cNvPr id="1" name=""/>
-        <p:cNvGrpSpPr/>
-        <p:nvPr/>
-      </p:nvGrpSpPr>
-      <p:grpSpPr>
-        <a:xfrm>
-          <a:off x="0" y="0"/>
-          <a:ext cx="0" cy="0"/>
-          <a:chOff x="0" y="0"/>
-          <a:chExt cx="0" cy="0"/>
-        </a:xfrm>
-      </p:grpSpPr>
       <p:pic>
         <p:nvPicPr>
-          <p:cNvPr id="3" name="Picture 2">
-            <a:extLst>
-              <a:ext uri="{FF2B5EF4-FFF2-40B4-BE49-F238E27FC236}">
-                <a16:creationId xmlns:a16="http://schemas.microsoft.com/office/drawing/2014/main" id="{492953FD-C4A6-945C-CFBE-23CE8BD23EC6}"/>
+          <p:cNvPr id="6" name="Picture 5">
+            <a:extLst>
+              <a:ext uri="{FF2B5EF4-FFF2-40B4-BE49-F238E27FC236}">
+                <a16:creationId xmlns:a16="http://schemas.microsoft.com/office/drawing/2014/main" id="{7BA6A497-C67D-DFCD-5F92-FEAED324A85C}"/>
               </a:ext>
             </a:extLst>
           </p:cNvPr>
@@ -12045,15 +13432,15 @@
           <p:nvPr/>
         </p:nvPicPr>
         <p:blipFill>
-          <a:blip r:embed="rId2"/>
+          <a:blip r:embed="rId4"/>
           <a:stretch>
             <a:fillRect/>
           </a:stretch>
         </p:blipFill>
         <p:spPr>
           <a:xfrm>
-            <a:off x="3185549" y="1926106"/>
-            <a:ext cx="3035477" cy="4010375"/>
+            <a:off x="6637416" y="3725599"/>
+            <a:ext cx="5118754" cy="2210882"/>
           </a:xfrm>
           <a:prstGeom prst="rect">
             <a:avLst/>
@@ -12062,68 +13449,10 @@
       </p:pic>
       <p:sp>
         <p:nvSpPr>
-          <p:cNvPr id="2" name="Title 1">
-            <a:extLst>
-              <a:ext uri="{FF2B5EF4-FFF2-40B4-BE49-F238E27FC236}">
-                <a16:creationId xmlns:a16="http://schemas.microsoft.com/office/drawing/2014/main" id="{DDFA33AF-EF16-A9A1-1FDA-0BA58D176E2A}"/>
-              </a:ext>
-            </a:extLst>
-          </p:cNvPr>
-          <p:cNvSpPr>
-            <a:spLocks noGrp="1"/>
-          </p:cNvSpPr>
-          <p:nvPr>
-            <p:ph type="title"/>
-          </p:nvPr>
-        </p:nvSpPr>
-        <p:spPr/>
-        <p:txBody>
-          <a:bodyPr/>
-          <a:lstStyle/>
-          <a:p>
-            <a:r>
-              <a:rPr lang="de-DE" dirty="0"/>
-              <a:t>Generate Makefiles</a:t>
-            </a:r>
-          </a:p>
-        </p:txBody>
-      </p:sp>
-      <p:pic>
-        <p:nvPicPr>
-          <p:cNvPr id="5" name="Picture 4">
-            <a:extLst>
-              <a:ext uri="{FF2B5EF4-FFF2-40B4-BE49-F238E27FC236}">
-                <a16:creationId xmlns:a16="http://schemas.microsoft.com/office/drawing/2014/main" id="{0B513042-A54B-3A27-E0C4-D3E93BE6ABB4}"/>
-              </a:ext>
-            </a:extLst>
-          </p:cNvPr>
-          <p:cNvPicPr>
-            <a:picLocks noChangeAspect="1"/>
-          </p:cNvPicPr>
-          <p:nvPr/>
-        </p:nvPicPr>
-        <p:blipFill>
-          <a:blip r:embed="rId3"/>
-          <a:stretch>
-            <a:fillRect/>
-          </a:stretch>
-        </p:blipFill>
-        <p:spPr>
-          <a:xfrm>
-            <a:off x="764437" y="2623055"/>
-            <a:ext cx="1896230" cy="2079736"/>
-          </a:xfrm>
-          <a:prstGeom prst="rect">
-            <a:avLst/>
-          </a:prstGeom>
-        </p:spPr>
-      </p:pic>
-      <p:sp>
-        <p:nvSpPr>
-          <p:cNvPr id="9" name="Rectangle 8">
-            <a:extLst>
-              <a:ext uri="{FF2B5EF4-FFF2-40B4-BE49-F238E27FC236}">
-                <a16:creationId xmlns:a16="http://schemas.microsoft.com/office/drawing/2014/main" id="{99D2AAEB-550E-CD78-4D50-EB22BB93B423}"/>
+          <p:cNvPr id="4" name="Rectangle 3">
+            <a:extLst>
+              <a:ext uri="{FF2B5EF4-FFF2-40B4-BE49-F238E27FC236}">
+                <a16:creationId xmlns:a16="http://schemas.microsoft.com/office/drawing/2014/main" id="{477CD761-2EF6-BE89-0D97-ABB4A7A770FB}"/>
               </a:ext>
             </a:extLst>
           </p:cNvPr>
@@ -12132,8 +13461,8 @@
         </p:nvSpPr>
         <p:spPr>
           <a:xfrm>
-            <a:off x="3067736" y="3047600"/>
-            <a:ext cx="3271101" cy="312663"/>
+            <a:off x="9320785" y="5596128"/>
+            <a:ext cx="2377440" cy="166085"/>
           </a:xfrm>
           <a:prstGeom prst="rect">
             <a:avLst/>
@@ -12171,202 +13500,10 @@
       </p:sp>
       <p:sp>
         <p:nvSpPr>
-          <p:cNvPr id="17" name="TextBox 16">
-            <a:extLst>
-              <a:ext uri="{FF2B5EF4-FFF2-40B4-BE49-F238E27FC236}">
-                <a16:creationId xmlns:a16="http://schemas.microsoft.com/office/drawing/2014/main" id="{B535091C-88EB-9173-F05B-9F0627A2F16B}"/>
-              </a:ext>
-            </a:extLst>
-          </p:cNvPr>
-          <p:cNvSpPr txBox="1"/>
-          <p:nvPr/>
-        </p:nvSpPr>
-        <p:spPr>
-          <a:xfrm>
-            <a:off x="6745907" y="348792"/>
-            <a:ext cx="4406002" cy="3046988"/>
-          </a:xfrm>
-          <a:prstGeom prst="rect">
-            <a:avLst/>
-          </a:prstGeom>
-          <a:noFill/>
-        </p:spPr>
-        <p:txBody>
-          <a:bodyPr wrap="square" rtlCol="0">
-            <a:spAutoFit/>
-          </a:bodyPr>
-          <a:lstStyle/>
-          <a:p>
-            <a:r>
-              <a:rPr lang="de-DE" dirty="0"/>
-              <a:t>The script setup.bat calls the „prjMakefilesGenerator.bat“</a:t>
-            </a:r>
-          </a:p>
-          <a:p>
-            <a:endParaRPr lang="de-DE" dirty="0"/>
-          </a:p>
-          <a:p>
-            <a:r>
-              <a:rPr lang="de-DE" dirty="0"/>
-              <a:t>i.e. It creates all Makefiles. This is normally done by MPLABX when the project is opened. And allows to build the projects without using MPLABX</a:t>
-            </a:r>
-          </a:p>
-        </p:txBody>
-      </p:sp>
-      <p:pic>
-        <p:nvPicPr>
-          <p:cNvPr id="6" name="Picture 5">
-            <a:extLst>
-              <a:ext uri="{FF2B5EF4-FFF2-40B4-BE49-F238E27FC236}">
-                <a16:creationId xmlns:a16="http://schemas.microsoft.com/office/drawing/2014/main" id="{7BA6A497-C67D-DFCD-5F92-FEAED324A85C}"/>
-              </a:ext>
-            </a:extLst>
-          </p:cNvPr>
-          <p:cNvPicPr>
-            <a:picLocks noChangeAspect="1"/>
-          </p:cNvPicPr>
-          <p:nvPr/>
-        </p:nvPicPr>
-        <p:blipFill>
-          <a:blip r:embed="rId4"/>
-          <a:stretch>
-            <a:fillRect/>
-          </a:stretch>
-        </p:blipFill>
-        <p:spPr>
-          <a:xfrm>
-            <a:off x="6637416" y="3725599"/>
-            <a:ext cx="5118754" cy="2210882"/>
-          </a:xfrm>
-          <a:prstGeom prst="rect">
-            <a:avLst/>
-          </a:prstGeom>
-        </p:spPr>
-      </p:pic>
-    </p:spTree>
-    <p:extLst>
-      <p:ext uri="{BB962C8B-B14F-4D97-AF65-F5344CB8AC3E}">
-        <p14:creationId xmlns:p14="http://schemas.microsoft.com/office/powerpoint/2010/main" val="2483439385"/>
-      </p:ext>
-    </p:extLst>
-  </p:cSld>
-  <p:clrMapOvr>
-    <a:masterClrMapping/>
-  </p:clrMapOvr>
-</p:sld>
-</file>
-
-<file path=ppt/slides/slide8.xml><?xml version="1.0" encoding="utf-8"?>
-<p:sld xmlns:a="http://schemas.openxmlformats.org/drawingml/2006/main" xmlns:r="http://schemas.openxmlformats.org/officeDocument/2006/relationships" xmlns:p="http://schemas.openxmlformats.org/presentationml/2006/main">
-  <p:cSld>
-    <p:spTree>
-      <p:nvGrpSpPr>
-        <p:cNvPr id="1" name=""/>
-        <p:cNvGrpSpPr/>
-        <p:nvPr/>
-      </p:nvGrpSpPr>
-      <p:grpSpPr>
-        <a:xfrm>
-          <a:off x="0" y="0"/>
-          <a:ext cx="0" cy="0"/>
-          <a:chOff x="0" y="0"/>
-          <a:chExt cx="0" cy="0"/>
-        </a:xfrm>
-      </p:grpSpPr>
-      <p:pic>
-        <p:nvPicPr>
-          <p:cNvPr id="3" name="Picture 2">
-            <a:extLst>
-              <a:ext uri="{FF2B5EF4-FFF2-40B4-BE49-F238E27FC236}">
-                <a16:creationId xmlns:a16="http://schemas.microsoft.com/office/drawing/2014/main" id="{492953FD-C4A6-945C-CFBE-23CE8BD23EC6}"/>
-              </a:ext>
-            </a:extLst>
-          </p:cNvPr>
-          <p:cNvPicPr>
-            <a:picLocks noChangeAspect="1"/>
-          </p:cNvPicPr>
-          <p:nvPr/>
-        </p:nvPicPr>
-        <p:blipFill>
-          <a:blip r:embed="rId2"/>
-          <a:stretch>
-            <a:fillRect/>
-          </a:stretch>
-        </p:blipFill>
-        <p:spPr>
-          <a:xfrm>
-            <a:off x="3185549" y="1926106"/>
-            <a:ext cx="3035477" cy="4010375"/>
-          </a:xfrm>
-          <a:prstGeom prst="rect">
-            <a:avLst/>
-          </a:prstGeom>
-        </p:spPr>
-      </p:pic>
-      <p:sp>
-        <p:nvSpPr>
-          <p:cNvPr id="2" name="Title 1">
-            <a:extLst>
-              <a:ext uri="{FF2B5EF4-FFF2-40B4-BE49-F238E27FC236}">
-                <a16:creationId xmlns:a16="http://schemas.microsoft.com/office/drawing/2014/main" id="{DDFA33AF-EF16-A9A1-1FDA-0BA58D176E2A}"/>
-              </a:ext>
-            </a:extLst>
-          </p:cNvPr>
-          <p:cNvSpPr>
-            <a:spLocks noGrp="1"/>
-          </p:cNvSpPr>
-          <p:nvPr>
-            <p:ph type="title"/>
-          </p:nvPr>
-        </p:nvSpPr>
-        <p:spPr/>
-        <p:txBody>
-          <a:bodyPr/>
-          <a:lstStyle/>
-          <a:p>
-            <a:r>
-              <a:rPr lang="de-DE" dirty="0"/>
-              <a:t>Build all configurations</a:t>
-            </a:r>
-          </a:p>
-        </p:txBody>
-      </p:sp>
-      <p:pic>
-        <p:nvPicPr>
-          <p:cNvPr id="5" name="Picture 4">
-            <a:extLst>
-              <a:ext uri="{FF2B5EF4-FFF2-40B4-BE49-F238E27FC236}">
-                <a16:creationId xmlns:a16="http://schemas.microsoft.com/office/drawing/2014/main" id="{0B513042-A54B-3A27-E0C4-D3E93BE6ABB4}"/>
-              </a:ext>
-            </a:extLst>
-          </p:cNvPr>
-          <p:cNvPicPr>
-            <a:picLocks noChangeAspect="1"/>
-          </p:cNvPicPr>
-          <p:nvPr/>
-        </p:nvPicPr>
-        <p:blipFill>
-          <a:blip r:embed="rId3"/>
-          <a:stretch>
-            <a:fillRect/>
-          </a:stretch>
-        </p:blipFill>
-        <p:spPr>
-          <a:xfrm>
-            <a:off x="764437" y="2623055"/>
-            <a:ext cx="1896230" cy="2079736"/>
-          </a:xfrm>
-          <a:prstGeom prst="rect">
-            <a:avLst/>
-          </a:prstGeom>
-        </p:spPr>
-      </p:pic>
-      <p:sp>
-        <p:nvSpPr>
-          <p:cNvPr id="9" name="Rectangle 8">
-            <a:extLst>
-              <a:ext uri="{FF2B5EF4-FFF2-40B4-BE49-F238E27FC236}">
-                <a16:creationId xmlns:a16="http://schemas.microsoft.com/office/drawing/2014/main" id="{99D2AAEB-550E-CD78-4D50-EB22BB93B423}"/>
+          <p:cNvPr id="7" name="Rectangle 6">
+            <a:extLst>
+              <a:ext uri="{FF2B5EF4-FFF2-40B4-BE49-F238E27FC236}">
+                <a16:creationId xmlns:a16="http://schemas.microsoft.com/office/drawing/2014/main" id="{74B8477E-E393-F6B3-BD90-4D0B87149C77}"/>
               </a:ext>
             </a:extLst>
           </p:cNvPr>
@@ -12375,8 +13512,8 @@
         </p:nvSpPr>
         <p:spPr>
           <a:xfrm>
-            <a:off x="3067736" y="2340590"/>
-            <a:ext cx="3271101" cy="312663"/>
+            <a:off x="9320785" y="3864865"/>
+            <a:ext cx="2377440" cy="1609344"/>
           </a:xfrm>
           <a:prstGeom prst="rect">
             <a:avLst/>
@@ -12412,294 +13549,140 @@
           </a:p>
         </p:txBody>
       </p:sp>
-      <p:sp>
-        <p:nvSpPr>
-          <p:cNvPr id="17" name="TextBox 16">
-            <a:extLst>
-              <a:ext uri="{FF2B5EF4-FFF2-40B4-BE49-F238E27FC236}">
-                <a16:creationId xmlns:a16="http://schemas.microsoft.com/office/drawing/2014/main" id="{B535091C-88EB-9173-F05B-9F0627A2F16B}"/>
-              </a:ext>
-            </a:extLst>
-          </p:cNvPr>
-          <p:cNvSpPr txBox="1"/>
-          <p:nvPr/>
-        </p:nvSpPr>
-        <p:spPr>
-          <a:xfrm>
-            <a:off x="7032395" y="2070704"/>
-            <a:ext cx="4723775" cy="1200329"/>
-          </a:xfrm>
-          <a:prstGeom prst="rect">
-            <a:avLst/>
-          </a:prstGeom>
-          <a:noFill/>
-        </p:spPr>
-        <p:txBody>
-          <a:bodyPr wrap="square" rtlCol="0">
-            <a:spAutoFit/>
-          </a:bodyPr>
-          <a:lstStyle/>
-          <a:p>
-            <a:r>
-              <a:rPr lang="de-DE" dirty="0"/>
-              <a:t>The script „makeit.bat“ call the make utility to build all configuration on the command line</a:t>
-            </a:r>
-          </a:p>
-        </p:txBody>
-      </p:sp>
-      <p:pic>
-        <p:nvPicPr>
-          <p:cNvPr id="8" name="Picture 7">
-            <a:extLst>
-              <a:ext uri="{FF2B5EF4-FFF2-40B4-BE49-F238E27FC236}">
-                <a16:creationId xmlns:a16="http://schemas.microsoft.com/office/drawing/2014/main" id="{AC84C692-3815-6F16-1944-C7B3D5D41AB4}"/>
-              </a:ext>
-            </a:extLst>
-          </p:cNvPr>
-          <p:cNvPicPr>
-            <a:picLocks noChangeAspect="1"/>
-          </p:cNvPicPr>
-          <p:nvPr/>
-        </p:nvPicPr>
-        <p:blipFill>
-          <a:blip r:embed="rId4"/>
-          <a:stretch>
-            <a:fillRect/>
-          </a:stretch>
-        </p:blipFill>
-        <p:spPr>
-          <a:xfrm>
-            <a:off x="6394136" y="3990044"/>
-            <a:ext cx="5794689" cy="1425493"/>
-          </a:xfrm>
-          <a:prstGeom prst="rect">
-            <a:avLst/>
-          </a:prstGeom>
-        </p:spPr>
-      </p:pic>
     </p:spTree>
     <p:extLst>
       <p:ext uri="{BB962C8B-B14F-4D97-AF65-F5344CB8AC3E}">
-        <p14:creationId xmlns:p14="http://schemas.microsoft.com/office/powerpoint/2010/main" val="4271646428"/>
+        <p14:creationId xmlns:p14="http://schemas.microsoft.com/office/powerpoint/2010/main" val="2483439385"/>
       </p:ext>
     </p:extLst>
   </p:cSld>
   <p:clrMapOvr>
     <a:masterClrMapping/>
   </p:clrMapOvr>
-</p:sld>
-</file>
-
-<file path=ppt/slides/slide9.xml><?xml version="1.0" encoding="utf-8"?>
-<p:sld xmlns:a="http://schemas.openxmlformats.org/drawingml/2006/main" xmlns:r="http://schemas.openxmlformats.org/officeDocument/2006/relationships" xmlns:p="http://schemas.openxmlformats.org/presentationml/2006/main">
-  <p:cSld>
-    <p:spTree>
-      <p:nvGrpSpPr>
-        <p:cNvPr id="1" name=""/>
-        <p:cNvGrpSpPr/>
-        <p:nvPr/>
-      </p:nvGrpSpPr>
-      <p:grpSpPr>
-        <a:xfrm>
-          <a:off x="0" y="0"/>
-          <a:ext cx="0" cy="0"/>
-          <a:chOff x="0" y="0"/>
-          <a:chExt cx="0" cy="0"/>
-        </a:xfrm>
-      </p:grpSpPr>
-      <p:pic>
-        <p:nvPicPr>
-          <p:cNvPr id="3" name="Picture 2">
-            <a:extLst>
-              <a:ext uri="{FF2B5EF4-FFF2-40B4-BE49-F238E27FC236}">
-                <a16:creationId xmlns:a16="http://schemas.microsoft.com/office/drawing/2014/main" id="{492953FD-C4A6-945C-CFBE-23CE8BD23EC6}"/>
-              </a:ext>
-            </a:extLst>
-          </p:cNvPr>
-          <p:cNvPicPr>
-            <a:picLocks noChangeAspect="1"/>
-          </p:cNvPicPr>
-          <p:nvPr/>
-        </p:nvPicPr>
-        <p:blipFill>
-          <a:blip r:embed="rId2"/>
-          <a:stretch>
-            <a:fillRect/>
-          </a:stretch>
-        </p:blipFill>
-        <p:spPr>
-          <a:xfrm>
-            <a:off x="3185549" y="1926106"/>
-            <a:ext cx="3035477" cy="4010375"/>
-          </a:xfrm>
-          <a:prstGeom prst="rect">
-            <a:avLst/>
-          </a:prstGeom>
-        </p:spPr>
-      </p:pic>
-      <p:sp>
-        <p:nvSpPr>
-          <p:cNvPr id="2" name="Title 1">
-            <a:extLst>
-              <a:ext uri="{FF2B5EF4-FFF2-40B4-BE49-F238E27FC236}">
-                <a16:creationId xmlns:a16="http://schemas.microsoft.com/office/drawing/2014/main" id="{DDFA33AF-EF16-A9A1-1FDA-0BA58D176E2A}"/>
-              </a:ext>
-            </a:extLst>
-          </p:cNvPr>
-          <p:cNvSpPr>
-            <a:spLocks noGrp="1"/>
-          </p:cNvSpPr>
-          <p:nvPr>
-            <p:ph type="title"/>
-          </p:nvPr>
-        </p:nvSpPr>
-        <p:spPr/>
-        <p:txBody>
-          <a:bodyPr/>
-          <a:lstStyle/>
-          <a:p>
-            <a:r>
-              <a:rPr lang="de-DE" dirty="0"/>
-              <a:t>Programming 4 Boards at the same time</a:t>
-            </a:r>
-          </a:p>
-        </p:txBody>
-      </p:sp>
-      <p:pic>
-        <p:nvPicPr>
-          <p:cNvPr id="5" name="Picture 4">
-            <a:extLst>
-              <a:ext uri="{FF2B5EF4-FFF2-40B4-BE49-F238E27FC236}">
-                <a16:creationId xmlns:a16="http://schemas.microsoft.com/office/drawing/2014/main" id="{0B513042-A54B-3A27-E0C4-D3E93BE6ABB4}"/>
-              </a:ext>
-            </a:extLst>
-          </p:cNvPr>
-          <p:cNvPicPr>
-            <a:picLocks noChangeAspect="1"/>
-          </p:cNvPicPr>
-          <p:nvPr/>
-        </p:nvPicPr>
-        <p:blipFill>
-          <a:blip r:embed="rId3"/>
-          <a:stretch>
-            <a:fillRect/>
-          </a:stretch>
-        </p:blipFill>
-        <p:spPr>
-          <a:xfrm>
-            <a:off x="764437" y="2623055"/>
-            <a:ext cx="1896230" cy="2079736"/>
-          </a:xfrm>
-          <a:prstGeom prst="rect">
-            <a:avLst/>
-          </a:prstGeom>
-        </p:spPr>
-      </p:pic>
-      <p:sp>
-        <p:nvSpPr>
-          <p:cNvPr id="9" name="Rectangle 8">
-            <a:extLst>
-              <a:ext uri="{FF2B5EF4-FFF2-40B4-BE49-F238E27FC236}">
-                <a16:creationId xmlns:a16="http://schemas.microsoft.com/office/drawing/2014/main" id="{99D2AAEB-550E-CD78-4D50-EB22BB93B423}"/>
-              </a:ext>
-            </a:extLst>
-          </p:cNvPr>
-          <p:cNvSpPr/>
-          <p:nvPr/>
-        </p:nvSpPr>
-        <p:spPr>
-          <a:xfrm>
-            <a:off x="3143153" y="4678437"/>
-            <a:ext cx="3271101" cy="312663"/>
-          </a:xfrm>
-          <a:prstGeom prst="rect">
-            <a:avLst/>
-          </a:prstGeom>
-          <a:noFill/>
-          <a:ln/>
-        </p:spPr>
-        <p:style>
-          <a:lnRef idx="2">
-            <a:schemeClr val="accent2"/>
-          </a:lnRef>
-          <a:fillRef idx="1">
-            <a:schemeClr val="lt1"/>
-          </a:fillRef>
-          <a:effectRef idx="0">
-            <a:schemeClr val="accent2"/>
-          </a:effectRef>
-          <a:fontRef idx="minor">
-            <a:schemeClr val="dk1"/>
-          </a:fontRef>
-        </p:style>
-        <p:txBody>
-          <a:bodyPr rot="0" spcFirstLastPara="0" vertOverflow="overflow" horzOverflow="overflow" vert="horz" wrap="square" lIns="91440" tIns="45720" rIns="91440" bIns="45720" numCol="1" spcCol="0" rtlCol="0" fromWordArt="0" anchor="ctr" anchorCtr="0" forceAA="0" compatLnSpc="1">
-            <a:prstTxWarp prst="textNoShape">
-              <a:avLst/>
-            </a:prstTxWarp>
-            <a:noAutofit/>
-          </a:bodyPr>
-          <a:lstStyle/>
-          <a:p>
-            <a:pPr algn="ctr"/>
-            <a:endParaRPr lang="de-DE"/>
-          </a:p>
-        </p:txBody>
-      </p:sp>
-      <p:sp>
-        <p:nvSpPr>
-          <p:cNvPr id="17" name="TextBox 16">
-            <a:extLst>
-              <a:ext uri="{FF2B5EF4-FFF2-40B4-BE49-F238E27FC236}">
-                <a16:creationId xmlns:a16="http://schemas.microsoft.com/office/drawing/2014/main" id="{B535091C-88EB-9173-F05B-9F0627A2F16B}"/>
-              </a:ext>
-            </a:extLst>
-          </p:cNvPr>
-          <p:cNvSpPr txBox="1"/>
-          <p:nvPr/>
-        </p:nvSpPr>
-        <p:spPr>
-          <a:xfrm>
-            <a:off x="7032395" y="2070704"/>
-            <a:ext cx="4119513" cy="3785652"/>
-          </a:xfrm>
-          <a:prstGeom prst="rect">
-            <a:avLst/>
-          </a:prstGeom>
-          <a:noFill/>
-        </p:spPr>
-        <p:txBody>
-          <a:bodyPr wrap="square" rtlCol="0">
-            <a:spAutoFit/>
-          </a:bodyPr>
-          <a:lstStyle/>
-          <a:p>
-            <a:r>
-              <a:rPr lang="de-DE" dirty="0"/>
-              <a:t>The Tool „multi_progger.pyw“ is a Python Tkinter GUI that controlls 4 instances of the MDB Core simultary. </a:t>
-            </a:r>
-          </a:p>
-          <a:p>
-            <a:endParaRPr lang="de-DE" dirty="0"/>
-          </a:p>
-          <a:p>
-            <a:r>
-              <a:rPr lang="de-DE" dirty="0"/>
-              <a:t>This allows to keep the connection to four MDB‘s instances and programming four controller at the same time. </a:t>
-            </a:r>
-          </a:p>
-        </p:txBody>
-      </p:sp>
-    </p:spTree>
-    <p:extLst>
-      <p:ext uri="{BB962C8B-B14F-4D97-AF65-F5344CB8AC3E}">
-        <p14:creationId xmlns:p14="http://schemas.microsoft.com/office/powerpoint/2010/main" val="1766328611"/>
-      </p:ext>
-    </p:extLst>
-  </p:cSld>
-  <p:clrMapOvr>
-    <a:masterClrMapping/>
-  </p:clrMapOvr>
+  <p:timing>
+    <p:tnLst>
+      <p:par>
+        <p:cTn id="1" dur="indefinite" restart="never" nodeType="tmRoot">
+          <p:childTnLst>
+            <p:seq concurrent="1" nextAc="seek">
+              <p:cTn id="2" dur="indefinite" nodeType="mainSeq">
+                <p:childTnLst>
+                  <p:par>
+                    <p:cTn id="3" fill="hold">
+                      <p:stCondLst>
+                        <p:cond delay="indefinite"/>
+                      </p:stCondLst>
+                      <p:childTnLst>
+                        <p:par>
+                          <p:cTn id="4" fill="hold">
+                            <p:stCondLst>
+                              <p:cond delay="0"/>
+                            </p:stCondLst>
+                            <p:childTnLst>
+                              <p:par>
+                                <p:cTn id="5" presetID="1" presetClass="entr" presetSubtype="0" fill="hold" grpId="0" nodeType="clickEffect">
+                                  <p:stCondLst>
+                                    <p:cond delay="0"/>
+                                  </p:stCondLst>
+                                  <p:childTnLst>
+                                    <p:set>
+                                      <p:cBhvr>
+                                        <p:cTn id="6" dur="1" fill="hold">
+                                          <p:stCondLst>
+                                            <p:cond delay="0"/>
+                                          </p:stCondLst>
+                                        </p:cTn>
+                                        <p:tgtEl>
+                                          <p:spTgt spid="4"/>
+                                        </p:tgtEl>
+                                        <p:attrNameLst>
+                                          <p:attrName>style.visibility</p:attrName>
+                                        </p:attrNameLst>
+                                      </p:cBhvr>
+                                      <p:to>
+                                        <p:strVal val="visible"/>
+                                      </p:to>
+                                    </p:set>
+                                  </p:childTnLst>
+                                </p:cTn>
+                              </p:par>
+                            </p:childTnLst>
+                          </p:cTn>
+                        </p:par>
+                      </p:childTnLst>
+                    </p:cTn>
+                  </p:par>
+                  <p:par>
+                    <p:cTn id="7" fill="hold">
+                      <p:stCondLst>
+                        <p:cond delay="indefinite"/>
+                      </p:stCondLst>
+                      <p:childTnLst>
+                        <p:par>
+                          <p:cTn id="8" fill="hold">
+                            <p:stCondLst>
+                              <p:cond delay="0"/>
+                            </p:stCondLst>
+                            <p:childTnLst>
+                              <p:par>
+                                <p:cTn id="9" presetID="1" presetClass="entr" presetSubtype="0" fill="hold" grpId="0" nodeType="clickEffect">
+                                  <p:stCondLst>
+                                    <p:cond delay="0"/>
+                                  </p:stCondLst>
+                                  <p:childTnLst>
+                                    <p:set>
+                                      <p:cBhvr>
+                                        <p:cTn id="10" dur="1" fill="hold">
+                                          <p:stCondLst>
+                                            <p:cond delay="0"/>
+                                          </p:stCondLst>
+                                        </p:cTn>
+                                        <p:tgtEl>
+                                          <p:spTgt spid="7"/>
+                                        </p:tgtEl>
+                                        <p:attrNameLst>
+                                          <p:attrName>style.visibility</p:attrName>
+                                        </p:attrNameLst>
+                                      </p:cBhvr>
+                                      <p:to>
+                                        <p:strVal val="visible"/>
+                                      </p:to>
+                                    </p:set>
+                                  </p:childTnLst>
+                                </p:cTn>
+                              </p:par>
+                            </p:childTnLst>
+                          </p:cTn>
+                        </p:par>
+                      </p:childTnLst>
+                    </p:cTn>
+                  </p:par>
+                </p:childTnLst>
+              </p:cTn>
+              <p:prevCondLst>
+                <p:cond evt="onPrev" delay="0">
+                  <p:tgtEl>
+                    <p:sldTgt/>
+                  </p:tgtEl>
+                </p:cond>
+              </p:prevCondLst>
+              <p:nextCondLst>
+                <p:cond evt="onNext" delay="0">
+                  <p:tgtEl>
+                    <p:sldTgt/>
+                  </p:tgtEl>
+                </p:cond>
+              </p:nextCondLst>
+            </p:seq>
+          </p:childTnLst>
+        </p:cTn>
+      </p:par>
+    </p:tnLst>
+    <p:bldLst>
+      <p:bldP spid="4" grpId="0" animBg="1"/>
+      <p:bldP spid="7" grpId="0" animBg="1"/>
+    </p:bldLst>
+  </p:timing>
 </p:sld>
 </file>
 
@@ -13645,16 +14628,49 @@
 </file>
 
 <file path=customXml/item2.xml><?xml version="1.0" encoding="utf-8"?>
-<p:properties xmlns:p="http://schemas.microsoft.com/office/2006/metadata/properties" xmlns:xsi="http://www.w3.org/2001/XMLSchema-instance" xmlns:pc="http://schemas.microsoft.com/office/infopath/2007/PartnerControls">
-  <documentManagement>
-    <Content_x0020_Archived xmlns="df7acb31-37ac-40e2-81bb-c44e3630f613">false</Content_x0020_Archived>
-    <_dlc_DocId xmlns="38ef598d-997c-498b-b737-2f6b2c50ccab">SV5CHKDEWJXD-84-133</_dlc_DocId>
-    <_dlc_DocIdUrl xmlns="38ef598d-997c-498b-b737-2f6b2c50ccab">
-      <Url>http://mchpweb-2010/marcom/home/Resources/_layouts/DocIdRedir.aspx?ID=SV5CHKDEWJXD-84-133</Url>
-      <Description>SV5CHKDEWJXD-84-133</Description>
-    </_dlc_DocIdUrl>
-  </documentManagement>
-</p:properties>
+<?mso-contentType ?>
+<spe:Receivers xmlns:spe="http://schemas.microsoft.com/sharepoint/events">
+  <Receiver>
+    <Name>Document ID Generator</Name>
+    <Synchronization>Synchronous</Synchronization>
+    <Type>10001</Type>
+    <SequenceNumber>1000</SequenceNumber>
+    <Assembly>Microsoft.Office.DocumentManagement, Version=14.0.0.0, Culture=neutral, PublicKeyToken=71e9bce111e9429c</Assembly>
+    <Class>Microsoft.Office.DocumentManagement.Internal.DocIdHandler</Class>
+    <Data/>
+    <Filter/>
+  </Receiver>
+  <Receiver>
+    <Name>Document ID Generator</Name>
+    <Synchronization>Synchronous</Synchronization>
+    <Type>10002</Type>
+    <SequenceNumber>1001</SequenceNumber>
+    <Assembly>Microsoft.Office.DocumentManagement, Version=14.0.0.0, Culture=neutral, PublicKeyToken=71e9bce111e9429c</Assembly>
+    <Class>Microsoft.Office.DocumentManagement.Internal.DocIdHandler</Class>
+    <Data/>
+    <Filter/>
+  </Receiver>
+  <Receiver>
+    <Name>Document ID Generator</Name>
+    <Synchronization>Synchronous</Synchronization>
+    <Type>10004</Type>
+    <SequenceNumber>1002</SequenceNumber>
+    <Assembly>Microsoft.Office.DocumentManagement, Version=14.0.0.0, Culture=neutral, PublicKeyToken=71e9bce111e9429c</Assembly>
+    <Class>Microsoft.Office.DocumentManagement.Internal.DocIdHandler</Class>
+    <Data/>
+    <Filter/>
+  </Receiver>
+  <Receiver>
+    <Name>Document ID Generator</Name>
+    <Synchronization>Synchronous</Synchronization>
+    <Type>10006</Type>
+    <SequenceNumber>1003</SequenceNumber>
+    <Assembly>Microsoft.Office.DocumentManagement, Version=14.0.0.0, Culture=neutral, PublicKeyToken=71e9bce111e9429c</Assembly>
+    <Class>Microsoft.Office.DocumentManagement.Internal.DocIdHandler</Class>
+    <Data/>
+    <Filter/>
+  </Receiver>
+</spe:Receivers>
 </file>
 
 <file path=customXml/item3.xml><?xml version="1.0" encoding="utf-8"?>
@@ -13814,49 +14830,16 @@
 </file>
 
 <file path=customXml/item4.xml><?xml version="1.0" encoding="utf-8"?>
-<?mso-contentType ?>
-<spe:Receivers xmlns:spe="http://schemas.microsoft.com/sharepoint/events">
-  <Receiver>
-    <Name>Document ID Generator</Name>
-    <Synchronization>Synchronous</Synchronization>
-    <Type>10001</Type>
-    <SequenceNumber>1000</SequenceNumber>
-    <Assembly>Microsoft.Office.DocumentManagement, Version=14.0.0.0, Culture=neutral, PublicKeyToken=71e9bce111e9429c</Assembly>
-    <Class>Microsoft.Office.DocumentManagement.Internal.DocIdHandler</Class>
-    <Data/>
-    <Filter/>
-  </Receiver>
-  <Receiver>
-    <Name>Document ID Generator</Name>
-    <Synchronization>Synchronous</Synchronization>
-    <Type>10002</Type>
-    <SequenceNumber>1001</SequenceNumber>
-    <Assembly>Microsoft.Office.DocumentManagement, Version=14.0.0.0, Culture=neutral, PublicKeyToken=71e9bce111e9429c</Assembly>
-    <Class>Microsoft.Office.DocumentManagement.Internal.DocIdHandler</Class>
-    <Data/>
-    <Filter/>
-  </Receiver>
-  <Receiver>
-    <Name>Document ID Generator</Name>
-    <Synchronization>Synchronous</Synchronization>
-    <Type>10004</Type>
-    <SequenceNumber>1002</SequenceNumber>
-    <Assembly>Microsoft.Office.DocumentManagement, Version=14.0.0.0, Culture=neutral, PublicKeyToken=71e9bce111e9429c</Assembly>
-    <Class>Microsoft.Office.DocumentManagement.Internal.DocIdHandler</Class>
-    <Data/>
-    <Filter/>
-  </Receiver>
-  <Receiver>
-    <Name>Document ID Generator</Name>
-    <Synchronization>Synchronous</Synchronization>
-    <Type>10006</Type>
-    <SequenceNumber>1003</SequenceNumber>
-    <Assembly>Microsoft.Office.DocumentManagement, Version=14.0.0.0, Culture=neutral, PublicKeyToken=71e9bce111e9429c</Assembly>
-    <Class>Microsoft.Office.DocumentManagement.Internal.DocIdHandler</Class>
-    <Data/>
-    <Filter/>
-  </Receiver>
-</spe:Receivers>
+<p:properties xmlns:p="http://schemas.microsoft.com/office/2006/metadata/properties" xmlns:xsi="http://www.w3.org/2001/XMLSchema-instance" xmlns:pc="http://schemas.microsoft.com/office/infopath/2007/PartnerControls">
+  <documentManagement>
+    <Content_x0020_Archived xmlns="df7acb31-37ac-40e2-81bb-c44e3630f613">false</Content_x0020_Archived>
+    <_dlc_DocId xmlns="38ef598d-997c-498b-b737-2f6b2c50ccab">SV5CHKDEWJXD-84-133</_dlc_DocId>
+    <_dlc_DocIdUrl xmlns="38ef598d-997c-498b-b737-2f6b2c50ccab">
+      <Url>http://mchpweb-2010/marcom/home/Resources/_layouts/DocIdRedir.aspx?ID=SV5CHKDEWJXD-84-133</Url>
+      <Description>SV5CHKDEWJXD-84-133</Description>
+    </_dlc_DocIdUrl>
+  </documentManagement>
+</p:properties>
 </file>
 
 <file path=customXml/itemProps1.xml><?xml version="1.0" encoding="utf-8"?>
@@ -13868,12 +14851,9 @@
 </file>
 
 <file path=customXml/itemProps2.xml><?xml version="1.0" encoding="utf-8"?>
-<ds:datastoreItem xmlns:ds="http://schemas.openxmlformats.org/officeDocument/2006/customXml" ds:itemID="{15774815-801A-4D0C-AAC8-304A8EA5EAE0}">
+<ds:datastoreItem xmlns:ds="http://schemas.openxmlformats.org/officeDocument/2006/customXml" ds:itemID="{36ECED7C-7E24-4B80-B6AD-5BF0A508FB7B}">
   <ds:schemaRefs>
-    <ds:schemaRef ds:uri="38ef598d-997c-498b-b737-2f6b2c50ccab"/>
-    <ds:schemaRef ds:uri="df7acb31-37ac-40e2-81bb-c44e3630f613"/>
-    <ds:schemaRef ds:uri="http://schemas.microsoft.com/office/2006/metadata/properties"/>
-    <ds:schemaRef ds:uri="http://schemas.microsoft.com/office/infopath/2007/PartnerControls"/>
+    <ds:schemaRef ds:uri="http://schemas.microsoft.com/sharepoint/events"/>
   </ds:schemaRefs>
 </ds:datastoreItem>
 </file>
@@ -13898,9 +14878,12 @@
 </file>
 
 <file path=customXml/itemProps4.xml><?xml version="1.0" encoding="utf-8"?>
-<ds:datastoreItem xmlns:ds="http://schemas.openxmlformats.org/officeDocument/2006/customXml" ds:itemID="{36ECED7C-7E24-4B80-B6AD-5BF0A508FB7B}">
+<ds:datastoreItem xmlns:ds="http://schemas.openxmlformats.org/officeDocument/2006/customXml" ds:itemID="{15774815-801A-4D0C-AAC8-304A8EA5EAE0}">
   <ds:schemaRefs>
-    <ds:schemaRef ds:uri="http://schemas.microsoft.com/sharepoint/events"/>
+    <ds:schemaRef ds:uri="38ef598d-997c-498b-b737-2f6b2c50ccab"/>
+    <ds:schemaRef ds:uri="df7acb31-37ac-40e2-81bb-c44e3630f613"/>
+    <ds:schemaRef ds:uri="http://schemas.microsoft.com/office/2006/metadata/properties"/>
+    <ds:schemaRef ds:uri="http://schemas.microsoft.com/office/infopath/2007/PartnerControls"/>
   </ds:schemaRefs>
 </ds:datastoreItem>
 </file>
--- a/T1S Autoconfig - Tooling.pptx
+++ b/T1S Autoconfig - Tooling.pptx
@@ -5,10 +5,10 @@
     <p:sldMasterId id="2147483648" r:id="rId5"/>
   </p:sldMasterIdLst>
   <p:notesMasterIdLst>
-    <p:notesMasterId r:id="rId27"/>
+    <p:notesMasterId r:id="rId28"/>
   </p:notesMasterIdLst>
   <p:handoutMasterIdLst>
-    <p:handoutMasterId r:id="rId28"/>
+    <p:handoutMasterId r:id="rId29"/>
   </p:handoutMasterIdLst>
   <p:sldIdLst>
     <p:sldId id="1954" r:id="rId6"/>
@@ -26,12 +26,13 @@
     <p:sldId id="2021" r:id="rId18"/>
     <p:sldId id="2014" r:id="rId19"/>
     <p:sldId id="2015" r:id="rId20"/>
-    <p:sldId id="2016" r:id="rId21"/>
-    <p:sldId id="2019" r:id="rId22"/>
-    <p:sldId id="2006" r:id="rId23"/>
-    <p:sldId id="2007" r:id="rId24"/>
-    <p:sldId id="2017" r:id="rId25"/>
-    <p:sldId id="2018" r:id="rId26"/>
+    <p:sldId id="2024" r:id="rId21"/>
+    <p:sldId id="2016" r:id="rId22"/>
+    <p:sldId id="2019" r:id="rId23"/>
+    <p:sldId id="2006" r:id="rId24"/>
+    <p:sldId id="2007" r:id="rId25"/>
+    <p:sldId id="2017" r:id="rId26"/>
+    <p:sldId id="2018" r:id="rId27"/>
   </p:sldIdLst>
   <p:sldSz cx="12188825" cy="6858000"/>
   <p:notesSz cx="6858000" cy="9144000"/>
@@ -7286,6 +7287,229 @@
           <a:chExt cx="0" cy="0"/>
         </a:xfrm>
       </p:grpSpPr>
+      <p:pic>
+        <p:nvPicPr>
+          <p:cNvPr id="3" name="Picture 2">
+            <a:extLst>
+              <a:ext uri="{FF2B5EF4-FFF2-40B4-BE49-F238E27FC236}">
+                <a16:creationId xmlns:a16="http://schemas.microsoft.com/office/drawing/2014/main" id="{492953FD-C4A6-945C-CFBE-23CE8BD23EC6}"/>
+              </a:ext>
+            </a:extLst>
+          </p:cNvPr>
+          <p:cNvPicPr>
+            <a:picLocks noChangeAspect="1"/>
+          </p:cNvPicPr>
+          <p:nvPr/>
+        </p:nvPicPr>
+        <p:blipFill>
+          <a:blip r:embed="rId2"/>
+          <a:stretch>
+            <a:fillRect/>
+          </a:stretch>
+        </p:blipFill>
+        <p:spPr>
+          <a:xfrm>
+            <a:off x="3185549" y="1926106"/>
+            <a:ext cx="3035477" cy="4010375"/>
+          </a:xfrm>
+          <a:prstGeom prst="rect">
+            <a:avLst/>
+          </a:prstGeom>
+        </p:spPr>
+      </p:pic>
+      <p:sp>
+        <p:nvSpPr>
+          <p:cNvPr id="2" name="Title 1">
+            <a:extLst>
+              <a:ext uri="{FF2B5EF4-FFF2-40B4-BE49-F238E27FC236}">
+                <a16:creationId xmlns:a16="http://schemas.microsoft.com/office/drawing/2014/main" id="{DDFA33AF-EF16-A9A1-1FDA-0BA58D176E2A}"/>
+              </a:ext>
+            </a:extLst>
+          </p:cNvPr>
+          <p:cNvSpPr>
+            <a:spLocks noGrp="1"/>
+          </p:cNvSpPr>
+          <p:nvPr>
+            <p:ph type="title"/>
+          </p:nvPr>
+        </p:nvSpPr>
+        <p:spPr/>
+        <p:txBody>
+          <a:bodyPr/>
+          <a:lstStyle/>
+          <a:p>
+            <a:r>
+              <a:rPr lang="en-US" dirty="0"/>
+              <a:t>Python GUI for testing 4 Boards in parallel </a:t>
+            </a:r>
+            <a:endParaRPr lang="de-DE" dirty="0"/>
+          </a:p>
+        </p:txBody>
+      </p:sp>
+      <p:pic>
+        <p:nvPicPr>
+          <p:cNvPr id="5" name="Picture 4">
+            <a:extLst>
+              <a:ext uri="{FF2B5EF4-FFF2-40B4-BE49-F238E27FC236}">
+                <a16:creationId xmlns:a16="http://schemas.microsoft.com/office/drawing/2014/main" id="{0B513042-A54B-3A27-E0C4-D3E93BE6ABB4}"/>
+              </a:ext>
+            </a:extLst>
+          </p:cNvPr>
+          <p:cNvPicPr>
+            <a:picLocks noChangeAspect="1"/>
+          </p:cNvPicPr>
+          <p:nvPr/>
+        </p:nvPicPr>
+        <p:blipFill>
+          <a:blip r:embed="rId3"/>
+          <a:stretch>
+            <a:fillRect/>
+          </a:stretch>
+        </p:blipFill>
+        <p:spPr>
+          <a:xfrm>
+            <a:off x="764437" y="2623055"/>
+            <a:ext cx="1896230" cy="2079736"/>
+          </a:xfrm>
+          <a:prstGeom prst="rect">
+            <a:avLst/>
+          </a:prstGeom>
+        </p:spPr>
+      </p:pic>
+      <p:sp>
+        <p:nvSpPr>
+          <p:cNvPr id="9" name="Rectangle 8">
+            <a:extLst>
+              <a:ext uri="{FF2B5EF4-FFF2-40B4-BE49-F238E27FC236}">
+                <a16:creationId xmlns:a16="http://schemas.microsoft.com/office/drawing/2014/main" id="{99D2AAEB-550E-CD78-4D50-EB22BB93B423}"/>
+              </a:ext>
+            </a:extLst>
+          </p:cNvPr>
+          <p:cNvSpPr/>
+          <p:nvPr/>
+        </p:nvSpPr>
+        <p:spPr>
+          <a:xfrm>
+            <a:off x="3067736" y="4914105"/>
+            <a:ext cx="3271101" cy="312663"/>
+          </a:xfrm>
+          <a:prstGeom prst="rect">
+            <a:avLst/>
+          </a:prstGeom>
+          <a:noFill/>
+          <a:ln/>
+        </p:spPr>
+        <p:style>
+          <a:lnRef idx="2">
+            <a:schemeClr val="accent2"/>
+          </a:lnRef>
+          <a:fillRef idx="1">
+            <a:schemeClr val="lt1"/>
+          </a:fillRef>
+          <a:effectRef idx="0">
+            <a:schemeClr val="accent2"/>
+          </a:effectRef>
+          <a:fontRef idx="minor">
+            <a:schemeClr val="dk1"/>
+          </a:fontRef>
+        </p:style>
+        <p:txBody>
+          <a:bodyPr rot="0" spcFirstLastPara="0" vertOverflow="overflow" horzOverflow="overflow" vert="horz" wrap="square" lIns="91440" tIns="45720" rIns="91440" bIns="45720" numCol="1" spcCol="0" rtlCol="0" fromWordArt="0" anchor="ctr" anchorCtr="0" forceAA="0" compatLnSpc="1">
+            <a:prstTxWarp prst="textNoShape">
+              <a:avLst/>
+            </a:prstTxWarp>
+            <a:noAutofit/>
+          </a:bodyPr>
+          <a:lstStyle/>
+          <a:p>
+            <a:pPr algn="ctr"/>
+            <a:endParaRPr lang="de-DE"/>
+          </a:p>
+        </p:txBody>
+      </p:sp>
+      <p:sp>
+        <p:nvSpPr>
+          <p:cNvPr id="17" name="TextBox 16">
+            <a:extLst>
+              <a:ext uri="{FF2B5EF4-FFF2-40B4-BE49-F238E27FC236}">
+                <a16:creationId xmlns:a16="http://schemas.microsoft.com/office/drawing/2014/main" id="{B535091C-88EB-9173-F05B-9F0627A2F16B}"/>
+              </a:ext>
+            </a:extLst>
+          </p:cNvPr>
+          <p:cNvSpPr txBox="1"/>
+          <p:nvPr/>
+        </p:nvSpPr>
+        <p:spPr>
+          <a:xfrm>
+            <a:off x="7018386" y="1655803"/>
+            <a:ext cx="4406002" cy="3785652"/>
+          </a:xfrm>
+          <a:prstGeom prst="rect">
+            <a:avLst/>
+          </a:prstGeom>
+          <a:noFill/>
+        </p:spPr>
+        <p:txBody>
+          <a:bodyPr wrap="square" rtlCol="0">
+            <a:spAutoFit/>
+          </a:bodyPr>
+          <a:lstStyle/>
+          <a:p>
+            <a:r>
+              <a:rPr lang="de-DE" dirty="0"/>
+              <a:t>„terminal.pyw“ is the Terminal program that talks with 4 Boards at the same time.</a:t>
+            </a:r>
+          </a:p>
+          <a:p>
+            <a:endParaRPr lang="de-DE" dirty="0"/>
+          </a:p>
+          <a:p>
+            <a:r>
+              <a:rPr lang="en-US" dirty="0"/>
+              <a:t>The idea came to me when I was once again completely annoyed by having to arrange </a:t>
+            </a:r>
+            <a:r>
+              <a:rPr lang="en-US" dirty="0" err="1"/>
+              <a:t>TerraTerm</a:t>
+            </a:r>
+            <a:r>
+              <a:rPr lang="en-US" dirty="0"/>
+              <a:t> four times on my desktop and assigning them to the corresponding COM ports</a:t>
+            </a:r>
+            <a:endParaRPr lang="de-DE" dirty="0"/>
+          </a:p>
+        </p:txBody>
+      </p:sp>
+    </p:spTree>
+    <p:extLst>
+      <p:ext uri="{BB962C8B-B14F-4D97-AF65-F5344CB8AC3E}">
+        <p14:creationId xmlns:p14="http://schemas.microsoft.com/office/powerpoint/2010/main" val="125484556"/>
+      </p:ext>
+    </p:extLst>
+  </p:cSld>
+  <p:clrMapOvr>
+    <a:masterClrMapping/>
+  </p:clrMapOvr>
+</p:sld>
+</file>
+
+<file path=ppt/slides/slide17.xml><?xml version="1.0" encoding="utf-8"?>
+<p:sld xmlns:a="http://schemas.openxmlformats.org/drawingml/2006/main" xmlns:r="http://schemas.openxmlformats.org/officeDocument/2006/relationships" xmlns:p="http://schemas.openxmlformats.org/presentationml/2006/main">
+  <p:cSld>
+    <p:spTree>
+      <p:nvGrpSpPr>
+        <p:cNvPr id="1" name=""/>
+        <p:cNvGrpSpPr/>
+        <p:nvPr/>
+      </p:nvGrpSpPr>
+      <p:grpSpPr>
+        <a:xfrm>
+          <a:off x="0" y="0"/>
+          <a:ext cx="0" cy="0"/>
+          <a:chOff x="0" y="0"/>
+          <a:chExt cx="0" cy="0"/>
+        </a:xfrm>
+      </p:grpSpPr>
       <p:sp>
         <p:nvSpPr>
           <p:cNvPr id="10" name="Title 1">
@@ -7509,7 +7733,7 @@
 </p:sld>
 </file>
 
-<file path=ppt/slides/slide17.xml><?xml version="1.0" encoding="utf-8"?>
+<file path=ppt/slides/slide18.xml><?xml version="1.0" encoding="utf-8"?>
 <p:sld xmlns:a="http://schemas.openxmlformats.org/drawingml/2006/main" xmlns:r="http://schemas.openxmlformats.org/officeDocument/2006/relationships" xmlns:p="http://schemas.openxmlformats.org/presentationml/2006/main">
   <p:cSld>
     <p:spTree>
@@ -8988,7 +9212,7 @@
 </p:sld>
 </file>
 
-<file path=ppt/slides/slide18.xml><?xml version="1.0" encoding="utf-8"?>
+<file path=ppt/slides/slide19.xml><?xml version="1.0" encoding="utf-8"?>
 <p:sld xmlns:a="http://schemas.openxmlformats.org/drawingml/2006/main" xmlns:r="http://schemas.openxmlformats.org/officeDocument/2006/relationships" xmlns:p="http://schemas.openxmlformats.org/presentationml/2006/main">
   <p:cSld>
     <p:spTree>
@@ -9261,7 +9485,184 @@
 </p:sld>
 </file>
 
-<file path=ppt/slides/slide19.xml><?xml version="1.0" encoding="utf-8"?>
+<file path=ppt/slides/slide2.xml><?xml version="1.0" encoding="utf-8"?>
+<p:sld xmlns:a="http://schemas.openxmlformats.org/drawingml/2006/main" xmlns:r="http://schemas.openxmlformats.org/officeDocument/2006/relationships" xmlns:p="http://schemas.openxmlformats.org/presentationml/2006/main">
+  <p:cSld>
+    <p:spTree>
+      <p:nvGrpSpPr>
+        <p:cNvPr id="1" name=""/>
+        <p:cNvGrpSpPr/>
+        <p:nvPr/>
+      </p:nvGrpSpPr>
+      <p:grpSpPr>
+        <a:xfrm>
+          <a:off x="0" y="0"/>
+          <a:ext cx="0" cy="0"/>
+          <a:chOff x="0" y="0"/>
+          <a:chExt cx="0" cy="0"/>
+        </a:xfrm>
+      </p:grpSpPr>
+      <p:sp>
+        <p:nvSpPr>
+          <p:cNvPr id="2" name="Title 1">
+            <a:extLst>
+              <a:ext uri="{FF2B5EF4-FFF2-40B4-BE49-F238E27FC236}">
+                <a16:creationId xmlns:a16="http://schemas.microsoft.com/office/drawing/2014/main" id="{91BC8492-FF9E-12C9-233D-FC871B6AED16}"/>
+              </a:ext>
+            </a:extLst>
+          </p:cNvPr>
+          <p:cNvSpPr>
+            <a:spLocks noGrp="1"/>
+          </p:cNvSpPr>
+          <p:nvPr>
+            <p:ph type="title"/>
+          </p:nvPr>
+        </p:nvSpPr>
+        <p:spPr/>
+        <p:txBody>
+          <a:bodyPr/>
+          <a:lstStyle/>
+          <a:p>
+            <a:r>
+              <a:rPr lang="de-DE" dirty="0"/>
+              <a:t>Motivation</a:t>
+            </a:r>
+          </a:p>
+        </p:txBody>
+      </p:sp>
+      <p:sp>
+        <p:nvSpPr>
+          <p:cNvPr id="3" name="Content Placeholder 2">
+            <a:extLst>
+              <a:ext uri="{FF2B5EF4-FFF2-40B4-BE49-F238E27FC236}">
+                <a16:creationId xmlns:a16="http://schemas.microsoft.com/office/drawing/2014/main" id="{6940DDCE-05C4-D14D-09D8-5C700B0FB6B3}"/>
+              </a:ext>
+            </a:extLst>
+          </p:cNvPr>
+          <p:cNvSpPr>
+            <a:spLocks noGrp="1"/>
+          </p:cNvSpPr>
+          <p:nvPr>
+            <p:ph sz="quarter" idx="13"/>
+          </p:nvPr>
+        </p:nvSpPr>
+        <p:spPr/>
+        <p:txBody>
+          <a:bodyPr>
+            <a:normAutofit fontScale="70000" lnSpcReduction="20000"/>
+          </a:bodyPr>
+          <a:lstStyle/>
+          <a:p>
+            <a:r>
+              <a:rPr lang="de-DE" dirty="0"/>
+              <a:t>To give us ESE a learning curve in</a:t>
+            </a:r>
+          </a:p>
+          <a:p>
+            <a:pPr lvl="1"/>
+            <a:r>
+              <a:rPr lang="de-DE" dirty="0"/>
+              <a:t>T1S Technology</a:t>
+            </a:r>
+          </a:p>
+          <a:p>
+            <a:pPr lvl="1"/>
+            <a:r>
+              <a:rPr lang="de-DE" dirty="0"/>
+              <a:t>C and Pyhton Coding</a:t>
+            </a:r>
+          </a:p>
+          <a:p>
+            <a:pPr lvl="1"/>
+            <a:r>
+              <a:rPr lang="de-DE" dirty="0"/>
+              <a:t>Project Working</a:t>
+            </a:r>
+          </a:p>
+          <a:p>
+            <a:pPr lvl="1"/>
+            <a:r>
+              <a:rPr lang="de-DE" dirty="0"/>
+              <a:t>git and Github</a:t>
+            </a:r>
+          </a:p>
+          <a:p>
+            <a:pPr lvl="1"/>
+            <a:r>
+              <a:rPr lang="de-DE" dirty="0"/>
+              <a:t>MDB Core</a:t>
+            </a:r>
+          </a:p>
+          <a:p>
+            <a:pPr lvl="1"/>
+            <a:r>
+              <a:rPr lang="de-DE" dirty="0"/>
+              <a:t>Soft- and Hardware Testing</a:t>
+            </a:r>
+          </a:p>
+          <a:p>
+            <a:pPr lvl="1"/>
+            <a:endParaRPr lang="de-DE" dirty="0"/>
+          </a:p>
+          <a:p>
+            <a:r>
+              <a:rPr lang="en-US" dirty="0"/>
+              <a:t>This project is not about to create a Software Engineering Company within the Microchip Sales Organization. It is about to learn the processes, structures and vocabulary that our customer are dealing with</a:t>
+            </a:r>
+            <a:br>
+              <a:rPr lang="en-US" dirty="0"/>
+            </a:br>
+            <a:endParaRPr lang="en-US" dirty="0"/>
+          </a:p>
+          <a:p>
+            <a:r>
+              <a:rPr lang="de-DE" dirty="0"/>
+              <a:t>All items in the list above could be used in total different customer support processes</a:t>
+            </a:r>
+            <a:br>
+              <a:rPr lang="de-DE" dirty="0"/>
+            </a:br>
+            <a:endParaRPr lang="de-DE" dirty="0"/>
+          </a:p>
+          <a:p>
+            <a:r>
+              <a:rPr lang="de-DE"/>
+              <a:t>And maybe another result could be a </a:t>
+            </a:r>
+            <a:r>
+              <a:rPr lang="de-DE" dirty="0"/>
+              <a:t>proof of concept </a:t>
+            </a:r>
+            <a:r>
+              <a:rPr lang="de-DE"/>
+              <a:t>for customers </a:t>
+            </a:r>
+            <a:r>
+              <a:rPr lang="de-DE" dirty="0"/>
+              <a:t>in the </a:t>
+            </a:r>
+            <a:r>
+              <a:rPr lang="de-DE"/>
+              <a:t>industrial area for an T1S autoconfiguration scenario</a:t>
+            </a:r>
+            <a:endParaRPr lang="de-DE" dirty="0"/>
+          </a:p>
+        </p:txBody>
+      </p:sp>
+    </p:spTree>
+    <p:extLst>
+      <p:ext uri="{BB962C8B-B14F-4D97-AF65-F5344CB8AC3E}">
+        <p14:creationId xmlns:p14="http://schemas.microsoft.com/office/powerpoint/2010/main" val="2240505436"/>
+      </p:ext>
+    </p:extLst>
+  </p:cSld>
+  <p:clrMapOvr>
+    <a:masterClrMapping/>
+  </p:clrMapOvr>
+</p:sld>
+</file>
+
+<file path=ppt/slides/slide20.xml><?xml version="1.0" encoding="utf-8"?>
 <p:sld xmlns:a="http://schemas.openxmlformats.org/drawingml/2006/main" xmlns:r="http://schemas.openxmlformats.org/officeDocument/2006/relationships" xmlns:p="http://schemas.openxmlformats.org/presentationml/2006/main">
   <p:cSld>
     <p:spTree>
@@ -9546,184 +9947,7 @@
 </p:sld>
 </file>
 
-<file path=ppt/slides/slide2.xml><?xml version="1.0" encoding="utf-8"?>
-<p:sld xmlns:a="http://schemas.openxmlformats.org/drawingml/2006/main" xmlns:r="http://schemas.openxmlformats.org/officeDocument/2006/relationships" xmlns:p="http://schemas.openxmlformats.org/presentationml/2006/main">
-  <p:cSld>
-    <p:spTree>
-      <p:nvGrpSpPr>
-        <p:cNvPr id="1" name=""/>
-        <p:cNvGrpSpPr/>
-        <p:nvPr/>
-      </p:nvGrpSpPr>
-      <p:grpSpPr>
-        <a:xfrm>
-          <a:off x="0" y="0"/>
-          <a:ext cx="0" cy="0"/>
-          <a:chOff x="0" y="0"/>
-          <a:chExt cx="0" cy="0"/>
-        </a:xfrm>
-      </p:grpSpPr>
-      <p:sp>
-        <p:nvSpPr>
-          <p:cNvPr id="2" name="Title 1">
-            <a:extLst>
-              <a:ext uri="{FF2B5EF4-FFF2-40B4-BE49-F238E27FC236}">
-                <a16:creationId xmlns:a16="http://schemas.microsoft.com/office/drawing/2014/main" id="{91BC8492-FF9E-12C9-233D-FC871B6AED16}"/>
-              </a:ext>
-            </a:extLst>
-          </p:cNvPr>
-          <p:cNvSpPr>
-            <a:spLocks noGrp="1"/>
-          </p:cNvSpPr>
-          <p:nvPr>
-            <p:ph type="title"/>
-          </p:nvPr>
-        </p:nvSpPr>
-        <p:spPr/>
-        <p:txBody>
-          <a:bodyPr/>
-          <a:lstStyle/>
-          <a:p>
-            <a:r>
-              <a:rPr lang="de-DE" dirty="0"/>
-              <a:t>Motivation</a:t>
-            </a:r>
-          </a:p>
-        </p:txBody>
-      </p:sp>
-      <p:sp>
-        <p:nvSpPr>
-          <p:cNvPr id="3" name="Content Placeholder 2">
-            <a:extLst>
-              <a:ext uri="{FF2B5EF4-FFF2-40B4-BE49-F238E27FC236}">
-                <a16:creationId xmlns:a16="http://schemas.microsoft.com/office/drawing/2014/main" id="{6940DDCE-05C4-D14D-09D8-5C700B0FB6B3}"/>
-              </a:ext>
-            </a:extLst>
-          </p:cNvPr>
-          <p:cNvSpPr>
-            <a:spLocks noGrp="1"/>
-          </p:cNvSpPr>
-          <p:nvPr>
-            <p:ph sz="quarter" idx="13"/>
-          </p:nvPr>
-        </p:nvSpPr>
-        <p:spPr/>
-        <p:txBody>
-          <a:bodyPr>
-            <a:normAutofit fontScale="70000" lnSpcReduction="20000"/>
-          </a:bodyPr>
-          <a:lstStyle/>
-          <a:p>
-            <a:r>
-              <a:rPr lang="de-DE" dirty="0"/>
-              <a:t>To give us ESE a learning curve in</a:t>
-            </a:r>
-          </a:p>
-          <a:p>
-            <a:pPr lvl="1"/>
-            <a:r>
-              <a:rPr lang="de-DE" dirty="0"/>
-              <a:t>T1S Technology</a:t>
-            </a:r>
-          </a:p>
-          <a:p>
-            <a:pPr lvl="1"/>
-            <a:r>
-              <a:rPr lang="de-DE" dirty="0"/>
-              <a:t>C and Pyhton Coding</a:t>
-            </a:r>
-          </a:p>
-          <a:p>
-            <a:pPr lvl="1"/>
-            <a:r>
-              <a:rPr lang="de-DE" dirty="0"/>
-              <a:t>Project Working</a:t>
-            </a:r>
-          </a:p>
-          <a:p>
-            <a:pPr lvl="1"/>
-            <a:r>
-              <a:rPr lang="de-DE" dirty="0"/>
-              <a:t>git and Github</a:t>
-            </a:r>
-          </a:p>
-          <a:p>
-            <a:pPr lvl="1"/>
-            <a:r>
-              <a:rPr lang="de-DE" dirty="0"/>
-              <a:t>MDB Core</a:t>
-            </a:r>
-          </a:p>
-          <a:p>
-            <a:pPr lvl="1"/>
-            <a:r>
-              <a:rPr lang="de-DE" dirty="0"/>
-              <a:t>Soft- and Hardware Testing</a:t>
-            </a:r>
-          </a:p>
-          <a:p>
-            <a:pPr lvl="1"/>
-            <a:endParaRPr lang="de-DE" dirty="0"/>
-          </a:p>
-          <a:p>
-            <a:r>
-              <a:rPr lang="en-US" dirty="0"/>
-              <a:t>This project is not about to create a Software Engineering Company within the Microchip Sales Organization. It is about to learn the processes, structures and vocabulary that our customer are dealing with</a:t>
-            </a:r>
-            <a:br>
-              <a:rPr lang="en-US" dirty="0"/>
-            </a:br>
-            <a:endParaRPr lang="en-US" dirty="0"/>
-          </a:p>
-          <a:p>
-            <a:r>
-              <a:rPr lang="de-DE" dirty="0"/>
-              <a:t>All items in the list above could be used in total different customer support processes</a:t>
-            </a:r>
-            <a:br>
-              <a:rPr lang="de-DE" dirty="0"/>
-            </a:br>
-            <a:endParaRPr lang="de-DE" dirty="0"/>
-          </a:p>
-          <a:p>
-            <a:r>
-              <a:rPr lang="de-DE"/>
-              <a:t>And maybe another result could be a </a:t>
-            </a:r>
-            <a:r>
-              <a:rPr lang="de-DE" dirty="0"/>
-              <a:t>proof of concept </a:t>
-            </a:r>
-            <a:r>
-              <a:rPr lang="de-DE"/>
-              <a:t>for customers </a:t>
-            </a:r>
-            <a:r>
-              <a:rPr lang="de-DE" dirty="0"/>
-              <a:t>in the </a:t>
-            </a:r>
-            <a:r>
-              <a:rPr lang="de-DE"/>
-              <a:t>industrial area for an T1S autoconfiguration scenario</a:t>
-            </a:r>
-            <a:endParaRPr lang="de-DE" dirty="0"/>
-          </a:p>
-        </p:txBody>
-      </p:sp>
-    </p:spTree>
-    <p:extLst>
-      <p:ext uri="{BB962C8B-B14F-4D97-AF65-F5344CB8AC3E}">
-        <p14:creationId xmlns:p14="http://schemas.microsoft.com/office/powerpoint/2010/main" val="2240505436"/>
-      </p:ext>
-    </p:extLst>
-  </p:cSld>
-  <p:clrMapOvr>
-    <a:masterClrMapping/>
-  </p:clrMapOvr>
-</p:sld>
-</file>
-
-<file path=ppt/slides/slide20.xml><?xml version="1.0" encoding="utf-8"?>
+<file path=ppt/slides/slide21.xml><?xml version="1.0" encoding="utf-8"?>
 <p:sld xmlns:a="http://schemas.openxmlformats.org/drawingml/2006/main" xmlns:r="http://schemas.openxmlformats.org/officeDocument/2006/relationships" xmlns:p="http://schemas.openxmlformats.org/presentationml/2006/main">
   <p:cSld>
     <p:spTree>
@@ -10008,7 +10232,7 @@
 </p:sld>
 </file>
 
-<file path=ppt/slides/slide21.xml><?xml version="1.0" encoding="utf-8"?>
+<file path=ppt/slides/slide22.xml><?xml version="1.0" encoding="utf-8"?>
 <p:sld xmlns:a="http://schemas.openxmlformats.org/drawingml/2006/main" xmlns:r="http://schemas.openxmlformats.org/officeDocument/2006/relationships" xmlns:p="http://schemas.openxmlformats.org/presentationml/2006/main">
   <p:cSld>
     <p:spTree>
@@ -14628,49 +14852,16 @@
 </file>
 
 <file path=customXml/item2.xml><?xml version="1.0" encoding="utf-8"?>
-<?mso-contentType ?>
-<spe:Receivers xmlns:spe="http://schemas.microsoft.com/sharepoint/events">
-  <Receiver>
-    <Name>Document ID Generator</Name>
-    <Synchronization>Synchronous</Synchronization>
-    <Type>10001</Type>
-    <SequenceNumber>1000</SequenceNumber>
-    <Assembly>Microsoft.Office.DocumentManagement, Version=14.0.0.0, Culture=neutral, PublicKeyToken=71e9bce111e9429c</Assembly>
-    <Class>Microsoft.Office.DocumentManagement.Internal.DocIdHandler</Class>
-    <Data/>
-    <Filter/>
-  </Receiver>
-  <Receiver>
-    <Name>Document ID Generator</Name>
-    <Synchronization>Synchronous</Synchronization>
-    <Type>10002</Type>
-    <SequenceNumber>1001</SequenceNumber>
-    <Assembly>Microsoft.Office.DocumentManagement, Version=14.0.0.0, Culture=neutral, PublicKeyToken=71e9bce111e9429c</Assembly>
-    <Class>Microsoft.Office.DocumentManagement.Internal.DocIdHandler</Class>
-    <Data/>
-    <Filter/>
-  </Receiver>
-  <Receiver>
-    <Name>Document ID Generator</Name>
-    <Synchronization>Synchronous</Synchronization>
-    <Type>10004</Type>
-    <SequenceNumber>1002</SequenceNumber>
-    <Assembly>Microsoft.Office.DocumentManagement, Version=14.0.0.0, Culture=neutral, PublicKeyToken=71e9bce111e9429c</Assembly>
-    <Class>Microsoft.Office.DocumentManagement.Internal.DocIdHandler</Class>
-    <Data/>
-    <Filter/>
-  </Receiver>
-  <Receiver>
-    <Name>Document ID Generator</Name>
-    <Synchronization>Synchronous</Synchronization>
-    <Type>10006</Type>
-    <SequenceNumber>1003</SequenceNumber>
-    <Assembly>Microsoft.Office.DocumentManagement, Version=14.0.0.0, Culture=neutral, PublicKeyToken=71e9bce111e9429c</Assembly>
-    <Class>Microsoft.Office.DocumentManagement.Internal.DocIdHandler</Class>
-    <Data/>
-    <Filter/>
-  </Receiver>
-</spe:Receivers>
+<p:properties xmlns:p="http://schemas.microsoft.com/office/2006/metadata/properties" xmlns:xsi="http://www.w3.org/2001/XMLSchema-instance" xmlns:pc="http://schemas.microsoft.com/office/infopath/2007/PartnerControls">
+  <documentManagement>
+    <Content_x0020_Archived xmlns="df7acb31-37ac-40e2-81bb-c44e3630f613">false</Content_x0020_Archived>
+    <_dlc_DocId xmlns="38ef598d-997c-498b-b737-2f6b2c50ccab">SV5CHKDEWJXD-84-133</_dlc_DocId>
+    <_dlc_DocIdUrl xmlns="38ef598d-997c-498b-b737-2f6b2c50ccab">
+      <Url>http://mchpweb-2010/marcom/home/Resources/_layouts/DocIdRedir.aspx?ID=SV5CHKDEWJXD-84-133</Url>
+      <Description>SV5CHKDEWJXD-84-133</Description>
+    </_dlc_DocIdUrl>
+  </documentManagement>
+</p:properties>
 </file>
 
 <file path=customXml/item3.xml><?xml version="1.0" encoding="utf-8"?>
@@ -14830,16 +15021,49 @@
 </file>
 
 <file path=customXml/item4.xml><?xml version="1.0" encoding="utf-8"?>
-<p:properties xmlns:p="http://schemas.microsoft.com/office/2006/metadata/properties" xmlns:xsi="http://www.w3.org/2001/XMLSchema-instance" xmlns:pc="http://schemas.microsoft.com/office/infopath/2007/PartnerControls">
-  <documentManagement>
-    <Content_x0020_Archived xmlns="df7acb31-37ac-40e2-81bb-c44e3630f613">false</Content_x0020_Archived>
-    <_dlc_DocId xmlns="38ef598d-997c-498b-b737-2f6b2c50ccab">SV5CHKDEWJXD-84-133</_dlc_DocId>
-    <_dlc_DocIdUrl xmlns="38ef598d-997c-498b-b737-2f6b2c50ccab">
-      <Url>http://mchpweb-2010/marcom/home/Resources/_layouts/DocIdRedir.aspx?ID=SV5CHKDEWJXD-84-133</Url>
-      <Description>SV5CHKDEWJXD-84-133</Description>
-    </_dlc_DocIdUrl>
-  </documentManagement>
-</p:properties>
+<?mso-contentType ?>
+<spe:Receivers xmlns:spe="http://schemas.microsoft.com/sharepoint/events">
+  <Receiver>
+    <Name>Document ID Generator</Name>
+    <Synchronization>Synchronous</Synchronization>
+    <Type>10001</Type>
+    <SequenceNumber>1000</SequenceNumber>
+    <Assembly>Microsoft.Office.DocumentManagement, Version=14.0.0.0, Culture=neutral, PublicKeyToken=71e9bce111e9429c</Assembly>
+    <Class>Microsoft.Office.DocumentManagement.Internal.DocIdHandler</Class>
+    <Data/>
+    <Filter/>
+  </Receiver>
+  <Receiver>
+    <Name>Document ID Generator</Name>
+    <Synchronization>Synchronous</Synchronization>
+    <Type>10002</Type>
+    <SequenceNumber>1001</SequenceNumber>
+    <Assembly>Microsoft.Office.DocumentManagement, Version=14.0.0.0, Culture=neutral, PublicKeyToken=71e9bce111e9429c</Assembly>
+    <Class>Microsoft.Office.DocumentManagement.Internal.DocIdHandler</Class>
+    <Data/>
+    <Filter/>
+  </Receiver>
+  <Receiver>
+    <Name>Document ID Generator</Name>
+    <Synchronization>Synchronous</Synchronization>
+    <Type>10004</Type>
+    <SequenceNumber>1002</SequenceNumber>
+    <Assembly>Microsoft.Office.DocumentManagement, Version=14.0.0.0, Culture=neutral, PublicKeyToken=71e9bce111e9429c</Assembly>
+    <Class>Microsoft.Office.DocumentManagement.Internal.DocIdHandler</Class>
+    <Data/>
+    <Filter/>
+  </Receiver>
+  <Receiver>
+    <Name>Document ID Generator</Name>
+    <Synchronization>Synchronous</Synchronization>
+    <Type>10006</Type>
+    <SequenceNumber>1003</SequenceNumber>
+    <Assembly>Microsoft.Office.DocumentManagement, Version=14.0.0.0, Culture=neutral, PublicKeyToken=71e9bce111e9429c</Assembly>
+    <Class>Microsoft.Office.DocumentManagement.Internal.DocIdHandler</Class>
+    <Data/>
+    <Filter/>
+  </Receiver>
+</spe:Receivers>
 </file>
 
 <file path=customXml/itemProps1.xml><?xml version="1.0" encoding="utf-8"?>
@@ -14851,9 +15075,12 @@
 </file>
 
 <file path=customXml/itemProps2.xml><?xml version="1.0" encoding="utf-8"?>
-<ds:datastoreItem xmlns:ds="http://schemas.openxmlformats.org/officeDocument/2006/customXml" ds:itemID="{36ECED7C-7E24-4B80-B6AD-5BF0A508FB7B}">
+<ds:datastoreItem xmlns:ds="http://schemas.openxmlformats.org/officeDocument/2006/customXml" ds:itemID="{15774815-801A-4D0C-AAC8-304A8EA5EAE0}">
   <ds:schemaRefs>
-    <ds:schemaRef ds:uri="http://schemas.microsoft.com/sharepoint/events"/>
+    <ds:schemaRef ds:uri="38ef598d-997c-498b-b737-2f6b2c50ccab"/>
+    <ds:schemaRef ds:uri="df7acb31-37ac-40e2-81bb-c44e3630f613"/>
+    <ds:schemaRef ds:uri="http://schemas.microsoft.com/office/2006/metadata/properties"/>
+    <ds:schemaRef ds:uri="http://schemas.microsoft.com/office/infopath/2007/PartnerControls"/>
   </ds:schemaRefs>
 </ds:datastoreItem>
 </file>
@@ -14878,12 +15105,9 @@
 </file>
 
 <file path=customXml/itemProps4.xml><?xml version="1.0" encoding="utf-8"?>
-<ds:datastoreItem xmlns:ds="http://schemas.openxmlformats.org/officeDocument/2006/customXml" ds:itemID="{15774815-801A-4D0C-AAC8-304A8EA5EAE0}">
+<ds:datastoreItem xmlns:ds="http://schemas.openxmlformats.org/officeDocument/2006/customXml" ds:itemID="{36ECED7C-7E24-4B80-B6AD-5BF0A508FB7B}">
   <ds:schemaRefs>
-    <ds:schemaRef ds:uri="38ef598d-997c-498b-b737-2f6b2c50ccab"/>
-    <ds:schemaRef ds:uri="df7acb31-37ac-40e2-81bb-c44e3630f613"/>
-    <ds:schemaRef ds:uri="http://schemas.microsoft.com/office/2006/metadata/properties"/>
-    <ds:schemaRef ds:uri="http://schemas.microsoft.com/office/infopath/2007/PartnerControls"/>
+    <ds:schemaRef ds:uri="http://schemas.microsoft.com/sharepoint/events"/>
   </ds:schemaRefs>
 </ds:datastoreItem>
 </file>
--- a/T1S Autoconfig - Tooling.pptx
+++ b/T1S Autoconfig - Tooling.pptx
@@ -921,7 +921,7 @@
           <a:p>
             <a:fld id="{98615C2D-FB91-8740-95C2-23C11A10F2F2}" type="datetimeFigureOut">
               <a:rPr lang="en-US" smtClean="0"/>
-              <a:t>10/12/2023</a:t>
+              <a:t>10/16/2023</a:t>
             </a:fld>
             <a:endParaRPr lang="en-US"/>
           </a:p>
@@ -1099,7 +1099,7 @@
           <a:p>
             <a:fld id="{F154E49F-5C3A-ED4E-A68A-CCB3AA3B5D59}" type="datetimeFigureOut">
               <a:rPr lang="en-US" smtClean="0"/>
-              <a:t>10/12/2023</a:t>
+              <a:t>10/16/2023</a:t>
             </a:fld>
             <a:endParaRPr lang="en-US"/>
           </a:p>
@@ -5550,6 +5550,67 @@
           </a:p>
         </p:txBody>
       </p:sp>
+      <p:sp>
+        <p:nvSpPr>
+          <p:cNvPr id="4" name="Rectangle 3">
+            <a:extLst>
+              <a:ext uri="{FF2B5EF4-FFF2-40B4-BE49-F238E27FC236}">
+                <a16:creationId xmlns:a16="http://schemas.microsoft.com/office/drawing/2014/main" id="{4D6ACEE4-62AC-FD3D-89EC-8BD9B3E0F76B}"/>
+              </a:ext>
+            </a:extLst>
+          </p:cNvPr>
+          <p:cNvSpPr/>
+          <p:nvPr/>
+        </p:nvSpPr>
+        <p:spPr>
+          <a:xfrm>
+            <a:off x="355509" y="1797031"/>
+            <a:ext cx="11603770" cy="2905760"/>
+          </a:xfrm>
+          <a:prstGeom prst="rect">
+            <a:avLst/>
+          </a:prstGeom>
+          <a:ln/>
+        </p:spPr>
+        <p:style>
+          <a:lnRef idx="2">
+            <a:schemeClr val="accent2"/>
+          </a:lnRef>
+          <a:fillRef idx="1">
+            <a:schemeClr val="lt1"/>
+          </a:fillRef>
+          <a:effectRef idx="0">
+            <a:schemeClr val="accent2"/>
+          </a:effectRef>
+          <a:fontRef idx="minor">
+            <a:schemeClr val="dk1"/>
+          </a:fontRef>
+        </p:style>
+        <p:txBody>
+          <a:bodyPr rot="0" spcFirstLastPara="0" vertOverflow="overflow" horzOverflow="overflow" vert="horz" wrap="square" lIns="91440" tIns="45720" rIns="91440" bIns="45720" numCol="1" spcCol="0" rtlCol="0" fromWordArt="0" anchor="t" anchorCtr="0" forceAA="0" compatLnSpc="1">
+            <a:prstTxWarp prst="textNoShape">
+              <a:avLst/>
+            </a:prstTxWarp>
+            <a:noAutofit/>
+          </a:bodyPr>
+          <a:lstStyle/>
+          <a:p>
+            <a:endParaRPr lang="de-DE" dirty="0"/>
+          </a:p>
+          <a:p>
+            <a:r>
+              <a:rPr lang="de-DE" dirty="0"/>
+              <a:t>If another MPLABX Version should be used than v6.15, this must be changed in the script</a:t>
+            </a:r>
+          </a:p>
+          <a:p>
+            <a:endParaRPr lang="de-DE" dirty="0"/>
+          </a:p>
+          <a:p>
+            <a:endParaRPr lang="de-DE" dirty="0"/>
+          </a:p>
+        </p:txBody>
+      </p:sp>
       <p:pic>
         <p:nvPicPr>
           <p:cNvPr id="8" name="Picture 7">
@@ -5572,8 +5633,8 @@
         </p:blipFill>
         <p:spPr>
           <a:xfrm>
-            <a:off x="6394136" y="3990044"/>
-            <a:ext cx="5794689" cy="1425493"/>
+            <a:off x="663397" y="2705775"/>
+            <a:ext cx="7462885" cy="1835869"/>
           </a:xfrm>
           <a:prstGeom prst="rect">
             <a:avLst/>
@@ -5590,6 +5651,111 @@
   <p:clrMapOvr>
     <a:masterClrMapping/>
   </p:clrMapOvr>
+  <p:timing>
+    <p:tnLst>
+      <p:par>
+        <p:cTn id="1" dur="indefinite" restart="never" nodeType="tmRoot">
+          <p:childTnLst>
+            <p:seq concurrent="1" nextAc="seek">
+              <p:cTn id="2" dur="indefinite" nodeType="mainSeq">
+                <p:childTnLst>
+                  <p:par>
+                    <p:cTn id="3" fill="hold">
+                      <p:stCondLst>
+                        <p:cond delay="indefinite"/>
+                      </p:stCondLst>
+                      <p:childTnLst>
+                        <p:par>
+                          <p:cTn id="4" fill="hold">
+                            <p:stCondLst>
+                              <p:cond delay="0"/>
+                            </p:stCondLst>
+                            <p:childTnLst>
+                              <p:par>
+                                <p:cTn id="5" presetID="1" presetClass="entr" presetSubtype="0" fill="hold" grpId="0" nodeType="clickEffect">
+                                  <p:stCondLst>
+                                    <p:cond delay="0"/>
+                                  </p:stCondLst>
+                                  <p:childTnLst>
+                                    <p:set>
+                                      <p:cBhvr>
+                                        <p:cTn id="6" dur="1" fill="hold">
+                                          <p:stCondLst>
+                                            <p:cond delay="0"/>
+                                          </p:stCondLst>
+                                        </p:cTn>
+                                        <p:tgtEl>
+                                          <p:spTgt spid="4"/>
+                                        </p:tgtEl>
+                                        <p:attrNameLst>
+                                          <p:attrName>style.visibility</p:attrName>
+                                        </p:attrNameLst>
+                                      </p:cBhvr>
+                                      <p:to>
+                                        <p:strVal val="visible"/>
+                                      </p:to>
+                                    </p:set>
+                                  </p:childTnLst>
+                                </p:cTn>
+                              </p:par>
+                              <p:par>
+                                <p:cTn id="7" presetID="1" presetClass="entr" presetSubtype="0" fill="hold" nodeType="withEffect">
+                                  <p:stCondLst>
+                                    <p:cond delay="0"/>
+                                  </p:stCondLst>
+                                  <p:childTnLst>
+                                    <p:set>
+                                      <p:cBhvr>
+                                        <p:cTn id="8" dur="1" fill="hold">
+                                          <p:stCondLst>
+                                            <p:cond delay="0"/>
+                                          </p:stCondLst>
+                                        </p:cTn>
+                                        <p:tgtEl>
+                                          <p:spTgt spid="8"/>
+                                        </p:tgtEl>
+                                        <p:attrNameLst>
+                                          <p:attrName>style.visibility</p:attrName>
+                                        </p:attrNameLst>
+                                      </p:cBhvr>
+                                      <p:to>
+                                        <p:strVal val="visible"/>
+                                      </p:to>
+                                    </p:set>
+                                  </p:childTnLst>
+                                </p:cTn>
+                              </p:par>
+                            </p:childTnLst>
+                          </p:cTn>
+                        </p:par>
+                      </p:childTnLst>
+                    </p:cTn>
+                  </p:par>
+                </p:childTnLst>
+              </p:cTn>
+              <p:prevCondLst>
+                <p:cond evt="onPrev" delay="0">
+                  <p:tgtEl>
+                    <p:sldTgt/>
+                  </p:tgtEl>
+                </p:cond>
+              </p:prevCondLst>
+              <p:nextCondLst>
+                <p:cond evt="onNext" delay="0">
+                  <p:tgtEl>
+                    <p:sldTgt/>
+                  </p:tgtEl>
+                </p:cond>
+              </p:nextCondLst>
+            </p:seq>
+          </p:childTnLst>
+        </p:cTn>
+      </p:par>
+    </p:tnLst>
+    <p:bldLst>
+      <p:bldP spid="4" grpId="0" animBg="1"/>
+    </p:bldLst>
+  </p:timing>
 </p:sld>
 </file>
 
@@ -5793,6 +5959,154 @@
           </a:p>
         </p:txBody>
       </p:sp>
+      <p:sp>
+        <p:nvSpPr>
+          <p:cNvPr id="4" name="Rectangle 3">
+            <a:extLst>
+              <a:ext uri="{FF2B5EF4-FFF2-40B4-BE49-F238E27FC236}">
+                <a16:creationId xmlns:a16="http://schemas.microsoft.com/office/drawing/2014/main" id="{2612A598-33E5-8DFE-6E40-8B01222CA4DB}"/>
+              </a:ext>
+            </a:extLst>
+          </p:cNvPr>
+          <p:cNvSpPr/>
+          <p:nvPr/>
+        </p:nvSpPr>
+        <p:spPr>
+          <a:xfrm>
+            <a:off x="355509" y="1797031"/>
+            <a:ext cx="11603770" cy="2905760"/>
+          </a:xfrm>
+          <a:prstGeom prst="rect">
+            <a:avLst/>
+          </a:prstGeom>
+          <a:ln/>
+        </p:spPr>
+        <p:style>
+          <a:lnRef idx="2">
+            <a:schemeClr val="accent2"/>
+          </a:lnRef>
+          <a:fillRef idx="1">
+            <a:schemeClr val="lt1"/>
+          </a:fillRef>
+          <a:effectRef idx="0">
+            <a:schemeClr val="accent2"/>
+          </a:effectRef>
+          <a:fontRef idx="minor">
+            <a:schemeClr val="dk1"/>
+          </a:fontRef>
+        </p:style>
+        <p:txBody>
+          <a:bodyPr rot="0" spcFirstLastPara="0" vertOverflow="overflow" horzOverflow="overflow" vert="horz" wrap="square" lIns="91440" tIns="45720" rIns="91440" bIns="45720" numCol="1" spcCol="0" rtlCol="0" fromWordArt="0" anchor="t" anchorCtr="0" forceAA="0" compatLnSpc="1">
+            <a:prstTxWarp prst="textNoShape">
+              <a:avLst/>
+            </a:prstTxWarp>
+            <a:noAutofit/>
+          </a:bodyPr>
+          <a:lstStyle/>
+          <a:p>
+            <a:endParaRPr lang="de-DE" dirty="0"/>
+          </a:p>
+          <a:p>
+            <a:r>
+              <a:rPr lang="de-DE" dirty="0"/>
+              <a:t>If another MPLABX Version should be used than v6.15, this must be changed in the script</a:t>
+            </a:r>
+          </a:p>
+          <a:p>
+            <a:endParaRPr lang="de-DE" dirty="0"/>
+          </a:p>
+          <a:p>
+            <a:endParaRPr lang="de-DE" dirty="0"/>
+          </a:p>
+          <a:p>
+            <a:endParaRPr lang="de-DE" dirty="0"/>
+          </a:p>
+          <a:p>
+            <a:endParaRPr lang="de-DE" dirty="0"/>
+          </a:p>
+        </p:txBody>
+      </p:sp>
+      <p:pic>
+        <p:nvPicPr>
+          <p:cNvPr id="10" name="Picture 9">
+            <a:extLst>
+              <a:ext uri="{FF2B5EF4-FFF2-40B4-BE49-F238E27FC236}">
+                <a16:creationId xmlns:a16="http://schemas.microsoft.com/office/drawing/2014/main" id="{B8A9CB4C-3E1D-D4D2-3612-F3A3F39EF0AA}"/>
+              </a:ext>
+            </a:extLst>
+          </p:cNvPr>
+          <p:cNvPicPr>
+            <a:picLocks noChangeAspect="1"/>
+          </p:cNvPicPr>
+          <p:nvPr/>
+        </p:nvPicPr>
+        <p:blipFill>
+          <a:blip r:embed="rId4"/>
+          <a:stretch>
+            <a:fillRect/>
+          </a:stretch>
+        </p:blipFill>
+        <p:spPr>
+          <a:xfrm>
+            <a:off x="764437" y="3220094"/>
+            <a:ext cx="10283130" cy="312663"/>
+          </a:xfrm>
+          <a:prstGeom prst="rect">
+            <a:avLst/>
+          </a:prstGeom>
+        </p:spPr>
+      </p:pic>
+      <p:sp>
+        <p:nvSpPr>
+          <p:cNvPr id="11" name="Rectangle 10">
+            <a:extLst>
+              <a:ext uri="{FF2B5EF4-FFF2-40B4-BE49-F238E27FC236}">
+                <a16:creationId xmlns:a16="http://schemas.microsoft.com/office/drawing/2014/main" id="{192D9C6C-D35B-24A9-4900-7A8A6CD40C87}"/>
+              </a:ext>
+            </a:extLst>
+          </p:cNvPr>
+          <p:cNvSpPr/>
+          <p:nvPr/>
+        </p:nvSpPr>
+        <p:spPr>
+          <a:xfrm>
+            <a:off x="6745908" y="3073941"/>
+            <a:ext cx="841666" cy="651754"/>
+          </a:xfrm>
+          <a:prstGeom prst="rect">
+            <a:avLst/>
+          </a:prstGeom>
+          <a:noFill/>
+          <a:ln/>
+        </p:spPr>
+        <p:style>
+          <a:lnRef idx="2">
+            <a:schemeClr val="accent2"/>
+          </a:lnRef>
+          <a:fillRef idx="1">
+            <a:schemeClr val="lt1"/>
+          </a:fillRef>
+          <a:effectRef idx="0">
+            <a:schemeClr val="accent2"/>
+          </a:effectRef>
+          <a:fontRef idx="minor">
+            <a:schemeClr val="dk1"/>
+          </a:fontRef>
+        </p:style>
+        <p:txBody>
+          <a:bodyPr rot="0" spcFirstLastPara="0" vertOverflow="overflow" horzOverflow="overflow" vert="horz" wrap="square" lIns="91440" tIns="45720" rIns="91440" bIns="45720" numCol="1" spcCol="0" rtlCol="0" fromWordArt="0" anchor="ctr" anchorCtr="0" forceAA="0" compatLnSpc="1">
+            <a:prstTxWarp prst="textNoShape">
+              <a:avLst/>
+            </a:prstTxWarp>
+            <a:noAutofit/>
+          </a:bodyPr>
+          <a:lstStyle/>
+          <a:p>
+            <a:pPr algn="ctr"/>
+            <a:endParaRPr lang="de-DE"/>
+          </a:p>
+        </p:txBody>
+      </p:sp>
     </p:spTree>
     <p:extLst>
       <p:ext uri="{BB962C8B-B14F-4D97-AF65-F5344CB8AC3E}">
@@ -5803,6 +6117,139 @@
   <p:clrMapOvr>
     <a:masterClrMapping/>
   </p:clrMapOvr>
+  <p:timing>
+    <p:tnLst>
+      <p:par>
+        <p:cTn id="1" dur="indefinite" restart="never" nodeType="tmRoot">
+          <p:childTnLst>
+            <p:seq concurrent="1" nextAc="seek">
+              <p:cTn id="2" dur="indefinite" nodeType="mainSeq">
+                <p:childTnLst>
+                  <p:par>
+                    <p:cTn id="3" fill="hold">
+                      <p:stCondLst>
+                        <p:cond delay="indefinite"/>
+                      </p:stCondLst>
+                      <p:childTnLst>
+                        <p:par>
+                          <p:cTn id="4" fill="hold">
+                            <p:stCondLst>
+                              <p:cond delay="0"/>
+                            </p:stCondLst>
+                            <p:childTnLst>
+                              <p:par>
+                                <p:cTn id="5" presetID="1" presetClass="entr" presetSubtype="0" fill="hold" grpId="0" nodeType="clickEffect">
+                                  <p:stCondLst>
+                                    <p:cond delay="0"/>
+                                  </p:stCondLst>
+                                  <p:childTnLst>
+                                    <p:set>
+                                      <p:cBhvr>
+                                        <p:cTn id="6" dur="1" fill="hold">
+                                          <p:stCondLst>
+                                            <p:cond delay="0"/>
+                                          </p:stCondLst>
+                                        </p:cTn>
+                                        <p:tgtEl>
+                                          <p:spTgt spid="4"/>
+                                        </p:tgtEl>
+                                        <p:attrNameLst>
+                                          <p:attrName>style.visibility</p:attrName>
+                                        </p:attrNameLst>
+                                      </p:cBhvr>
+                                      <p:to>
+                                        <p:strVal val="visible"/>
+                                      </p:to>
+                                    </p:set>
+                                  </p:childTnLst>
+                                </p:cTn>
+                              </p:par>
+                              <p:par>
+                                <p:cTn id="7" presetID="1" presetClass="entr" presetSubtype="0" fill="hold" nodeType="withEffect">
+                                  <p:stCondLst>
+                                    <p:cond delay="0"/>
+                                  </p:stCondLst>
+                                  <p:childTnLst>
+                                    <p:set>
+                                      <p:cBhvr>
+                                        <p:cTn id="8" dur="1" fill="hold">
+                                          <p:stCondLst>
+                                            <p:cond delay="0"/>
+                                          </p:stCondLst>
+                                        </p:cTn>
+                                        <p:tgtEl>
+                                          <p:spTgt spid="10"/>
+                                        </p:tgtEl>
+                                        <p:attrNameLst>
+                                          <p:attrName>style.visibility</p:attrName>
+                                        </p:attrNameLst>
+                                      </p:cBhvr>
+                                      <p:to>
+                                        <p:strVal val="visible"/>
+                                      </p:to>
+                                    </p:set>
+                                  </p:childTnLst>
+                                </p:cTn>
+                              </p:par>
+                              <p:par>
+                                <p:cTn id="9" presetID="1" presetClass="entr" presetSubtype="0" fill="hold" grpId="0" nodeType="withEffect">
+                                  <p:stCondLst>
+                                    <p:cond delay="0"/>
+                                  </p:stCondLst>
+                                  <p:childTnLst>
+                                    <p:set>
+                                      <p:cBhvr>
+                                        <p:cTn id="10" dur="1" fill="hold">
+                                          <p:stCondLst>
+                                            <p:cond delay="0"/>
+                                          </p:stCondLst>
+                                        </p:cTn>
+                                        <p:tgtEl>
+                                          <p:spTgt spid="11"/>
+                                        </p:tgtEl>
+                                        <p:attrNameLst>
+                                          <p:attrName>style.visibility</p:attrName>
+                                        </p:attrNameLst>
+                                      </p:cBhvr>
+                                      <p:to>
+                                        <p:strVal val="visible"/>
+                                      </p:to>
+                                    </p:set>
+                                  </p:childTnLst>
+                                </p:cTn>
+                              </p:par>
+                            </p:childTnLst>
+                          </p:cTn>
+                        </p:par>
+                      </p:childTnLst>
+                    </p:cTn>
+                  </p:par>
+                </p:childTnLst>
+              </p:cTn>
+              <p:prevCondLst>
+                <p:cond evt="onPrev" delay="0">
+                  <p:tgtEl>
+                    <p:sldTgt/>
+                  </p:tgtEl>
+                </p:cond>
+              </p:prevCondLst>
+              <p:nextCondLst>
+                <p:cond evt="onNext" delay="0">
+                  <p:tgtEl>
+                    <p:sldTgt/>
+                  </p:tgtEl>
+                </p:cond>
+              </p:nextCondLst>
+            </p:seq>
+          </p:childTnLst>
+        </p:cTn>
+      </p:par>
+    </p:tnLst>
+    <p:bldLst>
+      <p:bldP spid="4" grpId="0" animBg="1"/>
+      <p:bldP spid="11" grpId="0" animBg="1"/>
+    </p:bldLst>
+  </p:timing>
 </p:sld>
 </file>
 
@@ -6329,8 +6776,8 @@
         </p:nvCxnSpPr>
         <p:spPr>
           <a:xfrm flipV="1">
-            <a:off x="6975835" y="2055043"/>
-            <a:ext cx="3035431" cy="265690"/>
+            <a:off x="6975835" y="2119690"/>
+            <a:ext cx="2715296" cy="201043"/>
           </a:xfrm>
           <a:prstGeom prst="straightConnector1">
             <a:avLst/>
@@ -6408,7 +6855,7 @@
         </p:nvSpPr>
         <p:spPr>
           <a:xfrm>
-            <a:off x="2875280" y="3429000"/>
+            <a:off x="2733040" y="2778849"/>
             <a:ext cx="6438265" cy="1808480"/>
           </a:xfrm>
           <a:prstGeom prst="rect">
@@ -6463,6 +6910,162 @@
           <a:xfrm>
             <a:off x="405579" y="2644857"/>
             <a:ext cx="590102" cy="214074"/>
+          </a:xfrm>
+          <a:prstGeom prst="rect">
+            <a:avLst/>
+          </a:prstGeom>
+          <a:noFill/>
+          <a:ln/>
+        </p:spPr>
+        <p:style>
+          <a:lnRef idx="2">
+            <a:schemeClr val="accent2"/>
+          </a:lnRef>
+          <a:fillRef idx="1">
+            <a:schemeClr val="lt1"/>
+          </a:fillRef>
+          <a:effectRef idx="0">
+            <a:schemeClr val="accent2"/>
+          </a:effectRef>
+          <a:fontRef idx="minor">
+            <a:schemeClr val="dk1"/>
+          </a:fontRef>
+        </p:style>
+        <p:txBody>
+          <a:bodyPr rot="0" spcFirstLastPara="0" vertOverflow="overflow" horzOverflow="overflow" vert="horz" wrap="square" lIns="91440" tIns="45720" rIns="91440" bIns="45720" numCol="1" spcCol="0" rtlCol="0" fromWordArt="0" anchor="ctr" anchorCtr="0" forceAA="0" compatLnSpc="1">
+            <a:prstTxWarp prst="textNoShape">
+              <a:avLst/>
+            </a:prstTxWarp>
+            <a:noAutofit/>
+          </a:bodyPr>
+          <a:lstStyle/>
+          <a:p>
+            <a:pPr algn="ctr"/>
+            <a:endParaRPr lang="de-DE"/>
+          </a:p>
+        </p:txBody>
+      </p:sp>
+      <p:sp>
+        <p:nvSpPr>
+          <p:cNvPr id="4" name="Rectangle 3">
+            <a:extLst>
+              <a:ext uri="{FF2B5EF4-FFF2-40B4-BE49-F238E27FC236}">
+                <a16:creationId xmlns:a16="http://schemas.microsoft.com/office/drawing/2014/main" id="{B3AC3AD9-2594-381E-B3FE-80592B08AC68}"/>
+              </a:ext>
+            </a:extLst>
+          </p:cNvPr>
+          <p:cNvSpPr/>
+          <p:nvPr/>
+        </p:nvSpPr>
+        <p:spPr>
+          <a:xfrm>
+            <a:off x="2733040" y="4738310"/>
+            <a:ext cx="6438265" cy="1808480"/>
+          </a:xfrm>
+          <a:prstGeom prst="rect">
+            <a:avLst/>
+          </a:prstGeom>
+          <a:ln/>
+        </p:spPr>
+        <p:style>
+          <a:lnRef idx="2">
+            <a:schemeClr val="accent2"/>
+          </a:lnRef>
+          <a:fillRef idx="1">
+            <a:schemeClr val="lt1"/>
+          </a:fillRef>
+          <a:effectRef idx="0">
+            <a:schemeClr val="accent2"/>
+          </a:effectRef>
+          <a:fontRef idx="minor">
+            <a:schemeClr val="dk1"/>
+          </a:fontRef>
+        </p:style>
+        <p:txBody>
+          <a:bodyPr rot="0" spcFirstLastPara="0" vertOverflow="overflow" horzOverflow="overflow" vert="horz" wrap="square" lIns="91440" tIns="45720" rIns="91440" bIns="45720" numCol="1" spcCol="0" rtlCol="0" fromWordArt="0" anchor="ctr" anchorCtr="0" forceAA="0" compatLnSpc="1">
+            <a:prstTxWarp prst="textNoShape">
+              <a:avLst/>
+            </a:prstTxWarp>
+            <a:noAutofit/>
+          </a:bodyPr>
+          <a:lstStyle/>
+          <a:p>
+            <a:pPr algn="ctr"/>
+            <a:r>
+              <a:rPr lang="en-US" dirty="0"/>
+              <a:t>By changing the index number, a debugger can be specifically assigned to a window</a:t>
+            </a:r>
+            <a:endParaRPr lang="de-DE" dirty="0"/>
+          </a:p>
+        </p:txBody>
+      </p:sp>
+      <p:sp>
+        <p:nvSpPr>
+          <p:cNvPr id="6" name="Rectangle 5">
+            <a:extLst>
+              <a:ext uri="{FF2B5EF4-FFF2-40B4-BE49-F238E27FC236}">
+                <a16:creationId xmlns:a16="http://schemas.microsoft.com/office/drawing/2014/main" id="{3D542365-707D-8925-1C39-C7B9F04ABA7D}"/>
+              </a:ext>
+            </a:extLst>
+          </p:cNvPr>
+          <p:cNvSpPr/>
+          <p:nvPr/>
+        </p:nvSpPr>
+        <p:spPr>
+          <a:xfrm>
+            <a:off x="1139448" y="3054285"/>
+            <a:ext cx="170665" cy="1031701"/>
+          </a:xfrm>
+          <a:prstGeom prst="rect">
+            <a:avLst/>
+          </a:prstGeom>
+          <a:noFill/>
+          <a:ln/>
+        </p:spPr>
+        <p:style>
+          <a:lnRef idx="2">
+            <a:schemeClr val="accent2"/>
+          </a:lnRef>
+          <a:fillRef idx="1">
+            <a:schemeClr val="lt1"/>
+          </a:fillRef>
+          <a:effectRef idx="0">
+            <a:schemeClr val="accent2"/>
+          </a:effectRef>
+          <a:fontRef idx="minor">
+            <a:schemeClr val="dk1"/>
+          </a:fontRef>
+        </p:style>
+        <p:txBody>
+          <a:bodyPr rot="0" spcFirstLastPara="0" vertOverflow="overflow" horzOverflow="overflow" vert="horz" wrap="square" lIns="91440" tIns="45720" rIns="91440" bIns="45720" numCol="1" spcCol="0" rtlCol="0" fromWordArt="0" anchor="ctr" anchorCtr="0" forceAA="0" compatLnSpc="1">
+            <a:prstTxWarp prst="textNoShape">
+              <a:avLst/>
+            </a:prstTxWarp>
+            <a:noAutofit/>
+          </a:bodyPr>
+          <a:lstStyle/>
+          <a:p>
+            <a:pPr algn="ctr"/>
+            <a:endParaRPr lang="de-DE"/>
+          </a:p>
+        </p:txBody>
+      </p:sp>
+      <p:sp>
+        <p:nvSpPr>
+          <p:cNvPr id="9" name="Rectangle 8">
+            <a:extLst>
+              <a:ext uri="{FF2B5EF4-FFF2-40B4-BE49-F238E27FC236}">
+                <a16:creationId xmlns:a16="http://schemas.microsoft.com/office/drawing/2014/main" id="{4CA32FDF-524D-6E1D-19AD-BE4077DF2AC1}"/>
+              </a:ext>
+            </a:extLst>
+          </p:cNvPr>
+          <p:cNvSpPr/>
+          <p:nvPr/>
+        </p:nvSpPr>
+        <p:spPr>
+          <a:xfrm>
+            <a:off x="9691131" y="1255505"/>
+            <a:ext cx="170665" cy="864185"/>
           </a:xfrm>
           <a:prstGeom prst="rect">
             <a:avLst/>
@@ -6588,6 +7191,105 @@
                       </p:childTnLst>
                     </p:cTn>
                   </p:par>
+                  <p:par>
+                    <p:cTn id="9" fill="hold">
+                      <p:stCondLst>
+                        <p:cond delay="indefinite"/>
+                      </p:stCondLst>
+                      <p:childTnLst>
+                        <p:par>
+                          <p:cTn id="10" fill="hold">
+                            <p:stCondLst>
+                              <p:cond delay="0"/>
+                            </p:stCondLst>
+                            <p:childTnLst>
+                              <p:par>
+                                <p:cTn id="11" presetID="1" presetClass="entr" presetSubtype="0" fill="hold" grpId="0" nodeType="clickEffect">
+                                  <p:stCondLst>
+                                    <p:cond delay="0"/>
+                                  </p:stCondLst>
+                                  <p:childTnLst>
+                                    <p:set>
+                                      <p:cBhvr>
+                                        <p:cTn id="12" dur="1" fill="hold">
+                                          <p:stCondLst>
+                                            <p:cond delay="0"/>
+                                          </p:stCondLst>
+                                        </p:cTn>
+                                        <p:tgtEl>
+                                          <p:spTgt spid="4"/>
+                                        </p:tgtEl>
+                                        <p:attrNameLst>
+                                          <p:attrName>style.visibility</p:attrName>
+                                        </p:attrNameLst>
+                                      </p:cBhvr>
+                                      <p:to>
+                                        <p:strVal val="visible"/>
+                                      </p:to>
+                                    </p:set>
+                                  </p:childTnLst>
+                                </p:cTn>
+                              </p:par>
+                              <p:par>
+                                <p:cTn id="13" presetID="1" presetClass="entr" presetSubtype="0" fill="hold" grpId="0" nodeType="withEffect">
+                                  <p:stCondLst>
+                                    <p:cond delay="0"/>
+                                  </p:stCondLst>
+                                  <p:childTnLst>
+                                    <p:set>
+                                      <p:cBhvr>
+                                        <p:cTn id="14" dur="1" fill="hold">
+                                          <p:stCondLst>
+                                            <p:cond delay="0"/>
+                                          </p:stCondLst>
+                                        </p:cTn>
+                                        <p:tgtEl>
+                                          <p:spTgt spid="6"/>
+                                        </p:tgtEl>
+                                        <p:attrNameLst>
+                                          <p:attrName>style.visibility</p:attrName>
+                                        </p:attrNameLst>
+                                      </p:cBhvr>
+                                      <p:to>
+                                        <p:strVal val="visible"/>
+                                      </p:to>
+                                    </p:set>
+                                  </p:childTnLst>
+                                </p:cTn>
+                              </p:par>
+                              <p:par>
+                                <p:cTn id="15" presetID="1" presetClass="entr" presetSubtype="0" fill="hold" grpId="0" nodeType="withEffect">
+                                  <p:stCondLst>
+                                    <p:cond delay="0"/>
+                                  </p:stCondLst>
+                                  <p:childTnLst>
+                                    <p:set>
+                                      <p:cBhvr>
+                                        <p:cTn id="16" dur="1" fill="hold">
+                                          <p:stCondLst>
+                                            <p:cond delay="0"/>
+                                          </p:stCondLst>
+                                        </p:cTn>
+                                        <p:tgtEl>
+                                          <p:spTgt spid="9"/>
+                                        </p:tgtEl>
+                                        <p:attrNameLst>
+                                          <p:attrName>style.visibility</p:attrName>
+                                        </p:attrNameLst>
+                                      </p:cBhvr>
+                                      <p:to>
+                                        <p:strVal val="visible"/>
+                                      </p:to>
+                                    </p:set>
+                                  </p:childTnLst>
+                                </p:cTn>
+                              </p:par>
+                            </p:childTnLst>
+                          </p:cTn>
+                        </p:par>
+                      </p:childTnLst>
+                    </p:cTn>
+                  </p:par>
                 </p:childTnLst>
               </p:cTn>
               <p:prevCondLst>
@@ -6612,6 +7314,9 @@
     <p:bldLst>
       <p:bldP spid="2" grpId="0" animBg="1"/>
       <p:bldP spid="3" grpId="0" animBg="1"/>
+      <p:bldP spid="4" grpId="0" animBg="1"/>
+      <p:bldP spid="6" grpId="0" animBg="1"/>
+      <p:bldP spid="9" grpId="0" animBg="1"/>
     </p:bldLst>
   </p:timing>
 </p:sld>
@@ -13773,6 +14478,97 @@
           </a:p>
         </p:txBody>
       </p:sp>
+      <p:sp>
+        <p:nvSpPr>
+          <p:cNvPr id="11" name="Rectangle 10">
+            <a:extLst>
+              <a:ext uri="{FF2B5EF4-FFF2-40B4-BE49-F238E27FC236}">
+                <a16:creationId xmlns:a16="http://schemas.microsoft.com/office/drawing/2014/main" id="{4E43293E-0F77-4962-9BD7-E1A054466267}"/>
+              </a:ext>
+            </a:extLst>
+          </p:cNvPr>
+          <p:cNvSpPr/>
+          <p:nvPr/>
+        </p:nvSpPr>
+        <p:spPr>
+          <a:xfrm>
+            <a:off x="355509" y="1797031"/>
+            <a:ext cx="11603770" cy="2905760"/>
+          </a:xfrm>
+          <a:prstGeom prst="rect">
+            <a:avLst/>
+          </a:prstGeom>
+          <a:ln/>
+        </p:spPr>
+        <p:style>
+          <a:lnRef idx="2">
+            <a:schemeClr val="accent2"/>
+          </a:lnRef>
+          <a:fillRef idx="1">
+            <a:schemeClr val="lt1"/>
+          </a:fillRef>
+          <a:effectRef idx="0">
+            <a:schemeClr val="accent2"/>
+          </a:effectRef>
+          <a:fontRef idx="minor">
+            <a:schemeClr val="dk1"/>
+          </a:fontRef>
+        </p:style>
+        <p:txBody>
+          <a:bodyPr rot="0" spcFirstLastPara="0" vertOverflow="overflow" horzOverflow="overflow" vert="horz" wrap="square" lIns="91440" tIns="45720" rIns="91440" bIns="45720" numCol="1" spcCol="0" rtlCol="0" fromWordArt="0" anchor="t" anchorCtr="0" forceAA="0" compatLnSpc="1">
+            <a:prstTxWarp prst="textNoShape">
+              <a:avLst/>
+            </a:prstTxWarp>
+            <a:noAutofit/>
+          </a:bodyPr>
+          <a:lstStyle/>
+          <a:p>
+            <a:endParaRPr lang="de-DE" dirty="0"/>
+          </a:p>
+          <a:p>
+            <a:r>
+              <a:rPr lang="de-DE" dirty="0"/>
+              <a:t>If another MPLABX Version should be used than v6.15, this must be changed in the script</a:t>
+            </a:r>
+          </a:p>
+          <a:p>
+            <a:endParaRPr lang="de-DE" dirty="0"/>
+          </a:p>
+          <a:p>
+            <a:endParaRPr lang="de-DE" dirty="0"/>
+          </a:p>
+        </p:txBody>
+      </p:sp>
+      <p:pic>
+        <p:nvPicPr>
+          <p:cNvPr id="13" name="Picture 12">
+            <a:extLst>
+              <a:ext uri="{FF2B5EF4-FFF2-40B4-BE49-F238E27FC236}">
+                <a16:creationId xmlns:a16="http://schemas.microsoft.com/office/drawing/2014/main" id="{FB2E71D1-7C70-A297-8AA3-0D50045852DB}"/>
+              </a:ext>
+            </a:extLst>
+          </p:cNvPr>
+          <p:cNvPicPr>
+            <a:picLocks noChangeAspect="1"/>
+          </p:cNvPicPr>
+          <p:nvPr/>
+        </p:nvPicPr>
+        <p:blipFill>
+          <a:blip r:embed="rId5"/>
+          <a:stretch>
+            <a:fillRect/>
+          </a:stretch>
+        </p:blipFill>
+        <p:spPr>
+          <a:xfrm>
+            <a:off x="653261" y="2785054"/>
+            <a:ext cx="10882303" cy="1287892"/>
+          </a:xfrm>
+          <a:prstGeom prst="rect">
+            <a:avLst/>
+          </a:prstGeom>
+        </p:spPr>
+      </p:pic>
     </p:spTree>
     <p:extLst>
       <p:ext uri="{BB962C8B-B14F-4D97-AF65-F5344CB8AC3E}">
@@ -13881,6 +14677,78 @@
                       </p:childTnLst>
                     </p:cTn>
                   </p:par>
+                  <p:par>
+                    <p:cTn id="11" fill="hold">
+                      <p:stCondLst>
+                        <p:cond delay="indefinite"/>
+                      </p:stCondLst>
+                      <p:childTnLst>
+                        <p:par>
+                          <p:cTn id="12" fill="hold">
+                            <p:stCondLst>
+                              <p:cond delay="0"/>
+                            </p:stCondLst>
+                            <p:childTnLst>
+                              <p:par>
+                                <p:cTn id="13" presetID="1" presetClass="entr" presetSubtype="0" fill="hold" grpId="0" nodeType="clickEffect">
+                                  <p:stCondLst>
+                                    <p:cond delay="0"/>
+                                  </p:stCondLst>
+                                  <p:childTnLst>
+                                    <p:set>
+                                      <p:cBhvr>
+                                        <p:cTn id="14" dur="1" fill="hold">
+                                          <p:stCondLst>
+                                            <p:cond delay="0"/>
+                                          </p:stCondLst>
+                                        </p:cTn>
+                                        <p:tgtEl>
+                                          <p:spTgt spid="11"/>
+                                        </p:tgtEl>
+                                        <p:attrNameLst>
+                                          <p:attrName>style.visibility</p:attrName>
+                                        </p:attrNameLst>
+                                      </p:cBhvr>
+                                      <p:to>
+                                        <p:strVal val="visible"/>
+                                      </p:to>
+                                    </p:set>
+                                  </p:childTnLst>
+                                </p:cTn>
+                              </p:par>
+                              <p:par>
+                                <p:cTn id="15" presetID="1" presetClass="entr" presetSubtype="0" fill="hold" nodeType="withEffect">
+                                  <p:stCondLst>
+                                    <p:cond delay="0"/>
+                                  </p:stCondLst>
+                                  <p:childTnLst>
+                                    <p:set>
+                                      <p:cBhvr>
+                                        <p:cTn id="16" dur="1" fill="hold">
+                                          <p:stCondLst>
+                                            <p:cond delay="0"/>
+                                          </p:stCondLst>
+                                        </p:cTn>
+                                        <p:tgtEl>
+                                          <p:spTgt spid="13"/>
+                                        </p:tgtEl>
+                                        <p:attrNameLst>
+                                          <p:attrName>style.visibility</p:attrName>
+                                        </p:attrNameLst>
+                                      </p:cBhvr>
+                                      <p:to>
+                                        <p:strVal val="visible"/>
+                                      </p:to>
+                                    </p:set>
+                                  </p:childTnLst>
+                                </p:cTn>
+                              </p:par>
+                            </p:childTnLst>
+                          </p:cTn>
+                        </p:par>
+                      </p:childTnLst>
+                    </p:cTn>
+                  </p:par>
                 </p:childTnLst>
               </p:cTn>
               <p:prevCondLst>
@@ -13905,6 +14773,7 @@
     <p:bldLst>
       <p:bldP spid="4" grpId="0" animBg="1"/>
       <p:bldP spid="7" grpId="0" animBg="1"/>
+      <p:bldP spid="11" grpId="0" animBg="1"/>
     </p:bldLst>
   </p:timing>
 </p:sld>
@@ -14852,16 +15721,49 @@
 </file>
 
 <file path=customXml/item2.xml><?xml version="1.0" encoding="utf-8"?>
-<p:properties xmlns:p="http://schemas.microsoft.com/office/2006/metadata/properties" xmlns:xsi="http://www.w3.org/2001/XMLSchema-instance" xmlns:pc="http://schemas.microsoft.com/office/infopath/2007/PartnerControls">
-  <documentManagement>
-    <Content_x0020_Archived xmlns="df7acb31-37ac-40e2-81bb-c44e3630f613">false</Content_x0020_Archived>
-    <_dlc_DocId xmlns="38ef598d-997c-498b-b737-2f6b2c50ccab">SV5CHKDEWJXD-84-133</_dlc_DocId>
-    <_dlc_DocIdUrl xmlns="38ef598d-997c-498b-b737-2f6b2c50ccab">
-      <Url>http://mchpweb-2010/marcom/home/Resources/_layouts/DocIdRedir.aspx?ID=SV5CHKDEWJXD-84-133</Url>
-      <Description>SV5CHKDEWJXD-84-133</Description>
-    </_dlc_DocIdUrl>
-  </documentManagement>
-</p:properties>
+<?mso-contentType ?>
+<spe:Receivers xmlns:spe="http://schemas.microsoft.com/sharepoint/events">
+  <Receiver>
+    <Name>Document ID Generator</Name>
+    <Synchronization>Synchronous</Synchronization>
+    <Type>10001</Type>
+    <SequenceNumber>1000</SequenceNumber>
+    <Assembly>Microsoft.Office.DocumentManagement, Version=14.0.0.0, Culture=neutral, PublicKeyToken=71e9bce111e9429c</Assembly>
+    <Class>Microsoft.Office.DocumentManagement.Internal.DocIdHandler</Class>
+    <Data/>
+    <Filter/>
+  </Receiver>
+  <Receiver>
+    <Name>Document ID Generator</Name>
+    <Synchronization>Synchronous</Synchronization>
+    <Type>10002</Type>
+    <SequenceNumber>1001</SequenceNumber>
+    <Assembly>Microsoft.Office.DocumentManagement, Version=14.0.0.0, Culture=neutral, PublicKeyToken=71e9bce111e9429c</Assembly>
+    <Class>Microsoft.Office.DocumentManagement.Internal.DocIdHandler</Class>
+    <Data/>
+    <Filter/>
+  </Receiver>
+  <Receiver>
+    <Name>Document ID Generator</Name>
+    <Synchronization>Synchronous</Synchronization>
+    <Type>10004</Type>
+    <SequenceNumber>1002</SequenceNumber>
+    <Assembly>Microsoft.Office.DocumentManagement, Version=14.0.0.0, Culture=neutral, PublicKeyToken=71e9bce111e9429c</Assembly>
+    <Class>Microsoft.Office.DocumentManagement.Internal.DocIdHandler</Class>
+    <Data/>
+    <Filter/>
+  </Receiver>
+  <Receiver>
+    <Name>Document ID Generator</Name>
+    <Synchronization>Synchronous</Synchronization>
+    <Type>10006</Type>
+    <SequenceNumber>1003</SequenceNumber>
+    <Assembly>Microsoft.Office.DocumentManagement, Version=14.0.0.0, Culture=neutral, PublicKeyToken=71e9bce111e9429c</Assembly>
+    <Class>Microsoft.Office.DocumentManagement.Internal.DocIdHandler</Class>
+    <Data/>
+    <Filter/>
+  </Receiver>
+</spe:Receivers>
 </file>
 
 <file path=customXml/item3.xml><?xml version="1.0" encoding="utf-8"?>
@@ -15021,49 +15923,16 @@
 </file>
 
 <file path=customXml/item4.xml><?xml version="1.0" encoding="utf-8"?>
-<?mso-contentType ?>
-<spe:Receivers xmlns:spe="http://schemas.microsoft.com/sharepoint/events">
-  <Receiver>
-    <Name>Document ID Generator</Name>
-    <Synchronization>Synchronous</Synchronization>
-    <Type>10001</Type>
-    <SequenceNumber>1000</SequenceNumber>
-    <Assembly>Microsoft.Office.DocumentManagement, Version=14.0.0.0, Culture=neutral, PublicKeyToken=71e9bce111e9429c</Assembly>
-    <Class>Microsoft.Office.DocumentManagement.Internal.DocIdHandler</Class>
-    <Data/>
-    <Filter/>
-  </Receiver>
-  <Receiver>
-    <Name>Document ID Generator</Name>
-    <Synchronization>Synchronous</Synchronization>
-    <Type>10002</Type>
-    <SequenceNumber>1001</SequenceNumber>
-    <Assembly>Microsoft.Office.DocumentManagement, Version=14.0.0.0, Culture=neutral, PublicKeyToken=71e9bce111e9429c</Assembly>
-    <Class>Microsoft.Office.DocumentManagement.Internal.DocIdHandler</Class>
-    <Data/>
-    <Filter/>
-  </Receiver>
-  <Receiver>
-    <Name>Document ID Generator</Name>
-    <Synchronization>Synchronous</Synchronization>
-    <Type>10004</Type>
-    <SequenceNumber>1002</SequenceNumber>
-    <Assembly>Microsoft.Office.DocumentManagement, Version=14.0.0.0, Culture=neutral, PublicKeyToken=71e9bce111e9429c</Assembly>
-    <Class>Microsoft.Office.DocumentManagement.Internal.DocIdHandler</Class>
-    <Data/>
-    <Filter/>
-  </Receiver>
-  <Receiver>
-    <Name>Document ID Generator</Name>
-    <Synchronization>Synchronous</Synchronization>
-    <Type>10006</Type>
-    <SequenceNumber>1003</SequenceNumber>
-    <Assembly>Microsoft.Office.DocumentManagement, Version=14.0.0.0, Culture=neutral, PublicKeyToken=71e9bce111e9429c</Assembly>
-    <Class>Microsoft.Office.DocumentManagement.Internal.DocIdHandler</Class>
-    <Data/>
-    <Filter/>
-  </Receiver>
-</spe:Receivers>
+<p:properties xmlns:p="http://schemas.microsoft.com/office/2006/metadata/properties" xmlns:xsi="http://www.w3.org/2001/XMLSchema-instance" xmlns:pc="http://schemas.microsoft.com/office/infopath/2007/PartnerControls">
+  <documentManagement>
+    <Content_x0020_Archived xmlns="df7acb31-37ac-40e2-81bb-c44e3630f613">false</Content_x0020_Archived>
+    <_dlc_DocId xmlns="38ef598d-997c-498b-b737-2f6b2c50ccab">SV5CHKDEWJXD-84-133</_dlc_DocId>
+    <_dlc_DocIdUrl xmlns="38ef598d-997c-498b-b737-2f6b2c50ccab">
+      <Url>http://mchpweb-2010/marcom/home/Resources/_layouts/DocIdRedir.aspx?ID=SV5CHKDEWJXD-84-133</Url>
+      <Description>SV5CHKDEWJXD-84-133</Description>
+    </_dlc_DocIdUrl>
+  </documentManagement>
+</p:properties>
 </file>
 
 <file path=customXml/itemProps1.xml><?xml version="1.0" encoding="utf-8"?>
@@ -15075,12 +15944,9 @@
 </file>
 
 <file path=customXml/itemProps2.xml><?xml version="1.0" encoding="utf-8"?>
-<ds:datastoreItem xmlns:ds="http://schemas.openxmlformats.org/officeDocument/2006/customXml" ds:itemID="{15774815-801A-4D0C-AAC8-304A8EA5EAE0}">
+<ds:datastoreItem xmlns:ds="http://schemas.openxmlformats.org/officeDocument/2006/customXml" ds:itemID="{36ECED7C-7E24-4B80-B6AD-5BF0A508FB7B}">
   <ds:schemaRefs>
-    <ds:schemaRef ds:uri="38ef598d-997c-498b-b737-2f6b2c50ccab"/>
-    <ds:schemaRef ds:uri="df7acb31-37ac-40e2-81bb-c44e3630f613"/>
-    <ds:schemaRef ds:uri="http://schemas.microsoft.com/office/2006/metadata/properties"/>
-    <ds:schemaRef ds:uri="http://schemas.microsoft.com/office/infopath/2007/PartnerControls"/>
+    <ds:schemaRef ds:uri="http://schemas.microsoft.com/sharepoint/events"/>
   </ds:schemaRefs>
 </ds:datastoreItem>
 </file>
@@ -15105,9 +15971,12 @@
 </file>
 
 <file path=customXml/itemProps4.xml><?xml version="1.0" encoding="utf-8"?>
-<ds:datastoreItem xmlns:ds="http://schemas.openxmlformats.org/officeDocument/2006/customXml" ds:itemID="{36ECED7C-7E24-4B80-B6AD-5BF0A508FB7B}">
+<ds:datastoreItem xmlns:ds="http://schemas.openxmlformats.org/officeDocument/2006/customXml" ds:itemID="{15774815-801A-4D0C-AAC8-304A8EA5EAE0}">
   <ds:schemaRefs>
-    <ds:schemaRef ds:uri="http://schemas.microsoft.com/sharepoint/events"/>
+    <ds:schemaRef ds:uri="38ef598d-997c-498b-b737-2f6b2c50ccab"/>
+    <ds:schemaRef ds:uri="df7acb31-37ac-40e2-81bb-c44e3630f613"/>
+    <ds:schemaRef ds:uri="http://schemas.microsoft.com/office/2006/metadata/properties"/>
+    <ds:schemaRef ds:uri="http://schemas.microsoft.com/office/infopath/2007/PartnerControls"/>
   </ds:schemaRefs>
 </ds:datastoreItem>
 </file>
--- a/T1S Autoconfig - Tooling.pptx
+++ b/T1S Autoconfig - Tooling.pptx
@@ -5,10 +5,10 @@
     <p:sldMasterId id="2147483648" r:id="rId5"/>
   </p:sldMasterIdLst>
   <p:notesMasterIdLst>
-    <p:notesMasterId r:id="rId28"/>
+    <p:notesMasterId r:id="rId30"/>
   </p:notesMasterIdLst>
   <p:handoutMasterIdLst>
-    <p:handoutMasterId r:id="rId29"/>
+    <p:handoutMasterId r:id="rId31"/>
   </p:handoutMasterIdLst>
   <p:sldIdLst>
     <p:sldId id="1954" r:id="rId6"/>
@@ -28,11 +28,13 @@
     <p:sldId id="2015" r:id="rId20"/>
     <p:sldId id="2024" r:id="rId21"/>
     <p:sldId id="2016" r:id="rId22"/>
-    <p:sldId id="2019" r:id="rId23"/>
-    <p:sldId id="2006" r:id="rId24"/>
-    <p:sldId id="2007" r:id="rId25"/>
-    <p:sldId id="2017" r:id="rId26"/>
-    <p:sldId id="2018" r:id="rId27"/>
+    <p:sldId id="2025" r:id="rId23"/>
+    <p:sldId id="2026" r:id="rId24"/>
+    <p:sldId id="2019" r:id="rId25"/>
+    <p:sldId id="2006" r:id="rId26"/>
+    <p:sldId id="2007" r:id="rId27"/>
+    <p:sldId id="2017" r:id="rId28"/>
+    <p:sldId id="2018" r:id="rId29"/>
   </p:sldIdLst>
   <p:sldSz cx="12188825" cy="6858000"/>
   <p:notesSz cx="6858000" cy="9144000"/>
@@ -921,7 +923,7 @@
           <a:p>
             <a:fld id="{98615C2D-FB91-8740-95C2-23C11A10F2F2}" type="datetimeFigureOut">
               <a:rPr lang="en-US" smtClean="0"/>
-              <a:t>10/16/2023</a:t>
+              <a:t>10/26/2023</a:t>
             </a:fld>
             <a:endParaRPr lang="en-US"/>
           </a:p>
@@ -1099,7 +1101,7 @@
           <a:p>
             <a:fld id="{F154E49F-5C3A-ED4E-A68A-CCB3AA3B5D59}" type="datetimeFigureOut">
               <a:rPr lang="en-US" smtClean="0"/>
-              <a:t>10/16/2023</a:t>
+              <a:t>10/26/2023</a:t>
             </a:fld>
             <a:endParaRPr lang="en-US"/>
           </a:p>
@@ -8439,6 +8441,665 @@
 </file>
 
 <file path=ppt/slides/slide18.xml><?xml version="1.0" encoding="utf-8"?>
+<p:sld xmlns:a="http://schemas.openxmlformats.org/drawingml/2006/main" xmlns:r="http://schemas.openxmlformats.org/officeDocument/2006/relationships" xmlns:p="http://schemas.openxmlformats.org/presentationml/2006/main">
+  <p:cSld>
+    <p:spTree>
+      <p:nvGrpSpPr>
+        <p:cNvPr id="1" name=""/>
+        <p:cNvGrpSpPr/>
+        <p:nvPr/>
+      </p:nvGrpSpPr>
+      <p:grpSpPr>
+        <a:xfrm>
+          <a:off x="0" y="0"/>
+          <a:ext cx="0" cy="0"/>
+          <a:chOff x="0" y="0"/>
+          <a:chExt cx="0" cy="0"/>
+        </a:xfrm>
+      </p:grpSpPr>
+      <p:sp>
+        <p:nvSpPr>
+          <p:cNvPr id="2" name="Title 1">
+            <a:extLst>
+              <a:ext uri="{FF2B5EF4-FFF2-40B4-BE49-F238E27FC236}">
+                <a16:creationId xmlns:a16="http://schemas.microsoft.com/office/drawing/2014/main" id="{0644FA54-3F5A-30E3-4868-7D48857C347E}"/>
+              </a:ext>
+            </a:extLst>
+          </p:cNvPr>
+          <p:cNvSpPr>
+            <a:spLocks noGrp="1"/>
+          </p:cNvSpPr>
+          <p:nvPr>
+            <p:ph type="title"/>
+          </p:nvPr>
+        </p:nvSpPr>
+        <p:spPr/>
+        <p:txBody>
+          <a:bodyPr/>
+          <a:lstStyle/>
+          <a:p>
+            <a:r>
+              <a:rPr lang="de-DE" dirty="0"/>
+              <a:t>Python Modules Dependencies „terminal.pyw“</a:t>
+            </a:r>
+          </a:p>
+        </p:txBody>
+      </p:sp>
+      <p:sp>
+        <p:nvSpPr>
+          <p:cNvPr id="3" name="Content Placeholder 2">
+            <a:extLst>
+              <a:ext uri="{FF2B5EF4-FFF2-40B4-BE49-F238E27FC236}">
+                <a16:creationId xmlns:a16="http://schemas.microsoft.com/office/drawing/2014/main" id="{69B0A739-0D8D-293F-CA27-09C5DE877038}"/>
+              </a:ext>
+            </a:extLst>
+          </p:cNvPr>
+          <p:cNvSpPr>
+            <a:spLocks noGrp="1"/>
+          </p:cNvSpPr>
+          <p:nvPr>
+            <p:ph sz="quarter" idx="13"/>
+          </p:nvPr>
+        </p:nvSpPr>
+        <p:spPr/>
+        <p:txBody>
+          <a:bodyPr>
+            <a:normAutofit fontScale="85000" lnSpcReduction="10000"/>
+          </a:bodyPr>
+          <a:lstStyle/>
+          <a:p>
+            <a:pPr marL="0" indent="0">
+              <a:buNone/>
+            </a:pPr>
+            <a:endParaRPr lang="de-DE" dirty="0"/>
+          </a:p>
+          <a:p>
+            <a:pPr marL="0" indent="0">
+              <a:buNone/>
+            </a:pPr>
+            <a:r>
+              <a:rPr lang="de-DE" dirty="0"/>
+              <a:t>pip install pyserial</a:t>
+            </a:r>
+          </a:p>
+          <a:p>
+            <a:pPr marL="0" indent="0">
+              <a:buNone/>
+            </a:pPr>
+            <a:endParaRPr lang="de-DE" dirty="0"/>
+          </a:p>
+          <a:p>
+            <a:pPr marL="0" indent="0">
+              <a:buNone/>
+            </a:pPr>
+            <a:endParaRPr lang="de-DE" dirty="0"/>
+          </a:p>
+          <a:p>
+            <a:pPr marL="0" indent="0" algn="ctr">
+              <a:buNone/>
+            </a:pPr>
+            <a:endParaRPr lang="de-DE" dirty="0">
+              <a:hlinkClick r:id="rId2"/>
+            </a:endParaRPr>
+          </a:p>
+          <a:p>
+            <a:pPr marL="0" indent="0" algn="ctr">
+              <a:buNone/>
+            </a:pPr>
+            <a:endParaRPr lang="de-DE" dirty="0">
+              <a:hlinkClick r:id="rId2"/>
+            </a:endParaRPr>
+          </a:p>
+          <a:p>
+            <a:pPr marL="0" indent="0" algn="ctr">
+              <a:buNone/>
+            </a:pPr>
+            <a:endParaRPr lang="de-DE" dirty="0">
+              <a:hlinkClick r:id="rId2"/>
+            </a:endParaRPr>
+          </a:p>
+          <a:p>
+            <a:pPr marL="0" indent="0" algn="ctr">
+              <a:buNone/>
+            </a:pPr>
+            <a:r>
+              <a:rPr lang="de-DE" dirty="0">
+                <a:hlinkClick r:id="rId2"/>
+              </a:rPr>
+              <a:t>https://pythonhosted.org/pyserial/index.html</a:t>
+            </a:r>
+            <a:endParaRPr lang="de-DE" dirty="0"/>
+          </a:p>
+          <a:p>
+            <a:pPr marL="0" indent="0" algn="ctr">
+              <a:buNone/>
+            </a:pPr>
+            <a:endParaRPr lang="de-DE" dirty="0"/>
+          </a:p>
+          <a:p>
+            <a:pPr marL="0" indent="0" algn="ctr">
+              <a:buNone/>
+            </a:pPr>
+            <a:r>
+              <a:rPr lang="en-US" b="0" i="0" dirty="0">
+                <a:solidFill>
+                  <a:srgbClr val="000000"/>
+                </a:solidFill>
+                <a:effectLst/>
+                <a:latin typeface="Arial" panose="020B0604020202020204" pitchFamily="34" charset="0"/>
+              </a:rPr>
+              <a:t>This module encapsulates the access for the serial port. It provides backends for </a:t>
+            </a:r>
+            <a:r>
+              <a:rPr lang="en-US" b="0" i="0" u="none" strike="noStrike" dirty="0">
+                <a:solidFill>
+                  <a:srgbClr val="355F7C"/>
+                </a:solidFill>
+                <a:effectLst/>
+                <a:latin typeface="Arial" panose="020B0604020202020204" pitchFamily="34" charset="0"/>
+                <a:hlinkClick r:id="rId3"/>
+              </a:rPr>
+              <a:t>Python</a:t>
+            </a:r>
+            <a:r>
+              <a:rPr lang="en-US" b="0" i="0" dirty="0">
+                <a:solidFill>
+                  <a:srgbClr val="000000"/>
+                </a:solidFill>
+                <a:effectLst/>
+                <a:latin typeface="Arial" panose="020B0604020202020204" pitchFamily="34" charset="0"/>
+              </a:rPr>
+              <a:t> running on Windows, OSX, Linux, BSD (possibly any POSIX compliant system) and </a:t>
+            </a:r>
+            <a:r>
+              <a:rPr lang="en-US" b="0" i="0" dirty="0" err="1">
+                <a:solidFill>
+                  <a:srgbClr val="000000"/>
+                </a:solidFill>
+                <a:effectLst/>
+                <a:latin typeface="Arial" panose="020B0604020202020204" pitchFamily="34" charset="0"/>
+              </a:rPr>
+              <a:t>IronPython</a:t>
+            </a:r>
+            <a:r>
+              <a:rPr lang="en-US" b="0" i="0" dirty="0">
+                <a:solidFill>
+                  <a:srgbClr val="000000"/>
+                </a:solidFill>
+                <a:effectLst/>
+                <a:latin typeface="Arial" panose="020B0604020202020204" pitchFamily="34" charset="0"/>
+              </a:rPr>
+              <a:t>. The module named “serial” automatically selects the appropriate backend.</a:t>
+            </a:r>
+            <a:endParaRPr lang="de-DE" dirty="0"/>
+          </a:p>
+          <a:p>
+            <a:pPr marL="0" indent="0">
+              <a:buNone/>
+            </a:pPr>
+            <a:endParaRPr lang="de-DE" dirty="0"/>
+          </a:p>
+          <a:p>
+            <a:pPr marL="0" indent="0">
+              <a:buNone/>
+            </a:pPr>
+            <a:endParaRPr lang="de-DE" dirty="0"/>
+          </a:p>
+          <a:p>
+            <a:pPr marL="0" indent="0">
+              <a:buNone/>
+            </a:pPr>
+            <a:endParaRPr lang="de-DE" dirty="0"/>
+          </a:p>
+        </p:txBody>
+      </p:sp>
+      <p:pic>
+        <p:nvPicPr>
+          <p:cNvPr id="1028" name="Picture 4" descr="Logo">
+            <a:extLst>
+              <a:ext uri="{FF2B5EF4-FFF2-40B4-BE49-F238E27FC236}">
+                <a16:creationId xmlns:a16="http://schemas.microsoft.com/office/drawing/2014/main" id="{7BAE9EFE-8097-ED49-A397-6C935BE8A6B5}"/>
+              </a:ext>
+            </a:extLst>
+          </p:cNvPr>
+          <p:cNvPicPr>
+            <a:picLocks noChangeAspect="1" noChangeArrowheads="1"/>
+          </p:cNvPicPr>
+          <p:nvPr/>
+        </p:nvPicPr>
+        <p:blipFill>
+          <a:blip r:embed="rId4">
+            <a:extLst>
+              <a:ext uri="{28A0092B-C50C-407E-A947-70E740481C1C}">
+                <a14:useLocalDpi xmlns:a14="http://schemas.microsoft.com/office/drawing/2010/main" val="0"/>
+              </a:ext>
+            </a:extLst>
+          </a:blip>
+          <a:srcRect/>
+          <a:stretch>
+            <a:fillRect/>
+          </a:stretch>
+        </p:blipFill>
+        <p:spPr bwMode="auto">
+          <a:xfrm>
+            <a:off x="4962508" y="2362200"/>
+            <a:ext cx="1962150" cy="1066800"/>
+          </a:xfrm>
+          <a:prstGeom prst="rect">
+            <a:avLst/>
+          </a:prstGeom>
+          <a:noFill/>
+          <a:extLst>
+            <a:ext uri="{909E8E84-426E-40DD-AFC4-6F175D3DCCD1}">
+              <a14:hiddenFill xmlns:a14="http://schemas.microsoft.com/office/drawing/2010/main">
+                <a:solidFill>
+                  <a:srgbClr val="FFFFFF"/>
+                </a:solidFill>
+              </a14:hiddenFill>
+            </a:ext>
+          </a:extLst>
+        </p:spPr>
+      </p:pic>
+    </p:spTree>
+    <p:extLst>
+      <p:ext uri="{BB962C8B-B14F-4D97-AF65-F5344CB8AC3E}">
+        <p14:creationId xmlns:p14="http://schemas.microsoft.com/office/powerpoint/2010/main" val="1991260888"/>
+      </p:ext>
+    </p:extLst>
+  </p:cSld>
+  <p:clrMapOvr>
+    <a:masterClrMapping/>
+  </p:clrMapOvr>
+</p:sld>
+</file>
+
+<file path=ppt/slides/slide19.xml><?xml version="1.0" encoding="utf-8"?>
+<p:sld xmlns:a="http://schemas.openxmlformats.org/drawingml/2006/main" xmlns:r="http://schemas.openxmlformats.org/officeDocument/2006/relationships" xmlns:p="http://schemas.openxmlformats.org/presentationml/2006/main">
+  <p:cSld>
+    <p:spTree>
+      <p:nvGrpSpPr>
+        <p:cNvPr id="1" name=""/>
+        <p:cNvGrpSpPr/>
+        <p:nvPr/>
+      </p:nvGrpSpPr>
+      <p:grpSpPr>
+        <a:xfrm>
+          <a:off x="0" y="0"/>
+          <a:ext cx="0" cy="0"/>
+          <a:chOff x="0" y="0"/>
+          <a:chExt cx="0" cy="0"/>
+        </a:xfrm>
+      </p:grpSpPr>
+      <p:sp>
+        <p:nvSpPr>
+          <p:cNvPr id="2" name="Title 1">
+            <a:extLst>
+              <a:ext uri="{FF2B5EF4-FFF2-40B4-BE49-F238E27FC236}">
+                <a16:creationId xmlns:a16="http://schemas.microsoft.com/office/drawing/2014/main" id="{0644FA54-3F5A-30E3-4868-7D48857C347E}"/>
+              </a:ext>
+            </a:extLst>
+          </p:cNvPr>
+          <p:cNvSpPr>
+            <a:spLocks noGrp="1"/>
+          </p:cNvSpPr>
+          <p:nvPr>
+            <p:ph type="title"/>
+          </p:nvPr>
+        </p:nvSpPr>
+        <p:spPr/>
+        <p:txBody>
+          <a:bodyPr/>
+          <a:lstStyle/>
+          <a:p>
+            <a:r>
+              <a:rPr lang="de-DE" dirty="0"/>
+              <a:t>Python Modules Dependencies „terminal.pyw“</a:t>
+            </a:r>
+          </a:p>
+        </p:txBody>
+      </p:sp>
+      <p:sp>
+        <p:nvSpPr>
+          <p:cNvPr id="3" name="Content Placeholder 2">
+            <a:extLst>
+              <a:ext uri="{FF2B5EF4-FFF2-40B4-BE49-F238E27FC236}">
+                <a16:creationId xmlns:a16="http://schemas.microsoft.com/office/drawing/2014/main" id="{69B0A739-0D8D-293F-CA27-09C5DE877038}"/>
+              </a:ext>
+            </a:extLst>
+          </p:cNvPr>
+          <p:cNvSpPr>
+            <a:spLocks noGrp="1"/>
+          </p:cNvSpPr>
+          <p:nvPr>
+            <p:ph sz="quarter" idx="13"/>
+          </p:nvPr>
+        </p:nvSpPr>
+        <p:spPr/>
+        <p:txBody>
+          <a:bodyPr>
+            <a:normAutofit fontScale="92500" lnSpcReduction="20000"/>
+          </a:bodyPr>
+          <a:lstStyle/>
+          <a:p>
+            <a:pPr marL="0" indent="0">
+              <a:buNone/>
+            </a:pPr>
+            <a:endParaRPr lang="de-DE" dirty="0"/>
+          </a:p>
+          <a:p>
+            <a:pPr marL="0" indent="0">
+              <a:buNone/>
+            </a:pPr>
+            <a:r>
+              <a:rPr lang="de-DE" dirty="0"/>
+              <a:t>pip install matplotlib</a:t>
+            </a:r>
+          </a:p>
+          <a:p>
+            <a:pPr marL="0" indent="0">
+              <a:buNone/>
+            </a:pPr>
+            <a:endParaRPr lang="de-DE" dirty="0"/>
+          </a:p>
+          <a:p>
+            <a:pPr marL="0" indent="0">
+              <a:buNone/>
+            </a:pPr>
+            <a:endParaRPr lang="de-DE" dirty="0"/>
+          </a:p>
+          <a:p>
+            <a:pPr marL="0" indent="0" algn="ctr">
+              <a:buNone/>
+            </a:pPr>
+            <a:endParaRPr lang="de-DE" dirty="0">
+              <a:hlinkClick r:id="rId2"/>
+            </a:endParaRPr>
+          </a:p>
+          <a:p>
+            <a:pPr marL="0" indent="0" algn="ctr">
+              <a:buNone/>
+            </a:pPr>
+            <a:endParaRPr lang="de-DE" dirty="0">
+              <a:hlinkClick r:id="rId2"/>
+            </a:endParaRPr>
+          </a:p>
+          <a:p>
+            <a:pPr marL="0" indent="0" algn="ctr">
+              <a:buNone/>
+            </a:pPr>
+            <a:endParaRPr lang="de-DE" dirty="0">
+              <a:hlinkClick r:id="rId2"/>
+            </a:endParaRPr>
+          </a:p>
+          <a:p>
+            <a:pPr marL="0" indent="0" algn="ctr">
+              <a:buNone/>
+            </a:pPr>
+            <a:r>
+              <a:rPr lang="de-DE" dirty="0">
+                <a:hlinkClick r:id="rId3"/>
+              </a:rPr>
+              <a:t>https://matplotlib.org/</a:t>
+            </a:r>
+            <a:endParaRPr lang="de-DE" dirty="0"/>
+          </a:p>
+          <a:p>
+            <a:pPr marL="0" indent="0" algn="ctr">
+              <a:buNone/>
+            </a:pPr>
+            <a:endParaRPr lang="de-DE" dirty="0"/>
+          </a:p>
+          <a:p>
+            <a:pPr marL="0" indent="0" algn="ctr">
+              <a:buNone/>
+            </a:pPr>
+            <a:r>
+              <a:rPr lang="en-US" b="0" i="0" dirty="0">
+                <a:solidFill>
+                  <a:srgbClr val="333333"/>
+                </a:solidFill>
+                <a:effectLst/>
+                <a:latin typeface="-apple-system"/>
+              </a:rPr>
+              <a:t>Matplotlib is a comprehensive library for creating static, animated, and interactive visualizations in Python. Matplotlib makes easy things easy and hard things possible.</a:t>
+            </a:r>
+            <a:endParaRPr lang="de-DE" dirty="0"/>
+          </a:p>
+          <a:p>
+            <a:pPr marL="0" indent="0">
+              <a:buNone/>
+            </a:pPr>
+            <a:endParaRPr lang="de-DE" dirty="0"/>
+          </a:p>
+          <a:p>
+            <a:pPr marL="0" indent="0">
+              <a:buNone/>
+            </a:pPr>
+            <a:endParaRPr lang="de-DE" dirty="0"/>
+          </a:p>
+        </p:txBody>
+      </p:sp>
+      <p:pic>
+        <p:nvPicPr>
+          <p:cNvPr id="6" name="Picture 5">
+            <a:extLst>
+              <a:ext uri="{FF2B5EF4-FFF2-40B4-BE49-F238E27FC236}">
+                <a16:creationId xmlns:a16="http://schemas.microsoft.com/office/drawing/2014/main" id="{A8E591E4-9D25-4B47-D824-6257B123C6AD}"/>
+              </a:ext>
+            </a:extLst>
+          </p:cNvPr>
+          <p:cNvPicPr>
+            <a:picLocks noChangeAspect="1"/>
+          </p:cNvPicPr>
+          <p:nvPr/>
+        </p:nvPicPr>
+        <p:blipFill>
+          <a:blip r:embed="rId4"/>
+          <a:stretch>
+            <a:fillRect/>
+          </a:stretch>
+        </p:blipFill>
+        <p:spPr>
+          <a:xfrm>
+            <a:off x="4523668" y="2571099"/>
+            <a:ext cx="2607069" cy="641083"/>
+          </a:xfrm>
+          <a:prstGeom prst="rect">
+            <a:avLst/>
+          </a:prstGeom>
+        </p:spPr>
+      </p:pic>
+    </p:spTree>
+    <p:extLst>
+      <p:ext uri="{BB962C8B-B14F-4D97-AF65-F5344CB8AC3E}">
+        <p14:creationId xmlns:p14="http://schemas.microsoft.com/office/powerpoint/2010/main" val="1015774141"/>
+      </p:ext>
+    </p:extLst>
+  </p:cSld>
+  <p:clrMapOvr>
+    <a:masterClrMapping/>
+  </p:clrMapOvr>
+</p:sld>
+</file>
+
+<file path=ppt/slides/slide2.xml><?xml version="1.0" encoding="utf-8"?>
+<p:sld xmlns:a="http://schemas.openxmlformats.org/drawingml/2006/main" xmlns:r="http://schemas.openxmlformats.org/officeDocument/2006/relationships" xmlns:p="http://schemas.openxmlformats.org/presentationml/2006/main">
+  <p:cSld>
+    <p:spTree>
+      <p:nvGrpSpPr>
+        <p:cNvPr id="1" name=""/>
+        <p:cNvGrpSpPr/>
+        <p:nvPr/>
+      </p:nvGrpSpPr>
+      <p:grpSpPr>
+        <a:xfrm>
+          <a:off x="0" y="0"/>
+          <a:ext cx="0" cy="0"/>
+          <a:chOff x="0" y="0"/>
+          <a:chExt cx="0" cy="0"/>
+        </a:xfrm>
+      </p:grpSpPr>
+      <p:sp>
+        <p:nvSpPr>
+          <p:cNvPr id="2" name="Title 1">
+            <a:extLst>
+              <a:ext uri="{FF2B5EF4-FFF2-40B4-BE49-F238E27FC236}">
+                <a16:creationId xmlns:a16="http://schemas.microsoft.com/office/drawing/2014/main" id="{91BC8492-FF9E-12C9-233D-FC871B6AED16}"/>
+              </a:ext>
+            </a:extLst>
+          </p:cNvPr>
+          <p:cNvSpPr>
+            <a:spLocks noGrp="1"/>
+          </p:cNvSpPr>
+          <p:nvPr>
+            <p:ph type="title"/>
+          </p:nvPr>
+        </p:nvSpPr>
+        <p:spPr/>
+        <p:txBody>
+          <a:bodyPr/>
+          <a:lstStyle/>
+          <a:p>
+            <a:r>
+              <a:rPr lang="de-DE" dirty="0"/>
+              <a:t>Motivation</a:t>
+            </a:r>
+          </a:p>
+        </p:txBody>
+      </p:sp>
+      <p:sp>
+        <p:nvSpPr>
+          <p:cNvPr id="3" name="Content Placeholder 2">
+            <a:extLst>
+              <a:ext uri="{FF2B5EF4-FFF2-40B4-BE49-F238E27FC236}">
+                <a16:creationId xmlns:a16="http://schemas.microsoft.com/office/drawing/2014/main" id="{6940DDCE-05C4-D14D-09D8-5C700B0FB6B3}"/>
+              </a:ext>
+            </a:extLst>
+          </p:cNvPr>
+          <p:cNvSpPr>
+            <a:spLocks noGrp="1"/>
+          </p:cNvSpPr>
+          <p:nvPr>
+            <p:ph sz="quarter" idx="13"/>
+          </p:nvPr>
+        </p:nvSpPr>
+        <p:spPr/>
+        <p:txBody>
+          <a:bodyPr>
+            <a:normAutofit fontScale="70000" lnSpcReduction="20000"/>
+          </a:bodyPr>
+          <a:lstStyle/>
+          <a:p>
+            <a:r>
+              <a:rPr lang="de-DE" dirty="0"/>
+              <a:t>To give us ESE a learning curve in</a:t>
+            </a:r>
+          </a:p>
+          <a:p>
+            <a:pPr lvl="1"/>
+            <a:r>
+              <a:rPr lang="de-DE" dirty="0"/>
+              <a:t>T1S Technology</a:t>
+            </a:r>
+          </a:p>
+          <a:p>
+            <a:pPr lvl="1"/>
+            <a:r>
+              <a:rPr lang="de-DE" dirty="0"/>
+              <a:t>C and Pyhton Coding</a:t>
+            </a:r>
+          </a:p>
+          <a:p>
+            <a:pPr lvl="1"/>
+            <a:r>
+              <a:rPr lang="de-DE" dirty="0"/>
+              <a:t>Project Working</a:t>
+            </a:r>
+          </a:p>
+          <a:p>
+            <a:pPr lvl="1"/>
+            <a:r>
+              <a:rPr lang="de-DE" dirty="0"/>
+              <a:t>git and Github</a:t>
+            </a:r>
+          </a:p>
+          <a:p>
+            <a:pPr lvl="1"/>
+            <a:r>
+              <a:rPr lang="de-DE" dirty="0"/>
+              <a:t>MDB Core</a:t>
+            </a:r>
+          </a:p>
+          <a:p>
+            <a:pPr lvl="1"/>
+            <a:r>
+              <a:rPr lang="de-DE" dirty="0"/>
+              <a:t>Soft- and Hardware Testing</a:t>
+            </a:r>
+          </a:p>
+          <a:p>
+            <a:pPr lvl="1"/>
+            <a:endParaRPr lang="de-DE" dirty="0"/>
+          </a:p>
+          <a:p>
+            <a:r>
+              <a:rPr lang="en-US" dirty="0"/>
+              <a:t>This project is not about to create a Software Engineering Company within the Microchip Sales Organization. It is about to learn the processes, structures and vocabulary that our customer are dealing with</a:t>
+            </a:r>
+            <a:br>
+              <a:rPr lang="en-US" dirty="0"/>
+            </a:br>
+            <a:endParaRPr lang="en-US" dirty="0"/>
+          </a:p>
+          <a:p>
+            <a:r>
+              <a:rPr lang="de-DE" dirty="0"/>
+              <a:t>All items in the list above could be used in total different customer support processes</a:t>
+            </a:r>
+            <a:br>
+              <a:rPr lang="de-DE" dirty="0"/>
+            </a:br>
+            <a:endParaRPr lang="de-DE" dirty="0"/>
+          </a:p>
+          <a:p>
+            <a:r>
+              <a:rPr lang="de-DE"/>
+              <a:t>And maybe another result could be a </a:t>
+            </a:r>
+            <a:r>
+              <a:rPr lang="de-DE" dirty="0"/>
+              <a:t>proof of concept </a:t>
+            </a:r>
+            <a:r>
+              <a:rPr lang="de-DE"/>
+              <a:t>for customers </a:t>
+            </a:r>
+            <a:r>
+              <a:rPr lang="de-DE" dirty="0"/>
+              <a:t>in the </a:t>
+            </a:r>
+            <a:r>
+              <a:rPr lang="de-DE"/>
+              <a:t>industrial area for an T1S autoconfiguration scenario</a:t>
+            </a:r>
+            <a:endParaRPr lang="de-DE" dirty="0"/>
+          </a:p>
+        </p:txBody>
+      </p:sp>
+    </p:spTree>
+    <p:extLst>
+      <p:ext uri="{BB962C8B-B14F-4D97-AF65-F5344CB8AC3E}">
+        <p14:creationId xmlns:p14="http://schemas.microsoft.com/office/powerpoint/2010/main" val="2240505436"/>
+      </p:ext>
+    </p:extLst>
+  </p:cSld>
+  <p:clrMapOvr>
+    <a:masterClrMapping/>
+  </p:clrMapOvr>
+</p:sld>
+</file>
+
+<file path=ppt/slides/slide20.xml><?xml version="1.0" encoding="utf-8"?>
 <p:sld xmlns:a="http://schemas.openxmlformats.org/drawingml/2006/main" xmlns:r="http://schemas.openxmlformats.org/officeDocument/2006/relationships" xmlns:p="http://schemas.openxmlformats.org/presentationml/2006/main">
   <p:cSld>
     <p:spTree>
@@ -9917,7 +10578,7 @@
 </p:sld>
 </file>
 
-<file path=ppt/slides/slide19.xml><?xml version="1.0" encoding="utf-8"?>
+<file path=ppt/slides/slide21.xml><?xml version="1.0" encoding="utf-8"?>
 <p:sld xmlns:a="http://schemas.openxmlformats.org/drawingml/2006/main" xmlns:r="http://schemas.openxmlformats.org/officeDocument/2006/relationships" xmlns:p="http://schemas.openxmlformats.org/presentationml/2006/main">
   <p:cSld>
     <p:spTree>
@@ -10190,184 +10851,7 @@
 </p:sld>
 </file>
 
-<file path=ppt/slides/slide2.xml><?xml version="1.0" encoding="utf-8"?>
-<p:sld xmlns:a="http://schemas.openxmlformats.org/drawingml/2006/main" xmlns:r="http://schemas.openxmlformats.org/officeDocument/2006/relationships" xmlns:p="http://schemas.openxmlformats.org/presentationml/2006/main">
-  <p:cSld>
-    <p:spTree>
-      <p:nvGrpSpPr>
-        <p:cNvPr id="1" name=""/>
-        <p:cNvGrpSpPr/>
-        <p:nvPr/>
-      </p:nvGrpSpPr>
-      <p:grpSpPr>
-        <a:xfrm>
-          <a:off x="0" y="0"/>
-          <a:ext cx="0" cy="0"/>
-          <a:chOff x="0" y="0"/>
-          <a:chExt cx="0" cy="0"/>
-        </a:xfrm>
-      </p:grpSpPr>
-      <p:sp>
-        <p:nvSpPr>
-          <p:cNvPr id="2" name="Title 1">
-            <a:extLst>
-              <a:ext uri="{FF2B5EF4-FFF2-40B4-BE49-F238E27FC236}">
-                <a16:creationId xmlns:a16="http://schemas.microsoft.com/office/drawing/2014/main" id="{91BC8492-FF9E-12C9-233D-FC871B6AED16}"/>
-              </a:ext>
-            </a:extLst>
-          </p:cNvPr>
-          <p:cNvSpPr>
-            <a:spLocks noGrp="1"/>
-          </p:cNvSpPr>
-          <p:nvPr>
-            <p:ph type="title"/>
-          </p:nvPr>
-        </p:nvSpPr>
-        <p:spPr/>
-        <p:txBody>
-          <a:bodyPr/>
-          <a:lstStyle/>
-          <a:p>
-            <a:r>
-              <a:rPr lang="de-DE" dirty="0"/>
-              <a:t>Motivation</a:t>
-            </a:r>
-          </a:p>
-        </p:txBody>
-      </p:sp>
-      <p:sp>
-        <p:nvSpPr>
-          <p:cNvPr id="3" name="Content Placeholder 2">
-            <a:extLst>
-              <a:ext uri="{FF2B5EF4-FFF2-40B4-BE49-F238E27FC236}">
-                <a16:creationId xmlns:a16="http://schemas.microsoft.com/office/drawing/2014/main" id="{6940DDCE-05C4-D14D-09D8-5C700B0FB6B3}"/>
-              </a:ext>
-            </a:extLst>
-          </p:cNvPr>
-          <p:cNvSpPr>
-            <a:spLocks noGrp="1"/>
-          </p:cNvSpPr>
-          <p:nvPr>
-            <p:ph sz="quarter" idx="13"/>
-          </p:nvPr>
-        </p:nvSpPr>
-        <p:spPr/>
-        <p:txBody>
-          <a:bodyPr>
-            <a:normAutofit fontScale="70000" lnSpcReduction="20000"/>
-          </a:bodyPr>
-          <a:lstStyle/>
-          <a:p>
-            <a:r>
-              <a:rPr lang="de-DE" dirty="0"/>
-              <a:t>To give us ESE a learning curve in</a:t>
-            </a:r>
-          </a:p>
-          <a:p>
-            <a:pPr lvl="1"/>
-            <a:r>
-              <a:rPr lang="de-DE" dirty="0"/>
-              <a:t>T1S Technology</a:t>
-            </a:r>
-          </a:p>
-          <a:p>
-            <a:pPr lvl="1"/>
-            <a:r>
-              <a:rPr lang="de-DE" dirty="0"/>
-              <a:t>C and Pyhton Coding</a:t>
-            </a:r>
-          </a:p>
-          <a:p>
-            <a:pPr lvl="1"/>
-            <a:r>
-              <a:rPr lang="de-DE" dirty="0"/>
-              <a:t>Project Working</a:t>
-            </a:r>
-          </a:p>
-          <a:p>
-            <a:pPr lvl="1"/>
-            <a:r>
-              <a:rPr lang="de-DE" dirty="0"/>
-              <a:t>git and Github</a:t>
-            </a:r>
-          </a:p>
-          <a:p>
-            <a:pPr lvl="1"/>
-            <a:r>
-              <a:rPr lang="de-DE" dirty="0"/>
-              <a:t>MDB Core</a:t>
-            </a:r>
-          </a:p>
-          <a:p>
-            <a:pPr lvl="1"/>
-            <a:r>
-              <a:rPr lang="de-DE" dirty="0"/>
-              <a:t>Soft- and Hardware Testing</a:t>
-            </a:r>
-          </a:p>
-          <a:p>
-            <a:pPr lvl="1"/>
-            <a:endParaRPr lang="de-DE" dirty="0"/>
-          </a:p>
-          <a:p>
-            <a:r>
-              <a:rPr lang="en-US" dirty="0"/>
-              <a:t>This project is not about to create a Software Engineering Company within the Microchip Sales Organization. It is about to learn the processes, structures and vocabulary that our customer are dealing with</a:t>
-            </a:r>
-            <a:br>
-              <a:rPr lang="en-US" dirty="0"/>
-            </a:br>
-            <a:endParaRPr lang="en-US" dirty="0"/>
-          </a:p>
-          <a:p>
-            <a:r>
-              <a:rPr lang="de-DE" dirty="0"/>
-              <a:t>All items in the list above could be used in total different customer support processes</a:t>
-            </a:r>
-            <a:br>
-              <a:rPr lang="de-DE" dirty="0"/>
-            </a:br>
-            <a:endParaRPr lang="de-DE" dirty="0"/>
-          </a:p>
-          <a:p>
-            <a:r>
-              <a:rPr lang="de-DE"/>
-              <a:t>And maybe another result could be a </a:t>
-            </a:r>
-            <a:r>
-              <a:rPr lang="de-DE" dirty="0"/>
-              <a:t>proof of concept </a:t>
-            </a:r>
-            <a:r>
-              <a:rPr lang="de-DE"/>
-              <a:t>for customers </a:t>
-            </a:r>
-            <a:r>
-              <a:rPr lang="de-DE" dirty="0"/>
-              <a:t>in the </a:t>
-            </a:r>
-            <a:r>
-              <a:rPr lang="de-DE"/>
-              <a:t>industrial area for an T1S autoconfiguration scenario</a:t>
-            </a:r>
-            <a:endParaRPr lang="de-DE" dirty="0"/>
-          </a:p>
-        </p:txBody>
-      </p:sp>
-    </p:spTree>
-    <p:extLst>
-      <p:ext uri="{BB962C8B-B14F-4D97-AF65-F5344CB8AC3E}">
-        <p14:creationId xmlns:p14="http://schemas.microsoft.com/office/powerpoint/2010/main" val="2240505436"/>
-      </p:ext>
-    </p:extLst>
-  </p:cSld>
-  <p:clrMapOvr>
-    <a:masterClrMapping/>
-  </p:clrMapOvr>
-</p:sld>
-</file>
-
-<file path=ppt/slides/slide20.xml><?xml version="1.0" encoding="utf-8"?>
+<file path=ppt/slides/slide22.xml><?xml version="1.0" encoding="utf-8"?>
 <p:sld xmlns:a="http://schemas.openxmlformats.org/drawingml/2006/main" xmlns:r="http://schemas.openxmlformats.org/officeDocument/2006/relationships" xmlns:p="http://schemas.openxmlformats.org/presentationml/2006/main">
   <p:cSld>
     <p:spTree>
@@ -10652,7 +11136,7 @@
 </p:sld>
 </file>
 
-<file path=ppt/slides/slide21.xml><?xml version="1.0" encoding="utf-8"?>
+<file path=ppt/slides/slide23.xml><?xml version="1.0" encoding="utf-8"?>
 <p:sld xmlns:a="http://schemas.openxmlformats.org/drawingml/2006/main" xmlns:r="http://schemas.openxmlformats.org/officeDocument/2006/relationships" xmlns:p="http://schemas.openxmlformats.org/presentationml/2006/main">
   <p:cSld>
     <p:spTree>
@@ -10937,7 +11421,7 @@
 </p:sld>
 </file>
 
-<file path=ppt/slides/slide22.xml><?xml version="1.0" encoding="utf-8"?>
+<file path=ppt/slides/slide24.xml><?xml version="1.0" encoding="utf-8"?>
 <p:sld xmlns:a="http://schemas.openxmlformats.org/drawingml/2006/main" xmlns:r="http://schemas.openxmlformats.org/officeDocument/2006/relationships" xmlns:p="http://schemas.openxmlformats.org/presentationml/2006/main">
   <p:cSld>
     <p:spTree>
@@ -15721,49 +16205,16 @@
 </file>
 
 <file path=customXml/item2.xml><?xml version="1.0" encoding="utf-8"?>
-<?mso-contentType ?>
-<spe:Receivers xmlns:spe="http://schemas.microsoft.com/sharepoint/events">
-  <Receiver>
-    <Name>Document ID Generator</Name>
-    <Synchronization>Synchronous</Synchronization>
-    <Type>10001</Type>
-    <SequenceNumber>1000</SequenceNumber>
-    <Assembly>Microsoft.Office.DocumentManagement, Version=14.0.0.0, Culture=neutral, PublicKeyToken=71e9bce111e9429c</Assembly>
-    <Class>Microsoft.Office.DocumentManagement.Internal.DocIdHandler</Class>
-    <Data/>
-    <Filter/>
-  </Receiver>
-  <Receiver>
-    <Name>Document ID Generator</Name>
-    <Synchronization>Synchronous</Synchronization>
-    <Type>10002</Type>
-    <SequenceNumber>1001</SequenceNumber>
-    <Assembly>Microsoft.Office.DocumentManagement, Version=14.0.0.0, Culture=neutral, PublicKeyToken=71e9bce111e9429c</Assembly>
-    <Class>Microsoft.Office.DocumentManagement.Internal.DocIdHandler</Class>
-    <Data/>
-    <Filter/>
-  </Receiver>
-  <Receiver>
-    <Name>Document ID Generator</Name>
-    <Synchronization>Synchronous</Synchronization>
-    <Type>10004</Type>
-    <SequenceNumber>1002</SequenceNumber>
-    <Assembly>Microsoft.Office.DocumentManagement, Version=14.0.0.0, Culture=neutral, PublicKeyToken=71e9bce111e9429c</Assembly>
-    <Class>Microsoft.Office.DocumentManagement.Internal.DocIdHandler</Class>
-    <Data/>
-    <Filter/>
-  </Receiver>
-  <Receiver>
-    <Name>Document ID Generator</Name>
-    <Synchronization>Synchronous</Synchronization>
-    <Type>10006</Type>
-    <SequenceNumber>1003</SequenceNumber>
-    <Assembly>Microsoft.Office.DocumentManagement, Version=14.0.0.0, Culture=neutral, PublicKeyToken=71e9bce111e9429c</Assembly>
-    <Class>Microsoft.Office.DocumentManagement.Internal.DocIdHandler</Class>
-    <Data/>
-    <Filter/>
-  </Receiver>
-</spe:Receivers>
+<p:properties xmlns:p="http://schemas.microsoft.com/office/2006/metadata/properties" xmlns:xsi="http://www.w3.org/2001/XMLSchema-instance" xmlns:pc="http://schemas.microsoft.com/office/infopath/2007/PartnerControls">
+  <documentManagement>
+    <Content_x0020_Archived xmlns="df7acb31-37ac-40e2-81bb-c44e3630f613">false</Content_x0020_Archived>
+    <_dlc_DocId xmlns="38ef598d-997c-498b-b737-2f6b2c50ccab">SV5CHKDEWJXD-84-133</_dlc_DocId>
+    <_dlc_DocIdUrl xmlns="38ef598d-997c-498b-b737-2f6b2c50ccab">
+      <Url>http://mchpweb-2010/marcom/home/Resources/_layouts/DocIdRedir.aspx?ID=SV5CHKDEWJXD-84-133</Url>
+      <Description>SV5CHKDEWJXD-84-133</Description>
+    </_dlc_DocIdUrl>
+  </documentManagement>
+</p:properties>
 </file>
 
 <file path=customXml/item3.xml><?xml version="1.0" encoding="utf-8"?>
@@ -15923,16 +16374,49 @@
 </file>
 
 <file path=customXml/item4.xml><?xml version="1.0" encoding="utf-8"?>
-<p:properties xmlns:p="http://schemas.microsoft.com/office/2006/metadata/properties" xmlns:xsi="http://www.w3.org/2001/XMLSchema-instance" xmlns:pc="http://schemas.microsoft.com/office/infopath/2007/PartnerControls">
-  <documentManagement>
-    <Content_x0020_Archived xmlns="df7acb31-37ac-40e2-81bb-c44e3630f613">false</Content_x0020_Archived>
-    <_dlc_DocId xmlns="38ef598d-997c-498b-b737-2f6b2c50ccab">SV5CHKDEWJXD-84-133</_dlc_DocId>
-    <_dlc_DocIdUrl xmlns="38ef598d-997c-498b-b737-2f6b2c50ccab">
-      <Url>http://mchpweb-2010/marcom/home/Resources/_layouts/DocIdRedir.aspx?ID=SV5CHKDEWJXD-84-133</Url>
-      <Description>SV5CHKDEWJXD-84-133</Description>
-    </_dlc_DocIdUrl>
-  </documentManagement>
-</p:properties>
+<?mso-contentType ?>
+<spe:Receivers xmlns:spe="http://schemas.microsoft.com/sharepoint/events">
+  <Receiver>
+    <Name>Document ID Generator</Name>
+    <Synchronization>Synchronous</Synchronization>
+    <Type>10001</Type>
+    <SequenceNumber>1000</SequenceNumber>
+    <Assembly>Microsoft.Office.DocumentManagement, Version=14.0.0.0, Culture=neutral, PublicKeyToken=71e9bce111e9429c</Assembly>
+    <Class>Microsoft.Office.DocumentManagement.Internal.DocIdHandler</Class>
+    <Data/>
+    <Filter/>
+  </Receiver>
+  <Receiver>
+    <Name>Document ID Generator</Name>
+    <Synchronization>Synchronous</Synchronization>
+    <Type>10002</Type>
+    <SequenceNumber>1001</SequenceNumber>
+    <Assembly>Microsoft.Office.DocumentManagement, Version=14.0.0.0, Culture=neutral, PublicKeyToken=71e9bce111e9429c</Assembly>
+    <Class>Microsoft.Office.DocumentManagement.Internal.DocIdHandler</Class>
+    <Data/>
+    <Filter/>
+  </Receiver>
+  <Receiver>
+    <Name>Document ID Generator</Name>
+    <Synchronization>Synchronous</Synchronization>
+    <Type>10004</Type>
+    <SequenceNumber>1002</SequenceNumber>
+    <Assembly>Microsoft.Office.DocumentManagement, Version=14.0.0.0, Culture=neutral, PublicKeyToken=71e9bce111e9429c</Assembly>
+    <Class>Microsoft.Office.DocumentManagement.Internal.DocIdHandler</Class>
+    <Data/>
+    <Filter/>
+  </Receiver>
+  <Receiver>
+    <Name>Document ID Generator</Name>
+    <Synchronization>Synchronous</Synchronization>
+    <Type>10006</Type>
+    <SequenceNumber>1003</SequenceNumber>
+    <Assembly>Microsoft.Office.DocumentManagement, Version=14.0.0.0, Culture=neutral, PublicKeyToken=71e9bce111e9429c</Assembly>
+    <Class>Microsoft.Office.DocumentManagement.Internal.DocIdHandler</Class>
+    <Data/>
+    <Filter/>
+  </Receiver>
+</spe:Receivers>
 </file>
 
 <file path=customXml/itemProps1.xml><?xml version="1.0" encoding="utf-8"?>
@@ -15944,9 +16428,12 @@
 </file>
 
 <file path=customXml/itemProps2.xml><?xml version="1.0" encoding="utf-8"?>
-<ds:datastoreItem xmlns:ds="http://schemas.openxmlformats.org/officeDocument/2006/customXml" ds:itemID="{36ECED7C-7E24-4B80-B6AD-5BF0A508FB7B}">
+<ds:datastoreItem xmlns:ds="http://schemas.openxmlformats.org/officeDocument/2006/customXml" ds:itemID="{15774815-801A-4D0C-AAC8-304A8EA5EAE0}">
   <ds:schemaRefs>
-    <ds:schemaRef ds:uri="http://schemas.microsoft.com/sharepoint/events"/>
+    <ds:schemaRef ds:uri="38ef598d-997c-498b-b737-2f6b2c50ccab"/>
+    <ds:schemaRef ds:uri="df7acb31-37ac-40e2-81bb-c44e3630f613"/>
+    <ds:schemaRef ds:uri="http://schemas.microsoft.com/office/2006/metadata/properties"/>
+    <ds:schemaRef ds:uri="http://schemas.microsoft.com/office/infopath/2007/PartnerControls"/>
   </ds:schemaRefs>
 </ds:datastoreItem>
 </file>
@@ -15971,12 +16458,9 @@
 </file>
 
 <file path=customXml/itemProps4.xml><?xml version="1.0" encoding="utf-8"?>
-<ds:datastoreItem xmlns:ds="http://schemas.openxmlformats.org/officeDocument/2006/customXml" ds:itemID="{15774815-801A-4D0C-AAC8-304A8EA5EAE0}">
+<ds:datastoreItem xmlns:ds="http://schemas.openxmlformats.org/officeDocument/2006/customXml" ds:itemID="{36ECED7C-7E24-4B80-B6AD-5BF0A508FB7B}">
   <ds:schemaRefs>
-    <ds:schemaRef ds:uri="38ef598d-997c-498b-b737-2f6b2c50ccab"/>
-    <ds:schemaRef ds:uri="df7acb31-37ac-40e2-81bb-c44e3630f613"/>
-    <ds:schemaRef ds:uri="http://schemas.microsoft.com/office/2006/metadata/properties"/>
-    <ds:schemaRef ds:uri="http://schemas.microsoft.com/office/infopath/2007/PartnerControls"/>
+    <ds:schemaRef ds:uri="http://schemas.microsoft.com/sharepoint/events"/>
   </ds:schemaRefs>
 </ds:datastoreItem>
 </file>
--- a/T1S Autoconfig - Tooling.pptx
+++ b/T1S Autoconfig - Tooling.pptx
@@ -5,10 +5,10 @@
     <p:sldMasterId id="2147483648" r:id="rId5"/>
   </p:sldMasterIdLst>
   <p:notesMasterIdLst>
-    <p:notesMasterId r:id="rId30"/>
+    <p:notesMasterId r:id="rId34"/>
   </p:notesMasterIdLst>
   <p:handoutMasterIdLst>
-    <p:handoutMasterId r:id="rId31"/>
+    <p:handoutMasterId r:id="rId35"/>
   </p:handoutMasterIdLst>
   <p:sldIdLst>
     <p:sldId id="1954" r:id="rId6"/>
@@ -35,6 +35,10 @@
     <p:sldId id="2007" r:id="rId27"/>
     <p:sldId id="2017" r:id="rId28"/>
     <p:sldId id="2018" r:id="rId29"/>
+    <p:sldId id="2027" r:id="rId30"/>
+    <p:sldId id="2028" r:id="rId31"/>
+    <p:sldId id="2029" r:id="rId32"/>
+    <p:sldId id="2030" r:id="rId33"/>
   </p:sldIdLst>
   <p:sldSz cx="12188825" cy="6858000"/>
   <p:notesSz cx="6858000" cy="9144000"/>
@@ -923,7 +927,7 @@
           <a:p>
             <a:fld id="{98615C2D-FB91-8740-95C2-23C11A10F2F2}" type="datetimeFigureOut">
               <a:rPr lang="en-US" smtClean="0"/>
-              <a:t>10/26/2023</a:t>
+              <a:t>10/31/2023</a:t>
             </a:fld>
             <a:endParaRPr lang="en-US"/>
           </a:p>
@@ -1101,7 +1105,7 @@
           <a:p>
             <a:fld id="{F154E49F-5C3A-ED4E-A68A-CCB3AA3B5D59}" type="datetimeFigureOut">
               <a:rPr lang="en-US" smtClean="0"/>
-              <a:t>10/26/2023</a:t>
+              <a:t>10/31/2023</a:t>
             </a:fld>
             <a:endParaRPr lang="en-US"/>
           </a:p>
@@ -11810,6 +11814,508 @@
       <p:bldP spid="8" grpId="0" animBg="1"/>
     </p:bldLst>
   </p:timing>
+</p:sld>
+</file>
+
+<file path=ppt/slides/slide25.xml><?xml version="1.0" encoding="utf-8"?>
+<p:sld xmlns:a="http://schemas.openxmlformats.org/drawingml/2006/main" xmlns:r="http://schemas.openxmlformats.org/officeDocument/2006/relationships" xmlns:p="http://schemas.openxmlformats.org/presentationml/2006/main">
+  <p:cSld>
+    <p:spTree>
+      <p:nvGrpSpPr>
+        <p:cNvPr id="1" name=""/>
+        <p:cNvGrpSpPr/>
+        <p:nvPr/>
+      </p:nvGrpSpPr>
+      <p:grpSpPr>
+        <a:xfrm>
+          <a:off x="0" y="0"/>
+          <a:ext cx="0" cy="0"/>
+          <a:chOff x="0" y="0"/>
+          <a:chExt cx="0" cy="0"/>
+        </a:xfrm>
+      </p:grpSpPr>
+      <p:sp>
+        <p:nvSpPr>
+          <p:cNvPr id="2" name="Title 1">
+            <a:extLst>
+              <a:ext uri="{FF2B5EF4-FFF2-40B4-BE49-F238E27FC236}">
+                <a16:creationId xmlns:a16="http://schemas.microsoft.com/office/drawing/2014/main" id="{67300353-5A4C-37C1-93AA-7C733D82938C}"/>
+              </a:ext>
+            </a:extLst>
+          </p:cNvPr>
+          <p:cNvSpPr>
+            <a:spLocks noGrp="1"/>
+          </p:cNvSpPr>
+          <p:nvPr>
+            <p:ph type="title"/>
+          </p:nvPr>
+        </p:nvSpPr>
+        <p:spPr/>
+        <p:txBody>
+          <a:bodyPr/>
+          <a:lstStyle/>
+          <a:p>
+            <a:r>
+              <a:rPr lang="de-DE" dirty="0"/>
+              <a:t>Test 1: Configure Boards Successive</a:t>
+            </a:r>
+          </a:p>
+        </p:txBody>
+      </p:sp>
+      <p:pic>
+        <p:nvPicPr>
+          <p:cNvPr id="5" name="Picture 4">
+            <a:extLst>
+              <a:ext uri="{FF2B5EF4-FFF2-40B4-BE49-F238E27FC236}">
+                <a16:creationId xmlns:a16="http://schemas.microsoft.com/office/drawing/2014/main" id="{FD42B1BE-3FC9-8883-877F-F94551C67536}"/>
+              </a:ext>
+            </a:extLst>
+          </p:cNvPr>
+          <p:cNvPicPr>
+            <a:picLocks noChangeAspect="1"/>
+          </p:cNvPicPr>
+          <p:nvPr/>
+        </p:nvPicPr>
+        <p:blipFill>
+          <a:blip r:embed="rId2"/>
+          <a:stretch>
+            <a:fillRect/>
+          </a:stretch>
+        </p:blipFill>
+        <p:spPr>
+          <a:xfrm>
+            <a:off x="3217143" y="1602267"/>
+            <a:ext cx="5677392" cy="3955123"/>
+          </a:xfrm>
+          <a:prstGeom prst="rect">
+            <a:avLst/>
+          </a:prstGeom>
+        </p:spPr>
+      </p:pic>
+    </p:spTree>
+    <p:extLst>
+      <p:ext uri="{BB962C8B-B14F-4D97-AF65-F5344CB8AC3E}">
+        <p14:creationId xmlns:p14="http://schemas.microsoft.com/office/powerpoint/2010/main" val="2972643268"/>
+      </p:ext>
+    </p:extLst>
+  </p:cSld>
+  <p:clrMapOvr>
+    <a:masterClrMapping/>
+  </p:clrMapOvr>
+</p:sld>
+</file>
+
+<file path=ppt/slides/slide26.xml><?xml version="1.0" encoding="utf-8"?>
+<p:sld xmlns:a="http://schemas.openxmlformats.org/drawingml/2006/main" xmlns:r="http://schemas.openxmlformats.org/officeDocument/2006/relationships" xmlns:p="http://schemas.openxmlformats.org/presentationml/2006/main">
+  <p:cSld>
+    <p:spTree>
+      <p:nvGrpSpPr>
+        <p:cNvPr id="1" name=""/>
+        <p:cNvGrpSpPr/>
+        <p:nvPr/>
+      </p:nvGrpSpPr>
+      <p:grpSpPr>
+        <a:xfrm>
+          <a:off x="0" y="0"/>
+          <a:ext cx="0" cy="0"/>
+          <a:chOff x="0" y="0"/>
+          <a:chExt cx="0" cy="0"/>
+        </a:xfrm>
+      </p:grpSpPr>
+      <p:sp>
+        <p:nvSpPr>
+          <p:cNvPr id="2" name="Title 1">
+            <a:extLst>
+              <a:ext uri="{FF2B5EF4-FFF2-40B4-BE49-F238E27FC236}">
+                <a16:creationId xmlns:a16="http://schemas.microsoft.com/office/drawing/2014/main" id="{67300353-5A4C-37C1-93AA-7C733D82938C}"/>
+              </a:ext>
+            </a:extLst>
+          </p:cNvPr>
+          <p:cNvSpPr>
+            <a:spLocks noGrp="1"/>
+          </p:cNvSpPr>
+          <p:nvPr>
+            <p:ph type="title"/>
+          </p:nvPr>
+        </p:nvSpPr>
+        <p:spPr/>
+        <p:txBody>
+          <a:bodyPr/>
+          <a:lstStyle/>
+          <a:p>
+            <a:r>
+              <a:rPr lang="de-DE" dirty="0"/>
+              <a:t>Test 1.2: Configure Boards Simultan</a:t>
+            </a:r>
+          </a:p>
+        </p:txBody>
+      </p:sp>
+      <p:pic>
+        <p:nvPicPr>
+          <p:cNvPr id="4" name="Picture 3">
+            <a:extLst>
+              <a:ext uri="{FF2B5EF4-FFF2-40B4-BE49-F238E27FC236}">
+                <a16:creationId xmlns:a16="http://schemas.microsoft.com/office/drawing/2014/main" id="{73C9A4BC-8E15-0CEA-AFFD-F24627F58369}"/>
+              </a:ext>
+            </a:extLst>
+          </p:cNvPr>
+          <p:cNvPicPr>
+            <a:picLocks noChangeAspect="1"/>
+          </p:cNvPicPr>
+          <p:nvPr/>
+        </p:nvPicPr>
+        <p:blipFill>
+          <a:blip r:embed="rId2"/>
+          <a:stretch>
+            <a:fillRect/>
+          </a:stretch>
+        </p:blipFill>
+        <p:spPr>
+          <a:xfrm>
+            <a:off x="3091402" y="1726742"/>
+            <a:ext cx="5928874" cy="3779848"/>
+          </a:xfrm>
+          <a:prstGeom prst="rect">
+            <a:avLst/>
+          </a:prstGeom>
+        </p:spPr>
+      </p:pic>
+    </p:spTree>
+    <p:extLst>
+      <p:ext uri="{BB962C8B-B14F-4D97-AF65-F5344CB8AC3E}">
+        <p14:creationId xmlns:p14="http://schemas.microsoft.com/office/powerpoint/2010/main" val="419535598"/>
+      </p:ext>
+    </p:extLst>
+  </p:cSld>
+  <p:clrMapOvr>
+    <a:masterClrMapping/>
+  </p:clrMapOvr>
+</p:sld>
+</file>
+
+<file path=ppt/slides/slide27.xml><?xml version="1.0" encoding="utf-8"?>
+<p:sld xmlns:a="http://schemas.openxmlformats.org/drawingml/2006/main" xmlns:r="http://schemas.openxmlformats.org/officeDocument/2006/relationships" xmlns:p="http://schemas.openxmlformats.org/presentationml/2006/main">
+  <p:cSld>
+    <p:spTree>
+      <p:nvGrpSpPr>
+        <p:cNvPr id="1" name=""/>
+        <p:cNvGrpSpPr/>
+        <p:nvPr/>
+      </p:nvGrpSpPr>
+      <p:grpSpPr>
+        <a:xfrm>
+          <a:off x="0" y="0"/>
+          <a:ext cx="0" cy="0"/>
+          <a:chOff x="0" y="0"/>
+          <a:chExt cx="0" cy="0"/>
+        </a:xfrm>
+      </p:grpSpPr>
+      <p:sp>
+        <p:nvSpPr>
+          <p:cNvPr id="2" name="Title 1">
+            <a:extLst>
+              <a:ext uri="{FF2B5EF4-FFF2-40B4-BE49-F238E27FC236}">
+                <a16:creationId xmlns:a16="http://schemas.microsoft.com/office/drawing/2014/main" id="{67300353-5A4C-37C1-93AA-7C733D82938C}"/>
+              </a:ext>
+            </a:extLst>
+          </p:cNvPr>
+          <p:cNvSpPr>
+            <a:spLocks noGrp="1"/>
+          </p:cNvSpPr>
+          <p:nvPr>
+            <p:ph type="title"/>
+          </p:nvPr>
+        </p:nvSpPr>
+        <p:spPr/>
+        <p:txBody>
+          <a:bodyPr/>
+          <a:lstStyle/>
+          <a:p>
+            <a:r>
+              <a:rPr lang="de-DE" dirty="0"/>
+              <a:t>Test 2: iperf between two boards and varying the Max Nodes value</a:t>
+            </a:r>
+          </a:p>
+        </p:txBody>
+      </p:sp>
+      <p:pic>
+        <p:nvPicPr>
+          <p:cNvPr id="5" name="Picture 4">
+            <a:extLst>
+              <a:ext uri="{FF2B5EF4-FFF2-40B4-BE49-F238E27FC236}">
+                <a16:creationId xmlns:a16="http://schemas.microsoft.com/office/drawing/2014/main" id="{5EE1065D-6653-F255-2C6B-81E62ADF1928}"/>
+              </a:ext>
+            </a:extLst>
+          </p:cNvPr>
+          <p:cNvPicPr>
+            <a:picLocks noChangeAspect="1"/>
+          </p:cNvPicPr>
+          <p:nvPr/>
+        </p:nvPicPr>
+        <p:blipFill>
+          <a:blip r:embed="rId2"/>
+          <a:stretch>
+            <a:fillRect/>
+          </a:stretch>
+        </p:blipFill>
+        <p:spPr>
+          <a:xfrm>
+            <a:off x="826184" y="1981076"/>
+            <a:ext cx="6187976" cy="2865368"/>
+          </a:xfrm>
+          <a:prstGeom prst="rect">
+            <a:avLst/>
+          </a:prstGeom>
+        </p:spPr>
+      </p:pic>
+      <p:pic>
+        <p:nvPicPr>
+          <p:cNvPr id="7" name="Picture 6">
+            <a:extLst>
+              <a:ext uri="{FF2B5EF4-FFF2-40B4-BE49-F238E27FC236}">
+                <a16:creationId xmlns:a16="http://schemas.microsoft.com/office/drawing/2014/main" id="{86EA99AC-F133-A7EE-80FC-6C3CAFBD269C}"/>
+              </a:ext>
+            </a:extLst>
+          </p:cNvPr>
+          <p:cNvPicPr>
+            <a:picLocks noChangeAspect="1"/>
+          </p:cNvPicPr>
+          <p:nvPr/>
+        </p:nvPicPr>
+        <p:blipFill>
+          <a:blip r:embed="rId3"/>
+          <a:stretch>
+            <a:fillRect/>
+          </a:stretch>
+        </p:blipFill>
+        <p:spPr>
+          <a:xfrm>
+            <a:off x="7203440" y="1667831"/>
+            <a:ext cx="4665952" cy="3522337"/>
+          </a:xfrm>
+          <a:prstGeom prst="rect">
+            <a:avLst/>
+          </a:prstGeom>
+        </p:spPr>
+      </p:pic>
+      <p:pic>
+        <p:nvPicPr>
+          <p:cNvPr id="9" name="Picture 8">
+            <a:extLst>
+              <a:ext uri="{FF2B5EF4-FFF2-40B4-BE49-F238E27FC236}">
+                <a16:creationId xmlns:a16="http://schemas.microsoft.com/office/drawing/2014/main" id="{47B2B8F2-FE70-ADC4-2134-15F63F722501}"/>
+              </a:ext>
+            </a:extLst>
+          </p:cNvPr>
+          <p:cNvPicPr>
+            <a:picLocks noChangeAspect="1"/>
+          </p:cNvPicPr>
+          <p:nvPr/>
+        </p:nvPicPr>
+        <p:blipFill>
+          <a:blip r:embed="rId4"/>
+          <a:stretch>
+            <a:fillRect/>
+          </a:stretch>
+        </p:blipFill>
+        <p:spPr>
+          <a:xfrm>
+            <a:off x="4768589" y="5511986"/>
+            <a:ext cx="2400508" cy="441998"/>
+          </a:xfrm>
+          <a:prstGeom prst="rect">
+            <a:avLst/>
+          </a:prstGeom>
+        </p:spPr>
+      </p:pic>
+      <p:pic>
+        <p:nvPicPr>
+          <p:cNvPr id="13" name="Picture 12">
+            <a:extLst>
+              <a:ext uri="{FF2B5EF4-FFF2-40B4-BE49-F238E27FC236}">
+                <a16:creationId xmlns:a16="http://schemas.microsoft.com/office/drawing/2014/main" id="{FE8CDD7A-A2AC-5D43-25C5-EFD19BCD9BC8}"/>
+              </a:ext>
+            </a:extLst>
+          </p:cNvPr>
+          <p:cNvPicPr>
+            <a:picLocks noChangeAspect="1"/>
+          </p:cNvPicPr>
+          <p:nvPr/>
+        </p:nvPicPr>
+        <p:blipFill>
+          <a:blip r:embed="rId5"/>
+          <a:stretch>
+            <a:fillRect/>
+          </a:stretch>
+        </p:blipFill>
+        <p:spPr>
+          <a:xfrm>
+            <a:off x="7511462" y="5190168"/>
+            <a:ext cx="4244708" cy="1173582"/>
+          </a:xfrm>
+          <a:prstGeom prst="rect">
+            <a:avLst/>
+          </a:prstGeom>
+        </p:spPr>
+      </p:pic>
+      <p:pic>
+        <p:nvPicPr>
+          <p:cNvPr id="15" name="Picture 14">
+            <a:extLst>
+              <a:ext uri="{FF2B5EF4-FFF2-40B4-BE49-F238E27FC236}">
+                <a16:creationId xmlns:a16="http://schemas.microsoft.com/office/drawing/2014/main" id="{73767FD3-D12A-277C-DA9C-0C98DCD8D28F}"/>
+              </a:ext>
+            </a:extLst>
+          </p:cNvPr>
+          <p:cNvPicPr>
+            <a:picLocks noChangeAspect="1"/>
+          </p:cNvPicPr>
+          <p:nvPr/>
+        </p:nvPicPr>
+        <p:blipFill>
+          <a:blip r:embed="rId6"/>
+          <a:stretch>
+            <a:fillRect/>
+          </a:stretch>
+        </p:blipFill>
+        <p:spPr>
+          <a:xfrm>
+            <a:off x="734064" y="5232082"/>
+            <a:ext cx="3726503" cy="1089754"/>
+          </a:xfrm>
+          <a:prstGeom prst="rect">
+            <a:avLst/>
+          </a:prstGeom>
+        </p:spPr>
+      </p:pic>
+    </p:spTree>
+    <p:extLst>
+      <p:ext uri="{BB962C8B-B14F-4D97-AF65-F5344CB8AC3E}">
+        <p14:creationId xmlns:p14="http://schemas.microsoft.com/office/powerpoint/2010/main" val="340969633"/>
+      </p:ext>
+    </p:extLst>
+  </p:cSld>
+  <p:clrMapOvr>
+    <a:masterClrMapping/>
+  </p:clrMapOvr>
+</p:sld>
+</file>
+
+<file path=ppt/slides/slide28.xml><?xml version="1.0" encoding="utf-8"?>
+<p:sld xmlns:a="http://schemas.openxmlformats.org/drawingml/2006/main" xmlns:r="http://schemas.openxmlformats.org/officeDocument/2006/relationships" xmlns:p="http://schemas.openxmlformats.org/presentationml/2006/main">
+  <p:cSld>
+    <p:spTree>
+      <p:nvGrpSpPr>
+        <p:cNvPr id="1" name=""/>
+        <p:cNvGrpSpPr/>
+        <p:nvPr/>
+      </p:nvGrpSpPr>
+      <p:grpSpPr>
+        <a:xfrm>
+          <a:off x="0" y="0"/>
+          <a:ext cx="0" cy="0"/>
+          <a:chOff x="0" y="0"/>
+          <a:chExt cx="0" cy="0"/>
+        </a:xfrm>
+      </p:grpSpPr>
+      <p:sp>
+        <p:nvSpPr>
+          <p:cNvPr id="2" name="Title 1">
+            <a:extLst>
+              <a:ext uri="{FF2B5EF4-FFF2-40B4-BE49-F238E27FC236}">
+                <a16:creationId xmlns:a16="http://schemas.microsoft.com/office/drawing/2014/main" id="{67300353-5A4C-37C1-93AA-7C733D82938C}"/>
+              </a:ext>
+            </a:extLst>
+          </p:cNvPr>
+          <p:cNvSpPr>
+            <a:spLocks noGrp="1"/>
+          </p:cNvSpPr>
+          <p:nvPr>
+            <p:ph type="title"/>
+          </p:nvPr>
+        </p:nvSpPr>
+        <p:spPr/>
+        <p:txBody>
+          <a:bodyPr/>
+          <a:lstStyle/>
+          <a:p>
+            <a:r>
+              <a:rPr lang="de-DE" dirty="0"/>
+              <a:t>Test 2: iperf between two boards and varying the Max Nodes value</a:t>
+            </a:r>
+          </a:p>
+        </p:txBody>
+      </p:sp>
+      <p:pic>
+        <p:nvPicPr>
+          <p:cNvPr id="4" name="Picture 3">
+            <a:extLst>
+              <a:ext uri="{FF2B5EF4-FFF2-40B4-BE49-F238E27FC236}">
+                <a16:creationId xmlns:a16="http://schemas.microsoft.com/office/drawing/2014/main" id="{0D3974D3-673D-7A30-5D02-1FC748F8A0F6}"/>
+              </a:ext>
+            </a:extLst>
+          </p:cNvPr>
+          <p:cNvPicPr>
+            <a:picLocks noChangeAspect="1"/>
+          </p:cNvPicPr>
+          <p:nvPr/>
+        </p:nvPicPr>
+        <p:blipFill>
+          <a:blip r:embed="rId2"/>
+          <a:stretch>
+            <a:fillRect/>
+          </a:stretch>
+        </p:blipFill>
+        <p:spPr>
+          <a:xfrm>
+            <a:off x="4685121" y="1684224"/>
+            <a:ext cx="5939832" cy="4432325"/>
+          </a:xfrm>
+          <a:prstGeom prst="rect">
+            <a:avLst/>
+          </a:prstGeom>
+        </p:spPr>
+      </p:pic>
+      <p:pic>
+        <p:nvPicPr>
+          <p:cNvPr id="8" name="Picture 7">
+            <a:extLst>
+              <a:ext uri="{FF2B5EF4-FFF2-40B4-BE49-F238E27FC236}">
+                <a16:creationId xmlns:a16="http://schemas.microsoft.com/office/drawing/2014/main" id="{BBD98E49-FEE7-1D32-E43E-FE44BBE51CA6}"/>
+              </a:ext>
+            </a:extLst>
+          </p:cNvPr>
+          <p:cNvPicPr>
+            <a:picLocks noChangeAspect="1"/>
+          </p:cNvPicPr>
+          <p:nvPr/>
+        </p:nvPicPr>
+        <p:blipFill>
+          <a:blip r:embed="rId3"/>
+          <a:stretch>
+            <a:fillRect/>
+          </a:stretch>
+        </p:blipFill>
+        <p:spPr>
+          <a:xfrm>
+            <a:off x="1268847" y="3429000"/>
+            <a:ext cx="2354784" cy="251482"/>
+          </a:xfrm>
+          <a:prstGeom prst="rect">
+            <a:avLst/>
+          </a:prstGeom>
+        </p:spPr>
+      </p:pic>
+    </p:spTree>
+    <p:extLst>
+      <p:ext uri="{BB962C8B-B14F-4D97-AF65-F5344CB8AC3E}">
+        <p14:creationId xmlns:p14="http://schemas.microsoft.com/office/powerpoint/2010/main" val="2465625645"/>
+      </p:ext>
+    </p:extLst>
+  </p:cSld>
+  <p:clrMapOvr>
+    <a:masterClrMapping/>
+  </p:clrMapOvr>
 </p:sld>
 </file>
 
@@ -16205,16 +16711,49 @@
 </file>
 
 <file path=customXml/item2.xml><?xml version="1.0" encoding="utf-8"?>
-<p:properties xmlns:p="http://schemas.microsoft.com/office/2006/metadata/properties" xmlns:xsi="http://www.w3.org/2001/XMLSchema-instance" xmlns:pc="http://schemas.microsoft.com/office/infopath/2007/PartnerControls">
-  <documentManagement>
-    <Content_x0020_Archived xmlns="df7acb31-37ac-40e2-81bb-c44e3630f613">false</Content_x0020_Archived>
-    <_dlc_DocId xmlns="38ef598d-997c-498b-b737-2f6b2c50ccab">SV5CHKDEWJXD-84-133</_dlc_DocId>
-    <_dlc_DocIdUrl xmlns="38ef598d-997c-498b-b737-2f6b2c50ccab">
-      <Url>http://mchpweb-2010/marcom/home/Resources/_layouts/DocIdRedir.aspx?ID=SV5CHKDEWJXD-84-133</Url>
-      <Description>SV5CHKDEWJXD-84-133</Description>
-    </_dlc_DocIdUrl>
-  </documentManagement>
-</p:properties>
+<?mso-contentType ?>
+<spe:Receivers xmlns:spe="http://schemas.microsoft.com/sharepoint/events">
+  <Receiver>
+    <Name>Document ID Generator</Name>
+    <Synchronization>Synchronous</Synchronization>
+    <Type>10001</Type>
+    <SequenceNumber>1000</SequenceNumber>
+    <Assembly>Microsoft.Office.DocumentManagement, Version=14.0.0.0, Culture=neutral, PublicKeyToken=71e9bce111e9429c</Assembly>
+    <Class>Microsoft.Office.DocumentManagement.Internal.DocIdHandler</Class>
+    <Data/>
+    <Filter/>
+  </Receiver>
+  <Receiver>
+    <Name>Document ID Generator</Name>
+    <Synchronization>Synchronous</Synchronization>
+    <Type>10002</Type>
+    <SequenceNumber>1001</SequenceNumber>
+    <Assembly>Microsoft.Office.DocumentManagement, Version=14.0.0.0, Culture=neutral, PublicKeyToken=71e9bce111e9429c</Assembly>
+    <Class>Microsoft.Office.DocumentManagement.Internal.DocIdHandler</Class>
+    <Data/>
+    <Filter/>
+  </Receiver>
+  <Receiver>
+    <Name>Document ID Generator</Name>
+    <Synchronization>Synchronous</Synchronization>
+    <Type>10004</Type>
+    <SequenceNumber>1002</SequenceNumber>
+    <Assembly>Microsoft.Office.DocumentManagement, Version=14.0.0.0, Culture=neutral, PublicKeyToken=71e9bce111e9429c</Assembly>
+    <Class>Microsoft.Office.DocumentManagement.Internal.DocIdHandler</Class>
+    <Data/>
+    <Filter/>
+  </Receiver>
+  <Receiver>
+    <Name>Document ID Generator</Name>
+    <Synchronization>Synchronous</Synchronization>
+    <Type>10006</Type>
+    <SequenceNumber>1003</SequenceNumber>
+    <Assembly>Microsoft.Office.DocumentManagement, Version=14.0.0.0, Culture=neutral, PublicKeyToken=71e9bce111e9429c</Assembly>
+    <Class>Microsoft.Office.DocumentManagement.Internal.DocIdHandler</Class>
+    <Data/>
+    <Filter/>
+  </Receiver>
+</spe:Receivers>
 </file>
 
 <file path=customXml/item3.xml><?xml version="1.0" encoding="utf-8"?>
@@ -16374,49 +16913,16 @@
 </file>
 
 <file path=customXml/item4.xml><?xml version="1.0" encoding="utf-8"?>
-<?mso-contentType ?>
-<spe:Receivers xmlns:spe="http://schemas.microsoft.com/sharepoint/events">
-  <Receiver>
-    <Name>Document ID Generator</Name>
-    <Synchronization>Synchronous</Synchronization>
-    <Type>10001</Type>
-    <SequenceNumber>1000</SequenceNumber>
-    <Assembly>Microsoft.Office.DocumentManagement, Version=14.0.0.0, Culture=neutral, PublicKeyToken=71e9bce111e9429c</Assembly>
-    <Class>Microsoft.Office.DocumentManagement.Internal.DocIdHandler</Class>
-    <Data/>
-    <Filter/>
-  </Receiver>
-  <Receiver>
-    <Name>Document ID Generator</Name>
-    <Synchronization>Synchronous</Synchronization>
-    <Type>10002</Type>
-    <SequenceNumber>1001</SequenceNumber>
-    <Assembly>Microsoft.Office.DocumentManagement, Version=14.0.0.0, Culture=neutral, PublicKeyToken=71e9bce111e9429c</Assembly>
-    <Class>Microsoft.Office.DocumentManagement.Internal.DocIdHandler</Class>
-    <Data/>
-    <Filter/>
-  </Receiver>
-  <Receiver>
-    <Name>Document ID Generator</Name>
-    <Synchronization>Synchronous</Synchronization>
-    <Type>10004</Type>
-    <SequenceNumber>1002</SequenceNumber>
-    <Assembly>Microsoft.Office.DocumentManagement, Version=14.0.0.0, Culture=neutral, PublicKeyToken=71e9bce111e9429c</Assembly>
-    <Class>Microsoft.Office.DocumentManagement.Internal.DocIdHandler</Class>
-    <Data/>
-    <Filter/>
-  </Receiver>
-  <Receiver>
-    <Name>Document ID Generator</Name>
-    <Synchronization>Synchronous</Synchronization>
-    <Type>10006</Type>
-    <SequenceNumber>1003</SequenceNumber>
-    <Assembly>Microsoft.Office.DocumentManagement, Version=14.0.0.0, Culture=neutral, PublicKeyToken=71e9bce111e9429c</Assembly>
-    <Class>Microsoft.Office.DocumentManagement.Internal.DocIdHandler</Class>
-    <Data/>
-    <Filter/>
-  </Receiver>
-</spe:Receivers>
+<p:properties xmlns:p="http://schemas.microsoft.com/office/2006/metadata/properties" xmlns:xsi="http://www.w3.org/2001/XMLSchema-instance" xmlns:pc="http://schemas.microsoft.com/office/infopath/2007/PartnerControls">
+  <documentManagement>
+    <Content_x0020_Archived xmlns="df7acb31-37ac-40e2-81bb-c44e3630f613">false</Content_x0020_Archived>
+    <_dlc_DocId xmlns="38ef598d-997c-498b-b737-2f6b2c50ccab">SV5CHKDEWJXD-84-133</_dlc_DocId>
+    <_dlc_DocIdUrl xmlns="38ef598d-997c-498b-b737-2f6b2c50ccab">
+      <Url>http://mchpweb-2010/marcom/home/Resources/_layouts/DocIdRedir.aspx?ID=SV5CHKDEWJXD-84-133</Url>
+      <Description>SV5CHKDEWJXD-84-133</Description>
+    </_dlc_DocIdUrl>
+  </documentManagement>
+</p:properties>
 </file>
 
 <file path=customXml/itemProps1.xml><?xml version="1.0" encoding="utf-8"?>
@@ -16428,12 +16934,9 @@
 </file>
 
 <file path=customXml/itemProps2.xml><?xml version="1.0" encoding="utf-8"?>
-<ds:datastoreItem xmlns:ds="http://schemas.openxmlformats.org/officeDocument/2006/customXml" ds:itemID="{15774815-801A-4D0C-AAC8-304A8EA5EAE0}">
+<ds:datastoreItem xmlns:ds="http://schemas.openxmlformats.org/officeDocument/2006/customXml" ds:itemID="{36ECED7C-7E24-4B80-B6AD-5BF0A508FB7B}">
   <ds:schemaRefs>
-    <ds:schemaRef ds:uri="38ef598d-997c-498b-b737-2f6b2c50ccab"/>
-    <ds:schemaRef ds:uri="df7acb31-37ac-40e2-81bb-c44e3630f613"/>
-    <ds:schemaRef ds:uri="http://schemas.microsoft.com/office/2006/metadata/properties"/>
-    <ds:schemaRef ds:uri="http://schemas.microsoft.com/office/infopath/2007/PartnerControls"/>
+    <ds:schemaRef ds:uri="http://schemas.microsoft.com/sharepoint/events"/>
   </ds:schemaRefs>
 </ds:datastoreItem>
 </file>
@@ -16458,9 +16961,12 @@
 </file>
 
 <file path=customXml/itemProps4.xml><?xml version="1.0" encoding="utf-8"?>
-<ds:datastoreItem xmlns:ds="http://schemas.openxmlformats.org/officeDocument/2006/customXml" ds:itemID="{36ECED7C-7E24-4B80-B6AD-5BF0A508FB7B}">
+<ds:datastoreItem xmlns:ds="http://schemas.openxmlformats.org/officeDocument/2006/customXml" ds:itemID="{15774815-801A-4D0C-AAC8-304A8EA5EAE0}">
   <ds:schemaRefs>
-    <ds:schemaRef ds:uri="http://schemas.microsoft.com/sharepoint/events"/>
+    <ds:schemaRef ds:uri="38ef598d-997c-498b-b737-2f6b2c50ccab"/>
+    <ds:schemaRef ds:uri="df7acb31-37ac-40e2-81bb-c44e3630f613"/>
+    <ds:schemaRef ds:uri="http://schemas.microsoft.com/office/2006/metadata/properties"/>
+    <ds:schemaRef ds:uri="http://schemas.microsoft.com/office/infopath/2007/PartnerControls"/>
   </ds:schemaRefs>
 </ds:datastoreItem>
 </file>
--- a/T1S Autoconfig - Tooling.pptx
+++ b/T1S Autoconfig - Tooling.pptx
@@ -5,40 +5,41 @@
     <p:sldMasterId id="2147483648" r:id="rId5"/>
   </p:sldMasterIdLst>
   <p:notesMasterIdLst>
-    <p:notesMasterId r:id="rId34"/>
+    <p:notesMasterId r:id="rId35"/>
   </p:notesMasterIdLst>
   <p:handoutMasterIdLst>
-    <p:handoutMasterId r:id="rId35"/>
+    <p:handoutMasterId r:id="rId36"/>
   </p:handoutMasterIdLst>
   <p:sldIdLst>
     <p:sldId id="1954" r:id="rId6"/>
     <p:sldId id="1990" r:id="rId7"/>
     <p:sldId id="2020" r:id="rId8"/>
-    <p:sldId id="1959" r:id="rId9"/>
-    <p:sldId id="2004" r:id="rId10"/>
-    <p:sldId id="2023" r:id="rId11"/>
-    <p:sldId id="2009" r:id="rId12"/>
-    <p:sldId id="2022" r:id="rId13"/>
-    <p:sldId id="2011" r:id="rId14"/>
-    <p:sldId id="2012" r:id="rId15"/>
-    <p:sldId id="2010" r:id="rId16"/>
-    <p:sldId id="2005" r:id="rId17"/>
-    <p:sldId id="2021" r:id="rId18"/>
-    <p:sldId id="2014" r:id="rId19"/>
-    <p:sldId id="2015" r:id="rId20"/>
-    <p:sldId id="2024" r:id="rId21"/>
-    <p:sldId id="2016" r:id="rId22"/>
-    <p:sldId id="2025" r:id="rId23"/>
-    <p:sldId id="2026" r:id="rId24"/>
-    <p:sldId id="2019" r:id="rId25"/>
-    <p:sldId id="2006" r:id="rId26"/>
-    <p:sldId id="2007" r:id="rId27"/>
-    <p:sldId id="2017" r:id="rId28"/>
-    <p:sldId id="2018" r:id="rId29"/>
-    <p:sldId id="2027" r:id="rId30"/>
-    <p:sldId id="2028" r:id="rId31"/>
-    <p:sldId id="2029" r:id="rId32"/>
-    <p:sldId id="2030" r:id="rId33"/>
+    <p:sldId id="2031" r:id="rId9"/>
+    <p:sldId id="1959" r:id="rId10"/>
+    <p:sldId id="2004" r:id="rId11"/>
+    <p:sldId id="2023" r:id="rId12"/>
+    <p:sldId id="2009" r:id="rId13"/>
+    <p:sldId id="2022" r:id="rId14"/>
+    <p:sldId id="2011" r:id="rId15"/>
+    <p:sldId id="2012" r:id="rId16"/>
+    <p:sldId id="2010" r:id="rId17"/>
+    <p:sldId id="2005" r:id="rId18"/>
+    <p:sldId id="2021" r:id="rId19"/>
+    <p:sldId id="2014" r:id="rId20"/>
+    <p:sldId id="2015" r:id="rId21"/>
+    <p:sldId id="2024" r:id="rId22"/>
+    <p:sldId id="2016" r:id="rId23"/>
+    <p:sldId id="2025" r:id="rId24"/>
+    <p:sldId id="2026" r:id="rId25"/>
+    <p:sldId id="2019" r:id="rId26"/>
+    <p:sldId id="2006" r:id="rId27"/>
+    <p:sldId id="2007" r:id="rId28"/>
+    <p:sldId id="2017" r:id="rId29"/>
+    <p:sldId id="2018" r:id="rId30"/>
+    <p:sldId id="2027" r:id="rId31"/>
+    <p:sldId id="2028" r:id="rId32"/>
+    <p:sldId id="2029" r:id="rId33"/>
+    <p:sldId id="2030" r:id="rId34"/>
   </p:sldIdLst>
   <p:sldSz cx="12188825" cy="6858000"/>
   <p:notesSz cx="6858000" cy="9144000"/>
@@ -172,13 +173,124 @@
 <file path=ppt/revisionInfo.xml><?xml version="1.0" encoding="utf-8"?>
 <p1510:revInfo xmlns:a="http://schemas.openxmlformats.org/drawingml/2006/main" xmlns:r="http://schemas.openxmlformats.org/officeDocument/2006/relationships" xmlns:p1510="http://schemas.microsoft.com/office/powerpoint/2015/10/main">
   <p1510:revLst>
-    <p1510:client id="{0823DEFC-0073-4929-B035-0E84275F2DB5}" v="1852" dt="2023-10-09T15:49:58.465"/>
+    <p1510:client id="{55952A1F-DAE6-46A6-A67C-D2F10EDCA31B}" v="2" dt="2023-12-05T12:49:36.743"/>
   </p1510:revLst>
 </p1510:revInfo>
 </file>
 
 <file path=ppt/changesInfos/changesInfo1.xml><?xml version="1.0" encoding="utf-8"?>
 <pc:chgInfo xmlns:a="http://schemas.openxmlformats.org/drawingml/2006/main" xmlns:r="http://schemas.openxmlformats.org/officeDocument/2006/relationships" xmlns:ac="http://schemas.microsoft.com/office/drawing/2013/main/command" xmlns:pc="http://schemas.microsoft.com/office/powerpoint/2013/main/command">
+  <pc:docChgLst>
+    <pc:chgData name="Kevin Bogdon - M67456" userId="0f4eb218-6187-4584-87a0-06bf6a0fe118" providerId="ADAL" clId="{55952A1F-DAE6-46A6-A67C-D2F10EDCA31B}"/>
+    <pc:docChg chg="undo custSel addSld modSld">
+      <pc:chgData name="Kevin Bogdon - M67456" userId="0f4eb218-6187-4584-87a0-06bf6a0fe118" providerId="ADAL" clId="{55952A1F-DAE6-46A6-A67C-D2F10EDCA31B}" dt="2023-12-05T12:50:03.727" v="331" actId="478"/>
+      <pc:docMkLst>
+        <pc:docMk/>
+      </pc:docMkLst>
+      <pc:sldChg chg="modSp mod">
+        <pc:chgData name="Kevin Bogdon - M67456" userId="0f4eb218-6187-4584-87a0-06bf6a0fe118" providerId="ADAL" clId="{55952A1F-DAE6-46A6-A67C-D2F10EDCA31B}" dt="2023-12-05T12:45:43.982" v="4" actId="20577"/>
+        <pc:sldMkLst>
+          <pc:docMk/>
+          <pc:sldMk cId="2240505436" sldId="1990"/>
+        </pc:sldMkLst>
+        <pc:spChg chg="mod">
+          <ac:chgData name="Kevin Bogdon - M67456" userId="0f4eb218-6187-4584-87a0-06bf6a0fe118" providerId="ADAL" clId="{55952A1F-DAE6-46A6-A67C-D2F10EDCA31B}" dt="2023-12-05T12:45:43.982" v="4" actId="20577"/>
+          <ac:spMkLst>
+            <pc:docMk/>
+            <pc:sldMk cId="2240505436" sldId="1990"/>
+            <ac:spMk id="3" creationId="{6940DDCE-05C4-D14D-09D8-5C700B0FB6B3}"/>
+          </ac:spMkLst>
+        </pc:spChg>
+      </pc:sldChg>
+      <pc:sldChg chg="addSp delSp modSp add mod modClrScheme chgLayout">
+        <pc:chgData name="Kevin Bogdon - M67456" userId="0f4eb218-6187-4584-87a0-06bf6a0fe118" providerId="ADAL" clId="{55952A1F-DAE6-46A6-A67C-D2F10EDCA31B}" dt="2023-12-05T12:50:03.727" v="331" actId="478"/>
+        <pc:sldMkLst>
+          <pc:docMk/>
+          <pc:sldMk cId="1459359035" sldId="2031"/>
+        </pc:sldMkLst>
+        <pc:spChg chg="add del mod">
+          <ac:chgData name="Kevin Bogdon - M67456" userId="0f4eb218-6187-4584-87a0-06bf6a0fe118" providerId="ADAL" clId="{55952A1F-DAE6-46A6-A67C-D2F10EDCA31B}" dt="2023-12-05T12:49:58.274" v="329" actId="478"/>
+          <ac:spMkLst>
+            <pc:docMk/>
+            <pc:sldMk cId="1459359035" sldId="2031"/>
+            <ac:spMk id="2" creationId="{4AA33942-852B-E475-399A-829A3998827B}"/>
+          </ac:spMkLst>
+        </pc:spChg>
+        <pc:spChg chg="add del mod">
+          <ac:chgData name="Kevin Bogdon - M67456" userId="0f4eb218-6187-4584-87a0-06bf6a0fe118" providerId="ADAL" clId="{55952A1F-DAE6-46A6-A67C-D2F10EDCA31B}" dt="2023-12-05T12:49:36.743" v="323"/>
+          <ac:spMkLst>
+            <pc:docMk/>
+            <pc:sldMk cId="1459359035" sldId="2031"/>
+            <ac:spMk id="4" creationId="{2E0DC69B-C5FA-F43F-B5E1-EC2E686325C4}"/>
+          </ac:spMkLst>
+        </pc:spChg>
+        <pc:spChg chg="mod">
+          <ac:chgData name="Kevin Bogdon - M67456" userId="0f4eb218-6187-4584-87a0-06bf6a0fe118" providerId="ADAL" clId="{55952A1F-DAE6-46A6-A67C-D2F10EDCA31B}" dt="2023-12-05T12:49:44.908" v="327" actId="26606"/>
+          <ac:spMkLst>
+            <pc:docMk/>
+            <pc:sldMk cId="1459359035" sldId="2031"/>
+            <ac:spMk id="8" creationId="{CA150BCA-6874-AD39-D378-3519A98F1789}"/>
+          </ac:spMkLst>
+        </pc:spChg>
+        <pc:spChg chg="del mod">
+          <ac:chgData name="Kevin Bogdon - M67456" userId="0f4eb218-6187-4584-87a0-06bf6a0fe118" providerId="ADAL" clId="{55952A1F-DAE6-46A6-A67C-D2F10EDCA31B}" dt="2023-12-05T12:49:27.610" v="322"/>
+          <ac:spMkLst>
+            <pc:docMk/>
+            <pc:sldMk cId="1459359035" sldId="2031"/>
+            <ac:spMk id="9" creationId="{BE9617CA-5228-D180-8F8F-9A8C1706CB9B}"/>
+          </ac:spMkLst>
+        </pc:spChg>
+        <pc:spChg chg="add del mod">
+          <ac:chgData name="Kevin Bogdon - M67456" userId="0f4eb218-6187-4584-87a0-06bf6a0fe118" providerId="ADAL" clId="{55952A1F-DAE6-46A6-A67C-D2F10EDCA31B}" dt="2023-12-05T12:49:58.274" v="329" actId="478"/>
+          <ac:spMkLst>
+            <pc:docMk/>
+            <pc:sldMk cId="1459359035" sldId="2031"/>
+            <ac:spMk id="11" creationId="{87A0F110-2164-2B84-3EA9-3AF66C2A1438}"/>
+          </ac:spMkLst>
+        </pc:spChg>
+        <pc:spChg chg="add del mod">
+          <ac:chgData name="Kevin Bogdon - M67456" userId="0f4eb218-6187-4584-87a0-06bf6a0fe118" providerId="ADAL" clId="{55952A1F-DAE6-46A6-A67C-D2F10EDCA31B}" dt="2023-12-05T12:50:03.727" v="331" actId="478"/>
+          <ac:spMkLst>
+            <pc:docMk/>
+            <pc:sldMk cId="1459359035" sldId="2031"/>
+            <ac:spMk id="13" creationId="{F08C73DD-CAF0-B722-A326-A31C3EE004F8}"/>
+          </ac:spMkLst>
+        </pc:spChg>
+        <pc:spChg chg="add del mod">
+          <ac:chgData name="Kevin Bogdon - M67456" userId="0f4eb218-6187-4584-87a0-06bf6a0fe118" providerId="ADAL" clId="{55952A1F-DAE6-46A6-A67C-D2F10EDCA31B}" dt="2023-12-05T12:50:02.217" v="330" actId="478"/>
+          <ac:spMkLst>
+            <pc:docMk/>
+            <pc:sldMk cId="1459359035" sldId="2031"/>
+            <ac:spMk id="15" creationId="{4C7EBF05-AE96-3B92-4553-8503D999D437}"/>
+          </ac:spMkLst>
+        </pc:spChg>
+        <pc:picChg chg="del">
+          <ac:chgData name="Kevin Bogdon - M67456" userId="0f4eb218-6187-4584-87a0-06bf6a0fe118" providerId="ADAL" clId="{55952A1F-DAE6-46A6-A67C-D2F10EDCA31B}" dt="2023-12-05T12:49:27.608" v="320" actId="478"/>
+          <ac:picMkLst>
+            <pc:docMk/>
+            <pc:sldMk cId="1459359035" sldId="2031"/>
+            <ac:picMk id="5" creationId="{59D046A2-4A2E-09EE-6D4C-DEF9A18027BF}"/>
+          </ac:picMkLst>
+        </pc:picChg>
+        <pc:picChg chg="add mod">
+          <ac:chgData name="Kevin Bogdon - M67456" userId="0f4eb218-6187-4584-87a0-06bf6a0fe118" providerId="ADAL" clId="{55952A1F-DAE6-46A6-A67C-D2F10EDCA31B}" dt="2023-12-05T12:49:44.908" v="327" actId="26606"/>
+          <ac:picMkLst>
+            <pc:docMk/>
+            <pc:sldMk cId="1459359035" sldId="2031"/>
+            <ac:picMk id="6" creationId="{DD6538F6-C6D1-AA84-3412-46616C238E32}"/>
+          </ac:picMkLst>
+        </pc:picChg>
+        <pc:picChg chg="del">
+          <ac:chgData name="Kevin Bogdon - M67456" userId="0f4eb218-6187-4584-87a0-06bf6a0fe118" providerId="ADAL" clId="{55952A1F-DAE6-46A6-A67C-D2F10EDCA31B}" dt="2023-12-05T12:48:41.412" v="229" actId="478"/>
+          <ac:picMkLst>
+            <pc:docMk/>
+            <pc:sldMk cId="1459359035" sldId="2031"/>
+            <ac:picMk id="7" creationId="{1F0A7CD4-ACEE-CD56-DD26-4CB16A037011}"/>
+          </ac:picMkLst>
+        </pc:picChg>
+      </pc:sldChg>
+    </pc:docChg>
+  </pc:docChgLst>
   <pc:docChgLst>
     <pc:chgData name="Martin Ruppert - M91221" userId="7fe7afe2-cb92-4781-8254-d27073042507" providerId="ADAL" clId="{0823DEFC-0073-4929-B035-0E84275F2DB5}"/>
     <pc:docChg chg="undo custSel addSld delSld modSld sldOrd">
@@ -927,7 +1039,7 @@
           <a:p>
             <a:fld id="{98615C2D-FB91-8740-95C2-23C11A10F2F2}" type="datetimeFigureOut">
               <a:rPr lang="en-US" smtClean="0"/>
-              <a:t>10/31/2023</a:t>
+              <a:t>12/5/2023</a:t>
             </a:fld>
             <a:endParaRPr lang="en-US"/>
           </a:p>
@@ -1105,7 +1217,7 @@
           <a:p>
             <a:fld id="{F154E49F-5C3A-ED4E-A68A-CCB3AA3B5D59}" type="datetimeFigureOut">
               <a:rPr lang="en-US" smtClean="0"/>
-              <a:t>10/31/2023</a:t>
+              <a:t>12/5/2023</a:t>
             </a:fld>
             <a:endParaRPr lang="en-US"/>
           </a:p>
@@ -5435,6 +5547,639 @@
           <a:p>
             <a:r>
               <a:rPr lang="de-DE" dirty="0"/>
+              <a:t>Generate Makefiles</a:t>
+            </a:r>
+          </a:p>
+        </p:txBody>
+      </p:sp>
+      <p:pic>
+        <p:nvPicPr>
+          <p:cNvPr id="5" name="Picture 4">
+            <a:extLst>
+              <a:ext uri="{FF2B5EF4-FFF2-40B4-BE49-F238E27FC236}">
+                <a16:creationId xmlns:a16="http://schemas.microsoft.com/office/drawing/2014/main" id="{0B513042-A54B-3A27-E0C4-D3E93BE6ABB4}"/>
+              </a:ext>
+            </a:extLst>
+          </p:cNvPr>
+          <p:cNvPicPr>
+            <a:picLocks noChangeAspect="1"/>
+          </p:cNvPicPr>
+          <p:nvPr/>
+        </p:nvPicPr>
+        <p:blipFill>
+          <a:blip r:embed="rId3"/>
+          <a:stretch>
+            <a:fillRect/>
+          </a:stretch>
+        </p:blipFill>
+        <p:spPr>
+          <a:xfrm>
+            <a:off x="764437" y="2623055"/>
+            <a:ext cx="1896230" cy="2079736"/>
+          </a:xfrm>
+          <a:prstGeom prst="rect">
+            <a:avLst/>
+          </a:prstGeom>
+        </p:spPr>
+      </p:pic>
+      <p:sp>
+        <p:nvSpPr>
+          <p:cNvPr id="9" name="Rectangle 8">
+            <a:extLst>
+              <a:ext uri="{FF2B5EF4-FFF2-40B4-BE49-F238E27FC236}">
+                <a16:creationId xmlns:a16="http://schemas.microsoft.com/office/drawing/2014/main" id="{99D2AAEB-550E-CD78-4D50-EB22BB93B423}"/>
+              </a:ext>
+            </a:extLst>
+          </p:cNvPr>
+          <p:cNvSpPr/>
+          <p:nvPr/>
+        </p:nvSpPr>
+        <p:spPr>
+          <a:xfrm>
+            <a:off x="3067736" y="3047600"/>
+            <a:ext cx="3271101" cy="312663"/>
+          </a:xfrm>
+          <a:prstGeom prst="rect">
+            <a:avLst/>
+          </a:prstGeom>
+          <a:noFill/>
+          <a:ln/>
+        </p:spPr>
+        <p:style>
+          <a:lnRef idx="2">
+            <a:schemeClr val="accent2"/>
+          </a:lnRef>
+          <a:fillRef idx="1">
+            <a:schemeClr val="lt1"/>
+          </a:fillRef>
+          <a:effectRef idx="0">
+            <a:schemeClr val="accent2"/>
+          </a:effectRef>
+          <a:fontRef idx="minor">
+            <a:schemeClr val="dk1"/>
+          </a:fontRef>
+        </p:style>
+        <p:txBody>
+          <a:bodyPr rot="0" spcFirstLastPara="0" vertOverflow="overflow" horzOverflow="overflow" vert="horz" wrap="square" lIns="91440" tIns="45720" rIns="91440" bIns="45720" numCol="1" spcCol="0" rtlCol="0" fromWordArt="0" anchor="ctr" anchorCtr="0" forceAA="0" compatLnSpc="1">
+            <a:prstTxWarp prst="textNoShape">
+              <a:avLst/>
+            </a:prstTxWarp>
+            <a:noAutofit/>
+          </a:bodyPr>
+          <a:lstStyle/>
+          <a:p>
+            <a:pPr algn="ctr"/>
+            <a:endParaRPr lang="de-DE"/>
+          </a:p>
+        </p:txBody>
+      </p:sp>
+      <p:sp>
+        <p:nvSpPr>
+          <p:cNvPr id="17" name="TextBox 16">
+            <a:extLst>
+              <a:ext uri="{FF2B5EF4-FFF2-40B4-BE49-F238E27FC236}">
+                <a16:creationId xmlns:a16="http://schemas.microsoft.com/office/drawing/2014/main" id="{B535091C-88EB-9173-F05B-9F0627A2F16B}"/>
+              </a:ext>
+            </a:extLst>
+          </p:cNvPr>
+          <p:cNvSpPr txBox="1"/>
+          <p:nvPr/>
+        </p:nvSpPr>
+        <p:spPr>
+          <a:xfrm>
+            <a:off x="6745907" y="348792"/>
+            <a:ext cx="4406002" cy="3046988"/>
+          </a:xfrm>
+          <a:prstGeom prst="rect">
+            <a:avLst/>
+          </a:prstGeom>
+          <a:noFill/>
+        </p:spPr>
+        <p:txBody>
+          <a:bodyPr wrap="square" rtlCol="0">
+            <a:spAutoFit/>
+          </a:bodyPr>
+          <a:lstStyle/>
+          <a:p>
+            <a:r>
+              <a:rPr lang="de-DE" dirty="0"/>
+              <a:t>The script setup.bat calls the „prjMakefilesGenerator.bat“</a:t>
+            </a:r>
+          </a:p>
+          <a:p>
+            <a:endParaRPr lang="de-DE" dirty="0"/>
+          </a:p>
+          <a:p>
+            <a:r>
+              <a:rPr lang="de-DE" dirty="0"/>
+              <a:t>i.e. It creates all Makefiles. This is normally done by MPLABX when the project is opened. And allows to build the projects without using MPLABX</a:t>
+            </a:r>
+          </a:p>
+        </p:txBody>
+      </p:sp>
+      <p:pic>
+        <p:nvPicPr>
+          <p:cNvPr id="6" name="Picture 5">
+            <a:extLst>
+              <a:ext uri="{FF2B5EF4-FFF2-40B4-BE49-F238E27FC236}">
+                <a16:creationId xmlns:a16="http://schemas.microsoft.com/office/drawing/2014/main" id="{7BA6A497-C67D-DFCD-5F92-FEAED324A85C}"/>
+              </a:ext>
+            </a:extLst>
+          </p:cNvPr>
+          <p:cNvPicPr>
+            <a:picLocks noChangeAspect="1"/>
+          </p:cNvPicPr>
+          <p:nvPr/>
+        </p:nvPicPr>
+        <p:blipFill>
+          <a:blip r:embed="rId4"/>
+          <a:stretch>
+            <a:fillRect/>
+          </a:stretch>
+        </p:blipFill>
+        <p:spPr>
+          <a:xfrm>
+            <a:off x="6637416" y="3725599"/>
+            <a:ext cx="5118754" cy="2210882"/>
+          </a:xfrm>
+          <a:prstGeom prst="rect">
+            <a:avLst/>
+          </a:prstGeom>
+        </p:spPr>
+      </p:pic>
+      <p:sp>
+        <p:nvSpPr>
+          <p:cNvPr id="4" name="Rectangle 3">
+            <a:extLst>
+              <a:ext uri="{FF2B5EF4-FFF2-40B4-BE49-F238E27FC236}">
+                <a16:creationId xmlns:a16="http://schemas.microsoft.com/office/drawing/2014/main" id="{477CD761-2EF6-BE89-0D97-ABB4A7A770FB}"/>
+              </a:ext>
+            </a:extLst>
+          </p:cNvPr>
+          <p:cNvSpPr/>
+          <p:nvPr/>
+        </p:nvSpPr>
+        <p:spPr>
+          <a:xfrm>
+            <a:off x="9320785" y="5596128"/>
+            <a:ext cx="2377440" cy="166085"/>
+          </a:xfrm>
+          <a:prstGeom prst="rect">
+            <a:avLst/>
+          </a:prstGeom>
+          <a:noFill/>
+          <a:ln/>
+        </p:spPr>
+        <p:style>
+          <a:lnRef idx="2">
+            <a:schemeClr val="accent2"/>
+          </a:lnRef>
+          <a:fillRef idx="1">
+            <a:schemeClr val="lt1"/>
+          </a:fillRef>
+          <a:effectRef idx="0">
+            <a:schemeClr val="accent2"/>
+          </a:effectRef>
+          <a:fontRef idx="minor">
+            <a:schemeClr val="dk1"/>
+          </a:fontRef>
+        </p:style>
+        <p:txBody>
+          <a:bodyPr rot="0" spcFirstLastPara="0" vertOverflow="overflow" horzOverflow="overflow" vert="horz" wrap="square" lIns="91440" tIns="45720" rIns="91440" bIns="45720" numCol="1" spcCol="0" rtlCol="0" fromWordArt="0" anchor="ctr" anchorCtr="0" forceAA="0" compatLnSpc="1">
+            <a:prstTxWarp prst="textNoShape">
+              <a:avLst/>
+            </a:prstTxWarp>
+            <a:noAutofit/>
+          </a:bodyPr>
+          <a:lstStyle/>
+          <a:p>
+            <a:pPr algn="ctr"/>
+            <a:endParaRPr lang="de-DE"/>
+          </a:p>
+        </p:txBody>
+      </p:sp>
+      <p:sp>
+        <p:nvSpPr>
+          <p:cNvPr id="7" name="Rectangle 6">
+            <a:extLst>
+              <a:ext uri="{FF2B5EF4-FFF2-40B4-BE49-F238E27FC236}">
+                <a16:creationId xmlns:a16="http://schemas.microsoft.com/office/drawing/2014/main" id="{74B8477E-E393-F6B3-BD90-4D0B87149C77}"/>
+              </a:ext>
+            </a:extLst>
+          </p:cNvPr>
+          <p:cNvSpPr/>
+          <p:nvPr/>
+        </p:nvSpPr>
+        <p:spPr>
+          <a:xfrm>
+            <a:off x="9320785" y="3864865"/>
+            <a:ext cx="2377440" cy="1609344"/>
+          </a:xfrm>
+          <a:prstGeom prst="rect">
+            <a:avLst/>
+          </a:prstGeom>
+          <a:noFill/>
+          <a:ln/>
+        </p:spPr>
+        <p:style>
+          <a:lnRef idx="2">
+            <a:schemeClr val="accent2"/>
+          </a:lnRef>
+          <a:fillRef idx="1">
+            <a:schemeClr val="lt1"/>
+          </a:fillRef>
+          <a:effectRef idx="0">
+            <a:schemeClr val="accent2"/>
+          </a:effectRef>
+          <a:fontRef idx="minor">
+            <a:schemeClr val="dk1"/>
+          </a:fontRef>
+        </p:style>
+        <p:txBody>
+          <a:bodyPr rot="0" spcFirstLastPara="0" vertOverflow="overflow" horzOverflow="overflow" vert="horz" wrap="square" lIns="91440" tIns="45720" rIns="91440" bIns="45720" numCol="1" spcCol="0" rtlCol="0" fromWordArt="0" anchor="ctr" anchorCtr="0" forceAA="0" compatLnSpc="1">
+            <a:prstTxWarp prst="textNoShape">
+              <a:avLst/>
+            </a:prstTxWarp>
+            <a:noAutofit/>
+          </a:bodyPr>
+          <a:lstStyle/>
+          <a:p>
+            <a:pPr algn="ctr"/>
+            <a:endParaRPr lang="de-DE"/>
+          </a:p>
+        </p:txBody>
+      </p:sp>
+      <p:sp>
+        <p:nvSpPr>
+          <p:cNvPr id="11" name="Rectangle 10">
+            <a:extLst>
+              <a:ext uri="{FF2B5EF4-FFF2-40B4-BE49-F238E27FC236}">
+                <a16:creationId xmlns:a16="http://schemas.microsoft.com/office/drawing/2014/main" id="{4E43293E-0F77-4962-9BD7-E1A054466267}"/>
+              </a:ext>
+            </a:extLst>
+          </p:cNvPr>
+          <p:cNvSpPr/>
+          <p:nvPr/>
+        </p:nvSpPr>
+        <p:spPr>
+          <a:xfrm>
+            <a:off x="355509" y="1797031"/>
+            <a:ext cx="11603770" cy="2905760"/>
+          </a:xfrm>
+          <a:prstGeom prst="rect">
+            <a:avLst/>
+          </a:prstGeom>
+          <a:ln/>
+        </p:spPr>
+        <p:style>
+          <a:lnRef idx="2">
+            <a:schemeClr val="accent2"/>
+          </a:lnRef>
+          <a:fillRef idx="1">
+            <a:schemeClr val="lt1"/>
+          </a:fillRef>
+          <a:effectRef idx="0">
+            <a:schemeClr val="accent2"/>
+          </a:effectRef>
+          <a:fontRef idx="minor">
+            <a:schemeClr val="dk1"/>
+          </a:fontRef>
+        </p:style>
+        <p:txBody>
+          <a:bodyPr rot="0" spcFirstLastPara="0" vertOverflow="overflow" horzOverflow="overflow" vert="horz" wrap="square" lIns="91440" tIns="45720" rIns="91440" bIns="45720" numCol="1" spcCol="0" rtlCol="0" fromWordArt="0" anchor="t" anchorCtr="0" forceAA="0" compatLnSpc="1">
+            <a:prstTxWarp prst="textNoShape">
+              <a:avLst/>
+            </a:prstTxWarp>
+            <a:noAutofit/>
+          </a:bodyPr>
+          <a:lstStyle/>
+          <a:p>
+            <a:endParaRPr lang="de-DE" dirty="0"/>
+          </a:p>
+          <a:p>
+            <a:r>
+              <a:rPr lang="de-DE" dirty="0"/>
+              <a:t>If another MPLABX Version should be used than v6.15, this must be changed in the script</a:t>
+            </a:r>
+          </a:p>
+          <a:p>
+            <a:endParaRPr lang="de-DE" dirty="0"/>
+          </a:p>
+          <a:p>
+            <a:endParaRPr lang="de-DE" dirty="0"/>
+          </a:p>
+        </p:txBody>
+      </p:sp>
+      <p:pic>
+        <p:nvPicPr>
+          <p:cNvPr id="13" name="Picture 12">
+            <a:extLst>
+              <a:ext uri="{FF2B5EF4-FFF2-40B4-BE49-F238E27FC236}">
+                <a16:creationId xmlns:a16="http://schemas.microsoft.com/office/drawing/2014/main" id="{FB2E71D1-7C70-A297-8AA3-0D50045852DB}"/>
+              </a:ext>
+            </a:extLst>
+          </p:cNvPr>
+          <p:cNvPicPr>
+            <a:picLocks noChangeAspect="1"/>
+          </p:cNvPicPr>
+          <p:nvPr/>
+        </p:nvPicPr>
+        <p:blipFill>
+          <a:blip r:embed="rId5"/>
+          <a:stretch>
+            <a:fillRect/>
+          </a:stretch>
+        </p:blipFill>
+        <p:spPr>
+          <a:xfrm>
+            <a:off x="653261" y="2785054"/>
+            <a:ext cx="10882303" cy="1287892"/>
+          </a:xfrm>
+          <a:prstGeom prst="rect">
+            <a:avLst/>
+          </a:prstGeom>
+        </p:spPr>
+      </p:pic>
+    </p:spTree>
+    <p:extLst>
+      <p:ext uri="{BB962C8B-B14F-4D97-AF65-F5344CB8AC3E}">
+        <p14:creationId xmlns:p14="http://schemas.microsoft.com/office/powerpoint/2010/main" val="2483439385"/>
+      </p:ext>
+    </p:extLst>
+  </p:cSld>
+  <p:clrMapOvr>
+    <a:masterClrMapping/>
+  </p:clrMapOvr>
+  <p:timing>
+    <p:tnLst>
+      <p:par>
+        <p:cTn id="1" dur="indefinite" restart="never" nodeType="tmRoot">
+          <p:childTnLst>
+            <p:seq concurrent="1" nextAc="seek">
+              <p:cTn id="2" dur="indefinite" nodeType="mainSeq">
+                <p:childTnLst>
+                  <p:par>
+                    <p:cTn id="3" fill="hold">
+                      <p:stCondLst>
+                        <p:cond delay="indefinite"/>
+                      </p:stCondLst>
+                      <p:childTnLst>
+                        <p:par>
+                          <p:cTn id="4" fill="hold">
+                            <p:stCondLst>
+                              <p:cond delay="0"/>
+                            </p:stCondLst>
+                            <p:childTnLst>
+                              <p:par>
+                                <p:cTn id="5" presetID="1" presetClass="entr" presetSubtype="0" fill="hold" grpId="0" nodeType="clickEffect">
+                                  <p:stCondLst>
+                                    <p:cond delay="0"/>
+                                  </p:stCondLst>
+                                  <p:childTnLst>
+                                    <p:set>
+                                      <p:cBhvr>
+                                        <p:cTn id="6" dur="1" fill="hold">
+                                          <p:stCondLst>
+                                            <p:cond delay="0"/>
+                                          </p:stCondLst>
+                                        </p:cTn>
+                                        <p:tgtEl>
+                                          <p:spTgt spid="4"/>
+                                        </p:tgtEl>
+                                        <p:attrNameLst>
+                                          <p:attrName>style.visibility</p:attrName>
+                                        </p:attrNameLst>
+                                      </p:cBhvr>
+                                      <p:to>
+                                        <p:strVal val="visible"/>
+                                      </p:to>
+                                    </p:set>
+                                  </p:childTnLst>
+                                </p:cTn>
+                              </p:par>
+                            </p:childTnLst>
+                          </p:cTn>
+                        </p:par>
+                      </p:childTnLst>
+                    </p:cTn>
+                  </p:par>
+                  <p:par>
+                    <p:cTn id="7" fill="hold">
+                      <p:stCondLst>
+                        <p:cond delay="indefinite"/>
+                      </p:stCondLst>
+                      <p:childTnLst>
+                        <p:par>
+                          <p:cTn id="8" fill="hold">
+                            <p:stCondLst>
+                              <p:cond delay="0"/>
+                            </p:stCondLst>
+                            <p:childTnLst>
+                              <p:par>
+                                <p:cTn id="9" presetID="1" presetClass="entr" presetSubtype="0" fill="hold" grpId="0" nodeType="clickEffect">
+                                  <p:stCondLst>
+                                    <p:cond delay="0"/>
+                                  </p:stCondLst>
+                                  <p:childTnLst>
+                                    <p:set>
+                                      <p:cBhvr>
+                                        <p:cTn id="10" dur="1" fill="hold">
+                                          <p:stCondLst>
+                                            <p:cond delay="0"/>
+                                          </p:stCondLst>
+                                        </p:cTn>
+                                        <p:tgtEl>
+                                          <p:spTgt spid="7"/>
+                                        </p:tgtEl>
+                                        <p:attrNameLst>
+                                          <p:attrName>style.visibility</p:attrName>
+                                        </p:attrNameLst>
+                                      </p:cBhvr>
+                                      <p:to>
+                                        <p:strVal val="visible"/>
+                                      </p:to>
+                                    </p:set>
+                                  </p:childTnLst>
+                                </p:cTn>
+                              </p:par>
+                            </p:childTnLst>
+                          </p:cTn>
+                        </p:par>
+                      </p:childTnLst>
+                    </p:cTn>
+                  </p:par>
+                  <p:par>
+                    <p:cTn id="11" fill="hold">
+                      <p:stCondLst>
+                        <p:cond delay="indefinite"/>
+                      </p:stCondLst>
+                      <p:childTnLst>
+                        <p:par>
+                          <p:cTn id="12" fill="hold">
+                            <p:stCondLst>
+                              <p:cond delay="0"/>
+                            </p:stCondLst>
+                            <p:childTnLst>
+                              <p:par>
+                                <p:cTn id="13" presetID="1" presetClass="entr" presetSubtype="0" fill="hold" grpId="0" nodeType="clickEffect">
+                                  <p:stCondLst>
+                                    <p:cond delay="0"/>
+                                  </p:stCondLst>
+                                  <p:childTnLst>
+                                    <p:set>
+                                      <p:cBhvr>
+                                        <p:cTn id="14" dur="1" fill="hold">
+                                          <p:stCondLst>
+                                            <p:cond delay="0"/>
+                                          </p:stCondLst>
+                                        </p:cTn>
+                                        <p:tgtEl>
+                                          <p:spTgt spid="11"/>
+                                        </p:tgtEl>
+                                        <p:attrNameLst>
+                                          <p:attrName>style.visibility</p:attrName>
+                                        </p:attrNameLst>
+                                      </p:cBhvr>
+                                      <p:to>
+                                        <p:strVal val="visible"/>
+                                      </p:to>
+                                    </p:set>
+                                  </p:childTnLst>
+                                </p:cTn>
+                              </p:par>
+                              <p:par>
+                                <p:cTn id="15" presetID="1" presetClass="entr" presetSubtype="0" fill="hold" nodeType="withEffect">
+                                  <p:stCondLst>
+                                    <p:cond delay="0"/>
+                                  </p:stCondLst>
+                                  <p:childTnLst>
+                                    <p:set>
+                                      <p:cBhvr>
+                                        <p:cTn id="16" dur="1" fill="hold">
+                                          <p:stCondLst>
+                                            <p:cond delay="0"/>
+                                          </p:stCondLst>
+                                        </p:cTn>
+                                        <p:tgtEl>
+                                          <p:spTgt spid="13"/>
+                                        </p:tgtEl>
+                                        <p:attrNameLst>
+                                          <p:attrName>style.visibility</p:attrName>
+                                        </p:attrNameLst>
+                                      </p:cBhvr>
+                                      <p:to>
+                                        <p:strVal val="visible"/>
+                                      </p:to>
+                                    </p:set>
+                                  </p:childTnLst>
+                                </p:cTn>
+                              </p:par>
+                            </p:childTnLst>
+                          </p:cTn>
+                        </p:par>
+                      </p:childTnLst>
+                    </p:cTn>
+                  </p:par>
+                </p:childTnLst>
+              </p:cTn>
+              <p:prevCondLst>
+                <p:cond evt="onPrev" delay="0">
+                  <p:tgtEl>
+                    <p:sldTgt/>
+                  </p:tgtEl>
+                </p:cond>
+              </p:prevCondLst>
+              <p:nextCondLst>
+                <p:cond evt="onNext" delay="0">
+                  <p:tgtEl>
+                    <p:sldTgt/>
+                  </p:tgtEl>
+                </p:cond>
+              </p:nextCondLst>
+            </p:seq>
+          </p:childTnLst>
+        </p:cTn>
+      </p:par>
+    </p:tnLst>
+    <p:bldLst>
+      <p:bldP spid="4" grpId="0" animBg="1"/>
+      <p:bldP spid="7" grpId="0" animBg="1"/>
+      <p:bldP spid="11" grpId="0" animBg="1"/>
+    </p:bldLst>
+  </p:timing>
+</p:sld>
+</file>
+
+<file path=ppt/slides/slide11.xml><?xml version="1.0" encoding="utf-8"?>
+<p:sld xmlns:a="http://schemas.openxmlformats.org/drawingml/2006/main" xmlns:r="http://schemas.openxmlformats.org/officeDocument/2006/relationships" xmlns:p="http://schemas.openxmlformats.org/presentationml/2006/main">
+  <p:cSld>
+    <p:spTree>
+      <p:nvGrpSpPr>
+        <p:cNvPr id="1" name=""/>
+        <p:cNvGrpSpPr/>
+        <p:nvPr/>
+      </p:nvGrpSpPr>
+      <p:grpSpPr>
+        <a:xfrm>
+          <a:off x="0" y="0"/>
+          <a:ext cx="0" cy="0"/>
+          <a:chOff x="0" y="0"/>
+          <a:chExt cx="0" cy="0"/>
+        </a:xfrm>
+      </p:grpSpPr>
+      <p:pic>
+        <p:nvPicPr>
+          <p:cNvPr id="3" name="Picture 2">
+            <a:extLst>
+              <a:ext uri="{FF2B5EF4-FFF2-40B4-BE49-F238E27FC236}">
+                <a16:creationId xmlns:a16="http://schemas.microsoft.com/office/drawing/2014/main" id="{492953FD-C4A6-945C-CFBE-23CE8BD23EC6}"/>
+              </a:ext>
+            </a:extLst>
+          </p:cNvPr>
+          <p:cNvPicPr>
+            <a:picLocks noChangeAspect="1"/>
+          </p:cNvPicPr>
+          <p:nvPr/>
+        </p:nvPicPr>
+        <p:blipFill>
+          <a:blip r:embed="rId2"/>
+          <a:stretch>
+            <a:fillRect/>
+          </a:stretch>
+        </p:blipFill>
+        <p:spPr>
+          <a:xfrm>
+            <a:off x="3185549" y="1926106"/>
+            <a:ext cx="3035477" cy="4010375"/>
+          </a:xfrm>
+          <a:prstGeom prst="rect">
+            <a:avLst/>
+          </a:prstGeom>
+        </p:spPr>
+      </p:pic>
+      <p:sp>
+        <p:nvSpPr>
+          <p:cNvPr id="2" name="Title 1">
+            <a:extLst>
+              <a:ext uri="{FF2B5EF4-FFF2-40B4-BE49-F238E27FC236}">
+                <a16:creationId xmlns:a16="http://schemas.microsoft.com/office/drawing/2014/main" id="{DDFA33AF-EF16-A9A1-1FDA-0BA58D176E2A}"/>
+              </a:ext>
+            </a:extLst>
+          </p:cNvPr>
+          <p:cNvSpPr>
+            <a:spLocks noGrp="1"/>
+          </p:cNvSpPr>
+          <p:nvPr>
+            <p:ph type="title"/>
+          </p:nvPr>
+        </p:nvSpPr>
+        <p:spPr/>
+        <p:txBody>
+          <a:bodyPr/>
+          <a:lstStyle/>
+          <a:p>
+            <a:r>
+              <a:rPr lang="de-DE" dirty="0"/>
               <a:t>Build all configurations</a:t>
             </a:r>
           </a:p>
@@ -5765,7 +6510,7 @@
 </p:sld>
 </file>
 
-<file path=ppt/slides/slide11.xml><?xml version="1.0" encoding="utf-8"?>
+<file path=ppt/slides/slide12.xml><?xml version="1.0" encoding="utf-8"?>
 <p:sld xmlns:a="http://schemas.openxmlformats.org/drawingml/2006/main" xmlns:r="http://schemas.openxmlformats.org/officeDocument/2006/relationships" xmlns:p="http://schemas.openxmlformats.org/presentationml/2006/main">
   <p:cSld>
     <p:spTree>
@@ -6259,7 +7004,7 @@
 </p:sld>
 </file>
 
-<file path=ppt/slides/slide12.xml><?xml version="1.0" encoding="utf-8"?>
+<file path=ppt/slides/slide13.xml><?xml version="1.0" encoding="utf-8"?>
 <p:sld xmlns:a="http://schemas.openxmlformats.org/drawingml/2006/main" xmlns:r="http://schemas.openxmlformats.org/officeDocument/2006/relationships" xmlns:p="http://schemas.openxmlformats.org/presentationml/2006/main">
   <p:cSld>
     <p:spTree>
@@ -6677,7 +7422,7 @@
 </p:sld>
 </file>
 
-<file path=ppt/slides/slide13.xml><?xml version="1.0" encoding="utf-8"?>
+<file path=ppt/slides/slide14.xml><?xml version="1.0" encoding="utf-8"?>
 <p:sld xmlns:a="http://schemas.openxmlformats.org/drawingml/2006/main" xmlns:r="http://schemas.openxmlformats.org/officeDocument/2006/relationships" xmlns:p="http://schemas.openxmlformats.org/presentationml/2006/main">
   <p:cSld>
     <p:spTree>
@@ -7328,7 +8073,7 @@
 </p:sld>
 </file>
 
-<file path=ppt/slides/slide14.xml><?xml version="1.0" encoding="utf-8"?>
+<file path=ppt/slides/slide15.xml><?xml version="1.0" encoding="utf-8"?>
 <p:sld xmlns:a="http://schemas.openxmlformats.org/drawingml/2006/main" xmlns:r="http://schemas.openxmlformats.org/officeDocument/2006/relationships" xmlns:p="http://schemas.openxmlformats.org/presentationml/2006/main">
   <p:cSld>
     <p:spTree>
@@ -7700,7 +8445,7 @@
 </p:sld>
 </file>
 
-<file path=ppt/slides/slide15.xml><?xml version="1.0" encoding="utf-8"?>
+<file path=ppt/slides/slide16.xml><?xml version="1.0" encoding="utf-8"?>
 <p:sld xmlns:a="http://schemas.openxmlformats.org/drawingml/2006/main" xmlns:r="http://schemas.openxmlformats.org/officeDocument/2006/relationships" xmlns:p="http://schemas.openxmlformats.org/presentationml/2006/main">
   <p:cSld>
     <p:spTree>
@@ -7981,7 +8726,7 @@
 </p:sld>
 </file>
 
-<file path=ppt/slides/slide16.xml><?xml version="1.0" encoding="utf-8"?>
+<file path=ppt/slides/slide17.xml><?xml version="1.0" encoding="utf-8"?>
 <p:sld xmlns:a="http://schemas.openxmlformats.org/drawingml/2006/main" xmlns:r="http://schemas.openxmlformats.org/officeDocument/2006/relationships" xmlns:p="http://schemas.openxmlformats.org/presentationml/2006/main">
   <p:cSld>
     <p:spTree>
@@ -8204,7 +8949,7 @@
 </p:sld>
 </file>
 
-<file path=ppt/slides/slide17.xml><?xml version="1.0" encoding="utf-8"?>
+<file path=ppt/slides/slide18.xml><?xml version="1.0" encoding="utf-8"?>
 <p:sld xmlns:a="http://schemas.openxmlformats.org/drawingml/2006/main" xmlns:r="http://schemas.openxmlformats.org/officeDocument/2006/relationships" xmlns:p="http://schemas.openxmlformats.org/presentationml/2006/main">
   <p:cSld>
     <p:spTree>
@@ -8444,279 +9189,6 @@
 </p:sld>
 </file>
 
-<file path=ppt/slides/slide18.xml><?xml version="1.0" encoding="utf-8"?>
-<p:sld xmlns:a="http://schemas.openxmlformats.org/drawingml/2006/main" xmlns:r="http://schemas.openxmlformats.org/officeDocument/2006/relationships" xmlns:p="http://schemas.openxmlformats.org/presentationml/2006/main">
-  <p:cSld>
-    <p:spTree>
-      <p:nvGrpSpPr>
-        <p:cNvPr id="1" name=""/>
-        <p:cNvGrpSpPr/>
-        <p:nvPr/>
-      </p:nvGrpSpPr>
-      <p:grpSpPr>
-        <a:xfrm>
-          <a:off x="0" y="0"/>
-          <a:ext cx="0" cy="0"/>
-          <a:chOff x="0" y="0"/>
-          <a:chExt cx="0" cy="0"/>
-        </a:xfrm>
-      </p:grpSpPr>
-      <p:sp>
-        <p:nvSpPr>
-          <p:cNvPr id="2" name="Title 1">
-            <a:extLst>
-              <a:ext uri="{FF2B5EF4-FFF2-40B4-BE49-F238E27FC236}">
-                <a16:creationId xmlns:a16="http://schemas.microsoft.com/office/drawing/2014/main" id="{0644FA54-3F5A-30E3-4868-7D48857C347E}"/>
-              </a:ext>
-            </a:extLst>
-          </p:cNvPr>
-          <p:cNvSpPr>
-            <a:spLocks noGrp="1"/>
-          </p:cNvSpPr>
-          <p:nvPr>
-            <p:ph type="title"/>
-          </p:nvPr>
-        </p:nvSpPr>
-        <p:spPr/>
-        <p:txBody>
-          <a:bodyPr/>
-          <a:lstStyle/>
-          <a:p>
-            <a:r>
-              <a:rPr lang="de-DE" dirty="0"/>
-              <a:t>Python Modules Dependencies „terminal.pyw“</a:t>
-            </a:r>
-          </a:p>
-        </p:txBody>
-      </p:sp>
-      <p:sp>
-        <p:nvSpPr>
-          <p:cNvPr id="3" name="Content Placeholder 2">
-            <a:extLst>
-              <a:ext uri="{FF2B5EF4-FFF2-40B4-BE49-F238E27FC236}">
-                <a16:creationId xmlns:a16="http://schemas.microsoft.com/office/drawing/2014/main" id="{69B0A739-0D8D-293F-CA27-09C5DE877038}"/>
-              </a:ext>
-            </a:extLst>
-          </p:cNvPr>
-          <p:cNvSpPr>
-            <a:spLocks noGrp="1"/>
-          </p:cNvSpPr>
-          <p:nvPr>
-            <p:ph sz="quarter" idx="13"/>
-          </p:nvPr>
-        </p:nvSpPr>
-        <p:spPr/>
-        <p:txBody>
-          <a:bodyPr>
-            <a:normAutofit fontScale="85000" lnSpcReduction="10000"/>
-          </a:bodyPr>
-          <a:lstStyle/>
-          <a:p>
-            <a:pPr marL="0" indent="0">
-              <a:buNone/>
-            </a:pPr>
-            <a:endParaRPr lang="de-DE" dirty="0"/>
-          </a:p>
-          <a:p>
-            <a:pPr marL="0" indent="0">
-              <a:buNone/>
-            </a:pPr>
-            <a:r>
-              <a:rPr lang="de-DE" dirty="0"/>
-              <a:t>pip install pyserial</a:t>
-            </a:r>
-          </a:p>
-          <a:p>
-            <a:pPr marL="0" indent="0">
-              <a:buNone/>
-            </a:pPr>
-            <a:endParaRPr lang="de-DE" dirty="0"/>
-          </a:p>
-          <a:p>
-            <a:pPr marL="0" indent="0">
-              <a:buNone/>
-            </a:pPr>
-            <a:endParaRPr lang="de-DE" dirty="0"/>
-          </a:p>
-          <a:p>
-            <a:pPr marL="0" indent="0" algn="ctr">
-              <a:buNone/>
-            </a:pPr>
-            <a:endParaRPr lang="de-DE" dirty="0">
-              <a:hlinkClick r:id="rId2"/>
-            </a:endParaRPr>
-          </a:p>
-          <a:p>
-            <a:pPr marL="0" indent="0" algn="ctr">
-              <a:buNone/>
-            </a:pPr>
-            <a:endParaRPr lang="de-DE" dirty="0">
-              <a:hlinkClick r:id="rId2"/>
-            </a:endParaRPr>
-          </a:p>
-          <a:p>
-            <a:pPr marL="0" indent="0" algn="ctr">
-              <a:buNone/>
-            </a:pPr>
-            <a:endParaRPr lang="de-DE" dirty="0">
-              <a:hlinkClick r:id="rId2"/>
-            </a:endParaRPr>
-          </a:p>
-          <a:p>
-            <a:pPr marL="0" indent="0" algn="ctr">
-              <a:buNone/>
-            </a:pPr>
-            <a:r>
-              <a:rPr lang="de-DE" dirty="0">
-                <a:hlinkClick r:id="rId2"/>
-              </a:rPr>
-              <a:t>https://pythonhosted.org/pyserial/index.html</a:t>
-            </a:r>
-            <a:endParaRPr lang="de-DE" dirty="0"/>
-          </a:p>
-          <a:p>
-            <a:pPr marL="0" indent="0" algn="ctr">
-              <a:buNone/>
-            </a:pPr>
-            <a:endParaRPr lang="de-DE" dirty="0"/>
-          </a:p>
-          <a:p>
-            <a:pPr marL="0" indent="0" algn="ctr">
-              <a:buNone/>
-            </a:pPr>
-            <a:r>
-              <a:rPr lang="en-US" b="0" i="0" dirty="0">
-                <a:solidFill>
-                  <a:srgbClr val="000000"/>
-                </a:solidFill>
-                <a:effectLst/>
-                <a:latin typeface="Arial" panose="020B0604020202020204" pitchFamily="34" charset="0"/>
-              </a:rPr>
-              <a:t>This module encapsulates the access for the serial port. It provides backends for </a:t>
-            </a:r>
-            <a:r>
-              <a:rPr lang="en-US" b="0" i="0" u="none" strike="noStrike" dirty="0">
-                <a:solidFill>
-                  <a:srgbClr val="355F7C"/>
-                </a:solidFill>
-                <a:effectLst/>
-                <a:latin typeface="Arial" panose="020B0604020202020204" pitchFamily="34" charset="0"/>
-                <a:hlinkClick r:id="rId3"/>
-              </a:rPr>
-              <a:t>Python</a:t>
-            </a:r>
-            <a:r>
-              <a:rPr lang="en-US" b="0" i="0" dirty="0">
-                <a:solidFill>
-                  <a:srgbClr val="000000"/>
-                </a:solidFill>
-                <a:effectLst/>
-                <a:latin typeface="Arial" panose="020B0604020202020204" pitchFamily="34" charset="0"/>
-              </a:rPr>
-              <a:t> running on Windows, OSX, Linux, BSD (possibly any POSIX compliant system) and </a:t>
-            </a:r>
-            <a:r>
-              <a:rPr lang="en-US" b="0" i="0" dirty="0" err="1">
-                <a:solidFill>
-                  <a:srgbClr val="000000"/>
-                </a:solidFill>
-                <a:effectLst/>
-                <a:latin typeface="Arial" panose="020B0604020202020204" pitchFamily="34" charset="0"/>
-              </a:rPr>
-              <a:t>IronPython</a:t>
-            </a:r>
-            <a:r>
-              <a:rPr lang="en-US" b="0" i="0" dirty="0">
-                <a:solidFill>
-                  <a:srgbClr val="000000"/>
-                </a:solidFill>
-                <a:effectLst/>
-                <a:latin typeface="Arial" panose="020B0604020202020204" pitchFamily="34" charset="0"/>
-              </a:rPr>
-              <a:t>. The module named “serial” automatically selects the appropriate backend.</a:t>
-            </a:r>
-            <a:endParaRPr lang="de-DE" dirty="0"/>
-          </a:p>
-          <a:p>
-            <a:pPr marL="0" indent="0">
-              <a:buNone/>
-            </a:pPr>
-            <a:endParaRPr lang="de-DE" dirty="0"/>
-          </a:p>
-          <a:p>
-            <a:pPr marL="0" indent="0">
-              <a:buNone/>
-            </a:pPr>
-            <a:endParaRPr lang="de-DE" dirty="0"/>
-          </a:p>
-          <a:p>
-            <a:pPr marL="0" indent="0">
-              <a:buNone/>
-            </a:pPr>
-            <a:endParaRPr lang="de-DE" dirty="0"/>
-          </a:p>
-        </p:txBody>
-      </p:sp>
-      <p:pic>
-        <p:nvPicPr>
-          <p:cNvPr id="1028" name="Picture 4" descr="Logo">
-            <a:extLst>
-              <a:ext uri="{FF2B5EF4-FFF2-40B4-BE49-F238E27FC236}">
-                <a16:creationId xmlns:a16="http://schemas.microsoft.com/office/drawing/2014/main" id="{7BAE9EFE-8097-ED49-A397-6C935BE8A6B5}"/>
-              </a:ext>
-            </a:extLst>
-          </p:cNvPr>
-          <p:cNvPicPr>
-            <a:picLocks noChangeAspect="1" noChangeArrowheads="1"/>
-          </p:cNvPicPr>
-          <p:nvPr/>
-        </p:nvPicPr>
-        <p:blipFill>
-          <a:blip r:embed="rId4">
-            <a:extLst>
-              <a:ext uri="{28A0092B-C50C-407E-A947-70E740481C1C}">
-                <a14:useLocalDpi xmlns:a14="http://schemas.microsoft.com/office/drawing/2010/main" val="0"/>
-              </a:ext>
-            </a:extLst>
-          </a:blip>
-          <a:srcRect/>
-          <a:stretch>
-            <a:fillRect/>
-          </a:stretch>
-        </p:blipFill>
-        <p:spPr bwMode="auto">
-          <a:xfrm>
-            <a:off x="4962508" y="2362200"/>
-            <a:ext cx="1962150" cy="1066800"/>
-          </a:xfrm>
-          <a:prstGeom prst="rect">
-            <a:avLst/>
-          </a:prstGeom>
-          <a:noFill/>
-          <a:extLst>
-            <a:ext uri="{909E8E84-426E-40DD-AFC4-6F175D3DCCD1}">
-              <a14:hiddenFill xmlns:a14="http://schemas.microsoft.com/office/drawing/2010/main">
-                <a:solidFill>
-                  <a:srgbClr val="FFFFFF"/>
-                </a:solidFill>
-              </a14:hiddenFill>
-            </a:ext>
-          </a:extLst>
-        </p:spPr>
-      </p:pic>
-    </p:spTree>
-    <p:extLst>
-      <p:ext uri="{BB962C8B-B14F-4D97-AF65-F5344CB8AC3E}">
-        <p14:creationId xmlns:p14="http://schemas.microsoft.com/office/powerpoint/2010/main" val="1991260888"/>
-      </p:ext>
-    </p:extLst>
-  </p:cSld>
-  <p:clrMapOvr>
-    <a:masterClrMapping/>
-  </p:clrMapOvr>
-</p:sld>
-</file>
-
 <file path=ppt/slides/slide19.xml><?xml version="1.0" encoding="utf-8"?>
 <p:sld xmlns:a="http://schemas.openxmlformats.org/drawingml/2006/main" xmlns:r="http://schemas.openxmlformats.org/officeDocument/2006/relationships" xmlns:p="http://schemas.openxmlformats.org/presentationml/2006/main">
   <p:cSld>
@@ -8781,7 +9253,7 @@
         <p:spPr/>
         <p:txBody>
           <a:bodyPr>
-            <a:normAutofit fontScale="92500" lnSpcReduction="20000"/>
+            <a:normAutofit fontScale="85000" lnSpcReduction="10000"/>
           </a:bodyPr>
           <a:lstStyle/>
           <a:p>
@@ -8796,7 +9268,7 @@
             </a:pPr>
             <a:r>
               <a:rPr lang="de-DE" dirty="0"/>
-              <a:t>pip install matplotlib</a:t>
+              <a:t>pip install pyserial</a:t>
             </a:r>
           </a:p>
           <a:p>
@@ -8841,9 +9313,9 @@
             </a:pPr>
             <a:r>
               <a:rPr lang="de-DE" dirty="0">
-                <a:hlinkClick r:id="rId3"/>
+                <a:hlinkClick r:id="rId2"/>
               </a:rPr>
-              <a:t>https://matplotlib.org/</a:t>
+              <a:t>https://pythonhosted.org/pyserial/index.html</a:t>
             </a:r>
             <a:endParaRPr lang="de-DE" dirty="0"/>
           </a:p>
@@ -8860,12 +9332,53 @@
             <a:r>
               <a:rPr lang="en-US" b="0" i="0" dirty="0">
                 <a:solidFill>
-                  <a:srgbClr val="333333"/>
+                  <a:srgbClr val="000000"/>
                 </a:solidFill>
                 <a:effectLst/>
-                <a:latin typeface="-apple-system"/>
+                <a:latin typeface="Arial" panose="020B0604020202020204" pitchFamily="34" charset="0"/>
               </a:rPr>
-              <a:t>Matplotlib is a comprehensive library for creating static, animated, and interactive visualizations in Python. Matplotlib makes easy things easy and hard things possible.</a:t>
+              <a:t>This module encapsulates the access for the serial port. It provides backends for </a:t>
+            </a:r>
+            <a:r>
+              <a:rPr lang="en-US" b="0" i="0" u="none" strike="noStrike" dirty="0">
+                <a:solidFill>
+                  <a:srgbClr val="355F7C"/>
+                </a:solidFill>
+                <a:effectLst/>
+                <a:latin typeface="Arial" panose="020B0604020202020204" pitchFamily="34" charset="0"/>
+                <a:hlinkClick r:id="rId3"/>
+              </a:rPr>
+              <a:t>Python</a:t>
+            </a:r>
+            <a:r>
+              <a:rPr lang="en-US" b="0" i="0" dirty="0">
+                <a:solidFill>
+                  <a:srgbClr val="000000"/>
+                </a:solidFill>
+                <a:effectLst/>
+                <a:latin typeface="Arial" panose="020B0604020202020204" pitchFamily="34" charset="0"/>
+              </a:rPr>
+              <a:t> running on Windows, OSX, Linux, BSD (possibly any POSIX compliant system) and </a:t>
+            </a:r>
+            <a:r>
+              <a:rPr lang="en-US" b="0" i="0" dirty="0" err="1">
+                <a:solidFill>
+                  <a:srgbClr val="000000"/>
+                </a:solidFill>
+                <a:effectLst/>
+                <a:latin typeface="Arial" panose="020B0604020202020204" pitchFamily="34" charset="0"/>
+              </a:rPr>
+              <a:t>IronPython</a:t>
+            </a:r>
+            <a:r>
+              <a:rPr lang="en-US" b="0" i="0" dirty="0">
+                <a:solidFill>
+                  <a:srgbClr val="000000"/>
+                </a:solidFill>
+                <a:effectLst/>
+                <a:latin typeface="Arial" panose="020B0604020202020204" pitchFamily="34" charset="0"/>
+              </a:rPr>
+              <a:t>. The module named “serial” automatically selects the appropriate backend.</a:t>
             </a:r>
             <a:endParaRPr lang="de-DE" dirty="0"/>
           </a:p>
@@ -8881,42 +9394,65 @@
             </a:pPr>
             <a:endParaRPr lang="de-DE" dirty="0"/>
           </a:p>
+          <a:p>
+            <a:pPr marL="0" indent="0">
+              <a:buNone/>
+            </a:pPr>
+            <a:endParaRPr lang="de-DE" dirty="0"/>
+          </a:p>
         </p:txBody>
       </p:sp>
       <p:pic>
         <p:nvPicPr>
-          <p:cNvPr id="6" name="Picture 5">
-            <a:extLst>
-              <a:ext uri="{FF2B5EF4-FFF2-40B4-BE49-F238E27FC236}">
-                <a16:creationId xmlns:a16="http://schemas.microsoft.com/office/drawing/2014/main" id="{A8E591E4-9D25-4B47-D824-6257B123C6AD}"/>
+          <p:cNvPr id="1028" name="Picture 4" descr="Logo">
+            <a:extLst>
+              <a:ext uri="{FF2B5EF4-FFF2-40B4-BE49-F238E27FC236}">
+                <a16:creationId xmlns:a16="http://schemas.microsoft.com/office/drawing/2014/main" id="{7BAE9EFE-8097-ED49-A397-6C935BE8A6B5}"/>
               </a:ext>
             </a:extLst>
           </p:cNvPr>
           <p:cNvPicPr>
-            <a:picLocks noChangeAspect="1"/>
+            <a:picLocks noChangeAspect="1" noChangeArrowheads="1"/>
           </p:cNvPicPr>
           <p:nvPr/>
         </p:nvPicPr>
         <p:blipFill>
-          <a:blip r:embed="rId4"/>
+          <a:blip r:embed="rId4">
+            <a:extLst>
+              <a:ext uri="{28A0092B-C50C-407E-A947-70E740481C1C}">
+                <a14:useLocalDpi xmlns:a14="http://schemas.microsoft.com/office/drawing/2010/main" val="0"/>
+              </a:ext>
+            </a:extLst>
+          </a:blip>
+          <a:srcRect/>
           <a:stretch>
             <a:fillRect/>
           </a:stretch>
         </p:blipFill>
-        <p:spPr>
-          <a:xfrm>
-            <a:off x="4523668" y="2571099"/>
-            <a:ext cx="2607069" cy="641083"/>
+        <p:spPr bwMode="auto">
+          <a:xfrm>
+            <a:off x="4962508" y="2362200"/>
+            <a:ext cx="1962150" cy="1066800"/>
           </a:xfrm>
           <a:prstGeom prst="rect">
             <a:avLst/>
           </a:prstGeom>
+          <a:noFill/>
+          <a:extLst>
+            <a:ext uri="{909E8E84-426E-40DD-AFC4-6F175D3DCCD1}">
+              <a14:hiddenFill xmlns:a14="http://schemas.microsoft.com/office/drawing/2010/main">
+                <a:solidFill>
+                  <a:srgbClr val="FFFFFF"/>
+                </a:solidFill>
+              </a14:hiddenFill>
+            </a:ext>
+          </a:extLst>
         </p:spPr>
       </p:pic>
     </p:spTree>
     <p:extLst>
       <p:ext uri="{BB962C8B-B14F-4D97-AF65-F5344CB8AC3E}">
-        <p14:creationId xmlns:p14="http://schemas.microsoft.com/office/powerpoint/2010/main" val="1015774141"/>
+        <p14:creationId xmlns:p14="http://schemas.microsoft.com/office/powerpoint/2010/main" val="1991260888"/>
       </p:ext>
     </p:extLst>
   </p:cSld>
@@ -9048,7 +9584,7 @@
           <a:p>
             <a:r>
               <a:rPr lang="en-US" dirty="0"/>
-              <a:t>This project is not about to create a Software Engineering Company within the Microchip Sales Organization. It is about to learn the processes, structures and vocabulary that our customer are dealing with</a:t>
+              <a:t>This project is not about creating a Software Engineering Company within the Microchip Sales Organization. It is about to learn the processes, structures and vocabulary that our customer are dealing with</a:t>
             </a:r>
             <a:br>
               <a:rPr lang="en-US" dirty="0"/>
@@ -9067,26 +9603,9 @@
           </a:p>
           <a:p>
             <a:r>
-              <a:rPr lang="de-DE"/>
-              <a:t>And maybe another result could be a </a:t>
-            </a:r>
-            <a:r>
               <a:rPr lang="de-DE" dirty="0"/>
-              <a:t>proof of concept </a:t>
-            </a:r>
-            <a:r>
-              <a:rPr lang="de-DE"/>
-              <a:t>for customers </a:t>
-            </a:r>
-            <a:r>
-              <a:rPr lang="de-DE" dirty="0"/>
-              <a:t>in the </a:t>
-            </a:r>
-            <a:r>
-              <a:rPr lang="de-DE"/>
-              <a:t>industrial area for an T1S autoconfiguration scenario</a:t>
-            </a:r>
-            <a:endParaRPr lang="de-DE" dirty="0"/>
+              <a:t>And maybe another result could be a proof of concept for customers in the industrial area for an T1S autoconfiguration scenario</a:t>
+            </a:r>
           </a:p>
         </p:txBody>
       </p:sp>
@@ -9104,6 +9623,215 @@
 </file>
 
 <file path=ppt/slides/slide20.xml><?xml version="1.0" encoding="utf-8"?>
+<p:sld xmlns:a="http://schemas.openxmlformats.org/drawingml/2006/main" xmlns:r="http://schemas.openxmlformats.org/officeDocument/2006/relationships" xmlns:p="http://schemas.openxmlformats.org/presentationml/2006/main">
+  <p:cSld>
+    <p:spTree>
+      <p:nvGrpSpPr>
+        <p:cNvPr id="1" name=""/>
+        <p:cNvGrpSpPr/>
+        <p:nvPr/>
+      </p:nvGrpSpPr>
+      <p:grpSpPr>
+        <a:xfrm>
+          <a:off x="0" y="0"/>
+          <a:ext cx="0" cy="0"/>
+          <a:chOff x="0" y="0"/>
+          <a:chExt cx="0" cy="0"/>
+        </a:xfrm>
+      </p:grpSpPr>
+      <p:sp>
+        <p:nvSpPr>
+          <p:cNvPr id="2" name="Title 1">
+            <a:extLst>
+              <a:ext uri="{FF2B5EF4-FFF2-40B4-BE49-F238E27FC236}">
+                <a16:creationId xmlns:a16="http://schemas.microsoft.com/office/drawing/2014/main" id="{0644FA54-3F5A-30E3-4868-7D48857C347E}"/>
+              </a:ext>
+            </a:extLst>
+          </p:cNvPr>
+          <p:cNvSpPr>
+            <a:spLocks noGrp="1"/>
+          </p:cNvSpPr>
+          <p:nvPr>
+            <p:ph type="title"/>
+          </p:nvPr>
+        </p:nvSpPr>
+        <p:spPr/>
+        <p:txBody>
+          <a:bodyPr/>
+          <a:lstStyle/>
+          <a:p>
+            <a:r>
+              <a:rPr lang="de-DE" dirty="0"/>
+              <a:t>Python Modules Dependencies „terminal.pyw“</a:t>
+            </a:r>
+          </a:p>
+        </p:txBody>
+      </p:sp>
+      <p:sp>
+        <p:nvSpPr>
+          <p:cNvPr id="3" name="Content Placeholder 2">
+            <a:extLst>
+              <a:ext uri="{FF2B5EF4-FFF2-40B4-BE49-F238E27FC236}">
+                <a16:creationId xmlns:a16="http://schemas.microsoft.com/office/drawing/2014/main" id="{69B0A739-0D8D-293F-CA27-09C5DE877038}"/>
+              </a:ext>
+            </a:extLst>
+          </p:cNvPr>
+          <p:cNvSpPr>
+            <a:spLocks noGrp="1"/>
+          </p:cNvSpPr>
+          <p:nvPr>
+            <p:ph sz="quarter" idx="13"/>
+          </p:nvPr>
+        </p:nvSpPr>
+        <p:spPr/>
+        <p:txBody>
+          <a:bodyPr>
+            <a:normAutofit fontScale="92500" lnSpcReduction="20000"/>
+          </a:bodyPr>
+          <a:lstStyle/>
+          <a:p>
+            <a:pPr marL="0" indent="0">
+              <a:buNone/>
+            </a:pPr>
+            <a:endParaRPr lang="de-DE" dirty="0"/>
+          </a:p>
+          <a:p>
+            <a:pPr marL="0" indent="0">
+              <a:buNone/>
+            </a:pPr>
+            <a:r>
+              <a:rPr lang="de-DE" dirty="0"/>
+              <a:t>pip install matplotlib</a:t>
+            </a:r>
+          </a:p>
+          <a:p>
+            <a:pPr marL="0" indent="0">
+              <a:buNone/>
+            </a:pPr>
+            <a:endParaRPr lang="de-DE" dirty="0"/>
+          </a:p>
+          <a:p>
+            <a:pPr marL="0" indent="0">
+              <a:buNone/>
+            </a:pPr>
+            <a:endParaRPr lang="de-DE" dirty="0"/>
+          </a:p>
+          <a:p>
+            <a:pPr marL="0" indent="0" algn="ctr">
+              <a:buNone/>
+            </a:pPr>
+            <a:endParaRPr lang="de-DE" dirty="0">
+              <a:hlinkClick r:id="rId2"/>
+            </a:endParaRPr>
+          </a:p>
+          <a:p>
+            <a:pPr marL="0" indent="0" algn="ctr">
+              <a:buNone/>
+            </a:pPr>
+            <a:endParaRPr lang="de-DE" dirty="0">
+              <a:hlinkClick r:id="rId2"/>
+            </a:endParaRPr>
+          </a:p>
+          <a:p>
+            <a:pPr marL="0" indent="0" algn="ctr">
+              <a:buNone/>
+            </a:pPr>
+            <a:endParaRPr lang="de-DE" dirty="0">
+              <a:hlinkClick r:id="rId2"/>
+            </a:endParaRPr>
+          </a:p>
+          <a:p>
+            <a:pPr marL="0" indent="0" algn="ctr">
+              <a:buNone/>
+            </a:pPr>
+            <a:r>
+              <a:rPr lang="de-DE" dirty="0">
+                <a:hlinkClick r:id="rId3"/>
+              </a:rPr>
+              <a:t>https://matplotlib.org/</a:t>
+            </a:r>
+            <a:endParaRPr lang="de-DE" dirty="0"/>
+          </a:p>
+          <a:p>
+            <a:pPr marL="0" indent="0" algn="ctr">
+              <a:buNone/>
+            </a:pPr>
+            <a:endParaRPr lang="de-DE" dirty="0"/>
+          </a:p>
+          <a:p>
+            <a:pPr marL="0" indent="0" algn="ctr">
+              <a:buNone/>
+            </a:pPr>
+            <a:r>
+              <a:rPr lang="en-US" b="0" i="0" dirty="0">
+                <a:solidFill>
+                  <a:srgbClr val="333333"/>
+                </a:solidFill>
+                <a:effectLst/>
+                <a:latin typeface="-apple-system"/>
+              </a:rPr>
+              <a:t>Matplotlib is a comprehensive library for creating static, animated, and interactive visualizations in Python. Matplotlib makes easy things easy and hard things possible.</a:t>
+            </a:r>
+            <a:endParaRPr lang="de-DE" dirty="0"/>
+          </a:p>
+          <a:p>
+            <a:pPr marL="0" indent="0">
+              <a:buNone/>
+            </a:pPr>
+            <a:endParaRPr lang="de-DE" dirty="0"/>
+          </a:p>
+          <a:p>
+            <a:pPr marL="0" indent="0">
+              <a:buNone/>
+            </a:pPr>
+            <a:endParaRPr lang="de-DE" dirty="0"/>
+          </a:p>
+        </p:txBody>
+      </p:sp>
+      <p:pic>
+        <p:nvPicPr>
+          <p:cNvPr id="6" name="Picture 5">
+            <a:extLst>
+              <a:ext uri="{FF2B5EF4-FFF2-40B4-BE49-F238E27FC236}">
+                <a16:creationId xmlns:a16="http://schemas.microsoft.com/office/drawing/2014/main" id="{A8E591E4-9D25-4B47-D824-6257B123C6AD}"/>
+              </a:ext>
+            </a:extLst>
+          </p:cNvPr>
+          <p:cNvPicPr>
+            <a:picLocks noChangeAspect="1"/>
+          </p:cNvPicPr>
+          <p:nvPr/>
+        </p:nvPicPr>
+        <p:blipFill>
+          <a:blip r:embed="rId4"/>
+          <a:stretch>
+            <a:fillRect/>
+          </a:stretch>
+        </p:blipFill>
+        <p:spPr>
+          <a:xfrm>
+            <a:off x="4523668" y="2571099"/>
+            <a:ext cx="2607069" cy="641083"/>
+          </a:xfrm>
+          <a:prstGeom prst="rect">
+            <a:avLst/>
+          </a:prstGeom>
+        </p:spPr>
+      </p:pic>
+    </p:spTree>
+    <p:extLst>
+      <p:ext uri="{BB962C8B-B14F-4D97-AF65-F5344CB8AC3E}">
+        <p14:creationId xmlns:p14="http://schemas.microsoft.com/office/powerpoint/2010/main" val="1015774141"/>
+      </p:ext>
+    </p:extLst>
+  </p:cSld>
+  <p:clrMapOvr>
+    <a:masterClrMapping/>
+  </p:clrMapOvr>
+</p:sld>
+</file>
+
+<file path=ppt/slides/slide21.xml><?xml version="1.0" encoding="utf-8"?>
 <p:sld xmlns:a="http://schemas.openxmlformats.org/drawingml/2006/main" xmlns:r="http://schemas.openxmlformats.org/officeDocument/2006/relationships" xmlns:p="http://schemas.openxmlformats.org/presentationml/2006/main">
   <p:cSld>
     <p:spTree>
@@ -10582,7 +11310,7 @@
 </p:sld>
 </file>
 
-<file path=ppt/slides/slide21.xml><?xml version="1.0" encoding="utf-8"?>
+<file path=ppt/slides/slide22.xml><?xml version="1.0" encoding="utf-8"?>
 <p:sld xmlns:a="http://schemas.openxmlformats.org/drawingml/2006/main" xmlns:r="http://schemas.openxmlformats.org/officeDocument/2006/relationships" xmlns:p="http://schemas.openxmlformats.org/presentationml/2006/main">
   <p:cSld>
     <p:spTree>
@@ -10855,7 +11583,7 @@
 </p:sld>
 </file>
 
-<file path=ppt/slides/slide22.xml><?xml version="1.0" encoding="utf-8"?>
+<file path=ppt/slides/slide23.xml><?xml version="1.0" encoding="utf-8"?>
 <p:sld xmlns:a="http://schemas.openxmlformats.org/drawingml/2006/main" xmlns:r="http://schemas.openxmlformats.org/officeDocument/2006/relationships" xmlns:p="http://schemas.openxmlformats.org/presentationml/2006/main">
   <p:cSld>
     <p:spTree>
@@ -11140,7 +11868,7 @@
 </p:sld>
 </file>
 
-<file path=ppt/slides/slide23.xml><?xml version="1.0" encoding="utf-8"?>
+<file path=ppt/slides/slide24.xml><?xml version="1.0" encoding="utf-8"?>
 <p:sld xmlns:a="http://schemas.openxmlformats.org/drawingml/2006/main" xmlns:r="http://schemas.openxmlformats.org/officeDocument/2006/relationships" xmlns:p="http://schemas.openxmlformats.org/presentationml/2006/main">
   <p:cSld>
     <p:spTree>
@@ -11425,7 +12153,7 @@
 </p:sld>
 </file>
 
-<file path=ppt/slides/slide24.xml><?xml version="1.0" encoding="utf-8"?>
+<file path=ppt/slides/slide25.xml><?xml version="1.0" encoding="utf-8"?>
 <p:sld xmlns:a="http://schemas.openxmlformats.org/drawingml/2006/main" xmlns:r="http://schemas.openxmlformats.org/officeDocument/2006/relationships" xmlns:p="http://schemas.openxmlformats.org/presentationml/2006/main">
   <p:cSld>
     <p:spTree>
@@ -11817,94 +12545,6 @@
 </p:sld>
 </file>
 
-<file path=ppt/slides/slide25.xml><?xml version="1.0" encoding="utf-8"?>
-<p:sld xmlns:a="http://schemas.openxmlformats.org/drawingml/2006/main" xmlns:r="http://schemas.openxmlformats.org/officeDocument/2006/relationships" xmlns:p="http://schemas.openxmlformats.org/presentationml/2006/main">
-  <p:cSld>
-    <p:spTree>
-      <p:nvGrpSpPr>
-        <p:cNvPr id="1" name=""/>
-        <p:cNvGrpSpPr/>
-        <p:nvPr/>
-      </p:nvGrpSpPr>
-      <p:grpSpPr>
-        <a:xfrm>
-          <a:off x="0" y="0"/>
-          <a:ext cx="0" cy="0"/>
-          <a:chOff x="0" y="0"/>
-          <a:chExt cx="0" cy="0"/>
-        </a:xfrm>
-      </p:grpSpPr>
-      <p:sp>
-        <p:nvSpPr>
-          <p:cNvPr id="2" name="Title 1">
-            <a:extLst>
-              <a:ext uri="{FF2B5EF4-FFF2-40B4-BE49-F238E27FC236}">
-                <a16:creationId xmlns:a16="http://schemas.microsoft.com/office/drawing/2014/main" id="{67300353-5A4C-37C1-93AA-7C733D82938C}"/>
-              </a:ext>
-            </a:extLst>
-          </p:cNvPr>
-          <p:cNvSpPr>
-            <a:spLocks noGrp="1"/>
-          </p:cNvSpPr>
-          <p:nvPr>
-            <p:ph type="title"/>
-          </p:nvPr>
-        </p:nvSpPr>
-        <p:spPr/>
-        <p:txBody>
-          <a:bodyPr/>
-          <a:lstStyle/>
-          <a:p>
-            <a:r>
-              <a:rPr lang="de-DE" dirty="0"/>
-              <a:t>Test 1: Configure Boards Successive</a:t>
-            </a:r>
-          </a:p>
-        </p:txBody>
-      </p:sp>
-      <p:pic>
-        <p:nvPicPr>
-          <p:cNvPr id="5" name="Picture 4">
-            <a:extLst>
-              <a:ext uri="{FF2B5EF4-FFF2-40B4-BE49-F238E27FC236}">
-                <a16:creationId xmlns:a16="http://schemas.microsoft.com/office/drawing/2014/main" id="{FD42B1BE-3FC9-8883-877F-F94551C67536}"/>
-              </a:ext>
-            </a:extLst>
-          </p:cNvPr>
-          <p:cNvPicPr>
-            <a:picLocks noChangeAspect="1"/>
-          </p:cNvPicPr>
-          <p:nvPr/>
-        </p:nvPicPr>
-        <p:blipFill>
-          <a:blip r:embed="rId2"/>
-          <a:stretch>
-            <a:fillRect/>
-          </a:stretch>
-        </p:blipFill>
-        <p:spPr>
-          <a:xfrm>
-            <a:off x="3217143" y="1602267"/>
-            <a:ext cx="5677392" cy="3955123"/>
-          </a:xfrm>
-          <a:prstGeom prst="rect">
-            <a:avLst/>
-          </a:prstGeom>
-        </p:spPr>
-      </p:pic>
-    </p:spTree>
-    <p:extLst>
-      <p:ext uri="{BB962C8B-B14F-4D97-AF65-F5344CB8AC3E}">
-        <p14:creationId xmlns:p14="http://schemas.microsoft.com/office/powerpoint/2010/main" val="2972643268"/>
-      </p:ext>
-    </p:extLst>
-  </p:cSld>
-  <p:clrMapOvr>
-    <a:masterClrMapping/>
-  </p:clrMapOvr>
-</p:sld>
-</file>
-
 <file path=ppt/slides/slide26.xml><?xml version="1.0" encoding="utf-8"?>
 <p:sld xmlns:a="http://schemas.openxmlformats.org/drawingml/2006/main" xmlns:r="http://schemas.openxmlformats.org/officeDocument/2006/relationships" xmlns:p="http://schemas.openxmlformats.org/presentationml/2006/main">
   <p:cSld>
@@ -11945,17 +12585,17 @@
           <a:p>
             <a:r>
               <a:rPr lang="de-DE" dirty="0"/>
-              <a:t>Test 1.2: Configure Boards Simultan</a:t>
+              <a:t>Test 1: Configure Boards Successive</a:t>
             </a:r>
           </a:p>
         </p:txBody>
       </p:sp>
       <p:pic>
         <p:nvPicPr>
-          <p:cNvPr id="4" name="Picture 3">
-            <a:extLst>
-              <a:ext uri="{FF2B5EF4-FFF2-40B4-BE49-F238E27FC236}">
-                <a16:creationId xmlns:a16="http://schemas.microsoft.com/office/drawing/2014/main" id="{73C9A4BC-8E15-0CEA-AFFD-F24627F58369}"/>
+          <p:cNvPr id="5" name="Picture 4">
+            <a:extLst>
+              <a:ext uri="{FF2B5EF4-FFF2-40B4-BE49-F238E27FC236}">
+                <a16:creationId xmlns:a16="http://schemas.microsoft.com/office/drawing/2014/main" id="{FD42B1BE-3FC9-8883-877F-F94551C67536}"/>
               </a:ext>
             </a:extLst>
           </p:cNvPr>
@@ -11972,8 +12612,8 @@
         </p:blipFill>
         <p:spPr>
           <a:xfrm>
-            <a:off x="3091402" y="1726742"/>
-            <a:ext cx="5928874" cy="3779848"/>
+            <a:off x="3217143" y="1602267"/>
+            <a:ext cx="5677392" cy="3955123"/>
           </a:xfrm>
           <a:prstGeom prst="rect">
             <a:avLst/>
@@ -11983,7 +12623,7 @@
     </p:spTree>
     <p:extLst>
       <p:ext uri="{BB962C8B-B14F-4D97-AF65-F5344CB8AC3E}">
-        <p14:creationId xmlns:p14="http://schemas.microsoft.com/office/powerpoint/2010/main" val="419535598"/>
+        <p14:creationId xmlns:p14="http://schemas.microsoft.com/office/powerpoint/2010/main" val="2972643268"/>
       </p:ext>
     </p:extLst>
   </p:cSld>
@@ -12033,6 +12673,94 @@
           <a:p>
             <a:r>
               <a:rPr lang="de-DE" dirty="0"/>
+              <a:t>Test 1.2: Configure Boards Simultan</a:t>
+            </a:r>
+          </a:p>
+        </p:txBody>
+      </p:sp>
+      <p:pic>
+        <p:nvPicPr>
+          <p:cNvPr id="4" name="Picture 3">
+            <a:extLst>
+              <a:ext uri="{FF2B5EF4-FFF2-40B4-BE49-F238E27FC236}">
+                <a16:creationId xmlns:a16="http://schemas.microsoft.com/office/drawing/2014/main" id="{73C9A4BC-8E15-0CEA-AFFD-F24627F58369}"/>
+              </a:ext>
+            </a:extLst>
+          </p:cNvPr>
+          <p:cNvPicPr>
+            <a:picLocks noChangeAspect="1"/>
+          </p:cNvPicPr>
+          <p:nvPr/>
+        </p:nvPicPr>
+        <p:blipFill>
+          <a:blip r:embed="rId2"/>
+          <a:stretch>
+            <a:fillRect/>
+          </a:stretch>
+        </p:blipFill>
+        <p:spPr>
+          <a:xfrm>
+            <a:off x="3091402" y="1726742"/>
+            <a:ext cx="5928874" cy="3779848"/>
+          </a:xfrm>
+          <a:prstGeom prst="rect">
+            <a:avLst/>
+          </a:prstGeom>
+        </p:spPr>
+      </p:pic>
+    </p:spTree>
+    <p:extLst>
+      <p:ext uri="{BB962C8B-B14F-4D97-AF65-F5344CB8AC3E}">
+        <p14:creationId xmlns:p14="http://schemas.microsoft.com/office/powerpoint/2010/main" val="419535598"/>
+      </p:ext>
+    </p:extLst>
+  </p:cSld>
+  <p:clrMapOvr>
+    <a:masterClrMapping/>
+  </p:clrMapOvr>
+</p:sld>
+</file>
+
+<file path=ppt/slides/slide28.xml><?xml version="1.0" encoding="utf-8"?>
+<p:sld xmlns:a="http://schemas.openxmlformats.org/drawingml/2006/main" xmlns:r="http://schemas.openxmlformats.org/officeDocument/2006/relationships" xmlns:p="http://schemas.openxmlformats.org/presentationml/2006/main">
+  <p:cSld>
+    <p:spTree>
+      <p:nvGrpSpPr>
+        <p:cNvPr id="1" name=""/>
+        <p:cNvGrpSpPr/>
+        <p:nvPr/>
+      </p:nvGrpSpPr>
+      <p:grpSpPr>
+        <a:xfrm>
+          <a:off x="0" y="0"/>
+          <a:ext cx="0" cy="0"/>
+          <a:chOff x="0" y="0"/>
+          <a:chExt cx="0" cy="0"/>
+        </a:xfrm>
+      </p:grpSpPr>
+      <p:sp>
+        <p:nvSpPr>
+          <p:cNvPr id="2" name="Title 1">
+            <a:extLst>
+              <a:ext uri="{FF2B5EF4-FFF2-40B4-BE49-F238E27FC236}">
+                <a16:creationId xmlns:a16="http://schemas.microsoft.com/office/drawing/2014/main" id="{67300353-5A4C-37C1-93AA-7C733D82938C}"/>
+              </a:ext>
+            </a:extLst>
+          </p:cNvPr>
+          <p:cNvSpPr>
+            <a:spLocks noGrp="1"/>
+          </p:cNvSpPr>
+          <p:nvPr>
+            <p:ph type="title"/>
+          </p:nvPr>
+        </p:nvSpPr>
+        <p:spPr/>
+        <p:txBody>
+          <a:bodyPr/>
+          <a:lstStyle/>
+          <a:p>
+            <a:r>
+              <a:rPr lang="de-DE" dirty="0"/>
               <a:t>Test 2: iperf between two boards and varying the Max Nodes value</a:t>
             </a:r>
           </a:p>
@@ -12201,7 +12929,7 @@
 </p:sld>
 </file>
 
-<file path=ppt/slides/slide28.xml><?xml version="1.0" encoding="utf-8"?>
+<file path=ppt/slides/slide29.xml><?xml version="1.0" encoding="utf-8"?>
 <p:sld xmlns:a="http://schemas.openxmlformats.org/drawingml/2006/main" xmlns:r="http://schemas.openxmlformats.org/officeDocument/2006/relationships" xmlns:p="http://schemas.openxmlformats.org/presentationml/2006/main">
   <p:cSld>
     <p:spTree>
@@ -12522,6 +13250,227 @@
 </file>
 
 <file path=ppt/slides/slide4.xml><?xml version="1.0" encoding="utf-8"?>
+<p:sld xmlns:a="http://schemas.openxmlformats.org/drawingml/2006/main" xmlns:r="http://schemas.openxmlformats.org/officeDocument/2006/relationships" xmlns:p="http://schemas.openxmlformats.org/presentationml/2006/main">
+  <p:cSld>
+    <p:spTree>
+      <p:nvGrpSpPr>
+        <p:cNvPr id="1" name=""/>
+        <p:cNvGrpSpPr/>
+        <p:nvPr/>
+      </p:nvGrpSpPr>
+      <p:grpSpPr>
+        <a:xfrm>
+          <a:off x="0" y="0"/>
+          <a:ext cx="0" cy="0"/>
+          <a:chOff x="0" y="0"/>
+          <a:chExt cx="0" cy="0"/>
+        </a:xfrm>
+      </p:grpSpPr>
+      <p:sp>
+        <p:nvSpPr>
+          <p:cNvPr id="2" name="Title 1">
+            <a:extLst>
+              <a:ext uri="{FF2B5EF4-FFF2-40B4-BE49-F238E27FC236}">
+                <a16:creationId xmlns:a16="http://schemas.microsoft.com/office/drawing/2014/main" id="{4AA33942-852B-E475-399A-829A3998827B}"/>
+              </a:ext>
+            </a:extLst>
+          </p:cNvPr>
+          <p:cNvSpPr>
+            <a:spLocks noGrp="1"/>
+          </p:cNvSpPr>
+          <p:nvPr>
+            <p:ph type="title"/>
+          </p:nvPr>
+        </p:nvSpPr>
+        <p:spPr>
+          <a:xfrm>
+            <a:off x="355509" y="96297"/>
+            <a:ext cx="11400661" cy="777240"/>
+          </a:xfrm>
+        </p:spPr>
+        <p:txBody>
+          <a:bodyPr vert="horz" lIns="121888" tIns="60944" rIns="121888" bIns="60944" rtlCol="0" anchor="t" anchorCtr="0">
+            <a:normAutofit/>
+          </a:bodyPr>
+          <a:lstStyle/>
+          <a:p>
+            <a:pPr>
+              <a:lnSpc>
+                <a:spcPct val="90000"/>
+              </a:lnSpc>
+            </a:pPr>
+            <a:r>
+              <a:rPr lang="en-US" b="1" kern="1200" normalizeH="0" baseline="0" dirty="0">
+                <a:latin typeface="+mj-lt"/>
+                <a:ea typeface="+mj-ea"/>
+                <a:cs typeface="+mj-cs"/>
+              </a:rPr>
+              <a:t>GOAL</a:t>
+            </a:r>
+          </a:p>
+        </p:txBody>
+      </p:sp>
+      <p:sp>
+        <p:nvSpPr>
+          <p:cNvPr id="8" name="TextBox 7">
+            <a:extLst>
+              <a:ext uri="{FF2B5EF4-FFF2-40B4-BE49-F238E27FC236}">
+                <a16:creationId xmlns:a16="http://schemas.microsoft.com/office/drawing/2014/main" id="{CA150BCA-6874-AD39-D378-3519A98F1789}"/>
+              </a:ext>
+            </a:extLst>
+          </p:cNvPr>
+          <p:cNvSpPr txBox="1"/>
+          <p:nvPr/>
+        </p:nvSpPr>
+        <p:spPr>
+          <a:xfrm>
+            <a:off x="355509" y="1561175"/>
+            <a:ext cx="5474567" cy="4795020"/>
+          </a:xfrm>
+          <a:prstGeom prst="rect">
+            <a:avLst/>
+          </a:prstGeom>
+        </p:spPr>
+        <p:txBody>
+          <a:bodyPr vert="horz" lIns="121888" tIns="60944" rIns="121888" bIns="60944" rtlCol="0">
+            <a:normAutofit/>
+          </a:bodyPr>
+          <a:lstStyle/>
+          <a:p>
+            <a:pPr marL="342900" indent="-342900">
+              <a:spcBef>
+                <a:spcPts val="300"/>
+              </a:spcBef>
+              <a:buFont typeface="Arial" panose="020B0604020202020204" pitchFamily="34" charset="0"/>
+              <a:buChar char="•"/>
+            </a:pPr>
+            <a:r>
+              <a:rPr lang="en-US" sz="3200">
+                <a:solidFill>
+                  <a:srgbClr val="070707"/>
+                </a:solidFill>
+              </a:rPr>
+              <a:t>One Firmeware for all boards</a:t>
+            </a:r>
+          </a:p>
+          <a:p>
+            <a:pPr marL="342900" indent="-342900">
+              <a:spcBef>
+                <a:spcPts val="300"/>
+              </a:spcBef>
+              <a:buFont typeface="Arial" panose="020B0604020202020204" pitchFamily="34" charset="0"/>
+              <a:buChar char="•"/>
+            </a:pPr>
+            <a:r>
+              <a:rPr lang="en-US" sz="3200">
+                <a:solidFill>
+                  <a:srgbClr val="070707"/>
+                </a:solidFill>
+              </a:rPr>
+              <a:t>Communication between boards should be visible in the OLED1 Extension</a:t>
+            </a:r>
+          </a:p>
+          <a:p>
+            <a:pPr marL="342900" indent="-342900">
+              <a:spcBef>
+                <a:spcPts val="300"/>
+              </a:spcBef>
+              <a:buFont typeface="Arial" panose="020B0604020202020204" pitchFamily="34" charset="0"/>
+              <a:buChar char="•"/>
+            </a:pPr>
+            <a:r>
+              <a:rPr lang="en-US" sz="3200">
+                <a:solidFill>
+                  <a:srgbClr val="070707"/>
+                </a:solidFill>
+              </a:rPr>
+              <a:t>Demo should be  controlable with only the OLED1 Extension</a:t>
+            </a:r>
+          </a:p>
+          <a:p>
+            <a:pPr marL="342900" indent="-342900">
+              <a:spcBef>
+                <a:spcPts val="300"/>
+              </a:spcBef>
+              <a:buFont typeface="Arial" panose="020B0604020202020204" pitchFamily="34" charset="0"/>
+              <a:buChar char="•"/>
+            </a:pPr>
+            <a:r>
+              <a:rPr lang="en-US" sz="3200">
+                <a:solidFill>
+                  <a:srgbClr val="070707"/>
+                </a:solidFill>
+              </a:rPr>
+              <a:t>More complex operations can be done via a terminal</a:t>
+            </a:r>
+          </a:p>
+          <a:p>
+            <a:pPr>
+              <a:spcBef>
+                <a:spcPts val="300"/>
+              </a:spcBef>
+              <a:buChar char="•"/>
+            </a:pPr>
+            <a:endParaRPr lang="en-US" sz="3200">
+              <a:solidFill>
+                <a:srgbClr val="070707"/>
+              </a:solidFill>
+            </a:endParaRPr>
+          </a:p>
+        </p:txBody>
+      </p:sp>
+      <p:pic>
+        <p:nvPicPr>
+          <p:cNvPr id="6" name="Content Placeholder 5" descr="A picture containing text, electronics&#10;&#10;Description automatically generated">
+            <a:extLst>
+              <a:ext uri="{FF2B5EF4-FFF2-40B4-BE49-F238E27FC236}">
+                <a16:creationId xmlns:a16="http://schemas.microsoft.com/office/drawing/2014/main" id="{DD6538F6-C6D1-AA84-3412-46616C238E32}"/>
+              </a:ext>
+            </a:extLst>
+          </p:cNvPr>
+          <p:cNvPicPr>
+            <a:picLocks noGrp="1" noChangeAspect="1"/>
+          </p:cNvPicPr>
+          <p:nvPr>
+            <p:ph sz="quarter" idx="16"/>
+          </p:nvPr>
+        </p:nvPicPr>
+        <p:blipFill rotWithShape="1">
+          <a:blip r:embed="rId2">
+            <a:extLst>
+              <a:ext uri="{28A0092B-C50C-407E-A947-70E740481C1C}">
+                <a14:useLocalDpi xmlns:a14="http://schemas.microsoft.com/office/drawing/2010/main" val="0"/>
+              </a:ext>
+            </a:extLst>
+          </a:blip>
+          <a:srcRect r="36798" b="-1"/>
+          <a:stretch/>
+        </p:blipFill>
+        <p:spPr>
+          <a:xfrm>
+            <a:off x="6385193" y="1561175"/>
+            <a:ext cx="5387630" cy="4795019"/>
+          </a:xfrm>
+          <a:prstGeom prst="rect">
+            <a:avLst/>
+          </a:prstGeom>
+          <a:noFill/>
+        </p:spPr>
+      </p:pic>
+    </p:spTree>
+    <p:extLst>
+      <p:ext uri="{BB962C8B-B14F-4D97-AF65-F5344CB8AC3E}">
+        <p14:creationId xmlns:p14="http://schemas.microsoft.com/office/powerpoint/2010/main" val="1459359035"/>
+      </p:ext>
+    </p:extLst>
+  </p:cSld>
+  <p:clrMapOvr>
+    <a:masterClrMapping/>
+  </p:clrMapOvr>
+</p:sld>
+</file>
+
+<file path=ppt/slides/slide5.xml><?xml version="1.0" encoding="utf-8"?>
 <p:sld xmlns:a="http://schemas.openxmlformats.org/drawingml/2006/main" xmlns:r="http://schemas.openxmlformats.org/officeDocument/2006/relationships" xmlns:p="http://schemas.openxmlformats.org/presentationml/2006/main">
   <p:cSld>
     <p:spTree>
@@ -13896,7 +14845,7 @@
 </p:sld>
 </file>
 
-<file path=ppt/slides/slide5.xml><?xml version="1.0" encoding="utf-8"?>
+<file path=ppt/slides/slide6.xml><?xml version="1.0" encoding="utf-8"?>
 <p:sld xmlns:a="http://schemas.openxmlformats.org/drawingml/2006/main" xmlns:r="http://schemas.openxmlformats.org/officeDocument/2006/relationships" xmlns:p="http://schemas.openxmlformats.org/presentationml/2006/main">
   <p:cSld>
     <p:spTree>
@@ -14053,7 +15002,7 @@
 </p:sld>
 </file>
 
-<file path=ppt/slides/slide6.xml><?xml version="1.0" encoding="utf-8"?>
+<file path=ppt/slides/slide7.xml><?xml version="1.0" encoding="utf-8"?>
 <p:sld xmlns:a="http://schemas.openxmlformats.org/drawingml/2006/main" xmlns:r="http://schemas.openxmlformats.org/officeDocument/2006/relationships" xmlns:p="http://schemas.openxmlformats.org/presentationml/2006/main">
   <p:cSld>
     <p:spTree>
@@ -14356,7 +15305,7 @@
 </p:sld>
 </file>
 
-<file path=ppt/slides/slide7.xml><?xml version="1.0" encoding="utf-8"?>
+<file path=ppt/slides/slide8.xml><?xml version="1.0" encoding="utf-8"?>
 <p:sld xmlns:a="http://schemas.openxmlformats.org/drawingml/2006/main" xmlns:r="http://schemas.openxmlformats.org/officeDocument/2006/relationships" xmlns:p="http://schemas.openxmlformats.org/presentationml/2006/main">
   <p:cSld>
     <p:spTree>
@@ -14789,7 +15738,7 @@
 </p:sld>
 </file>
 
-<file path=ppt/slides/slide8.xml><?xml version="1.0" encoding="utf-8"?>
+<file path=ppt/slides/slide9.xml><?xml version="1.0" encoding="utf-8"?>
 <p:sld xmlns:a="http://schemas.openxmlformats.org/drawingml/2006/main" xmlns:r="http://schemas.openxmlformats.org/officeDocument/2006/relationships" xmlns:p="http://schemas.openxmlformats.org/presentationml/2006/main">
   <p:cSld>
     <p:spTree>
@@ -15131,639 +16080,6 @@
     </p:tnLst>
     <p:bldLst>
       <p:bldP spid="28" grpId="0" animBg="1"/>
-    </p:bldLst>
-  </p:timing>
-</p:sld>
-</file>
-
-<file path=ppt/slides/slide9.xml><?xml version="1.0" encoding="utf-8"?>
-<p:sld xmlns:a="http://schemas.openxmlformats.org/drawingml/2006/main" xmlns:r="http://schemas.openxmlformats.org/officeDocument/2006/relationships" xmlns:p="http://schemas.openxmlformats.org/presentationml/2006/main">
-  <p:cSld>
-    <p:spTree>
-      <p:nvGrpSpPr>
-        <p:cNvPr id="1" name=""/>
-        <p:cNvGrpSpPr/>
-        <p:nvPr/>
-      </p:nvGrpSpPr>
-      <p:grpSpPr>
-        <a:xfrm>
-          <a:off x="0" y="0"/>
-          <a:ext cx="0" cy="0"/>
-          <a:chOff x="0" y="0"/>
-          <a:chExt cx="0" cy="0"/>
-        </a:xfrm>
-      </p:grpSpPr>
-      <p:pic>
-        <p:nvPicPr>
-          <p:cNvPr id="3" name="Picture 2">
-            <a:extLst>
-              <a:ext uri="{FF2B5EF4-FFF2-40B4-BE49-F238E27FC236}">
-                <a16:creationId xmlns:a16="http://schemas.microsoft.com/office/drawing/2014/main" id="{492953FD-C4A6-945C-CFBE-23CE8BD23EC6}"/>
-              </a:ext>
-            </a:extLst>
-          </p:cNvPr>
-          <p:cNvPicPr>
-            <a:picLocks noChangeAspect="1"/>
-          </p:cNvPicPr>
-          <p:nvPr/>
-        </p:nvPicPr>
-        <p:blipFill>
-          <a:blip r:embed="rId2"/>
-          <a:stretch>
-            <a:fillRect/>
-          </a:stretch>
-        </p:blipFill>
-        <p:spPr>
-          <a:xfrm>
-            <a:off x="3185549" y="1926106"/>
-            <a:ext cx="3035477" cy="4010375"/>
-          </a:xfrm>
-          <a:prstGeom prst="rect">
-            <a:avLst/>
-          </a:prstGeom>
-        </p:spPr>
-      </p:pic>
-      <p:sp>
-        <p:nvSpPr>
-          <p:cNvPr id="2" name="Title 1">
-            <a:extLst>
-              <a:ext uri="{FF2B5EF4-FFF2-40B4-BE49-F238E27FC236}">
-                <a16:creationId xmlns:a16="http://schemas.microsoft.com/office/drawing/2014/main" id="{DDFA33AF-EF16-A9A1-1FDA-0BA58D176E2A}"/>
-              </a:ext>
-            </a:extLst>
-          </p:cNvPr>
-          <p:cNvSpPr>
-            <a:spLocks noGrp="1"/>
-          </p:cNvSpPr>
-          <p:nvPr>
-            <p:ph type="title"/>
-          </p:nvPr>
-        </p:nvSpPr>
-        <p:spPr/>
-        <p:txBody>
-          <a:bodyPr/>
-          <a:lstStyle/>
-          <a:p>
-            <a:r>
-              <a:rPr lang="de-DE" dirty="0"/>
-              <a:t>Generate Makefiles</a:t>
-            </a:r>
-          </a:p>
-        </p:txBody>
-      </p:sp>
-      <p:pic>
-        <p:nvPicPr>
-          <p:cNvPr id="5" name="Picture 4">
-            <a:extLst>
-              <a:ext uri="{FF2B5EF4-FFF2-40B4-BE49-F238E27FC236}">
-                <a16:creationId xmlns:a16="http://schemas.microsoft.com/office/drawing/2014/main" id="{0B513042-A54B-3A27-E0C4-D3E93BE6ABB4}"/>
-              </a:ext>
-            </a:extLst>
-          </p:cNvPr>
-          <p:cNvPicPr>
-            <a:picLocks noChangeAspect="1"/>
-          </p:cNvPicPr>
-          <p:nvPr/>
-        </p:nvPicPr>
-        <p:blipFill>
-          <a:blip r:embed="rId3"/>
-          <a:stretch>
-            <a:fillRect/>
-          </a:stretch>
-        </p:blipFill>
-        <p:spPr>
-          <a:xfrm>
-            <a:off x="764437" y="2623055"/>
-            <a:ext cx="1896230" cy="2079736"/>
-          </a:xfrm>
-          <a:prstGeom prst="rect">
-            <a:avLst/>
-          </a:prstGeom>
-        </p:spPr>
-      </p:pic>
-      <p:sp>
-        <p:nvSpPr>
-          <p:cNvPr id="9" name="Rectangle 8">
-            <a:extLst>
-              <a:ext uri="{FF2B5EF4-FFF2-40B4-BE49-F238E27FC236}">
-                <a16:creationId xmlns:a16="http://schemas.microsoft.com/office/drawing/2014/main" id="{99D2AAEB-550E-CD78-4D50-EB22BB93B423}"/>
-              </a:ext>
-            </a:extLst>
-          </p:cNvPr>
-          <p:cNvSpPr/>
-          <p:nvPr/>
-        </p:nvSpPr>
-        <p:spPr>
-          <a:xfrm>
-            <a:off x="3067736" y="3047600"/>
-            <a:ext cx="3271101" cy="312663"/>
-          </a:xfrm>
-          <a:prstGeom prst="rect">
-            <a:avLst/>
-          </a:prstGeom>
-          <a:noFill/>
-          <a:ln/>
-        </p:spPr>
-        <p:style>
-          <a:lnRef idx="2">
-            <a:schemeClr val="accent2"/>
-          </a:lnRef>
-          <a:fillRef idx="1">
-            <a:schemeClr val="lt1"/>
-          </a:fillRef>
-          <a:effectRef idx="0">
-            <a:schemeClr val="accent2"/>
-          </a:effectRef>
-          <a:fontRef idx="minor">
-            <a:schemeClr val="dk1"/>
-          </a:fontRef>
-        </p:style>
-        <p:txBody>
-          <a:bodyPr rot="0" spcFirstLastPara="0" vertOverflow="overflow" horzOverflow="overflow" vert="horz" wrap="square" lIns="91440" tIns="45720" rIns="91440" bIns="45720" numCol="1" spcCol="0" rtlCol="0" fromWordArt="0" anchor="ctr" anchorCtr="0" forceAA="0" compatLnSpc="1">
-            <a:prstTxWarp prst="textNoShape">
-              <a:avLst/>
-            </a:prstTxWarp>
-            <a:noAutofit/>
-          </a:bodyPr>
-          <a:lstStyle/>
-          <a:p>
-            <a:pPr algn="ctr"/>
-            <a:endParaRPr lang="de-DE"/>
-          </a:p>
-        </p:txBody>
-      </p:sp>
-      <p:sp>
-        <p:nvSpPr>
-          <p:cNvPr id="17" name="TextBox 16">
-            <a:extLst>
-              <a:ext uri="{FF2B5EF4-FFF2-40B4-BE49-F238E27FC236}">
-                <a16:creationId xmlns:a16="http://schemas.microsoft.com/office/drawing/2014/main" id="{B535091C-88EB-9173-F05B-9F0627A2F16B}"/>
-              </a:ext>
-            </a:extLst>
-          </p:cNvPr>
-          <p:cNvSpPr txBox="1"/>
-          <p:nvPr/>
-        </p:nvSpPr>
-        <p:spPr>
-          <a:xfrm>
-            <a:off x="6745907" y="348792"/>
-            <a:ext cx="4406002" cy="3046988"/>
-          </a:xfrm>
-          <a:prstGeom prst="rect">
-            <a:avLst/>
-          </a:prstGeom>
-          <a:noFill/>
-        </p:spPr>
-        <p:txBody>
-          <a:bodyPr wrap="square" rtlCol="0">
-            <a:spAutoFit/>
-          </a:bodyPr>
-          <a:lstStyle/>
-          <a:p>
-            <a:r>
-              <a:rPr lang="de-DE" dirty="0"/>
-              <a:t>The script setup.bat calls the „prjMakefilesGenerator.bat“</a:t>
-            </a:r>
-          </a:p>
-          <a:p>
-            <a:endParaRPr lang="de-DE" dirty="0"/>
-          </a:p>
-          <a:p>
-            <a:r>
-              <a:rPr lang="de-DE" dirty="0"/>
-              <a:t>i.e. It creates all Makefiles. This is normally done by MPLABX when the project is opened. And allows to build the projects without using MPLABX</a:t>
-            </a:r>
-          </a:p>
-        </p:txBody>
-      </p:sp>
-      <p:pic>
-        <p:nvPicPr>
-          <p:cNvPr id="6" name="Picture 5">
-            <a:extLst>
-              <a:ext uri="{FF2B5EF4-FFF2-40B4-BE49-F238E27FC236}">
-                <a16:creationId xmlns:a16="http://schemas.microsoft.com/office/drawing/2014/main" id="{7BA6A497-C67D-DFCD-5F92-FEAED324A85C}"/>
-              </a:ext>
-            </a:extLst>
-          </p:cNvPr>
-          <p:cNvPicPr>
-            <a:picLocks noChangeAspect="1"/>
-          </p:cNvPicPr>
-          <p:nvPr/>
-        </p:nvPicPr>
-        <p:blipFill>
-          <a:blip r:embed="rId4"/>
-          <a:stretch>
-            <a:fillRect/>
-          </a:stretch>
-        </p:blipFill>
-        <p:spPr>
-          <a:xfrm>
-            <a:off x="6637416" y="3725599"/>
-            <a:ext cx="5118754" cy="2210882"/>
-          </a:xfrm>
-          <a:prstGeom prst="rect">
-            <a:avLst/>
-          </a:prstGeom>
-        </p:spPr>
-      </p:pic>
-      <p:sp>
-        <p:nvSpPr>
-          <p:cNvPr id="4" name="Rectangle 3">
-            <a:extLst>
-              <a:ext uri="{FF2B5EF4-FFF2-40B4-BE49-F238E27FC236}">
-                <a16:creationId xmlns:a16="http://schemas.microsoft.com/office/drawing/2014/main" id="{477CD761-2EF6-BE89-0D97-ABB4A7A770FB}"/>
-              </a:ext>
-            </a:extLst>
-          </p:cNvPr>
-          <p:cNvSpPr/>
-          <p:nvPr/>
-        </p:nvSpPr>
-        <p:spPr>
-          <a:xfrm>
-            <a:off x="9320785" y="5596128"/>
-            <a:ext cx="2377440" cy="166085"/>
-          </a:xfrm>
-          <a:prstGeom prst="rect">
-            <a:avLst/>
-          </a:prstGeom>
-          <a:noFill/>
-          <a:ln/>
-        </p:spPr>
-        <p:style>
-          <a:lnRef idx="2">
-            <a:schemeClr val="accent2"/>
-          </a:lnRef>
-          <a:fillRef idx="1">
-            <a:schemeClr val="lt1"/>
-          </a:fillRef>
-          <a:effectRef idx="0">
-            <a:schemeClr val="accent2"/>
-          </a:effectRef>
-          <a:fontRef idx="minor">
-            <a:schemeClr val="dk1"/>
-          </a:fontRef>
-        </p:style>
-        <p:txBody>
-          <a:bodyPr rot="0" spcFirstLastPara="0" vertOverflow="overflow" horzOverflow="overflow" vert="horz" wrap="square" lIns="91440" tIns="45720" rIns="91440" bIns="45720" numCol="1" spcCol="0" rtlCol="0" fromWordArt="0" anchor="ctr" anchorCtr="0" forceAA="0" compatLnSpc="1">
-            <a:prstTxWarp prst="textNoShape">
-              <a:avLst/>
-            </a:prstTxWarp>
-            <a:noAutofit/>
-          </a:bodyPr>
-          <a:lstStyle/>
-          <a:p>
-            <a:pPr algn="ctr"/>
-            <a:endParaRPr lang="de-DE"/>
-          </a:p>
-        </p:txBody>
-      </p:sp>
-      <p:sp>
-        <p:nvSpPr>
-          <p:cNvPr id="7" name="Rectangle 6">
-            <a:extLst>
-              <a:ext uri="{FF2B5EF4-FFF2-40B4-BE49-F238E27FC236}">
-                <a16:creationId xmlns:a16="http://schemas.microsoft.com/office/drawing/2014/main" id="{74B8477E-E393-F6B3-BD90-4D0B87149C77}"/>
-              </a:ext>
-            </a:extLst>
-          </p:cNvPr>
-          <p:cNvSpPr/>
-          <p:nvPr/>
-        </p:nvSpPr>
-        <p:spPr>
-          <a:xfrm>
-            <a:off x="9320785" y="3864865"/>
-            <a:ext cx="2377440" cy="1609344"/>
-          </a:xfrm>
-          <a:prstGeom prst="rect">
-            <a:avLst/>
-          </a:prstGeom>
-          <a:noFill/>
-          <a:ln/>
-        </p:spPr>
-        <p:style>
-          <a:lnRef idx="2">
-            <a:schemeClr val="accent2"/>
-          </a:lnRef>
-          <a:fillRef idx="1">
-            <a:schemeClr val="lt1"/>
-          </a:fillRef>
-          <a:effectRef idx="0">
-            <a:schemeClr val="accent2"/>
-          </a:effectRef>
-          <a:fontRef idx="minor">
-            <a:schemeClr val="dk1"/>
-          </a:fontRef>
-        </p:style>
-        <p:txBody>
-          <a:bodyPr rot="0" spcFirstLastPara="0" vertOverflow="overflow" horzOverflow="overflow" vert="horz" wrap="square" lIns="91440" tIns="45720" rIns="91440" bIns="45720" numCol="1" spcCol="0" rtlCol="0" fromWordArt="0" anchor="ctr" anchorCtr="0" forceAA="0" compatLnSpc="1">
-            <a:prstTxWarp prst="textNoShape">
-              <a:avLst/>
-            </a:prstTxWarp>
-            <a:noAutofit/>
-          </a:bodyPr>
-          <a:lstStyle/>
-          <a:p>
-            <a:pPr algn="ctr"/>
-            <a:endParaRPr lang="de-DE"/>
-          </a:p>
-        </p:txBody>
-      </p:sp>
-      <p:sp>
-        <p:nvSpPr>
-          <p:cNvPr id="11" name="Rectangle 10">
-            <a:extLst>
-              <a:ext uri="{FF2B5EF4-FFF2-40B4-BE49-F238E27FC236}">
-                <a16:creationId xmlns:a16="http://schemas.microsoft.com/office/drawing/2014/main" id="{4E43293E-0F77-4962-9BD7-E1A054466267}"/>
-              </a:ext>
-            </a:extLst>
-          </p:cNvPr>
-          <p:cNvSpPr/>
-          <p:nvPr/>
-        </p:nvSpPr>
-        <p:spPr>
-          <a:xfrm>
-            <a:off x="355509" y="1797031"/>
-            <a:ext cx="11603770" cy="2905760"/>
-          </a:xfrm>
-          <a:prstGeom prst="rect">
-            <a:avLst/>
-          </a:prstGeom>
-          <a:ln/>
-        </p:spPr>
-        <p:style>
-          <a:lnRef idx="2">
-            <a:schemeClr val="accent2"/>
-          </a:lnRef>
-          <a:fillRef idx="1">
-            <a:schemeClr val="lt1"/>
-          </a:fillRef>
-          <a:effectRef idx="0">
-            <a:schemeClr val="accent2"/>
-          </a:effectRef>
-          <a:fontRef idx="minor">
-            <a:schemeClr val="dk1"/>
-          </a:fontRef>
-        </p:style>
-        <p:txBody>
-          <a:bodyPr rot="0" spcFirstLastPara="0" vertOverflow="overflow" horzOverflow="overflow" vert="horz" wrap="square" lIns="91440" tIns="45720" rIns="91440" bIns="45720" numCol="1" spcCol="0" rtlCol="0" fromWordArt="0" anchor="t" anchorCtr="0" forceAA="0" compatLnSpc="1">
-            <a:prstTxWarp prst="textNoShape">
-              <a:avLst/>
-            </a:prstTxWarp>
-            <a:noAutofit/>
-          </a:bodyPr>
-          <a:lstStyle/>
-          <a:p>
-            <a:endParaRPr lang="de-DE" dirty="0"/>
-          </a:p>
-          <a:p>
-            <a:r>
-              <a:rPr lang="de-DE" dirty="0"/>
-              <a:t>If another MPLABX Version should be used than v6.15, this must be changed in the script</a:t>
-            </a:r>
-          </a:p>
-          <a:p>
-            <a:endParaRPr lang="de-DE" dirty="0"/>
-          </a:p>
-          <a:p>
-            <a:endParaRPr lang="de-DE" dirty="0"/>
-          </a:p>
-        </p:txBody>
-      </p:sp>
-      <p:pic>
-        <p:nvPicPr>
-          <p:cNvPr id="13" name="Picture 12">
-            <a:extLst>
-              <a:ext uri="{FF2B5EF4-FFF2-40B4-BE49-F238E27FC236}">
-                <a16:creationId xmlns:a16="http://schemas.microsoft.com/office/drawing/2014/main" id="{FB2E71D1-7C70-A297-8AA3-0D50045852DB}"/>
-              </a:ext>
-            </a:extLst>
-          </p:cNvPr>
-          <p:cNvPicPr>
-            <a:picLocks noChangeAspect="1"/>
-          </p:cNvPicPr>
-          <p:nvPr/>
-        </p:nvPicPr>
-        <p:blipFill>
-          <a:blip r:embed="rId5"/>
-          <a:stretch>
-            <a:fillRect/>
-          </a:stretch>
-        </p:blipFill>
-        <p:spPr>
-          <a:xfrm>
-            <a:off x="653261" y="2785054"/>
-            <a:ext cx="10882303" cy="1287892"/>
-          </a:xfrm>
-          <a:prstGeom prst="rect">
-            <a:avLst/>
-          </a:prstGeom>
-        </p:spPr>
-      </p:pic>
-    </p:spTree>
-    <p:extLst>
-      <p:ext uri="{BB962C8B-B14F-4D97-AF65-F5344CB8AC3E}">
-        <p14:creationId xmlns:p14="http://schemas.microsoft.com/office/powerpoint/2010/main" val="2483439385"/>
-      </p:ext>
-    </p:extLst>
-  </p:cSld>
-  <p:clrMapOvr>
-    <a:masterClrMapping/>
-  </p:clrMapOvr>
-  <p:timing>
-    <p:tnLst>
-      <p:par>
-        <p:cTn id="1" dur="indefinite" restart="never" nodeType="tmRoot">
-          <p:childTnLst>
-            <p:seq concurrent="1" nextAc="seek">
-              <p:cTn id="2" dur="indefinite" nodeType="mainSeq">
-                <p:childTnLst>
-                  <p:par>
-                    <p:cTn id="3" fill="hold">
-                      <p:stCondLst>
-                        <p:cond delay="indefinite"/>
-                      </p:stCondLst>
-                      <p:childTnLst>
-                        <p:par>
-                          <p:cTn id="4" fill="hold">
-                            <p:stCondLst>
-                              <p:cond delay="0"/>
-                            </p:stCondLst>
-                            <p:childTnLst>
-                              <p:par>
-                                <p:cTn id="5" presetID="1" presetClass="entr" presetSubtype="0" fill="hold" grpId="0" nodeType="clickEffect">
-                                  <p:stCondLst>
-                                    <p:cond delay="0"/>
-                                  </p:stCondLst>
-                                  <p:childTnLst>
-                                    <p:set>
-                                      <p:cBhvr>
-                                        <p:cTn id="6" dur="1" fill="hold">
-                                          <p:stCondLst>
-                                            <p:cond delay="0"/>
-                                          </p:stCondLst>
-                                        </p:cTn>
-                                        <p:tgtEl>
-                                          <p:spTgt spid="4"/>
-                                        </p:tgtEl>
-                                        <p:attrNameLst>
-                                          <p:attrName>style.visibility</p:attrName>
-                                        </p:attrNameLst>
-                                      </p:cBhvr>
-                                      <p:to>
-                                        <p:strVal val="visible"/>
-                                      </p:to>
-                                    </p:set>
-                                  </p:childTnLst>
-                                </p:cTn>
-                              </p:par>
-                            </p:childTnLst>
-                          </p:cTn>
-                        </p:par>
-                      </p:childTnLst>
-                    </p:cTn>
-                  </p:par>
-                  <p:par>
-                    <p:cTn id="7" fill="hold">
-                      <p:stCondLst>
-                        <p:cond delay="indefinite"/>
-                      </p:stCondLst>
-                      <p:childTnLst>
-                        <p:par>
-                          <p:cTn id="8" fill="hold">
-                            <p:stCondLst>
-                              <p:cond delay="0"/>
-                            </p:stCondLst>
-                            <p:childTnLst>
-                              <p:par>
-                                <p:cTn id="9" presetID="1" presetClass="entr" presetSubtype="0" fill="hold" grpId="0" nodeType="clickEffect">
-                                  <p:stCondLst>
-                                    <p:cond delay="0"/>
-                                  </p:stCondLst>
-                                  <p:childTnLst>
-                                    <p:set>
-                                      <p:cBhvr>
-                                        <p:cTn id="10" dur="1" fill="hold">
-                                          <p:stCondLst>
-                                            <p:cond delay="0"/>
-                                          </p:stCondLst>
-                                        </p:cTn>
-                                        <p:tgtEl>
-                                          <p:spTgt spid="7"/>
-                                        </p:tgtEl>
-                                        <p:attrNameLst>
-                                          <p:attrName>style.visibility</p:attrName>
-                                        </p:attrNameLst>
-                                      </p:cBhvr>
-                                      <p:to>
-                                        <p:strVal val="visible"/>
-                                      </p:to>
-                                    </p:set>
-                                  </p:childTnLst>
-                                </p:cTn>
-                              </p:par>
-                            </p:childTnLst>
-                          </p:cTn>
-                        </p:par>
-                      </p:childTnLst>
-                    </p:cTn>
-                  </p:par>
-                  <p:par>
-                    <p:cTn id="11" fill="hold">
-                      <p:stCondLst>
-                        <p:cond delay="indefinite"/>
-                      </p:stCondLst>
-                      <p:childTnLst>
-                        <p:par>
-                          <p:cTn id="12" fill="hold">
-                            <p:stCondLst>
-                              <p:cond delay="0"/>
-                            </p:stCondLst>
-                            <p:childTnLst>
-                              <p:par>
-                                <p:cTn id="13" presetID="1" presetClass="entr" presetSubtype="0" fill="hold" grpId="0" nodeType="clickEffect">
-                                  <p:stCondLst>
-                                    <p:cond delay="0"/>
-                                  </p:stCondLst>
-                                  <p:childTnLst>
-                                    <p:set>
-                                      <p:cBhvr>
-                                        <p:cTn id="14" dur="1" fill="hold">
-                                          <p:stCondLst>
-                                            <p:cond delay="0"/>
-                                          </p:stCondLst>
-                                        </p:cTn>
-                                        <p:tgtEl>
-                                          <p:spTgt spid="11"/>
-                                        </p:tgtEl>
-                                        <p:attrNameLst>
-                                          <p:attrName>style.visibility</p:attrName>
-                                        </p:attrNameLst>
-                                      </p:cBhvr>
-                                      <p:to>
-                                        <p:strVal val="visible"/>
-                                      </p:to>
-                                    </p:set>
-                                  </p:childTnLst>
-                                </p:cTn>
-                              </p:par>
-                              <p:par>
-                                <p:cTn id="15" presetID="1" presetClass="entr" presetSubtype="0" fill="hold" nodeType="withEffect">
-                                  <p:stCondLst>
-                                    <p:cond delay="0"/>
-                                  </p:stCondLst>
-                                  <p:childTnLst>
-                                    <p:set>
-                                      <p:cBhvr>
-                                        <p:cTn id="16" dur="1" fill="hold">
-                                          <p:stCondLst>
-                                            <p:cond delay="0"/>
-                                          </p:stCondLst>
-                                        </p:cTn>
-                                        <p:tgtEl>
-                                          <p:spTgt spid="13"/>
-                                        </p:tgtEl>
-                                        <p:attrNameLst>
-                                          <p:attrName>style.visibility</p:attrName>
-                                        </p:attrNameLst>
-                                      </p:cBhvr>
-                                      <p:to>
-                                        <p:strVal val="visible"/>
-                                      </p:to>
-                                    </p:set>
-                                  </p:childTnLst>
-                                </p:cTn>
-                              </p:par>
-                            </p:childTnLst>
-                          </p:cTn>
-                        </p:par>
-                      </p:childTnLst>
-                    </p:cTn>
-                  </p:par>
-                </p:childTnLst>
-              </p:cTn>
-              <p:prevCondLst>
-                <p:cond evt="onPrev" delay="0">
-                  <p:tgtEl>
-                    <p:sldTgt/>
-                  </p:tgtEl>
-                </p:cond>
-              </p:prevCondLst>
-              <p:nextCondLst>
-                <p:cond evt="onNext" delay="0">
-                  <p:tgtEl>
-                    <p:sldTgt/>
-                  </p:tgtEl>
-                </p:cond>
-              </p:nextCondLst>
-            </p:seq>
-          </p:childTnLst>
-        </p:cTn>
-      </p:par>
-    </p:tnLst>
-    <p:bldLst>
-      <p:bldP spid="4" grpId="0" animBg="1"/>
-      <p:bldP spid="7" grpId="0" animBg="1"/>
-      <p:bldP spid="11" grpId="0" animBg="1"/>
     </p:bldLst>
   </p:timing>
 </p:sld>
@@ -16703,15 +17019,6 @@
 
 <file path=customXml/item1.xml><?xml version="1.0" encoding="utf-8"?>
 <?mso-contentType ?>
-<FormTemplates xmlns="http://schemas.microsoft.com/sharepoint/v3/contenttype/forms">
-  <Display>DocumentLibraryForm</Display>
-  <Edit>DocumentLibraryForm</Edit>
-  <New>DocumentLibraryForm</New>
-</FormTemplates>
-</file>
-
-<file path=customXml/item2.xml><?xml version="1.0" encoding="utf-8"?>
-<?mso-contentType ?>
 <spe:Receivers xmlns:spe="http://schemas.microsoft.com/sharepoint/events">
   <Receiver>
     <Name>Document ID Generator</Name>
@@ -16756,7 +17063,29 @@
 </spe:Receivers>
 </file>
 
+<file path=customXml/item2.xml><?xml version="1.0" encoding="utf-8"?>
+<?mso-contentType ?>
+<FormTemplates xmlns="http://schemas.microsoft.com/sharepoint/v3/contenttype/forms">
+  <Display>DocumentLibraryForm</Display>
+  <Edit>DocumentLibraryForm</Edit>
+  <New>DocumentLibraryForm</New>
+</FormTemplates>
+</file>
+
 <file path=customXml/item3.xml><?xml version="1.0" encoding="utf-8"?>
+<p:properties xmlns:p="http://schemas.microsoft.com/office/2006/metadata/properties" xmlns:xsi="http://www.w3.org/2001/XMLSchema-instance" xmlns:pc="http://schemas.microsoft.com/office/infopath/2007/PartnerControls">
+  <documentManagement>
+    <Content_x0020_Archived xmlns="df7acb31-37ac-40e2-81bb-c44e3630f613">false</Content_x0020_Archived>
+    <_dlc_DocId xmlns="38ef598d-997c-498b-b737-2f6b2c50ccab">SV5CHKDEWJXD-84-133</_dlc_DocId>
+    <_dlc_DocIdUrl xmlns="38ef598d-997c-498b-b737-2f6b2c50ccab">
+      <Url>http://mchpweb-2010/marcom/home/Resources/_layouts/DocIdRedir.aspx?ID=SV5CHKDEWJXD-84-133</Url>
+      <Description>SV5CHKDEWJXD-84-133</Description>
+    </_dlc_DocIdUrl>
+  </documentManagement>
+</p:properties>
+</file>
+
+<file path=customXml/item4.xml><?xml version="1.0" encoding="utf-8"?>
 <ct:contentTypeSchema xmlns:ct="http://schemas.microsoft.com/office/2006/metadata/contentType" xmlns:ma="http://schemas.microsoft.com/office/2006/metadata/properties/metaAttributes" ct:_="" ma:_="" ma:contentTypeName="Document" ma:contentTypeID="0x01010006EF9829FE6FB94D84D3D1D5B1820991" ma:contentTypeVersion="2" ma:contentTypeDescription="Create a new document." ma:contentTypeScope="" ma:versionID="84d427fd2fb92a215479da5b0fe5e4ad">
   <xsd:schema xmlns:xsd="http://www.w3.org/2001/XMLSchema" xmlns:xs="http://www.w3.org/2001/XMLSchema" xmlns:p="http://schemas.microsoft.com/office/2006/metadata/properties" xmlns:ns2="38ef598d-997c-498b-b737-2f6b2c50ccab" xmlns:ns3="df7acb31-37ac-40e2-81bb-c44e3630f613" targetNamespace="http://schemas.microsoft.com/office/2006/metadata/properties" ma:root="true" ma:fieldsID="156788901a84a305ff90b9b24ba2d9fb" ns2:_="" ns3:_="">
     <xsd:import namespace="38ef598d-997c-498b-b737-2f6b2c50ccab"/>
@@ -16912,20 +17241,15 @@
 </ct:contentTypeSchema>
 </file>
 
-<file path=customXml/item4.xml><?xml version="1.0" encoding="utf-8"?>
-<p:properties xmlns:p="http://schemas.microsoft.com/office/2006/metadata/properties" xmlns:xsi="http://www.w3.org/2001/XMLSchema-instance" xmlns:pc="http://schemas.microsoft.com/office/infopath/2007/PartnerControls">
-  <documentManagement>
-    <Content_x0020_Archived xmlns="df7acb31-37ac-40e2-81bb-c44e3630f613">false</Content_x0020_Archived>
-    <_dlc_DocId xmlns="38ef598d-997c-498b-b737-2f6b2c50ccab">SV5CHKDEWJXD-84-133</_dlc_DocId>
-    <_dlc_DocIdUrl xmlns="38ef598d-997c-498b-b737-2f6b2c50ccab">
-      <Url>http://mchpweb-2010/marcom/home/Resources/_layouts/DocIdRedir.aspx?ID=SV5CHKDEWJXD-84-133</Url>
-      <Description>SV5CHKDEWJXD-84-133</Description>
-    </_dlc_DocIdUrl>
-  </documentManagement>
-</p:properties>
+<file path=customXml/itemProps1.xml><?xml version="1.0" encoding="utf-8"?>
+<ds:datastoreItem xmlns:ds="http://schemas.openxmlformats.org/officeDocument/2006/customXml" ds:itemID="{36ECED7C-7E24-4B80-B6AD-5BF0A508FB7B}">
+  <ds:schemaRefs>
+    <ds:schemaRef ds:uri="http://schemas.microsoft.com/sharepoint/events"/>
+  </ds:schemaRefs>
+</ds:datastoreItem>
 </file>
 
-<file path=customXml/itemProps1.xml><?xml version="1.0" encoding="utf-8"?>
+<file path=customXml/itemProps2.xml><?xml version="1.0" encoding="utf-8"?>
 <ds:datastoreItem xmlns:ds="http://schemas.openxmlformats.org/officeDocument/2006/customXml" ds:itemID="{0CE24DD7-9317-4AD8-82D4-5A6998DA79C7}">
   <ds:schemaRefs>
     <ds:schemaRef ds:uri="http://schemas.microsoft.com/sharepoint/v3/contenttype/forms"/>
@@ -16933,15 +17257,18 @@
 </ds:datastoreItem>
 </file>
 
-<file path=customXml/itemProps2.xml><?xml version="1.0" encoding="utf-8"?>
-<ds:datastoreItem xmlns:ds="http://schemas.openxmlformats.org/officeDocument/2006/customXml" ds:itemID="{36ECED7C-7E24-4B80-B6AD-5BF0A508FB7B}">
+<file path=customXml/itemProps3.xml><?xml version="1.0" encoding="utf-8"?>
+<ds:datastoreItem xmlns:ds="http://schemas.openxmlformats.org/officeDocument/2006/customXml" ds:itemID="{15774815-801A-4D0C-AAC8-304A8EA5EAE0}">
   <ds:schemaRefs>
-    <ds:schemaRef ds:uri="http://schemas.microsoft.com/sharepoint/events"/>
+    <ds:schemaRef ds:uri="38ef598d-997c-498b-b737-2f6b2c50ccab"/>
+    <ds:schemaRef ds:uri="df7acb31-37ac-40e2-81bb-c44e3630f613"/>
+    <ds:schemaRef ds:uri="http://schemas.microsoft.com/office/2006/metadata/properties"/>
+    <ds:schemaRef ds:uri="http://schemas.microsoft.com/office/infopath/2007/PartnerControls"/>
   </ds:schemaRefs>
 </ds:datastoreItem>
 </file>
 
-<file path=customXml/itemProps3.xml><?xml version="1.0" encoding="utf-8"?>
+<file path=customXml/itemProps4.xml><?xml version="1.0" encoding="utf-8"?>
 <ds:datastoreItem xmlns:ds="http://schemas.openxmlformats.org/officeDocument/2006/customXml" ds:itemID="{AF9647E8-EA5A-4469-8198-396AF1DA17E0}">
   <ds:schemaRefs>
     <ds:schemaRef ds:uri="38ef598d-997c-498b-b737-2f6b2c50ccab"/>
@@ -16958,15 +17285,4 @@
     <ds:schemaRef ds:uri="http://www.w3.org/2001/XMLSchema"/>
   </ds:schemaRefs>
 </ds:datastoreItem>
-</file>
-
-<file path=customXml/itemProps4.xml><?xml version="1.0" encoding="utf-8"?>
-<ds:datastoreItem xmlns:ds="http://schemas.openxmlformats.org/officeDocument/2006/customXml" ds:itemID="{15774815-801A-4D0C-AAC8-304A8EA5EAE0}">
-  <ds:schemaRefs>
-    <ds:schemaRef ds:uri="38ef598d-997c-498b-b737-2f6b2c50ccab"/>
-    <ds:schemaRef ds:uri="df7acb31-37ac-40e2-81bb-c44e3630f613"/>
-    <ds:schemaRef ds:uri="http://schemas.microsoft.com/office/2006/metadata/properties"/>
-    <ds:schemaRef ds:uri="http://schemas.microsoft.com/office/infopath/2007/PartnerControls"/>
-  </ds:schemaRefs>
-</ds:datastoreItem>
 </file>